--- a/aulas/t/SCO-T0-INT.pptx
+++ b/aulas/t/SCO-T0-INT.pptx
@@ -5,10 +5,10 @@
     <p:sldMasterId id="2147483648" r:id="rId1"/>
   </p:sldMasterIdLst>
   <p:notesMasterIdLst>
-    <p:notesMasterId r:id="rId18"/>
+    <p:notesMasterId r:id="rId17"/>
   </p:notesMasterIdLst>
   <p:handoutMasterIdLst>
-    <p:handoutMasterId r:id="rId19"/>
+    <p:handoutMasterId r:id="rId18"/>
   </p:handoutMasterIdLst>
   <p:sldIdLst>
     <p:sldId id="256" r:id="rId2"/>
@@ -20,13 +20,12 @@
     <p:sldId id="382" r:id="rId8"/>
     <p:sldId id="383" r:id="rId9"/>
     <p:sldId id="386" r:id="rId10"/>
-    <p:sldId id="396" r:id="rId11"/>
-    <p:sldId id="394" r:id="rId12"/>
-    <p:sldId id="385" r:id="rId13"/>
-    <p:sldId id="397" r:id="rId14"/>
-    <p:sldId id="389" r:id="rId15"/>
-    <p:sldId id="390" r:id="rId16"/>
-    <p:sldId id="378" r:id="rId17"/>
+    <p:sldId id="394" r:id="rId11"/>
+    <p:sldId id="385" r:id="rId12"/>
+    <p:sldId id="397" r:id="rId13"/>
+    <p:sldId id="389" r:id="rId14"/>
+    <p:sldId id="390" r:id="rId15"/>
+    <p:sldId id="378" r:id="rId16"/>
   </p:sldIdLst>
   <p:sldSz cx="9144000" cy="5715000" type="screen16x10"/>
   <p:notesSz cx="7102475" cy="10233025"/>
@@ -1035,11 +1034,6 @@
         </p:txBody>
       </p:sp>
     </p:spTree>
-    <p:extLst>
-      <p:ext uri="{BB962C8B-B14F-4D97-AF65-F5344CB8AC3E}">
-        <p14:creationId xmlns:p14="http://schemas.microsoft.com/office/powerpoint/2010/main" val="1780358462"/>
-      </p:ext>
-    </p:extLst>
   </p:cSld>
   <p:clrMapOvr>
     <a:masterClrMapping/>
@@ -1216,6 +1210,11 @@
         </p:txBody>
       </p:sp>
     </p:spTree>
+    <p:extLst>
+      <p:ext uri="{BB962C8B-B14F-4D97-AF65-F5344CB8AC3E}">
+        <p14:creationId xmlns:p14="http://schemas.microsoft.com/office/powerpoint/2010/main" val="1530444909"/>
+      </p:ext>
+    </p:extLst>
   </p:cSld>
   <p:clrMapOvr>
     <a:masterClrMapping/>
@@ -1304,11 +1303,6 @@
         </p:txBody>
       </p:sp>
     </p:spTree>
-    <p:extLst>
-      <p:ext uri="{BB962C8B-B14F-4D97-AF65-F5344CB8AC3E}">
-        <p14:creationId xmlns:p14="http://schemas.microsoft.com/office/powerpoint/2010/main" val="1530444909"/>
-      </p:ext>
-    </p:extLst>
   </p:cSld>
   <p:clrMapOvr>
     <a:masterClrMapping/>
@@ -1438,98 +1432,10 @@
           <a:bodyPr/>
           <a:lstStyle/>
           <a:p>
-            <a:fld id="{8E79CF69-099A-4323-ABAD-2A1E82F62D20}" type="slidenum">
+            <a:fld id="{FD2305D1-531D-4CEF-BD3D-05CF1AF8F416}" type="slidenum">
               <a:rPr lang="en-GB"/>
               <a:pPr/>
               <a:t>15</a:t>
-            </a:fld>
-            <a:endParaRPr lang="en-GB" dirty="0"/>
-          </a:p>
-        </p:txBody>
-      </p:sp>
-      <p:sp>
-        <p:nvSpPr>
-          <p:cNvPr id="149506" name="Rectangle 2"/>
-          <p:cNvSpPr>
-            <a:spLocks noGrp="1" noRot="1" noChangeAspect="1" noChangeArrowheads="1" noTextEdit="1"/>
-          </p:cNvSpPr>
-          <p:nvPr>
-            <p:ph type="sldImg"/>
-          </p:nvPr>
-        </p:nvSpPr>
-        <p:spPr>
-          <a:xfrm>
-            <a:off x="479425" y="765175"/>
-            <a:ext cx="6145213" cy="3841750"/>
-          </a:xfrm>
-          <a:ln/>
-        </p:spPr>
-      </p:sp>
-      <p:sp>
-        <p:nvSpPr>
-          <p:cNvPr id="149507" name="Rectangle 3"/>
-          <p:cNvSpPr>
-            <a:spLocks noGrp="1" noChangeArrowheads="1"/>
-          </p:cNvSpPr>
-          <p:nvPr>
-            <p:ph type="body" idx="1"/>
-          </p:nvPr>
-        </p:nvSpPr>
-        <p:spPr/>
-        <p:txBody>
-          <a:bodyPr/>
-          <a:lstStyle/>
-          <a:p>
-            <a:endParaRPr lang="en-GB" dirty="0"/>
-          </a:p>
-        </p:txBody>
-      </p:sp>
-    </p:spTree>
-  </p:cSld>
-  <p:clrMapOvr>
-    <a:masterClrMapping/>
-  </p:clrMapOvr>
-</p:notes>
-</file>
-
-<file path=ppt/notesSlides/notesSlide16.xml><?xml version="1.0" encoding="utf-8"?>
-<p:notes xmlns:a="http://schemas.openxmlformats.org/drawingml/2006/main" xmlns:r="http://schemas.openxmlformats.org/officeDocument/2006/relationships" xmlns:p="http://schemas.openxmlformats.org/presentationml/2006/main">
-  <p:cSld>
-    <p:spTree>
-      <p:nvGrpSpPr>
-        <p:cNvPr id="1" name=""/>
-        <p:cNvGrpSpPr/>
-        <p:nvPr/>
-      </p:nvGrpSpPr>
-      <p:grpSpPr>
-        <a:xfrm>
-          <a:off x="0" y="0"/>
-          <a:ext cx="0" cy="0"/>
-          <a:chOff x="0" y="0"/>
-          <a:chExt cx="0" cy="0"/>
-        </a:xfrm>
-      </p:grpSpPr>
-      <p:sp>
-        <p:nvSpPr>
-          <p:cNvPr id="7" name="Rectangle 7"/>
-          <p:cNvSpPr>
-            <a:spLocks noGrp="1" noChangeArrowheads="1"/>
-          </p:cNvSpPr>
-          <p:nvPr>
-            <p:ph type="sldNum" sz="quarter" idx="5"/>
-          </p:nvPr>
-        </p:nvSpPr>
-        <p:spPr>
-          <a:ln/>
-        </p:spPr>
-        <p:txBody>
-          <a:bodyPr/>
-          <a:lstStyle/>
-          <a:p>
-            <a:fld id="{FD2305D1-531D-4CEF-BD3D-05CF1AF8F416}" type="slidenum">
-              <a:rPr lang="en-GB"/>
-              <a:pPr/>
-              <a:t>16</a:t>
             </a:fld>
             <a:endParaRPr lang="en-GB" dirty="0"/>
           </a:p>
@@ -5298,390 +5204,6 @@
       </p:sp>
       <p:sp>
         <p:nvSpPr>
-          <p:cNvPr id="3" name="Rectangle 13"/>
-          <p:cNvSpPr>
-            <a:spLocks noChangeArrowheads="1"/>
-          </p:cNvSpPr>
-          <p:nvPr/>
-        </p:nvSpPr>
-        <p:spPr bwMode="auto">
-          <a:xfrm>
-            <a:off x="540000" y="900000"/>
-            <a:ext cx="8233871" cy="3289479"/>
-          </a:xfrm>
-          <a:prstGeom prst="rect">
-            <a:avLst/>
-          </a:prstGeom>
-          <a:noFill/>
-          <a:ln w="9525">
-            <a:noFill/>
-            <a:miter lim="800000"/>
-            <a:headEnd/>
-            <a:tailEnd/>
-          </a:ln>
-          <a:effectLst/>
-        </p:spPr>
-        <p:txBody>
-          <a:bodyPr wrap="square" lIns="70408" tIns="35205" rIns="70408" bIns="35205">
-            <a:spAutoFit/>
-          </a:bodyPr>
-          <a:lstStyle/>
-          <a:p>
-            <a:pPr marL="238887" indent="-238887" algn="l" defTabSz="704085">
-              <a:lnSpc>
-                <a:spcPct val="120000"/>
-              </a:lnSpc>
-              <a:buFont typeface="Wingdings" pitchFamily="2" charset="2"/>
-              <a:buChar char="Ø"/>
-            </a:pPr>
-            <a:r>
-              <a:rPr lang="pt-PT" sz="2000" b="0" i="0" dirty="0"/>
-              <a:t>Teórica (continuação):</a:t>
-            </a:r>
-          </a:p>
-          <a:p>
-            <a:pPr marL="396746" lvl="1" algn="l" defTabSz="704085">
-              <a:lnSpc>
-                <a:spcPct val="120000"/>
-              </a:lnSpc>
-            </a:pPr>
-            <a:r>
-              <a:rPr lang="pt-PT" sz="2000" i="0" dirty="0">
-                <a:solidFill>
-                  <a:srgbClr val="0033CC"/>
-                </a:solidFill>
-              </a:rPr>
-              <a:t>SCO-T2-S01, SCO-T2-S02, SCO-T2-S03, SCO-T2-S04, SCO-T2-S05, SCO-T2-S06, SCO-T2-S07, SCO-T2-S08 , SCO-T2-S09 e SCO-T2-S10</a:t>
-            </a:r>
-          </a:p>
-          <a:p>
-            <a:pPr marL="554607" lvl="2" algn="just" defTabSz="704085">
-              <a:lnSpc>
-                <a:spcPct val="120000"/>
-              </a:lnSpc>
-            </a:pPr>
-            <a:r>
-              <a:rPr lang="pt-PT" sz="1600" b="0" dirty="0" err="1"/>
-              <a:t>Frame</a:t>
-            </a:r>
-            <a:r>
-              <a:rPr lang="pt-PT" sz="1600" b="0" dirty="0"/>
-              <a:t> </a:t>
-            </a:r>
-            <a:r>
-              <a:rPr lang="pt-PT" sz="1600" b="0" dirty="0" err="1"/>
-              <a:t>pointer</a:t>
-            </a:r>
-            <a:r>
-              <a:rPr lang="pt-PT" sz="1600" b="0" i="0" dirty="0"/>
-              <a:t>, assemblagem e ligação de módulos de C, desassemblagem e </a:t>
-            </a:r>
-            <a:r>
-              <a:rPr lang="pt-PT" sz="1600" b="0" dirty="0" err="1"/>
-              <a:t>debug</a:t>
-            </a:r>
-            <a:r>
-              <a:rPr lang="pt-PT" sz="1600" b="0" i="0" dirty="0"/>
-              <a:t>, inclusão de código </a:t>
-            </a:r>
-            <a:r>
-              <a:rPr lang="pt-PT" sz="1600" b="0" dirty="0" err="1"/>
-              <a:t>assembly</a:t>
-            </a:r>
-            <a:r>
-              <a:rPr lang="pt-PT" sz="1600" b="0" i="0" dirty="0"/>
-              <a:t> em ficheiros de C. Interligação com sistemas operativos modernos, operações de IO avançadas e protocolos de comunicação, I2C e SPI, </a:t>
-            </a:r>
-            <a:r>
-              <a:rPr lang="pt-PT" sz="1600" b="0" dirty="0"/>
-              <a:t>buses</a:t>
-            </a:r>
-            <a:r>
-              <a:rPr lang="pt-PT" sz="1600" b="0" i="0" dirty="0"/>
-              <a:t> e standards PCI, </a:t>
-            </a:r>
-            <a:r>
-              <a:rPr lang="pt-PT" sz="1600" b="0" i="0" dirty="0" err="1"/>
-              <a:t>PCIe</a:t>
-            </a:r>
-            <a:r>
-              <a:rPr lang="pt-PT" sz="1600" b="0" i="0" dirty="0"/>
-              <a:t>, USB. SATA, IDE, ISA, NVME, comunicação paralela e série, organização de memória e comunicação em sistema multiprocessador, cores e </a:t>
-            </a:r>
-            <a:r>
-              <a:rPr lang="pt-PT" sz="1600" b="0" dirty="0" err="1"/>
-              <a:t>threads</a:t>
-            </a:r>
-            <a:r>
-              <a:rPr lang="pt-PT" sz="1600" b="0" i="0" dirty="0"/>
-              <a:t>.  </a:t>
-            </a:r>
-          </a:p>
-        </p:txBody>
-      </p:sp>
-    </p:spTree>
-    <p:extLst>
-      <p:ext uri="{BB962C8B-B14F-4D97-AF65-F5344CB8AC3E}">
-        <p14:creationId xmlns:p14="http://schemas.microsoft.com/office/powerpoint/2010/main" val="667040479"/>
-      </p:ext>
-    </p:extLst>
-  </p:cSld>
-  <p:clrMapOvr>
-    <a:masterClrMapping/>
-  </p:clrMapOvr>
-  <p:timing>
-    <p:tnLst>
-      <p:par>
-        <p:cTn id="1" dur="indefinite" restart="never" nodeType="tmRoot">
-          <p:childTnLst>
-            <p:seq concurrent="1" nextAc="seek">
-              <p:cTn id="2" dur="indefinite" nodeType="mainSeq">
-                <p:childTnLst>
-                  <p:par>
-                    <p:cTn id="3" fill="hold">
-                      <p:stCondLst>
-                        <p:cond delay="indefinite"/>
-                        <p:cond evt="onBegin" delay="0">
-                          <p:tn val="2"/>
-                        </p:cond>
-                      </p:stCondLst>
-                      <p:childTnLst>
-                        <p:par>
-                          <p:cTn id="4" fill="hold">
-                            <p:stCondLst>
-                              <p:cond delay="0"/>
-                            </p:stCondLst>
-                            <p:childTnLst>
-                              <p:par>
-                                <p:cTn id="5" presetID="42" presetClass="entr" presetSubtype="0" fill="hold" grpId="0" nodeType="afterEffect">
-                                  <p:stCondLst>
-                                    <p:cond delay="0"/>
-                                  </p:stCondLst>
-                                  <p:childTnLst>
-                                    <p:set>
-                                      <p:cBhvr>
-                                        <p:cTn id="6" dur="1" fill="hold">
-                                          <p:stCondLst>
-                                            <p:cond delay="0"/>
-                                          </p:stCondLst>
-                                        </p:cTn>
-                                        <p:tgtEl>
-                                          <p:spTgt spid="3"/>
-                                        </p:tgtEl>
-                                        <p:attrNameLst>
-                                          <p:attrName>style.visibility</p:attrName>
-                                        </p:attrNameLst>
-                                      </p:cBhvr>
-                                      <p:to>
-                                        <p:strVal val="visible"/>
-                                      </p:to>
-                                    </p:set>
-                                    <p:animEffect transition="in" filter="fade">
-                                      <p:cBhvr>
-                                        <p:cTn id="7" dur="500"/>
-                                        <p:tgtEl>
-                                          <p:spTgt spid="3"/>
-                                        </p:tgtEl>
-                                      </p:cBhvr>
-                                    </p:animEffect>
-                                    <p:anim calcmode="lin" valueType="num">
-                                      <p:cBhvr>
-                                        <p:cTn id="8" dur="500" fill="hold"/>
-                                        <p:tgtEl>
-                                          <p:spTgt spid="3"/>
-                                        </p:tgtEl>
-                                        <p:attrNameLst>
-                                          <p:attrName>ppt_x</p:attrName>
-                                        </p:attrNameLst>
-                                      </p:cBhvr>
-                                      <p:tavLst>
-                                        <p:tav tm="0">
-                                          <p:val>
-                                            <p:strVal val="#ppt_x"/>
-                                          </p:val>
-                                        </p:tav>
-                                        <p:tav tm="100000">
-                                          <p:val>
-                                            <p:strVal val="#ppt_x"/>
-                                          </p:val>
-                                        </p:tav>
-                                      </p:tavLst>
-                                    </p:anim>
-                                    <p:anim calcmode="lin" valueType="num">
-                                      <p:cBhvr>
-                                        <p:cTn id="9" dur="500" fill="hold"/>
-                                        <p:tgtEl>
-                                          <p:spTgt spid="3"/>
-                                        </p:tgtEl>
-                                        <p:attrNameLst>
-                                          <p:attrName>ppt_y</p:attrName>
-                                        </p:attrNameLst>
-                                      </p:cBhvr>
-                                      <p:tavLst>
-                                        <p:tav tm="0">
-                                          <p:val>
-                                            <p:strVal val="#ppt_y+.1"/>
-                                          </p:val>
-                                        </p:tav>
-                                        <p:tav tm="100000">
-                                          <p:val>
-                                            <p:strVal val="#ppt_y"/>
-                                          </p:val>
-                                        </p:tav>
-                                      </p:tavLst>
-                                    </p:anim>
-                                  </p:childTnLst>
-                                </p:cTn>
-                              </p:par>
-                            </p:childTnLst>
-                          </p:cTn>
-                        </p:par>
-                      </p:childTnLst>
-                    </p:cTn>
-                  </p:par>
-                </p:childTnLst>
-              </p:cTn>
-              <p:prevCondLst>
-                <p:cond evt="onPrev" delay="0">
-                  <p:tgtEl>
-                    <p:sldTgt/>
-                  </p:tgtEl>
-                </p:cond>
-              </p:prevCondLst>
-              <p:nextCondLst>
-                <p:cond evt="onNext" delay="0">
-                  <p:tgtEl>
-                    <p:sldTgt/>
-                  </p:tgtEl>
-                </p:cond>
-              </p:nextCondLst>
-            </p:seq>
-          </p:childTnLst>
-        </p:cTn>
-      </p:par>
-    </p:tnLst>
-    <p:bldLst>
-      <p:bldP spid="3" grpId="0"/>
-    </p:bldLst>
-  </p:timing>
-</p:sld>
-</file>
-
-<file path=ppt/slides/slide11.xml><?xml version="1.0" encoding="utf-8"?>
-<p:sld xmlns:a="http://schemas.openxmlformats.org/drawingml/2006/main" xmlns:r="http://schemas.openxmlformats.org/officeDocument/2006/relationships" xmlns:p="http://schemas.openxmlformats.org/presentationml/2006/main">
-  <p:cSld>
-    <p:spTree>
-      <p:nvGrpSpPr>
-        <p:cNvPr id="1" name=""/>
-        <p:cNvGrpSpPr/>
-        <p:nvPr/>
-      </p:nvGrpSpPr>
-      <p:grpSpPr>
-        <a:xfrm>
-          <a:off x="0" y="0"/>
-          <a:ext cx="0" cy="0"/>
-          <a:chOff x="0" y="0"/>
-          <a:chExt cx="0" cy="0"/>
-        </a:xfrm>
-      </p:grpSpPr>
-      <p:sp>
-        <p:nvSpPr>
-          <p:cNvPr id="148482" name="Rectangle 2"/>
-          <p:cNvSpPr>
-            <a:spLocks noGrp="1" noChangeArrowheads="1"/>
-          </p:cNvSpPr>
-          <p:nvPr>
-            <p:ph type="title" idx="4294967295"/>
-          </p:nvPr>
-        </p:nvSpPr>
-        <p:spPr bwMode="auto">
-          <a:xfrm>
-            <a:off x="3006330" y="217207"/>
-            <a:ext cx="5292085" cy="420439"/>
-          </a:xfrm>
-          <a:prstGeom prst="rect">
-            <a:avLst/>
-          </a:prstGeom>
-          <a:noFill/>
-          <a:ln>
-            <a:miter lim="800000"/>
-            <a:headEnd/>
-            <a:tailEnd/>
-          </a:ln>
-        </p:spPr>
-        <p:txBody>
-          <a:bodyPr vert="horz" wrap="square" lIns="71323" tIns="35662" rIns="71323" bIns="35662" numCol="1" anchor="t" anchorCtr="0" compatLnSpc="1">
-            <a:prstTxWarp prst="textNoShape">
-              <a:avLst/>
-            </a:prstTxWarp>
-          </a:bodyPr>
-          <a:lstStyle/>
-          <a:p>
-            <a:pPr algn="r"/>
-            <a:r>
-              <a:rPr lang="pt-PT" sz="900" b="1" i="1" dirty="0">
-                <a:solidFill>
-                  <a:srgbClr val="FF0000"/>
-                </a:solidFill>
-                <a:latin typeface="Arial" charset="0"/>
-              </a:rPr>
-              <a:t>SOP-T0-INT</a:t>
-            </a:r>
-            <a:br>
-              <a:rPr lang="pt-PT" sz="1600" b="1" i="1" dirty="0">
-                <a:solidFill>
-                  <a:srgbClr val="FF0000"/>
-                </a:solidFill>
-                <a:latin typeface="Arial" charset="0"/>
-              </a:rPr>
-            </a:br>
-            <a:r>
-              <a:rPr lang="pt-PT" sz="1900" b="1" i="1" dirty="0">
-                <a:solidFill>
-                  <a:srgbClr val="FF0000"/>
-                </a:solidFill>
-                <a:latin typeface="Arial" charset="0"/>
-              </a:rPr>
-              <a:t>P</a:t>
-            </a:r>
-            <a:r>
-              <a:rPr lang="pt-PT" sz="1600" b="1" i="1" dirty="0">
-                <a:solidFill>
-                  <a:srgbClr val="FF0000"/>
-                </a:solidFill>
-                <a:latin typeface="Arial" charset="0"/>
-              </a:rPr>
-              <a:t>ROGRAMA </a:t>
-            </a:r>
-            <a:r>
-              <a:rPr lang="pt-PT" sz="1900" b="1" i="1" dirty="0">
-                <a:solidFill>
-                  <a:srgbClr val="FF0000"/>
-                </a:solidFill>
-                <a:latin typeface="Arial" charset="0"/>
-              </a:rPr>
-              <a:t>P</a:t>
-            </a:r>
-            <a:r>
-              <a:rPr lang="pt-PT" sz="1600" b="1" i="1" dirty="0">
-                <a:solidFill>
-                  <a:srgbClr val="FF0000"/>
-                </a:solidFill>
-                <a:latin typeface="Arial" charset="0"/>
-              </a:rPr>
-              <a:t>REVISTO</a:t>
-            </a:r>
-            <a:endParaRPr lang="pt-PT" sz="1200" b="1" i="1" dirty="0">
-              <a:solidFill>
-                <a:srgbClr val="FF0000"/>
-              </a:solidFill>
-              <a:latin typeface="Arial" charset="0"/>
-            </a:endParaRPr>
-          </a:p>
-        </p:txBody>
-      </p:sp>
-      <p:sp>
-        <p:nvSpPr>
           <p:cNvPr id="5" name="Rectangle 3"/>
           <p:cNvSpPr>
             <a:spLocks noChangeArrowheads="1"/>
@@ -5968,6 +5490,406 @@
 </p:sld>
 </file>
 
+<file path=ppt/slides/slide11.xml><?xml version="1.0" encoding="utf-8"?>
+<p:sld xmlns:a="http://schemas.openxmlformats.org/drawingml/2006/main" xmlns:r="http://schemas.openxmlformats.org/officeDocument/2006/relationships" xmlns:p="http://schemas.openxmlformats.org/presentationml/2006/main">
+  <p:cSld>
+    <p:spTree>
+      <p:nvGrpSpPr>
+        <p:cNvPr id="1" name=""/>
+        <p:cNvGrpSpPr/>
+        <p:nvPr/>
+      </p:nvGrpSpPr>
+      <p:grpSpPr>
+        <a:xfrm>
+          <a:off x="0" y="0"/>
+          <a:ext cx="0" cy="0"/>
+          <a:chOff x="0" y="0"/>
+          <a:chExt cx="0" cy="0"/>
+        </a:xfrm>
+      </p:grpSpPr>
+      <p:sp>
+        <p:nvSpPr>
+          <p:cNvPr id="148482" name="Rectangle 2"/>
+          <p:cNvSpPr>
+            <a:spLocks noGrp="1" noChangeArrowheads="1"/>
+          </p:cNvSpPr>
+          <p:nvPr>
+            <p:ph type="title" idx="4294967295"/>
+          </p:nvPr>
+        </p:nvSpPr>
+        <p:spPr bwMode="auto">
+          <a:xfrm>
+            <a:off x="3006330" y="217207"/>
+            <a:ext cx="5292085" cy="420439"/>
+          </a:xfrm>
+          <a:prstGeom prst="rect">
+            <a:avLst/>
+          </a:prstGeom>
+          <a:noFill/>
+          <a:ln>
+            <a:miter lim="800000"/>
+            <a:headEnd/>
+            <a:tailEnd/>
+          </a:ln>
+        </p:spPr>
+        <p:txBody>
+          <a:bodyPr vert="horz" wrap="square" lIns="71323" tIns="35662" rIns="71323" bIns="35662" numCol="1" anchor="t" anchorCtr="0" compatLnSpc="1">
+            <a:prstTxWarp prst="textNoShape">
+              <a:avLst/>
+            </a:prstTxWarp>
+          </a:bodyPr>
+          <a:lstStyle/>
+          <a:p>
+            <a:pPr algn="r"/>
+            <a:r>
+              <a:rPr lang="pt-PT" sz="900" b="1" i="1" dirty="0">
+                <a:solidFill>
+                  <a:srgbClr val="FF0000"/>
+                </a:solidFill>
+                <a:latin typeface="Arial" charset="0"/>
+              </a:rPr>
+              <a:t>SOP-T0-INT</a:t>
+            </a:r>
+            <a:br>
+              <a:rPr lang="pt-PT" sz="1600" b="1" i="1" dirty="0">
+                <a:solidFill>
+                  <a:srgbClr val="FF0000"/>
+                </a:solidFill>
+                <a:latin typeface="Arial" charset="0"/>
+              </a:rPr>
+            </a:br>
+            <a:r>
+              <a:rPr lang="pt-PT" sz="1900" b="1" i="1" dirty="0">
+                <a:solidFill>
+                  <a:srgbClr val="FF0000"/>
+                </a:solidFill>
+                <a:latin typeface="Arial" charset="0"/>
+              </a:rPr>
+              <a:t>P</a:t>
+            </a:r>
+            <a:r>
+              <a:rPr lang="pt-PT" sz="1600" b="1" i="1" dirty="0">
+                <a:solidFill>
+                  <a:srgbClr val="FF0000"/>
+                </a:solidFill>
+                <a:latin typeface="Arial" charset="0"/>
+              </a:rPr>
+              <a:t>ROGRAMA </a:t>
+            </a:r>
+            <a:r>
+              <a:rPr lang="pt-PT" sz="1900" b="1" i="1" dirty="0">
+                <a:solidFill>
+                  <a:srgbClr val="FF0000"/>
+                </a:solidFill>
+                <a:latin typeface="Arial" charset="0"/>
+              </a:rPr>
+              <a:t>P</a:t>
+            </a:r>
+            <a:r>
+              <a:rPr lang="pt-PT" sz="1600" b="1" i="1" dirty="0">
+                <a:solidFill>
+                  <a:srgbClr val="FF0000"/>
+                </a:solidFill>
+                <a:latin typeface="Arial" charset="0"/>
+              </a:rPr>
+              <a:t>REVISTO</a:t>
+            </a:r>
+            <a:endParaRPr lang="pt-PT" sz="1200" b="1" i="1" dirty="0">
+              <a:solidFill>
+                <a:srgbClr val="FF0000"/>
+              </a:solidFill>
+              <a:latin typeface="Arial" charset="0"/>
+            </a:endParaRPr>
+          </a:p>
+        </p:txBody>
+      </p:sp>
+      <p:sp>
+        <p:nvSpPr>
+          <p:cNvPr id="3" name="Rectangle 13"/>
+          <p:cNvSpPr>
+            <a:spLocks noChangeArrowheads="1"/>
+          </p:cNvSpPr>
+          <p:nvPr/>
+        </p:nvSpPr>
+        <p:spPr bwMode="auto">
+          <a:xfrm>
+            <a:off x="540000" y="900000"/>
+            <a:ext cx="8233871" cy="3049413"/>
+          </a:xfrm>
+          <a:prstGeom prst="rect">
+            <a:avLst/>
+          </a:prstGeom>
+          <a:noFill/>
+          <a:ln w="9525">
+            <a:noFill/>
+            <a:miter lim="800000"/>
+            <a:headEnd/>
+            <a:tailEnd/>
+          </a:ln>
+          <a:effectLst/>
+        </p:spPr>
+        <p:txBody>
+          <a:bodyPr wrap="square" lIns="70408" tIns="35205" rIns="70408" bIns="35205">
+            <a:spAutoFit/>
+          </a:bodyPr>
+          <a:lstStyle/>
+          <a:p>
+            <a:pPr marL="238887" indent="-238887" algn="l" defTabSz="704085">
+              <a:lnSpc>
+                <a:spcPct val="120000"/>
+              </a:lnSpc>
+              <a:buFont typeface="Wingdings" pitchFamily="2" charset="2"/>
+              <a:buChar char="Ø"/>
+            </a:pPr>
+            <a:r>
+              <a:rPr lang="pt-PT" sz="2000" b="0" i="0" dirty="0"/>
+              <a:t>Prática (13 ou 15 aulas de 2h):</a:t>
+            </a:r>
+          </a:p>
+          <a:p>
+            <a:pPr marL="396746" lvl="1" algn="l" defTabSz="704085">
+              <a:lnSpc>
+                <a:spcPct val="120000"/>
+              </a:lnSpc>
+            </a:pPr>
+            <a:r>
+              <a:rPr lang="pt-PT" sz="2100" i="0" dirty="0">
+                <a:solidFill>
+                  <a:srgbClr val="0033CC"/>
+                </a:solidFill>
+              </a:rPr>
+              <a:t>SCO-P1-SD1 e SCO-P1-SD2</a:t>
+            </a:r>
+            <a:endParaRPr lang="pt-PT" sz="1600" i="0" dirty="0">
+              <a:solidFill>
+                <a:srgbClr val="0033CC"/>
+              </a:solidFill>
+            </a:endParaRPr>
+          </a:p>
+          <a:p>
+            <a:pPr marL="789302" lvl="2" indent="-234695" algn="just" defTabSz="704085">
+              <a:lnSpc>
+                <a:spcPct val="120000"/>
+              </a:lnSpc>
+            </a:pPr>
+            <a:r>
+              <a:rPr lang="pt-PT" sz="1600" b="0" i="0" dirty="0"/>
+              <a:t>Sistemas digitais, lógica booleana e representação de dados, circuitos digitais.</a:t>
+            </a:r>
+          </a:p>
+          <a:p>
+            <a:pPr marL="396746" lvl="1" algn="l" defTabSz="704085">
+              <a:lnSpc>
+                <a:spcPct val="120000"/>
+              </a:lnSpc>
+            </a:pPr>
+            <a:r>
+              <a:rPr lang="pt-PT" sz="2100" i="0" dirty="0">
+                <a:solidFill>
+                  <a:srgbClr val="0033CC"/>
+                </a:solidFill>
+              </a:rPr>
+              <a:t>SCO-P2-AS1, SCO-P2-AS2, SCO-P2-AS3, SCO-P2-AS4 e SCO-P2-AS5</a:t>
+            </a:r>
+          </a:p>
+          <a:p>
+            <a:pPr marL="539750" lvl="2" algn="just" defTabSz="624078">
+              <a:lnSpc>
+                <a:spcPct val="120000"/>
+              </a:lnSpc>
+            </a:pPr>
+            <a:r>
+              <a:rPr lang="pt-PT" sz="1600" b="0" dirty="0" err="1"/>
+              <a:t>Assembly</a:t>
+            </a:r>
+            <a:r>
+              <a:rPr lang="pt-PT" sz="1600" b="0" i="0" dirty="0"/>
+              <a:t>, </a:t>
+            </a:r>
+            <a:r>
+              <a:rPr lang="pt-PT" sz="1600" b="0" dirty="0" err="1"/>
+              <a:t>labels</a:t>
+            </a:r>
+            <a:r>
+              <a:rPr lang="pt-PT" sz="1600" b="0" i="0" dirty="0"/>
+              <a:t> e comentários, assemblagem e código máquina, aritmética, saltos condicionais e implementação de estruturas condicionais. Endereçamento e operações de blocos, macros e </a:t>
+            </a:r>
+            <a:r>
+              <a:rPr lang="pt-PT" sz="1600" b="0" i="0" dirty="0" err="1"/>
+              <a:t>subrotinas</a:t>
+            </a:r>
+            <a:r>
+              <a:rPr lang="pt-PT" sz="1600" b="0" i="0" dirty="0"/>
+              <a:t>, passagem de parâmetros por registo e </a:t>
+            </a:r>
+            <a:r>
+              <a:rPr lang="pt-PT" sz="1600" b="0" dirty="0" err="1"/>
+              <a:t>frame</a:t>
+            </a:r>
+            <a:r>
+              <a:rPr lang="pt-PT" sz="1600" b="0" dirty="0"/>
+              <a:t> </a:t>
+            </a:r>
+            <a:r>
+              <a:rPr lang="pt-PT" sz="1600" b="0" dirty="0" err="1"/>
+              <a:t>pointer</a:t>
+            </a:r>
+            <a:r>
+              <a:rPr lang="pt-PT" sz="1600" b="0" dirty="0"/>
+              <a:t>.</a:t>
+            </a:r>
+            <a:endParaRPr lang="pt-PT" sz="1600" b="0" i="0" dirty="0"/>
+          </a:p>
+        </p:txBody>
+      </p:sp>
+    </p:spTree>
+    <p:extLst>
+      <p:ext uri="{BB962C8B-B14F-4D97-AF65-F5344CB8AC3E}">
+        <p14:creationId xmlns:p14="http://schemas.microsoft.com/office/powerpoint/2010/main" val="2590887067"/>
+      </p:ext>
+    </p:extLst>
+  </p:cSld>
+  <p:clrMapOvr>
+    <a:masterClrMapping/>
+  </p:clrMapOvr>
+  <p:timing>
+    <p:tnLst>
+      <p:par>
+        <p:cTn id="1" dur="indefinite" restart="never" nodeType="tmRoot">
+          <p:childTnLst>
+            <p:seq concurrent="1" nextAc="seek">
+              <p:cTn id="2" dur="indefinite" nodeType="mainSeq">
+                <p:childTnLst>
+                  <p:par>
+                    <p:cTn id="3" fill="hold">
+                      <p:stCondLst>
+                        <p:cond delay="indefinite"/>
+                        <p:cond evt="onBegin" delay="0">
+                          <p:tn val="2"/>
+                        </p:cond>
+                      </p:stCondLst>
+                      <p:childTnLst>
+                        <p:par>
+                          <p:cTn id="4" fill="hold">
+                            <p:stCondLst>
+                              <p:cond delay="0"/>
+                            </p:stCondLst>
+                            <p:childTnLst>
+                              <p:par>
+                                <p:cTn id="5" presetID="42" presetClass="entr" presetSubtype="0" fill="hold" grpId="0" nodeType="afterEffect">
+                                  <p:stCondLst>
+                                    <p:cond delay="0"/>
+                                  </p:stCondLst>
+                                  <p:childTnLst>
+                                    <p:set>
+                                      <p:cBhvr>
+                                        <p:cTn id="6" dur="1" fill="hold">
+                                          <p:stCondLst>
+                                            <p:cond delay="0"/>
+                                          </p:stCondLst>
+                                        </p:cTn>
+                                        <p:tgtEl>
+                                          <p:spTgt spid="3"/>
+                                        </p:tgtEl>
+                                        <p:attrNameLst>
+                                          <p:attrName>style.visibility</p:attrName>
+                                        </p:attrNameLst>
+                                      </p:cBhvr>
+                                      <p:to>
+                                        <p:strVal val="visible"/>
+                                      </p:to>
+                                    </p:set>
+                                    <p:animEffect transition="in" filter="fade">
+                                      <p:cBhvr>
+                                        <p:cTn id="7" dur="500"/>
+                                        <p:tgtEl>
+                                          <p:spTgt spid="3"/>
+                                        </p:tgtEl>
+                                      </p:cBhvr>
+                                    </p:animEffect>
+                                    <p:anim calcmode="lin" valueType="num">
+                                      <p:cBhvr>
+                                        <p:cTn id="8" dur="500" fill="hold"/>
+                                        <p:tgtEl>
+                                          <p:spTgt spid="3"/>
+                                        </p:tgtEl>
+                                        <p:attrNameLst>
+                                          <p:attrName>ppt_x</p:attrName>
+                                        </p:attrNameLst>
+                                      </p:cBhvr>
+                                      <p:tavLst>
+                                        <p:tav tm="0">
+                                          <p:val>
+                                            <p:strVal val="#ppt_x"/>
+                                          </p:val>
+                                        </p:tav>
+                                        <p:tav tm="100000">
+                                          <p:val>
+                                            <p:strVal val="#ppt_x"/>
+                                          </p:val>
+                                        </p:tav>
+                                      </p:tavLst>
+                                    </p:anim>
+                                    <p:anim calcmode="lin" valueType="num">
+                                      <p:cBhvr>
+                                        <p:cTn id="9" dur="500" fill="hold"/>
+                                        <p:tgtEl>
+                                          <p:spTgt spid="3"/>
+                                        </p:tgtEl>
+                                        <p:attrNameLst>
+                                          <p:attrName>ppt_y</p:attrName>
+                                        </p:attrNameLst>
+                                      </p:cBhvr>
+                                      <p:tavLst>
+                                        <p:tav tm="0">
+                                          <p:val>
+                                            <p:strVal val="#ppt_y+.1"/>
+                                          </p:val>
+                                        </p:tav>
+                                        <p:tav tm="100000">
+                                          <p:val>
+                                            <p:strVal val="#ppt_y"/>
+                                          </p:val>
+                                        </p:tav>
+                                      </p:tavLst>
+                                    </p:anim>
+                                  </p:childTnLst>
+                                </p:cTn>
+                              </p:par>
+                            </p:childTnLst>
+                          </p:cTn>
+                        </p:par>
+                      </p:childTnLst>
+                    </p:cTn>
+                  </p:par>
+                </p:childTnLst>
+              </p:cTn>
+              <p:prevCondLst>
+                <p:cond evt="onPrev" delay="0">
+                  <p:tgtEl>
+                    <p:sldTgt/>
+                  </p:tgtEl>
+                </p:cond>
+              </p:prevCondLst>
+              <p:nextCondLst>
+                <p:cond evt="onNext" delay="0">
+                  <p:tgtEl>
+                    <p:sldTgt/>
+                  </p:tgtEl>
+                </p:cond>
+              </p:nextCondLst>
+            </p:seq>
+          </p:childTnLst>
+        </p:cTn>
+      </p:par>
+    </p:tnLst>
+    <p:bldLst>
+      <p:bldP spid="3" grpId="0"/>
+    </p:bldLst>
+  </p:timing>
+</p:sld>
+</file>
+
 <file path=ppt/slides/slide12.xml><?xml version="1.0" encoding="utf-8"?>
 <p:sld xmlns:a="http://schemas.openxmlformats.org/drawingml/2006/main" xmlns:r="http://schemas.openxmlformats.org/officeDocument/2006/relationships" xmlns:p="http://schemas.openxmlformats.org/presentationml/2006/main">
   <p:cSld>
@@ -6092,7 +6014,7 @@
         <p:spPr bwMode="auto">
           <a:xfrm>
             <a:off x="540000" y="900000"/>
-            <a:ext cx="8233871" cy="3049413"/>
+            <a:ext cx="8233871" cy="2458482"/>
           </a:xfrm>
           <a:prstGeom prst="rect">
             <a:avLst/>
@@ -6121,8 +6043,9 @@
             </a:pPr>
             <a:r>
               <a:rPr lang="pt-PT" sz="2000" b="0" i="0" dirty="0"/>
-              <a:t>Prática (13 ou 15 aulas de 2h):</a:t>
-            </a:r>
+              <a:t>Prática (continuação):</a:t>
+            </a:r>
+            <a:endParaRPr lang="pt-PT" sz="1600" b="0" dirty="0"/>
           </a:p>
           <a:p>
             <a:pPr marL="396746" lvl="1" algn="l" defTabSz="704085">
@@ -6136,23 +6059,22 @@
                   <a:srgbClr val="0033CC"/>
                 </a:solidFill>
               </a:rPr>
-              <a:t>SCO-P1-SD1 e SCO-P1-SD2</a:t>
-            </a:r>
-            <a:endParaRPr lang="pt-PT" sz="1600" i="0" dirty="0">
-              <a:solidFill>
-                <a:srgbClr val="0033CC"/>
-              </a:solidFill>
-            </a:endParaRPr>
-          </a:p>
-          <a:p>
-            <a:pPr marL="789302" lvl="2" indent="-234695" algn="just" defTabSz="704085">
+              <a:t>SCO-P3-SY1, SCO-P3-SY2, SCO-P3-SY3, SCO-P3-SY4 e SCO-P3-SY5</a:t>
+            </a:r>
+          </a:p>
+          <a:p>
+            <a:pPr marL="539750" lvl="2" algn="just" defTabSz="704085">
               <a:lnSpc>
                 <a:spcPct val="120000"/>
               </a:lnSpc>
             </a:pPr>
             <a:r>
+              <a:rPr lang="pt-PT" sz="1600" b="0" dirty="0" err="1"/>
+              <a:t>Assembly</a:t>
+            </a:r>
+            <a:r>
               <a:rPr lang="pt-PT" sz="1600" b="0" i="0" dirty="0"/>
-              <a:t>Sistemas digitais, lógica booleana e representação de dados, circuitos digitais.</a:t>
+              <a:t> e linguagem C, integração com sistema físicos e sistemas operativos modernos, IO e controlo de sistemas. Comunicação entre dispositivos.</a:t>
             </a:r>
           </a:p>
           <a:p>
@@ -6167,63 +6089,34 @@
                   <a:srgbClr val="0033CC"/>
                 </a:solidFill>
               </a:rPr>
-              <a:t>SCO-P2-AS1, SCO-P2-AS2, SCO-P2-AS3, SCO-P2-AS4 e SCO-P2-AS5</a:t>
-            </a:r>
-          </a:p>
-          <a:p>
-            <a:pPr marL="539750" lvl="2" algn="just" defTabSz="624078">
+              <a:t>SCO-P4-AV1, SCO-P4-AV2 e SCO-P3-AV3</a:t>
+            </a:r>
+          </a:p>
+          <a:p>
+            <a:pPr marL="539750" lvl="2" algn="just" defTabSz="704085">
               <a:lnSpc>
                 <a:spcPct val="120000"/>
               </a:lnSpc>
             </a:pPr>
             <a:r>
-              <a:rPr lang="pt-PT" sz="1600" b="0" dirty="0" err="1"/>
-              <a:t>Assembly</a:t>
-            </a:r>
-            <a:r>
               <a:rPr lang="pt-PT" sz="1600" b="0" i="0" dirty="0"/>
-              <a:t>, </a:t>
-            </a:r>
-            <a:r>
-              <a:rPr lang="pt-PT" sz="1600" b="0" dirty="0" err="1"/>
-              <a:t>labels</a:t>
+              <a:t>Desenvolvimento de trabalhos em outras arquiteturas, com PC e </a:t>
+            </a:r>
+            <a:r>
+              <a:rPr lang="pt-PT" sz="1600" b="0" i="0" dirty="0" err="1"/>
+              <a:t>PICs</a:t>
             </a:r>
             <a:r>
               <a:rPr lang="pt-PT" sz="1600" b="0" i="0" dirty="0"/>
-              <a:t> e comentários, assemblagem e código máquina, aritmética, saltos condicionais e implementação de estruturas condicionais. Endereçamento e operações de blocos, macros e </a:t>
-            </a:r>
-            <a:r>
-              <a:rPr lang="pt-PT" sz="1600" b="0" i="0" dirty="0" err="1"/>
-              <a:t>subrotinas</a:t>
-            </a:r>
-            <a:r>
-              <a:rPr lang="pt-PT" sz="1600" b="0" i="0" dirty="0"/>
-              <a:t>, passagem de parâmetros por registo e </a:t>
-            </a:r>
-            <a:r>
-              <a:rPr lang="pt-PT" sz="1600" b="0" dirty="0" err="1"/>
-              <a:t>frame</a:t>
-            </a:r>
-            <a:r>
-              <a:rPr lang="pt-PT" sz="1600" b="0" dirty="0"/>
-              <a:t> </a:t>
-            </a:r>
-            <a:r>
-              <a:rPr lang="pt-PT" sz="1600" b="0" dirty="0" err="1"/>
-              <a:t>pointer</a:t>
-            </a:r>
-            <a:r>
-              <a:rPr lang="pt-PT" sz="1600" b="0" dirty="0"/>
               <a:t>.</a:t>
             </a:r>
-            <a:endParaRPr lang="pt-PT" sz="1600" b="0" i="0" dirty="0"/>
           </a:p>
         </p:txBody>
       </p:sp>
     </p:spTree>
     <p:extLst>
       <p:ext uri="{BB962C8B-B14F-4D97-AF65-F5344CB8AC3E}">
-        <p14:creationId xmlns:p14="http://schemas.microsoft.com/office/powerpoint/2010/main" val="2590887067"/>
+        <p14:creationId xmlns:p14="http://schemas.microsoft.com/office/powerpoint/2010/main" val="3539033521"/>
       </p:ext>
     </p:extLst>
   </p:cSld>
@@ -6420,377 +6313,6 @@
           <a:p>
             <a:pPr algn="r"/>
             <a:r>
-              <a:rPr lang="pt-PT" sz="900" b="1" i="1" dirty="0">
-                <a:solidFill>
-                  <a:srgbClr val="FF0000"/>
-                </a:solidFill>
-                <a:latin typeface="Arial" charset="0"/>
-              </a:rPr>
-              <a:t>SOP-T0-INT</a:t>
-            </a:r>
-            <a:br>
-              <a:rPr lang="pt-PT" sz="1600" b="1" i="1" dirty="0">
-                <a:solidFill>
-                  <a:srgbClr val="FF0000"/>
-                </a:solidFill>
-                <a:latin typeface="Arial" charset="0"/>
-              </a:rPr>
-            </a:br>
-            <a:r>
-              <a:rPr lang="pt-PT" sz="1900" b="1" i="1" dirty="0">
-                <a:solidFill>
-                  <a:srgbClr val="FF0000"/>
-                </a:solidFill>
-                <a:latin typeface="Arial" charset="0"/>
-              </a:rPr>
-              <a:t>P</a:t>
-            </a:r>
-            <a:r>
-              <a:rPr lang="pt-PT" sz="1600" b="1" i="1" dirty="0">
-                <a:solidFill>
-                  <a:srgbClr val="FF0000"/>
-                </a:solidFill>
-                <a:latin typeface="Arial" charset="0"/>
-              </a:rPr>
-              <a:t>ROGRAMA </a:t>
-            </a:r>
-            <a:r>
-              <a:rPr lang="pt-PT" sz="1900" b="1" i="1" dirty="0">
-                <a:solidFill>
-                  <a:srgbClr val="FF0000"/>
-                </a:solidFill>
-                <a:latin typeface="Arial" charset="0"/>
-              </a:rPr>
-              <a:t>P</a:t>
-            </a:r>
-            <a:r>
-              <a:rPr lang="pt-PT" sz="1600" b="1" i="1" dirty="0">
-                <a:solidFill>
-                  <a:srgbClr val="FF0000"/>
-                </a:solidFill>
-                <a:latin typeface="Arial" charset="0"/>
-              </a:rPr>
-              <a:t>REVISTO</a:t>
-            </a:r>
-            <a:endParaRPr lang="pt-PT" sz="1200" b="1" i="1" dirty="0">
-              <a:solidFill>
-                <a:srgbClr val="FF0000"/>
-              </a:solidFill>
-              <a:latin typeface="Arial" charset="0"/>
-            </a:endParaRPr>
-          </a:p>
-        </p:txBody>
-      </p:sp>
-      <p:sp>
-        <p:nvSpPr>
-          <p:cNvPr id="3" name="Rectangle 13"/>
-          <p:cNvSpPr>
-            <a:spLocks noChangeArrowheads="1"/>
-          </p:cNvSpPr>
-          <p:nvPr/>
-        </p:nvSpPr>
-        <p:spPr bwMode="auto">
-          <a:xfrm>
-            <a:off x="540000" y="900000"/>
-            <a:ext cx="8233871" cy="2458482"/>
-          </a:xfrm>
-          <a:prstGeom prst="rect">
-            <a:avLst/>
-          </a:prstGeom>
-          <a:noFill/>
-          <a:ln w="9525">
-            <a:noFill/>
-            <a:miter lim="800000"/>
-            <a:headEnd/>
-            <a:tailEnd/>
-          </a:ln>
-          <a:effectLst/>
-        </p:spPr>
-        <p:txBody>
-          <a:bodyPr wrap="square" lIns="70408" tIns="35205" rIns="70408" bIns="35205">
-            <a:spAutoFit/>
-          </a:bodyPr>
-          <a:lstStyle/>
-          <a:p>
-            <a:pPr marL="238887" indent="-238887" algn="l" defTabSz="704085">
-              <a:lnSpc>
-                <a:spcPct val="120000"/>
-              </a:lnSpc>
-              <a:buFont typeface="Wingdings" pitchFamily="2" charset="2"/>
-              <a:buChar char="Ø"/>
-            </a:pPr>
-            <a:r>
-              <a:rPr lang="pt-PT" sz="2000" b="0" i="0" dirty="0"/>
-              <a:t>Prática (continuação):</a:t>
-            </a:r>
-            <a:endParaRPr lang="pt-PT" sz="1600" b="0" dirty="0"/>
-          </a:p>
-          <a:p>
-            <a:pPr marL="396746" lvl="1" algn="l" defTabSz="704085">
-              <a:lnSpc>
-                <a:spcPct val="120000"/>
-              </a:lnSpc>
-            </a:pPr>
-            <a:r>
-              <a:rPr lang="pt-PT" sz="2100" i="0" dirty="0">
-                <a:solidFill>
-                  <a:srgbClr val="0033CC"/>
-                </a:solidFill>
-              </a:rPr>
-              <a:t>SCO-P3-SY1, SCO-P3-SY2, SCO-P3-SY3, SCO-P3-SY4 e SCO-P3-SY5</a:t>
-            </a:r>
-          </a:p>
-          <a:p>
-            <a:pPr marL="539750" lvl="2" algn="just" defTabSz="704085">
-              <a:lnSpc>
-                <a:spcPct val="120000"/>
-              </a:lnSpc>
-            </a:pPr>
-            <a:r>
-              <a:rPr lang="pt-PT" sz="1600" b="0" dirty="0" err="1"/>
-              <a:t>Assembly</a:t>
-            </a:r>
-            <a:r>
-              <a:rPr lang="pt-PT" sz="1600" b="0" i="0" dirty="0"/>
-              <a:t> e linguagem C, integração com sistema físicos e sistemas operativos modernos, IO e controlo de sistemas. Comunicação entre dispositivos.</a:t>
-            </a:r>
-          </a:p>
-          <a:p>
-            <a:pPr marL="396746" lvl="1" algn="l" defTabSz="704085">
-              <a:lnSpc>
-                <a:spcPct val="120000"/>
-              </a:lnSpc>
-            </a:pPr>
-            <a:r>
-              <a:rPr lang="pt-PT" sz="2100" i="0" dirty="0">
-                <a:solidFill>
-                  <a:srgbClr val="0033CC"/>
-                </a:solidFill>
-              </a:rPr>
-              <a:t>SCO-P4-AV1, SCO-P4-AV2 e SCO-P3-AV3</a:t>
-            </a:r>
-          </a:p>
-          <a:p>
-            <a:pPr marL="539750" lvl="2" algn="just" defTabSz="704085">
-              <a:lnSpc>
-                <a:spcPct val="120000"/>
-              </a:lnSpc>
-            </a:pPr>
-            <a:r>
-              <a:rPr lang="pt-PT" sz="1600" b="0" i="0" dirty="0"/>
-              <a:t>Desenvolvimento de trabalhos em outras arquiteturas, com PC e </a:t>
-            </a:r>
-            <a:r>
-              <a:rPr lang="pt-PT" sz="1600" b="0" i="0" dirty="0" err="1"/>
-              <a:t>PICs</a:t>
-            </a:r>
-            <a:r>
-              <a:rPr lang="pt-PT" sz="1600" b="0" i="0" dirty="0"/>
-              <a:t>.</a:t>
-            </a:r>
-          </a:p>
-        </p:txBody>
-      </p:sp>
-    </p:spTree>
-    <p:extLst>
-      <p:ext uri="{BB962C8B-B14F-4D97-AF65-F5344CB8AC3E}">
-        <p14:creationId xmlns:p14="http://schemas.microsoft.com/office/powerpoint/2010/main" val="3539033521"/>
-      </p:ext>
-    </p:extLst>
-  </p:cSld>
-  <p:clrMapOvr>
-    <a:masterClrMapping/>
-  </p:clrMapOvr>
-  <p:timing>
-    <p:tnLst>
-      <p:par>
-        <p:cTn id="1" dur="indefinite" restart="never" nodeType="tmRoot">
-          <p:childTnLst>
-            <p:seq concurrent="1" nextAc="seek">
-              <p:cTn id="2" dur="indefinite" nodeType="mainSeq">
-                <p:childTnLst>
-                  <p:par>
-                    <p:cTn id="3" fill="hold">
-                      <p:stCondLst>
-                        <p:cond delay="indefinite"/>
-                        <p:cond evt="onBegin" delay="0">
-                          <p:tn val="2"/>
-                        </p:cond>
-                      </p:stCondLst>
-                      <p:childTnLst>
-                        <p:par>
-                          <p:cTn id="4" fill="hold">
-                            <p:stCondLst>
-                              <p:cond delay="0"/>
-                            </p:stCondLst>
-                            <p:childTnLst>
-                              <p:par>
-                                <p:cTn id="5" presetID="42" presetClass="entr" presetSubtype="0" fill="hold" grpId="0" nodeType="afterEffect">
-                                  <p:stCondLst>
-                                    <p:cond delay="0"/>
-                                  </p:stCondLst>
-                                  <p:childTnLst>
-                                    <p:set>
-                                      <p:cBhvr>
-                                        <p:cTn id="6" dur="1" fill="hold">
-                                          <p:stCondLst>
-                                            <p:cond delay="0"/>
-                                          </p:stCondLst>
-                                        </p:cTn>
-                                        <p:tgtEl>
-                                          <p:spTgt spid="3"/>
-                                        </p:tgtEl>
-                                        <p:attrNameLst>
-                                          <p:attrName>style.visibility</p:attrName>
-                                        </p:attrNameLst>
-                                      </p:cBhvr>
-                                      <p:to>
-                                        <p:strVal val="visible"/>
-                                      </p:to>
-                                    </p:set>
-                                    <p:animEffect transition="in" filter="fade">
-                                      <p:cBhvr>
-                                        <p:cTn id="7" dur="500"/>
-                                        <p:tgtEl>
-                                          <p:spTgt spid="3"/>
-                                        </p:tgtEl>
-                                      </p:cBhvr>
-                                    </p:animEffect>
-                                    <p:anim calcmode="lin" valueType="num">
-                                      <p:cBhvr>
-                                        <p:cTn id="8" dur="500" fill="hold"/>
-                                        <p:tgtEl>
-                                          <p:spTgt spid="3"/>
-                                        </p:tgtEl>
-                                        <p:attrNameLst>
-                                          <p:attrName>ppt_x</p:attrName>
-                                        </p:attrNameLst>
-                                      </p:cBhvr>
-                                      <p:tavLst>
-                                        <p:tav tm="0">
-                                          <p:val>
-                                            <p:strVal val="#ppt_x"/>
-                                          </p:val>
-                                        </p:tav>
-                                        <p:tav tm="100000">
-                                          <p:val>
-                                            <p:strVal val="#ppt_x"/>
-                                          </p:val>
-                                        </p:tav>
-                                      </p:tavLst>
-                                    </p:anim>
-                                    <p:anim calcmode="lin" valueType="num">
-                                      <p:cBhvr>
-                                        <p:cTn id="9" dur="500" fill="hold"/>
-                                        <p:tgtEl>
-                                          <p:spTgt spid="3"/>
-                                        </p:tgtEl>
-                                        <p:attrNameLst>
-                                          <p:attrName>ppt_y</p:attrName>
-                                        </p:attrNameLst>
-                                      </p:cBhvr>
-                                      <p:tavLst>
-                                        <p:tav tm="0">
-                                          <p:val>
-                                            <p:strVal val="#ppt_y+.1"/>
-                                          </p:val>
-                                        </p:tav>
-                                        <p:tav tm="100000">
-                                          <p:val>
-                                            <p:strVal val="#ppt_y"/>
-                                          </p:val>
-                                        </p:tav>
-                                      </p:tavLst>
-                                    </p:anim>
-                                  </p:childTnLst>
-                                </p:cTn>
-                              </p:par>
-                            </p:childTnLst>
-                          </p:cTn>
-                        </p:par>
-                      </p:childTnLst>
-                    </p:cTn>
-                  </p:par>
-                </p:childTnLst>
-              </p:cTn>
-              <p:prevCondLst>
-                <p:cond evt="onPrev" delay="0">
-                  <p:tgtEl>
-                    <p:sldTgt/>
-                  </p:tgtEl>
-                </p:cond>
-              </p:prevCondLst>
-              <p:nextCondLst>
-                <p:cond evt="onNext" delay="0">
-                  <p:tgtEl>
-                    <p:sldTgt/>
-                  </p:tgtEl>
-                </p:cond>
-              </p:nextCondLst>
-            </p:seq>
-          </p:childTnLst>
-        </p:cTn>
-      </p:par>
-    </p:tnLst>
-    <p:bldLst>
-      <p:bldP spid="3" grpId="0"/>
-    </p:bldLst>
-  </p:timing>
-</p:sld>
-</file>
-
-<file path=ppt/slides/slide14.xml><?xml version="1.0" encoding="utf-8"?>
-<p:sld xmlns:a="http://schemas.openxmlformats.org/drawingml/2006/main" xmlns:r="http://schemas.openxmlformats.org/officeDocument/2006/relationships" xmlns:p="http://schemas.openxmlformats.org/presentationml/2006/main">
-  <p:cSld>
-    <p:spTree>
-      <p:nvGrpSpPr>
-        <p:cNvPr id="1" name=""/>
-        <p:cNvGrpSpPr/>
-        <p:nvPr/>
-      </p:nvGrpSpPr>
-      <p:grpSpPr>
-        <a:xfrm>
-          <a:off x="0" y="0"/>
-          <a:ext cx="0" cy="0"/>
-          <a:chOff x="0" y="0"/>
-          <a:chExt cx="0" cy="0"/>
-        </a:xfrm>
-      </p:grpSpPr>
-      <p:sp>
-        <p:nvSpPr>
-          <p:cNvPr id="148482" name="Rectangle 2"/>
-          <p:cNvSpPr>
-            <a:spLocks noGrp="1" noChangeArrowheads="1"/>
-          </p:cNvSpPr>
-          <p:nvPr>
-            <p:ph type="title" idx="4294967295"/>
-          </p:nvPr>
-        </p:nvSpPr>
-        <p:spPr bwMode="auto">
-          <a:xfrm>
-            <a:off x="3006330" y="217207"/>
-            <a:ext cx="5292085" cy="420439"/>
-          </a:xfrm>
-          <a:prstGeom prst="rect">
-            <a:avLst/>
-          </a:prstGeom>
-          <a:noFill/>
-          <a:ln>
-            <a:miter lim="800000"/>
-            <a:headEnd/>
-            <a:tailEnd/>
-          </a:ln>
-        </p:spPr>
-        <p:txBody>
-          <a:bodyPr vert="horz" wrap="square" lIns="71323" tIns="35662" rIns="71323" bIns="35662" numCol="1" anchor="t" anchorCtr="0" compatLnSpc="1">
-            <a:prstTxWarp prst="textNoShape">
-              <a:avLst/>
-            </a:prstTxWarp>
-          </a:bodyPr>
-          <a:lstStyle/>
-          <a:p>
-            <a:pPr algn="r"/>
-            <a:r>
               <a:rPr lang="pt-PT" sz="800" b="1" i="1" dirty="0">
                 <a:solidFill>
                   <a:srgbClr val="FF0000"/>
@@ -7129,7 +6651,7 @@
 </p:sld>
 </file>
 
-<file path=ppt/slides/slide15.xml><?xml version="1.0" encoding="utf-8"?>
+<file path=ppt/slides/slide14.xml><?xml version="1.0" encoding="utf-8"?>
 <p:sld xmlns:a="http://schemas.openxmlformats.org/drawingml/2006/main" xmlns:r="http://schemas.openxmlformats.org/officeDocument/2006/relationships" xmlns:p="http://schemas.openxmlformats.org/presentationml/2006/main">
   <p:cSld>
     <p:spTree>
@@ -7550,7 +7072,7 @@
 </p:sld>
 </file>
 
-<file path=ppt/slides/slide16.xml><?xml version="1.0" encoding="utf-8"?>
+<file path=ppt/slides/slide15.xml><?xml version="1.0" encoding="utf-8"?>
 <p:sld xmlns:a="http://schemas.openxmlformats.org/drawingml/2006/main" xmlns:r="http://schemas.openxmlformats.org/officeDocument/2006/relationships" xmlns:p="http://schemas.openxmlformats.org/presentationml/2006/main">
   <p:cSld>
     <p:spTree>
@@ -11562,7 +11084,7 @@
         <p:spPr bwMode="auto">
           <a:xfrm>
             <a:off x="540000" y="900000"/>
-            <a:ext cx="8233871" cy="3954277"/>
+            <a:ext cx="8233871" cy="4249742"/>
           </a:xfrm>
           <a:prstGeom prst="rect">
             <a:avLst/>
@@ -11684,11 +11206,55 @@
             </a:r>
             <a:r>
               <a:rPr lang="pt-PT" sz="1600" b="0" i="0" dirty="0"/>
-              <a:t>, interrupções e </a:t>
+              <a:t>, </a:t>
             </a:r>
             <a:r>
               <a:rPr lang="pt-PT" sz="1600" b="0" dirty="0" err="1"/>
-              <a:t>traps</a:t>
+              <a:t>polling</a:t>
+            </a:r>
+            <a:r>
+              <a:rPr lang="pt-PT" sz="1600" b="0" i="0" dirty="0"/>
+              <a:t>, interrupções, DMA. Passagem de parâmetros por registo, memória associada e </a:t>
+            </a:r>
+            <a:r>
+              <a:rPr lang="pt-PT" sz="1600" b="0" dirty="0" err="1"/>
+              <a:t>Frame</a:t>
+            </a:r>
+            <a:r>
+              <a:rPr lang="pt-PT" sz="1600" b="0" dirty="0"/>
+              <a:t> </a:t>
+            </a:r>
+            <a:r>
+              <a:rPr lang="pt-PT" sz="1600" b="0" dirty="0" err="1"/>
+              <a:t>pointer</a:t>
+            </a:r>
+            <a:r>
+              <a:rPr lang="pt-PT" sz="1600" b="0" dirty="0"/>
+              <a:t>. </a:t>
+            </a:r>
+            <a:r>
+              <a:rPr lang="pt-PT" sz="1600" b="0" i="0" dirty="0"/>
+              <a:t>comunicação paralela e série, organização de memória Arquiteturas micro programadas/microcódigo e </a:t>
+            </a:r>
+            <a:r>
+              <a:rPr lang="pt-PT" sz="1600" b="0" dirty="0" err="1"/>
+              <a:t>hardwire</a:t>
+            </a:r>
+            <a:r>
+              <a:rPr lang="pt-PT" sz="1600" b="0" i="0" dirty="0"/>
+              <a:t>,</a:t>
+            </a:r>
+            <a:r>
+              <a:rPr lang="pt-PT" sz="1600" b="0" dirty="0"/>
+              <a:t> cache</a:t>
+            </a:r>
+            <a:r>
+              <a:rPr lang="pt-PT" sz="1600" b="0" i="0" dirty="0"/>
+              <a:t> e níveis de cache. Representação de dados, </a:t>
+            </a:r>
+            <a:r>
+              <a:rPr lang="pt-PT" sz="1600" b="0" dirty="0"/>
+              <a:t>byte</a:t>
             </a:r>
             <a:r>
               <a:rPr lang="pt-PT" sz="1600" b="0" i="0" dirty="0"/>
@@ -11696,31 +11262,7 @@
             </a:r>
             <a:r>
               <a:rPr lang="pt-PT" sz="1600" b="0" dirty="0" err="1"/>
-              <a:t>polling</a:t>
-            </a:r>
-            <a:r>
-              <a:rPr lang="pt-PT" sz="1600" b="0" i="0" dirty="0"/>
-              <a:t>, DMA, </a:t>
-            </a:r>
-            <a:r>
-              <a:rPr lang="pt-PT" sz="1600" b="0" dirty="0"/>
-              <a:t>cache</a:t>
-            </a:r>
-            <a:r>
-              <a:rPr lang="pt-PT" sz="1600" b="0" i="0" dirty="0"/>
-              <a:t> e níveis de cache. Arquiteturas micro programadas/microcódigo e </a:t>
-            </a:r>
-            <a:r>
-              <a:rPr lang="pt-PT" sz="1600" b="0" dirty="0" err="1"/>
-              <a:t>hardwire</a:t>
-            </a:r>
-            <a:r>
-              <a:rPr lang="pt-PT" sz="1600" b="0" i="0" dirty="0"/>
-              <a:t>. Representação de dados, </a:t>
-            </a:r>
-            <a:r>
-              <a:rPr lang="pt-PT" sz="1600" b="0" dirty="0"/>
-              <a:t>byte</a:t>
+              <a:t>word</a:t>
             </a:r>
             <a:r>
               <a:rPr lang="pt-PT" sz="1600" b="0" i="0" dirty="0"/>
@@ -11728,14 +11270,6 @@
             </a:r>
             <a:r>
               <a:rPr lang="pt-PT" sz="1600" b="0" dirty="0" err="1"/>
-              <a:t>word</a:t>
-            </a:r>
-            <a:r>
-              <a:rPr lang="pt-PT" sz="1600" b="0" i="0" dirty="0"/>
-              <a:t>, </a:t>
-            </a:r>
-            <a:r>
-              <a:rPr lang="pt-PT" sz="1600" b="0" dirty="0" err="1"/>
               <a:t>nibble</a:t>
             </a:r>
             <a:r>
@@ -11748,15 +11282,15 @@
             </a:r>
             <a:r>
               <a:rPr lang="pt-PT" sz="1600" b="0" i="0" dirty="0"/>
-              <a:t>/rotação, </a:t>
+              <a:t>/rotação. Arquiteturas ARM, x86/x64, PIC, </a:t>
             </a:r>
             <a:r>
               <a:rPr lang="pt-PT" sz="1600" b="0" i="0" dirty="0" err="1"/>
-              <a:t>coprosessadores</a:t>
+              <a:t>Zilog</a:t>
             </a:r>
             <a:r>
               <a:rPr lang="pt-PT" sz="1600" b="0" i="0" dirty="0"/>
-              <a:t>. Arquiteturas ARM, x86/x64, PIC. </a:t>
+              <a:t> Z80/Intel 8085.</a:t>
             </a:r>
           </a:p>
         </p:txBody>
@@ -12033,7 +11567,7 @@
         <p:spPr bwMode="auto">
           <a:xfrm>
             <a:off x="540000" y="900000"/>
-            <a:ext cx="8233871" cy="1664419"/>
+            <a:ext cx="8233871" cy="4175876"/>
           </a:xfrm>
           <a:prstGeom prst="rect">
             <a:avLst/>
@@ -12139,6 +11673,88 @@
             <a:r>
               <a:rPr lang="pt-PT" sz="1600" b="0" i="0" dirty="0"/>
               <a:t> - Prova Escrita versão A+B.</a:t>
+            </a:r>
+          </a:p>
+          <a:p>
+            <a:pPr marL="396746" lvl="1" algn="l" defTabSz="704085">
+              <a:lnSpc>
+                <a:spcPct val="120000"/>
+              </a:lnSpc>
+            </a:pPr>
+            <a:r>
+              <a:rPr lang="pt-PT" sz="2000" i="0" dirty="0">
+                <a:solidFill>
+                  <a:srgbClr val="0033CC"/>
+                </a:solidFill>
+              </a:rPr>
+              <a:t>SCO-T2-S01, SCO-T2-S02, SCO-T2-S03, SCO-T2-S04, SCO-T2-S05, SCO-T2-S06, SCO-T2-S07 e SCO-T2-S08</a:t>
+            </a:r>
+          </a:p>
+          <a:p>
+            <a:pPr marL="554607" lvl="2" algn="just" defTabSz="704085">
+              <a:lnSpc>
+                <a:spcPct val="120000"/>
+              </a:lnSpc>
+            </a:pPr>
+            <a:r>
+              <a:rPr lang="pt-PT" sz="1600" b="0" i="0" dirty="0"/>
+              <a:t>Assemblagem e ligação de módulos de C, desassemblagem, </a:t>
+            </a:r>
+            <a:r>
+              <a:rPr lang="pt-PT" sz="1600" b="0" dirty="0" err="1"/>
+              <a:t>traps</a:t>
+            </a:r>
+            <a:r>
+              <a:rPr lang="pt-PT" sz="1600" b="0" dirty="0"/>
+              <a:t>, </a:t>
+            </a:r>
+            <a:r>
+              <a:rPr lang="pt-PT" sz="1600" b="0" dirty="0" err="1"/>
+              <a:t>breakpoints</a:t>
+            </a:r>
+            <a:r>
+              <a:rPr lang="pt-PT" sz="1600" b="0" i="0" dirty="0"/>
+              <a:t> e </a:t>
+            </a:r>
+            <a:r>
+              <a:rPr lang="pt-PT" sz="1600" b="0" dirty="0" err="1"/>
+              <a:t>debug</a:t>
+            </a:r>
+            <a:r>
+              <a:rPr lang="pt-PT" sz="1600" b="0" i="0" dirty="0"/>
+              <a:t>, inclusão de código </a:t>
+            </a:r>
+            <a:r>
+              <a:rPr lang="pt-PT" sz="1600" b="0" dirty="0" err="1"/>
+              <a:t>assembly</a:t>
+            </a:r>
+            <a:r>
+              <a:rPr lang="pt-PT" sz="1600" b="0" i="0" dirty="0"/>
+              <a:t> em ficheiros de C. Interligação com sistemas operativos modernos, operações de IO avançadas e protocolos de comunicação, I2C e SPI, </a:t>
+            </a:r>
+            <a:r>
+              <a:rPr lang="pt-PT" sz="1600" b="0" dirty="0"/>
+              <a:t>buses</a:t>
+            </a:r>
+            <a:r>
+              <a:rPr lang="pt-PT" sz="1600" b="0" i="0" dirty="0"/>
+              <a:t> e standards PCI, </a:t>
+            </a:r>
+            <a:r>
+              <a:rPr lang="pt-PT" sz="1600" b="0" i="0" dirty="0" err="1"/>
+              <a:t>PCIe</a:t>
+            </a:r>
+            <a:r>
+              <a:rPr lang="pt-PT" sz="1600" b="0" i="0" dirty="0"/>
+              <a:t>, USB. SATA, IDE, ISA, NVME, comunicação em sistema multiprocessador, NUMA e SMP, coprocessadores, SOC e SIC, cores e </a:t>
+            </a:r>
+            <a:r>
+              <a:rPr lang="pt-PT" sz="1600" b="0" dirty="0" err="1"/>
+              <a:t>threads</a:t>
+            </a:r>
+            <a:r>
+              <a:rPr lang="pt-PT" sz="1600" b="0" i="0" dirty="0"/>
+              <a:t>.</a:t>
             </a:r>
           </a:p>
         </p:txBody>

--- a/aulas/t/SCO-T0-INT.pptx
+++ b/aulas/t/SCO-T0-INT.pptx
@@ -5212,7 +5212,7 @@
         </p:nvSpPr>
         <p:spPr bwMode="auto">
           <a:xfrm>
-            <a:off x="540000" y="900000"/>
+            <a:off x="540000" y="841276"/>
             <a:ext cx="8164059" cy="2579668"/>
           </a:xfrm>
           <a:prstGeom prst="rect">
@@ -5613,7 +5613,7 @@
         </p:nvSpPr>
         <p:spPr bwMode="auto">
           <a:xfrm>
-            <a:off x="540000" y="900000"/>
+            <a:off x="540000" y="841276"/>
             <a:ext cx="8233871" cy="3049413"/>
           </a:xfrm>
           <a:prstGeom prst="rect">
@@ -6013,7 +6013,7 @@
         </p:nvSpPr>
         <p:spPr bwMode="auto">
           <a:xfrm>
-            <a:off x="540000" y="900000"/>
+            <a:off x="540000" y="841276"/>
             <a:ext cx="8233871" cy="2458482"/>
           </a:xfrm>
           <a:prstGeom prst="rect">
@@ -6403,7 +6403,7 @@
         <p:spPr bwMode="auto">
           <a:xfrm>
             <a:off x="540000" y="900000"/>
-            <a:ext cx="8179865" cy="2033751"/>
+            <a:ext cx="8179865" cy="2994014"/>
           </a:xfrm>
           <a:prstGeom prst="rect">
             <a:avLst/>
@@ -6500,6 +6500,62 @@
               <a:rPr lang="pt-PT" sz="1600" b="0" i="0" dirty="0"/>
               <a:t>Atendimento a definir com o docente responsável por cada turma.</a:t>
             </a:r>
+          </a:p>
+          <a:p>
+            <a:pPr marL="238887" indent="-238887" algn="l" defTabSz="704085">
+              <a:lnSpc>
+                <a:spcPct val="120000"/>
+              </a:lnSpc>
+              <a:buFont typeface="Wingdings" pitchFamily="2" charset="2"/>
+              <a:buChar char="Ø"/>
+            </a:pPr>
+            <a:endParaRPr lang="pt-PT" sz="2000" b="0" i="0" dirty="0"/>
+          </a:p>
+          <a:p>
+            <a:pPr marL="238887" indent="-238887" algn="l" defTabSz="704085">
+              <a:lnSpc>
+                <a:spcPct val="120000"/>
+              </a:lnSpc>
+              <a:buFont typeface="Wingdings" pitchFamily="2" charset="2"/>
+              <a:buChar char="Ø"/>
+            </a:pPr>
+            <a:r>
+              <a:rPr lang="pt-PT" sz="2000" b="0" i="0" dirty="0"/>
+              <a:t>Recursos:</a:t>
+            </a:r>
+          </a:p>
+          <a:p>
+            <a:pPr marL="632838" lvl="1" indent="-236093" algn="l" defTabSz="704085">
+              <a:lnSpc>
+                <a:spcPct val="120000"/>
+              </a:lnSpc>
+              <a:buFont typeface="Wingdings" pitchFamily="2" charset="2"/>
+              <a:buChar char="Ø"/>
+            </a:pPr>
+            <a:r>
+              <a:rPr lang="pt-PT" sz="1600" b="0" i="0" dirty="0"/>
+              <a:t>Repositório GIT em: </a:t>
+            </a:r>
+            <a:r>
+              <a:rPr lang="pt-PT" sz="1600" b="0" i="0" dirty="0">
+                <a:solidFill>
+                  <a:schemeClr val="accent2"/>
+                </a:solidFill>
+                <a:hlinkClick r:id="rId3">
+                  <a:extLst>
+                    <a:ext uri="{A12FA001-AC4F-418D-AE19-62706E023703}">
+                      <ahyp:hlinkClr xmlns:ahyp="http://schemas.microsoft.com/office/drawing/2018/hyperlinkcolor" val="tx"/>
+                    </a:ext>
+                  </a:extLst>
+                </a:hlinkClick>
+              </a:rPr>
+              <a:t>https://github.com/fsp864/UTAD-SOP.git</a:t>
+            </a:r>
+            <a:endParaRPr lang="pt-PT" sz="1600" b="0" i="0" dirty="0">
+              <a:solidFill>
+                <a:schemeClr val="accent2"/>
+              </a:solidFill>
+            </a:endParaRPr>
           </a:p>
         </p:txBody>
       </p:sp>
@@ -7186,8 +7242,8 @@
         </p:nvSpPr>
         <p:spPr bwMode="auto">
           <a:xfrm>
-            <a:off x="540000" y="900000"/>
-            <a:ext cx="8064448" cy="1921988"/>
+            <a:off x="540000" y="841276"/>
+            <a:ext cx="8064448" cy="1305473"/>
           </a:xfrm>
           <a:prstGeom prst="rect">
             <a:avLst/>
@@ -7246,7 +7302,7 @@
             </a:r>
             <a:r>
               <a:rPr lang="pt-PT" sz="1600" b="0" i="0" dirty="0"/>
-              <a:t> para mais pormenores. </a:t>
+              <a:t> para mais pormenores; </a:t>
             </a:r>
           </a:p>
           <a:p>
@@ -7260,40 +7316,9 @@
               <a:buFont typeface="Wingdings" pitchFamily="2" charset="2"/>
               <a:buChar char="Ø"/>
             </a:pPr>
-            <a:endParaRPr lang="pt-PT" sz="1600" b="0" i="0" dirty="0"/>
-          </a:p>
-          <a:p>
-            <a:pPr marL="490347" lvl="1" indent="-212979" algn="just" defTabSz="624078">
-              <a:lnSpc>
-                <a:spcPct val="110000"/>
-              </a:lnSpc>
-              <a:spcAft>
-                <a:spcPct val="10000"/>
-              </a:spcAft>
-              <a:buFont typeface="Wingdings" pitchFamily="2" charset="2"/>
-              <a:buChar char="Ø"/>
-            </a:pPr>
             <a:r>
               <a:rPr lang="pt-PT" sz="1600" b="0" i="0" dirty="0"/>
-              <a:t>Esta apresentação está disponível em:</a:t>
-            </a:r>
-          </a:p>
-          <a:p>
-            <a:pPr marL="633984" lvl="2" indent="-3715" algn="just" defTabSz="624078">
-              <a:lnSpc>
-                <a:spcPct val="110000"/>
-              </a:lnSpc>
-              <a:spcAft>
-                <a:spcPct val="10000"/>
-              </a:spcAft>
-            </a:pPr>
-            <a:r>
-              <a:rPr lang="pt-PT" sz="1600" b="0" i="0" dirty="0" err="1"/>
-              <a:t>SiDE</a:t>
-            </a:r>
-            <a:r>
-              <a:rPr lang="pt-PT" sz="1600" b="0" i="0" dirty="0"/>
-              <a:t>: http://side.utad.pt/*/SCO-T0-INT.zip</a:t>
+              <a:t>Esta apresentação está disponível no repositório.</a:t>
             </a:r>
           </a:p>
         </p:txBody>
@@ -7566,7 +7591,7 @@
         </p:nvSpPr>
         <p:spPr bwMode="auto">
           <a:xfrm>
-            <a:off x="540000" y="900000"/>
+            <a:off x="540000" y="841276"/>
             <a:ext cx="8280920" cy="2099537"/>
           </a:xfrm>
           <a:prstGeom prst="rect">
@@ -7932,7 +7957,7 @@
         </p:nvSpPr>
         <p:spPr bwMode="auto">
           <a:xfrm>
-            <a:off x="540000" y="900000"/>
+            <a:off x="540000" y="841276"/>
             <a:ext cx="8496496" cy="4545208"/>
           </a:xfrm>
           <a:prstGeom prst="rect">
@@ -8266,7 +8291,7 @@
         </p:nvSpPr>
         <p:spPr bwMode="auto">
           <a:xfrm>
-            <a:off x="540000" y="900000"/>
+            <a:off x="540000" y="841276"/>
             <a:ext cx="8496496" cy="1122924"/>
           </a:xfrm>
           <a:prstGeom prst="rect">
@@ -8662,7 +8687,7 @@
         </p:nvSpPr>
         <p:spPr bwMode="auto">
           <a:xfrm>
-            <a:off x="540000" y="900000"/>
+            <a:off x="540000" y="841276"/>
             <a:ext cx="8352480" cy="1122924"/>
           </a:xfrm>
           <a:prstGeom prst="rect">
@@ -10674,7 +10699,7 @@
         </p:nvSpPr>
         <p:spPr bwMode="auto">
           <a:xfrm>
-            <a:off x="540000" y="900000"/>
+            <a:off x="540000" y="841276"/>
             <a:ext cx="8233871" cy="3806544"/>
           </a:xfrm>
           <a:prstGeom prst="rect">
@@ -11083,7 +11108,7 @@
         </p:nvSpPr>
         <p:spPr bwMode="auto">
           <a:xfrm>
-            <a:off x="540000" y="900000"/>
+            <a:off x="540000" y="841276"/>
             <a:ext cx="8233871" cy="4249742"/>
           </a:xfrm>
           <a:prstGeom prst="rect">
@@ -11566,7 +11591,7 @@
         </p:nvSpPr>
         <p:spPr bwMode="auto">
           <a:xfrm>
-            <a:off x="540000" y="900000"/>
+            <a:off x="540000" y="841276"/>
             <a:ext cx="8233871" cy="4175876"/>
           </a:xfrm>
           <a:prstGeom prst="rect">

--- a/aulas/t/SCO-T0-INT.pptx
+++ b/aulas/t/SCO-T0-INT.pptx
@@ -5,27 +5,25 @@
     <p:sldMasterId id="2147483648" r:id="rId1"/>
   </p:sldMasterIdLst>
   <p:notesMasterIdLst>
-    <p:notesMasterId r:id="rId17"/>
+    <p:notesMasterId r:id="rId15"/>
   </p:notesMasterIdLst>
   <p:handoutMasterIdLst>
-    <p:handoutMasterId r:id="rId18"/>
+    <p:handoutMasterId r:id="rId16"/>
   </p:handoutMasterIdLst>
   <p:sldIdLst>
     <p:sldId id="256" r:id="rId2"/>
     <p:sldId id="379" r:id="rId3"/>
     <p:sldId id="381" r:id="rId4"/>
     <p:sldId id="395" r:id="rId5"/>
-    <p:sldId id="392" r:id="rId6"/>
-    <p:sldId id="380" r:id="rId7"/>
-    <p:sldId id="382" r:id="rId8"/>
-    <p:sldId id="383" r:id="rId9"/>
-    <p:sldId id="386" r:id="rId10"/>
-    <p:sldId id="394" r:id="rId11"/>
-    <p:sldId id="385" r:id="rId12"/>
-    <p:sldId id="397" r:id="rId13"/>
-    <p:sldId id="389" r:id="rId14"/>
-    <p:sldId id="390" r:id="rId15"/>
-    <p:sldId id="378" r:id="rId16"/>
+    <p:sldId id="380" r:id="rId6"/>
+    <p:sldId id="382" r:id="rId7"/>
+    <p:sldId id="383" r:id="rId8"/>
+    <p:sldId id="386" r:id="rId9"/>
+    <p:sldId id="394" r:id="rId10"/>
+    <p:sldId id="385" r:id="rId11"/>
+    <p:sldId id="397" r:id="rId12"/>
+    <p:sldId id="399" r:id="rId13"/>
+    <p:sldId id="398" r:id="rId14"/>
   </p:sldIdLst>
   <p:sldSz cx="9144000" cy="5715000" type="screen16x10"/>
   <p:notesSz cx="7102475" cy="10233025"/>
@@ -1122,6 +1120,11 @@
         </p:txBody>
       </p:sp>
     </p:spTree>
+    <p:extLst>
+      <p:ext uri="{BB962C8B-B14F-4D97-AF65-F5344CB8AC3E}">
+        <p14:creationId xmlns:p14="http://schemas.microsoft.com/office/powerpoint/2010/main" val="1530444909"/>
+      </p:ext>
+    </p:extLst>
   </p:cSld>
   <p:clrMapOvr>
     <a:masterClrMapping/>
@@ -1212,7 +1215,7 @@
     </p:spTree>
     <p:extLst>
       <p:ext uri="{BB962C8B-B14F-4D97-AF65-F5344CB8AC3E}">
-        <p14:creationId xmlns:p14="http://schemas.microsoft.com/office/powerpoint/2010/main" val="1530444909"/>
+        <p14:creationId xmlns:p14="http://schemas.microsoft.com/office/powerpoint/2010/main" val="2838076990"/>
       </p:ext>
     </p:extLst>
   </p:cSld>
@@ -1256,186 +1259,10 @@
           <a:bodyPr/>
           <a:lstStyle/>
           <a:p>
-            <a:fld id="{8E79CF69-099A-4323-ABAD-2A1E82F62D20}" type="slidenum">
+            <a:fld id="{FD2305D1-531D-4CEF-BD3D-05CF1AF8F416}" type="slidenum">
               <a:rPr lang="en-GB"/>
               <a:pPr/>
               <a:t>13</a:t>
-            </a:fld>
-            <a:endParaRPr lang="en-GB" dirty="0"/>
-          </a:p>
-        </p:txBody>
-      </p:sp>
-      <p:sp>
-        <p:nvSpPr>
-          <p:cNvPr id="149506" name="Rectangle 2"/>
-          <p:cNvSpPr>
-            <a:spLocks noGrp="1" noRot="1" noChangeAspect="1" noChangeArrowheads="1" noTextEdit="1"/>
-          </p:cNvSpPr>
-          <p:nvPr>
-            <p:ph type="sldImg"/>
-          </p:nvPr>
-        </p:nvSpPr>
-        <p:spPr>
-          <a:xfrm>
-            <a:off x="479425" y="765175"/>
-            <a:ext cx="6145213" cy="3841750"/>
-          </a:xfrm>
-          <a:ln/>
-        </p:spPr>
-      </p:sp>
-      <p:sp>
-        <p:nvSpPr>
-          <p:cNvPr id="149507" name="Rectangle 3"/>
-          <p:cNvSpPr>
-            <a:spLocks noGrp="1" noChangeArrowheads="1"/>
-          </p:cNvSpPr>
-          <p:nvPr>
-            <p:ph type="body" idx="1"/>
-          </p:nvPr>
-        </p:nvSpPr>
-        <p:spPr/>
-        <p:txBody>
-          <a:bodyPr/>
-          <a:lstStyle/>
-          <a:p>
-            <a:endParaRPr lang="en-GB" dirty="0"/>
-          </a:p>
-        </p:txBody>
-      </p:sp>
-    </p:spTree>
-  </p:cSld>
-  <p:clrMapOvr>
-    <a:masterClrMapping/>
-  </p:clrMapOvr>
-</p:notes>
-</file>
-
-<file path=ppt/notesSlides/notesSlide14.xml><?xml version="1.0" encoding="utf-8"?>
-<p:notes xmlns:a="http://schemas.openxmlformats.org/drawingml/2006/main" xmlns:r="http://schemas.openxmlformats.org/officeDocument/2006/relationships" xmlns:p="http://schemas.openxmlformats.org/presentationml/2006/main">
-  <p:cSld>
-    <p:spTree>
-      <p:nvGrpSpPr>
-        <p:cNvPr id="1" name=""/>
-        <p:cNvGrpSpPr/>
-        <p:nvPr/>
-      </p:nvGrpSpPr>
-      <p:grpSpPr>
-        <a:xfrm>
-          <a:off x="0" y="0"/>
-          <a:ext cx="0" cy="0"/>
-          <a:chOff x="0" y="0"/>
-          <a:chExt cx="0" cy="0"/>
-        </a:xfrm>
-      </p:grpSpPr>
-      <p:sp>
-        <p:nvSpPr>
-          <p:cNvPr id="7" name="Rectangle 7"/>
-          <p:cNvSpPr>
-            <a:spLocks noGrp="1" noChangeArrowheads="1"/>
-          </p:cNvSpPr>
-          <p:nvPr>
-            <p:ph type="sldNum" sz="quarter" idx="5"/>
-          </p:nvPr>
-        </p:nvSpPr>
-        <p:spPr>
-          <a:ln/>
-        </p:spPr>
-        <p:txBody>
-          <a:bodyPr/>
-          <a:lstStyle/>
-          <a:p>
-            <a:fld id="{8E79CF69-099A-4323-ABAD-2A1E82F62D20}" type="slidenum">
-              <a:rPr lang="en-GB"/>
-              <a:pPr/>
-              <a:t>14</a:t>
-            </a:fld>
-            <a:endParaRPr lang="en-GB" dirty="0"/>
-          </a:p>
-        </p:txBody>
-      </p:sp>
-      <p:sp>
-        <p:nvSpPr>
-          <p:cNvPr id="149506" name="Rectangle 2"/>
-          <p:cNvSpPr>
-            <a:spLocks noGrp="1" noRot="1" noChangeAspect="1" noChangeArrowheads="1" noTextEdit="1"/>
-          </p:cNvSpPr>
-          <p:nvPr>
-            <p:ph type="sldImg"/>
-          </p:nvPr>
-        </p:nvSpPr>
-        <p:spPr>
-          <a:xfrm>
-            <a:off x="479425" y="765175"/>
-            <a:ext cx="6145213" cy="3841750"/>
-          </a:xfrm>
-          <a:ln/>
-        </p:spPr>
-      </p:sp>
-      <p:sp>
-        <p:nvSpPr>
-          <p:cNvPr id="149507" name="Rectangle 3"/>
-          <p:cNvSpPr>
-            <a:spLocks noGrp="1" noChangeArrowheads="1"/>
-          </p:cNvSpPr>
-          <p:nvPr>
-            <p:ph type="body" idx="1"/>
-          </p:nvPr>
-        </p:nvSpPr>
-        <p:spPr/>
-        <p:txBody>
-          <a:bodyPr/>
-          <a:lstStyle/>
-          <a:p>
-            <a:endParaRPr lang="en-GB" dirty="0"/>
-          </a:p>
-        </p:txBody>
-      </p:sp>
-    </p:spTree>
-  </p:cSld>
-  <p:clrMapOvr>
-    <a:masterClrMapping/>
-  </p:clrMapOvr>
-</p:notes>
-</file>
-
-<file path=ppt/notesSlides/notesSlide15.xml><?xml version="1.0" encoding="utf-8"?>
-<p:notes xmlns:a="http://schemas.openxmlformats.org/drawingml/2006/main" xmlns:r="http://schemas.openxmlformats.org/officeDocument/2006/relationships" xmlns:p="http://schemas.openxmlformats.org/presentationml/2006/main">
-  <p:cSld>
-    <p:spTree>
-      <p:nvGrpSpPr>
-        <p:cNvPr id="1" name=""/>
-        <p:cNvGrpSpPr/>
-        <p:nvPr/>
-      </p:nvGrpSpPr>
-      <p:grpSpPr>
-        <a:xfrm>
-          <a:off x="0" y="0"/>
-          <a:ext cx="0" cy="0"/>
-          <a:chOff x="0" y="0"/>
-          <a:chExt cx="0" cy="0"/>
-        </a:xfrm>
-      </p:grpSpPr>
-      <p:sp>
-        <p:nvSpPr>
-          <p:cNvPr id="7" name="Rectangle 7"/>
-          <p:cNvSpPr>
-            <a:spLocks noGrp="1" noChangeArrowheads="1"/>
-          </p:cNvSpPr>
-          <p:nvPr>
-            <p:ph type="sldNum" sz="quarter" idx="5"/>
-          </p:nvPr>
-        </p:nvSpPr>
-        <p:spPr>
-          <a:ln/>
-        </p:spPr>
-        <p:txBody>
-          <a:bodyPr/>
-          <a:lstStyle/>
-          <a:p>
-            <a:fld id="{FD2305D1-531D-4CEF-BD3D-05CF1AF8F416}" type="slidenum">
-              <a:rPr lang="en-GB"/>
-              <a:pPr/>
-              <a:t>15</a:t>
             </a:fld>
             <a:endParaRPr lang="en-GB" dirty="0"/>
           </a:p>
@@ -1453,8 +1280,8 @@
         </p:nvSpPr>
         <p:spPr>
           <a:xfrm>
-            <a:off x="479425" y="765175"/>
-            <a:ext cx="6145213" cy="3841750"/>
+            <a:off x="477838" y="766763"/>
+            <a:ext cx="6145212" cy="3840162"/>
           </a:xfrm>
           <a:ln/>
         </p:spPr>
@@ -4677,7 +4504,7 @@
                 </a:solidFill>
                 <a:latin typeface="Tahoma" pitchFamily="34" charset="0"/>
               </a:rPr>
-              <a:t>SCO-T0-1IN</a:t>
+              <a:t>SCO-T0-INT</a:t>
             </a:r>
             <a:br>
               <a:rPr lang="pt-PT" sz="3100" b="1" dirty="0">
@@ -5141,13 +4968,13 @@
           <a:p>
             <a:pPr algn="r"/>
             <a:r>
-              <a:rPr lang="pt-PT" sz="900" b="1" i="1" dirty="0">
+              <a:rPr lang="pt-PT" sz="1000" b="1" i="1" dirty="0">
                 <a:solidFill>
                   <a:srgbClr val="FF0000"/>
                 </a:solidFill>
                 <a:latin typeface="Arial" charset="0"/>
               </a:rPr>
-              <a:t>SOP-T0-INT</a:t>
+              <a:t>SCO-T0-INT</a:t>
             </a:r>
             <a:br>
               <a:rPr lang="pt-PT" sz="1600" b="1" i="1" dirty="0">
@@ -5158,42 +4985,15 @@
               </a:rPr>
             </a:br>
             <a:r>
-              <a:rPr lang="pt-PT" sz="1900" b="1" i="1" dirty="0">
+              <a:rPr lang="pt-PT" sz="2000" b="1" i="1" cap="small" dirty="0">
                 <a:solidFill>
                   <a:srgbClr val="FF0000"/>
                 </a:solidFill>
                 <a:latin typeface="Arial" charset="0"/>
               </a:rPr>
-              <a:t>P</a:t>
-            </a:r>
-            <a:r>
-              <a:rPr lang="pt-PT" sz="1600" b="1" i="1" dirty="0">
-                <a:solidFill>
-                  <a:srgbClr val="FF0000"/>
-                </a:solidFill>
-                <a:latin typeface="Arial" charset="0"/>
-              </a:rPr>
-              <a:t>ROGRAMA </a:t>
-            </a:r>
-            <a:r>
-              <a:rPr lang="pt-PT" sz="1900" b="1" i="1" dirty="0">
-                <a:solidFill>
-                  <a:srgbClr val="FF0000"/>
-                </a:solidFill>
-                <a:latin typeface="Arial" charset="0"/>
-              </a:rPr>
-              <a:t>P</a:t>
-            </a:r>
-            <a:r>
-              <a:rPr lang="pt-PT" sz="1600" b="1" i="1" dirty="0">
-                <a:solidFill>
-                  <a:srgbClr val="FF0000"/>
-                </a:solidFill>
-                <a:latin typeface="Arial" charset="0"/>
-              </a:rPr>
-              <a:t>REVISTO</a:t>
-            </a:r>
-            <a:endParaRPr lang="pt-PT" sz="1200" b="1" i="1" dirty="0">
+              <a:t>Programa Previsto</a:t>
+            </a:r>
+            <a:endParaRPr lang="pt-PT" sz="2000" b="1" i="1" dirty="0">
               <a:solidFill>
                 <a:srgbClr val="FF0000"/>
               </a:solidFill>
@@ -5204,7 +5004,7 @@
       </p:sp>
       <p:sp>
         <p:nvSpPr>
-          <p:cNvPr id="5" name="Rectangle 3"/>
+          <p:cNvPr id="3" name="Rectangle 13"/>
           <p:cNvSpPr>
             <a:spLocks noChangeArrowheads="1"/>
           </p:cNvSpPr>
@@ -5213,7 +5013,7 @@
         <p:spPr bwMode="auto">
           <a:xfrm>
             <a:off x="540000" y="841276"/>
-            <a:ext cx="8164059" cy="2579668"/>
+            <a:ext cx="8233871" cy="3049413"/>
           </a:xfrm>
           <a:prstGeom prst="rect">
             <a:avLst/>
@@ -5228,12 +5028,12 @@
           <a:effectLst/>
         </p:spPr>
         <p:txBody>
-          <a:bodyPr wrap="square" lIns="62408" tIns="31204" rIns="62408" bIns="31204">
+          <a:bodyPr wrap="square" lIns="70408" tIns="35205" rIns="70408" bIns="35205">
             <a:spAutoFit/>
           </a:bodyPr>
           <a:lstStyle/>
           <a:p>
-            <a:pPr marL="211741" indent="-211741" algn="l" defTabSz="624078">
+            <a:pPr marL="238887" indent="-238887" algn="l" defTabSz="704085">
               <a:lnSpc>
                 <a:spcPct val="120000"/>
               </a:lnSpc>
@@ -5242,110 +5042,109 @@
             </a:pPr>
             <a:r>
               <a:rPr lang="pt-PT" sz="2000" b="0" i="0" dirty="0"/>
-              <a:t>Teórica (continuação):</a:t>
-            </a:r>
-          </a:p>
-          <a:p>
-            <a:pPr marL="351663" lvl="1" algn="just" defTabSz="624078">
+              <a:t>Prática (13 ou 15 aulas de 2h):</a:t>
+            </a:r>
+          </a:p>
+          <a:p>
+            <a:pPr marL="396746" lvl="1" algn="l" defTabSz="704085">
               <a:lnSpc>
                 <a:spcPct val="120000"/>
               </a:lnSpc>
             </a:pPr>
             <a:r>
-              <a:rPr lang="pt-PT" sz="1900" i="0" dirty="0">
+              <a:rPr lang="pt-PT" sz="2100" i="0" dirty="0">
                 <a:solidFill>
                   <a:srgbClr val="0033CC"/>
                 </a:solidFill>
               </a:rPr>
-              <a:t>SCO-T2-AVL</a:t>
-            </a:r>
-          </a:p>
-          <a:p>
-            <a:pPr marL="491586" lvl="2" algn="just" defTabSz="624078">
+              <a:t>SCO-P01S1 e SCO-P02-S2</a:t>
+            </a:r>
+            <a:endParaRPr lang="pt-PT" sz="1600" i="0" dirty="0">
+              <a:solidFill>
+                <a:srgbClr val="0033CC"/>
+              </a:solidFill>
+            </a:endParaRPr>
+          </a:p>
+          <a:p>
+            <a:pPr marL="789302" lvl="2" indent="-234695" algn="just" defTabSz="704085">
               <a:lnSpc>
                 <a:spcPct val="120000"/>
               </a:lnSpc>
             </a:pPr>
             <a:r>
               <a:rPr lang="pt-PT" sz="1600" b="0" i="0" dirty="0"/>
-              <a:t>Realização da </a:t>
-            </a:r>
-            <a:r>
-              <a:rPr lang="pt-PT" sz="1600" i="0" dirty="0"/>
-              <a:t>Prova Final de Avaliação</a:t>
-            </a:r>
-            <a:r>
-              <a:rPr lang="pt-PT" sz="1600" b="0" i="0" dirty="0"/>
-              <a:t>:</a:t>
-            </a:r>
-          </a:p>
-          <a:p>
-            <a:pPr marL="714471" lvl="2" indent="-222885" algn="just" defTabSz="624078">
-              <a:lnSpc>
-                <a:spcPct val="120000"/>
-              </a:lnSpc>
-              <a:buFont typeface="Wingdings" panose="05000000000000000000" pitchFamily="2" charset="2"/>
-              <a:buChar char="Ø"/>
-            </a:pPr>
-            <a:r>
-              <a:rPr lang="pt-PT" sz="1600" b="0" i="0" dirty="0"/>
-              <a:t>Teórica 50 minutos de duração;</a:t>
-            </a:r>
-          </a:p>
-          <a:p>
-            <a:pPr marL="714471" lvl="2" indent="-222885" algn="just" defTabSz="624078">
-              <a:lnSpc>
-                <a:spcPct val="120000"/>
-              </a:lnSpc>
-              <a:buFont typeface="Wingdings" panose="05000000000000000000" pitchFamily="2" charset="2"/>
-              <a:buChar char="Ø"/>
-            </a:pPr>
-            <a:r>
-              <a:rPr lang="pt-PT" sz="1600" b="0" i="0" dirty="0"/>
-              <a:t>Aulas teóricas de </a:t>
-            </a:r>
-            <a:r>
-              <a:rPr lang="pt-PT" sz="1600" i="0" dirty="0"/>
-              <a:t>sexta, dia 14 de janeiro</a:t>
-            </a:r>
-            <a:r>
-              <a:rPr lang="pt-PT" sz="1600" b="0" i="0" dirty="0"/>
-              <a:t> - Prova Escrita versão A+B.</a:t>
-            </a:r>
-          </a:p>
-          <a:p>
-            <a:pPr marL="351663" lvl="1" algn="just" defTabSz="624078">
+              <a:t>Sistemas digitais, lógica booleana e representação de dados, circuitos digitais.</a:t>
+            </a:r>
+          </a:p>
+          <a:p>
+            <a:pPr marL="396746" lvl="1" algn="l" defTabSz="704085">
               <a:lnSpc>
                 <a:spcPct val="120000"/>
               </a:lnSpc>
             </a:pPr>
             <a:r>
-              <a:rPr lang="pt-PT" sz="1900" i="0" dirty="0">
+              <a:rPr lang="pt-PT" sz="2100" i="0" dirty="0">
                 <a:solidFill>
                   <a:srgbClr val="0033CC"/>
                 </a:solidFill>
               </a:rPr>
-              <a:t>SCO-T3-AV1 e SCO-T3-AV2</a:t>
-            </a:r>
-          </a:p>
-          <a:p>
-            <a:pPr marL="491586" lvl="2" algn="just" defTabSz="624078">
+              <a:t>SCO-P03-A1, SCO-P04-A2, SCO-P05-A3, SCO-P06-A4 e SCO-P07-A5</a:t>
+            </a:r>
+          </a:p>
+          <a:p>
+            <a:pPr marL="539750" lvl="2" algn="just" defTabSz="624078">
               <a:lnSpc>
                 <a:spcPct val="120000"/>
               </a:lnSpc>
             </a:pPr>
             <a:r>
+              <a:rPr lang="pt-PT" sz="1600" b="0" dirty="0" err="1"/>
+              <a:t>Assembly</a:t>
+            </a:r>
+            <a:r>
               <a:rPr lang="pt-PT" sz="1600" b="0" i="0" dirty="0"/>
-              <a:t>Tópicos avançados de hardware como segurança e encriptação, suporte para virtualização e instruções multimédia, APU e integração de equipamentos, SOC.</a:t>
-            </a:r>
-            <a:endParaRPr lang="pt-PT" sz="1600" b="0" dirty="0"/>
+              <a:t>, </a:t>
+            </a:r>
+            <a:r>
+              <a:rPr lang="pt-PT" sz="1600" b="0" dirty="0" err="1"/>
+              <a:t>labels</a:t>
+            </a:r>
+            <a:r>
+              <a:rPr lang="pt-PT" sz="1600" b="0" i="0" dirty="0"/>
+              <a:t> e comentários, assemblagem e código máquina, aritmética, saltos condicionais e implementação de estruturas condicionais. Endereçamento e operações de blocos, macros e </a:t>
+            </a:r>
+            <a:r>
+              <a:rPr lang="pt-PT" sz="1600" b="0" i="0" dirty="0" err="1"/>
+              <a:t>subrotinas</a:t>
+            </a:r>
+            <a:r>
+              <a:rPr lang="pt-PT" sz="1600" b="0" i="0" dirty="0"/>
+              <a:t>, passagem de parâmetros por registo e </a:t>
+            </a:r>
+            <a:r>
+              <a:rPr lang="pt-PT" sz="1600" b="0" dirty="0" err="1"/>
+              <a:t>frame</a:t>
+            </a:r>
+            <a:r>
+              <a:rPr lang="pt-PT" sz="1600" b="0" dirty="0"/>
+              <a:t> </a:t>
+            </a:r>
+            <a:r>
+              <a:rPr lang="pt-PT" sz="1600" b="0" dirty="0" err="1"/>
+              <a:t>pointer</a:t>
+            </a:r>
+            <a:r>
+              <a:rPr lang="pt-PT" sz="1600" b="0" dirty="0"/>
+              <a:t>.</a:t>
+            </a:r>
+            <a:endParaRPr lang="pt-PT" sz="1600" b="0" i="0" dirty="0"/>
           </a:p>
         </p:txBody>
       </p:sp>
     </p:spTree>
     <p:extLst>
       <p:ext uri="{BB962C8B-B14F-4D97-AF65-F5344CB8AC3E}">
-        <p14:creationId xmlns:p14="http://schemas.microsoft.com/office/powerpoint/2010/main" val="3199275345"/>
+        <p14:creationId xmlns:p14="http://schemas.microsoft.com/office/powerpoint/2010/main" val="2590887067"/>
       </p:ext>
     </p:extLst>
   </p:cSld>
@@ -5389,7 +5188,7 @@
                                           </p:stCondLst>
                                         </p:cTn>
                                         <p:tgtEl>
-                                          <p:spTgt spid="5"/>
+                                          <p:spTgt spid="3"/>
                                         </p:tgtEl>
                                         <p:attrNameLst>
                                           <p:attrName>style.visibility</p:attrName>
@@ -5403,7 +5202,7 @@
                                       <p:cBhvr>
                                         <p:cTn id="7" dur="500"/>
                                         <p:tgtEl>
-                                          <p:spTgt spid="5"/>
+                                          <p:spTgt spid="3"/>
                                         </p:tgtEl>
                                       </p:cBhvr>
                                     </p:animEffect>
@@ -5411,7 +5210,7 @@
                                       <p:cBhvr>
                                         <p:cTn id="8" dur="500" fill="hold"/>
                                         <p:tgtEl>
-                                          <p:spTgt spid="5"/>
+                                          <p:spTgt spid="3"/>
                                         </p:tgtEl>
                                         <p:attrNameLst>
                                           <p:attrName>ppt_x</p:attrName>
@@ -5434,7 +5233,7 @@
                                       <p:cBhvr>
                                         <p:cTn id="9" dur="500" fill="hold"/>
                                         <p:tgtEl>
-                                          <p:spTgt spid="5"/>
+                                          <p:spTgt spid="3"/>
                                         </p:tgtEl>
                                         <p:attrNameLst>
                                           <p:attrName>ppt_y</p:attrName>
@@ -5484,7 +5283,7 @@
       </p:par>
     </p:tnLst>
     <p:bldLst>
-      <p:bldP spid="5" grpId="0"/>
+      <p:bldP spid="3" grpId="0"/>
     </p:bldLst>
   </p:timing>
 </p:sld>
@@ -5542,13 +5341,13 @@
           <a:p>
             <a:pPr algn="r"/>
             <a:r>
-              <a:rPr lang="pt-PT" sz="900" b="1" i="1" dirty="0">
+              <a:rPr lang="pt-PT" sz="1000" b="1" i="1" dirty="0">
                 <a:solidFill>
                   <a:srgbClr val="FF0000"/>
                 </a:solidFill>
                 <a:latin typeface="Arial" charset="0"/>
               </a:rPr>
-              <a:t>SOP-T0-INT</a:t>
+              <a:t>SCO-T0-INT</a:t>
             </a:r>
             <a:br>
               <a:rPr lang="pt-PT" sz="1600" b="1" i="1" dirty="0">
@@ -5559,42 +5358,15 @@
               </a:rPr>
             </a:br>
             <a:r>
-              <a:rPr lang="pt-PT" sz="1900" b="1" i="1" dirty="0">
+              <a:rPr lang="pt-PT" sz="2000" b="1" i="1" cap="small" dirty="0">
                 <a:solidFill>
                   <a:srgbClr val="FF0000"/>
                 </a:solidFill>
                 <a:latin typeface="Arial" charset="0"/>
               </a:rPr>
-              <a:t>P</a:t>
-            </a:r>
-            <a:r>
-              <a:rPr lang="pt-PT" sz="1600" b="1" i="1" dirty="0">
-                <a:solidFill>
-                  <a:srgbClr val="FF0000"/>
-                </a:solidFill>
-                <a:latin typeface="Arial" charset="0"/>
-              </a:rPr>
-              <a:t>ROGRAMA </a:t>
-            </a:r>
-            <a:r>
-              <a:rPr lang="pt-PT" sz="1900" b="1" i="1" dirty="0">
-                <a:solidFill>
-                  <a:srgbClr val="FF0000"/>
-                </a:solidFill>
-                <a:latin typeface="Arial" charset="0"/>
-              </a:rPr>
-              <a:t>P</a:t>
-            </a:r>
-            <a:r>
-              <a:rPr lang="pt-PT" sz="1600" b="1" i="1" dirty="0">
-                <a:solidFill>
-                  <a:srgbClr val="FF0000"/>
-                </a:solidFill>
-                <a:latin typeface="Arial" charset="0"/>
-              </a:rPr>
-              <a:t>REVISTO</a:t>
-            </a:r>
-            <a:endParaRPr lang="pt-PT" sz="1200" b="1" i="1" dirty="0">
+              <a:t>Programa Previsto</a:t>
+            </a:r>
+            <a:endParaRPr lang="pt-PT" sz="2000" b="1" i="1" dirty="0">
               <a:solidFill>
                 <a:srgbClr val="FF0000"/>
               </a:solidFill>
@@ -5614,7 +5386,7 @@
         <p:spPr bwMode="auto">
           <a:xfrm>
             <a:off x="540000" y="841276"/>
-            <a:ext cx="8233871" cy="3049413"/>
+            <a:ext cx="8233871" cy="3437212"/>
           </a:xfrm>
           <a:prstGeom prst="rect">
             <a:avLst/>
@@ -5643,8 +5415,9 @@
             </a:pPr>
             <a:r>
               <a:rPr lang="pt-PT" sz="2000" b="0" i="0" dirty="0"/>
-              <a:t>Prática (13 ou 15 aulas de 2h):</a:t>
-            </a:r>
+              <a:t>Prática (continuação):</a:t>
+            </a:r>
+            <a:endParaRPr lang="pt-PT" sz="1600" b="0" dirty="0"/>
           </a:p>
           <a:p>
             <a:pPr marL="396746" lvl="1" algn="l" defTabSz="704085">
@@ -5658,23 +5431,46 @@
                   <a:srgbClr val="0033CC"/>
                 </a:solidFill>
               </a:rPr>
-              <a:t>SCO-P1-SD1 e SCO-P1-SD2</a:t>
-            </a:r>
-            <a:endParaRPr lang="pt-PT" sz="1600" i="0" dirty="0">
-              <a:solidFill>
-                <a:srgbClr val="0033CC"/>
-              </a:solidFill>
-            </a:endParaRPr>
-          </a:p>
-          <a:p>
-            <a:pPr marL="789302" lvl="2" indent="-234695" algn="just" defTabSz="704085">
+              <a:t>SCO-P08-L1, SCO-P09-L2, SCO-P10-L3, SCO-P11-L4 e SCO-P12-L5</a:t>
+            </a:r>
+          </a:p>
+          <a:p>
+            <a:pPr marL="539750" lvl="2" algn="just" defTabSz="704085">
               <a:lnSpc>
                 <a:spcPct val="120000"/>
               </a:lnSpc>
             </a:pPr>
             <a:r>
+              <a:rPr lang="pt-PT" sz="1600" b="0" dirty="0" err="1"/>
+              <a:t>Assembly</a:t>
+            </a:r>
+            <a:r>
               <a:rPr lang="pt-PT" sz="1600" b="0" i="0" dirty="0"/>
-              <a:t>Sistemas digitais, lógica booleana e representação de dados, circuitos digitais.</a:t>
+              <a:t> e linguagem C, integração com sistema físicos e sistemas operativos modernos, passagem de parâmetros por memoria associada e </a:t>
+            </a:r>
+            <a:r>
+              <a:rPr lang="pt-PT" sz="1600" b="0" dirty="0" err="1"/>
+              <a:t>frame</a:t>
+            </a:r>
+            <a:r>
+              <a:rPr lang="pt-PT" sz="1600" b="0" dirty="0"/>
+              <a:t> </a:t>
+            </a:r>
+            <a:r>
+              <a:rPr lang="pt-PT" sz="1600" b="0" dirty="0" err="1"/>
+              <a:t>pointer</a:t>
+            </a:r>
+            <a:r>
+              <a:rPr lang="pt-PT" sz="1600" b="0" i="0" dirty="0"/>
+              <a:t> (</a:t>
+            </a:r>
+            <a:r>
+              <a:rPr lang="pt-PT" sz="1600" b="0" dirty="0" err="1"/>
+              <a:t>stack</a:t>
+            </a:r>
+            <a:r>
+              <a:rPr lang="pt-PT" sz="1600" b="0" i="0" dirty="0"/>
+              <a:t>).</a:t>
             </a:r>
           </a:p>
           <a:p>
@@ -5689,63 +5485,60 @@
                   <a:srgbClr val="0033CC"/>
                 </a:solidFill>
               </a:rPr>
-              <a:t>SCO-P2-AS1, SCO-P2-AS2, SCO-P2-AS3, SCO-P2-AS4 e SCO-P2-AS5</a:t>
-            </a:r>
-          </a:p>
-          <a:p>
-            <a:pPr marL="539750" lvl="2" algn="just" defTabSz="624078">
+              <a:t>SCO-P13-I1</a:t>
+            </a:r>
+          </a:p>
+          <a:p>
+            <a:pPr marL="539750" lvl="2" algn="just" defTabSz="704085">
               <a:lnSpc>
                 <a:spcPct val="120000"/>
               </a:lnSpc>
             </a:pPr>
             <a:r>
-              <a:rPr lang="pt-PT" sz="1600" b="0" dirty="0" err="1"/>
-              <a:t>Assembly</a:t>
-            </a:r>
-            <a:r>
               <a:rPr lang="pt-PT" sz="1600" b="0" i="0" dirty="0"/>
-              <a:t>, </a:t>
-            </a:r>
-            <a:r>
-              <a:rPr lang="pt-PT" sz="1600" b="0" dirty="0" err="1"/>
-              <a:t>labels</a:t>
-            </a:r>
+              <a:t>I/O e controlo de sistemas. Comunicação entre dispositivos.</a:t>
+            </a:r>
+          </a:p>
+          <a:p>
+            <a:pPr marL="396746" lvl="1" algn="l" defTabSz="704085">
+              <a:lnSpc>
+                <a:spcPct val="120000"/>
+              </a:lnSpc>
+            </a:pPr>
+            <a:r>
+              <a:rPr lang="pt-PT" sz="2100" i="0" dirty="0">
+                <a:solidFill>
+                  <a:srgbClr val="0033CC"/>
+                </a:solidFill>
+              </a:rPr>
+              <a:t>SCO-P14-P1 e SCO-P15-P2</a:t>
+            </a:r>
+          </a:p>
+          <a:p>
+            <a:pPr marL="539750" lvl="2" algn="just" defTabSz="704085">
+              <a:lnSpc>
+                <a:spcPct val="120000"/>
+              </a:lnSpc>
+            </a:pPr>
             <a:r>
               <a:rPr lang="pt-PT" sz="1600" b="0" i="0" dirty="0"/>
-              <a:t> e comentários, assemblagem e código máquina, aritmética, saltos condicionais e implementação de estruturas condicionais. Endereçamento e operações de blocos, macros e </a:t>
+              <a:t>Desenvolvimento de trabalhos em outras arquiteturas, com PC e </a:t>
             </a:r>
             <a:r>
               <a:rPr lang="pt-PT" sz="1600" b="0" i="0" dirty="0" err="1"/>
-              <a:t>subrotinas</a:t>
+              <a:t>PICs</a:t>
             </a:r>
             <a:r>
               <a:rPr lang="pt-PT" sz="1600" b="0" i="0" dirty="0"/>
-              <a:t>, passagem de parâmetros por registo e </a:t>
-            </a:r>
-            <a:r>
-              <a:rPr lang="pt-PT" sz="1600" b="0" dirty="0" err="1"/>
-              <a:t>frame</a:t>
-            </a:r>
-            <a:r>
-              <a:rPr lang="pt-PT" sz="1600" b="0" dirty="0"/>
-              <a:t> </a:t>
-            </a:r>
-            <a:r>
-              <a:rPr lang="pt-PT" sz="1600" b="0" dirty="0" err="1"/>
-              <a:t>pointer</a:t>
-            </a:r>
-            <a:r>
-              <a:rPr lang="pt-PT" sz="1600" b="0" dirty="0"/>
               <a:t>.</a:t>
             </a:r>
-            <a:endParaRPr lang="pt-PT" sz="1600" b="0" i="0" dirty="0"/>
           </a:p>
         </p:txBody>
       </p:sp>
     </p:spTree>
     <p:extLst>
       <p:ext uri="{BB962C8B-B14F-4D97-AF65-F5344CB8AC3E}">
-        <p14:creationId xmlns:p14="http://schemas.microsoft.com/office/powerpoint/2010/main" val="2590887067"/>
+        <p14:creationId xmlns:p14="http://schemas.microsoft.com/office/powerpoint/2010/main" val="3539033521"/>
       </p:ext>
     </p:extLst>
   </p:cSld>
@@ -5942,13 +5735,13 @@
           <a:p>
             <a:pPr algn="r"/>
             <a:r>
-              <a:rPr lang="pt-PT" sz="900" b="1" i="1" dirty="0">
+              <a:rPr lang="pt-PT" sz="1000" b="1" i="1" dirty="0">
                 <a:solidFill>
                   <a:srgbClr val="FF0000"/>
                 </a:solidFill>
                 <a:latin typeface="Arial" charset="0"/>
               </a:rPr>
-              <a:t>SOP-T0-INT</a:t>
+              <a:t>SCO-T0-INT</a:t>
             </a:r>
             <a:br>
               <a:rPr lang="pt-PT" sz="1600" b="1" i="1" dirty="0">
@@ -5959,53 +5752,20 @@
               </a:rPr>
             </a:br>
             <a:r>
-              <a:rPr lang="pt-PT" sz="1900" b="1" i="1" dirty="0">
+              <a:rPr lang="pt-PT" sz="2000" b="1" i="1" cap="small" dirty="0">
                 <a:solidFill>
                   <a:srgbClr val="FF0000"/>
                 </a:solidFill>
                 <a:latin typeface="Arial" charset="0"/>
               </a:rPr>
-              <a:t>P</a:t>
-            </a:r>
-            <a:r>
-              <a:rPr lang="pt-PT" sz="1600" b="1" i="1" dirty="0">
-                <a:solidFill>
-                  <a:srgbClr val="FF0000"/>
-                </a:solidFill>
-                <a:latin typeface="Arial" charset="0"/>
-              </a:rPr>
-              <a:t>ROGRAMA </a:t>
-            </a:r>
-            <a:r>
-              <a:rPr lang="pt-PT" sz="1900" b="1" i="1" dirty="0">
-                <a:solidFill>
-                  <a:srgbClr val="FF0000"/>
-                </a:solidFill>
-                <a:latin typeface="Arial" charset="0"/>
-              </a:rPr>
-              <a:t>P</a:t>
-            </a:r>
-            <a:r>
-              <a:rPr lang="pt-PT" sz="1600" b="1" i="1" dirty="0">
-                <a:solidFill>
-                  <a:srgbClr val="FF0000"/>
-                </a:solidFill>
-                <a:latin typeface="Arial" charset="0"/>
-              </a:rPr>
-              <a:t>REVISTO</a:t>
-            </a:r>
-            <a:endParaRPr lang="pt-PT" sz="1200" b="1" i="1" dirty="0">
-              <a:solidFill>
-                <a:srgbClr val="FF0000"/>
-              </a:solidFill>
-              <a:latin typeface="Arial" charset="0"/>
-            </a:endParaRPr>
+              <a:t>Atendimento e Turmas Práticas</a:t>
+            </a:r>
           </a:p>
         </p:txBody>
       </p:sp>
       <p:sp>
         <p:nvSpPr>
-          <p:cNvPr id="3" name="Rectangle 13"/>
+          <p:cNvPr id="8" name="Rectangle 4"/>
           <p:cNvSpPr>
             <a:spLocks noChangeArrowheads="1"/>
           </p:cNvSpPr>
@@ -6013,8 +5773,8 @@
         </p:nvSpPr>
         <p:spPr bwMode="auto">
           <a:xfrm>
-            <a:off x="540000" y="841276"/>
-            <a:ext cx="8233871" cy="2458482"/>
+            <a:off x="540000" y="900000"/>
+            <a:ext cx="8179865" cy="3584945"/>
           </a:xfrm>
           <a:prstGeom prst="rect">
             <a:avLst/>
@@ -6043,385 +5803,35 @@
             </a:pPr>
             <a:r>
               <a:rPr lang="pt-PT" sz="2000" b="0" i="0" dirty="0"/>
-              <a:t>Prática (continuação):</a:t>
-            </a:r>
-            <a:endParaRPr lang="pt-PT" sz="1600" b="0" dirty="0"/>
-          </a:p>
-          <a:p>
-            <a:pPr marL="396746" lvl="1" algn="l" defTabSz="704085">
+              <a:t>Teórica (atendimento):</a:t>
+            </a:r>
+          </a:p>
+          <a:p>
+            <a:pPr marL="632838" lvl="1" indent="-236093" algn="l" defTabSz="704085">
               <a:lnSpc>
                 <a:spcPct val="120000"/>
               </a:lnSpc>
+              <a:buFont typeface="Wingdings" pitchFamily="2" charset="2"/>
+              <a:buChar char="Ø"/>
             </a:pPr>
             <a:r>
-              <a:rPr lang="pt-PT" sz="2100" i="0" dirty="0">
-                <a:solidFill>
-                  <a:srgbClr val="0033CC"/>
-                </a:solidFill>
-              </a:rPr>
-              <a:t>SCO-P3-SY1, SCO-P3-SY2, SCO-P3-SY3, SCO-P3-SY4 e SCO-P3-SY5</a:t>
-            </a:r>
-          </a:p>
-          <a:p>
-            <a:pPr marL="539750" lvl="2" algn="just" defTabSz="704085">
+              <a:rPr lang="pt-PT" sz="1600" b="0" i="0" dirty="0"/>
+              <a:t>Gabinete I0.03 [ECT Polo I] + ZOOM (preferencial) – Contactar antes.</a:t>
+            </a:r>
+          </a:p>
+          <a:p>
+            <a:pPr marL="632838" lvl="1" indent="-236093" algn="l" defTabSz="704085">
               <a:lnSpc>
                 <a:spcPct val="120000"/>
               </a:lnSpc>
+              <a:buFont typeface="Wingdings" pitchFamily="2" charset="2"/>
+              <a:buChar char="Ø"/>
             </a:pPr>
             <a:r>
-              <a:rPr lang="pt-PT" sz="1600" b="0" dirty="0" err="1"/>
-              <a:t>Assembly</a:t>
-            </a:r>
-            <a:r>
               <a:rPr lang="pt-PT" sz="1600" b="0" i="0" dirty="0"/>
-              <a:t> e linguagem C, integração com sistema físicos e sistemas operativos modernos, IO e controlo de sistemas. Comunicação entre dispositivos.</a:t>
-            </a:r>
-          </a:p>
-          <a:p>
-            <a:pPr marL="396746" lvl="1" algn="l" defTabSz="704085">
-              <a:lnSpc>
-                <a:spcPct val="120000"/>
-              </a:lnSpc>
-            </a:pPr>
-            <a:r>
-              <a:rPr lang="pt-PT" sz="2100" i="0" dirty="0">
-                <a:solidFill>
-                  <a:srgbClr val="0033CC"/>
-                </a:solidFill>
-              </a:rPr>
-              <a:t>SCO-P4-AV1, SCO-P4-AV2 e SCO-P3-AV3</a:t>
-            </a:r>
-          </a:p>
-          <a:p>
-            <a:pPr marL="539750" lvl="2" algn="just" defTabSz="704085">
-              <a:lnSpc>
-                <a:spcPct val="120000"/>
-              </a:lnSpc>
-            </a:pPr>
-            <a:r>
-              <a:rPr lang="pt-PT" sz="1600" b="0" i="0" dirty="0"/>
-              <a:t>Desenvolvimento de trabalhos em outras arquiteturas, com PC e </a:t>
-            </a:r>
-            <a:r>
-              <a:rPr lang="pt-PT" sz="1600" b="0" i="0" dirty="0" err="1"/>
-              <a:t>PICs</a:t>
-            </a:r>
-            <a:r>
-              <a:rPr lang="pt-PT" sz="1600" b="0" i="0" dirty="0"/>
-              <a:t>.</a:t>
-            </a:r>
-          </a:p>
-        </p:txBody>
-      </p:sp>
-    </p:spTree>
-    <p:extLst>
-      <p:ext uri="{BB962C8B-B14F-4D97-AF65-F5344CB8AC3E}">
-        <p14:creationId xmlns:p14="http://schemas.microsoft.com/office/powerpoint/2010/main" val="3539033521"/>
-      </p:ext>
-    </p:extLst>
-  </p:cSld>
-  <p:clrMapOvr>
-    <a:masterClrMapping/>
-  </p:clrMapOvr>
-  <p:timing>
-    <p:tnLst>
-      <p:par>
-        <p:cTn id="1" dur="indefinite" restart="never" nodeType="tmRoot">
-          <p:childTnLst>
-            <p:seq concurrent="1" nextAc="seek">
-              <p:cTn id="2" dur="indefinite" nodeType="mainSeq">
-                <p:childTnLst>
-                  <p:par>
-                    <p:cTn id="3" fill="hold">
-                      <p:stCondLst>
-                        <p:cond delay="indefinite"/>
-                        <p:cond evt="onBegin" delay="0">
-                          <p:tn val="2"/>
-                        </p:cond>
-                      </p:stCondLst>
-                      <p:childTnLst>
-                        <p:par>
-                          <p:cTn id="4" fill="hold">
-                            <p:stCondLst>
-                              <p:cond delay="0"/>
-                            </p:stCondLst>
-                            <p:childTnLst>
-                              <p:par>
-                                <p:cTn id="5" presetID="42" presetClass="entr" presetSubtype="0" fill="hold" grpId="0" nodeType="afterEffect">
-                                  <p:stCondLst>
-                                    <p:cond delay="0"/>
-                                  </p:stCondLst>
-                                  <p:childTnLst>
-                                    <p:set>
-                                      <p:cBhvr>
-                                        <p:cTn id="6" dur="1" fill="hold">
-                                          <p:stCondLst>
-                                            <p:cond delay="0"/>
-                                          </p:stCondLst>
-                                        </p:cTn>
-                                        <p:tgtEl>
-                                          <p:spTgt spid="3"/>
-                                        </p:tgtEl>
-                                        <p:attrNameLst>
-                                          <p:attrName>style.visibility</p:attrName>
-                                        </p:attrNameLst>
-                                      </p:cBhvr>
-                                      <p:to>
-                                        <p:strVal val="visible"/>
-                                      </p:to>
-                                    </p:set>
-                                    <p:animEffect transition="in" filter="fade">
-                                      <p:cBhvr>
-                                        <p:cTn id="7" dur="500"/>
-                                        <p:tgtEl>
-                                          <p:spTgt spid="3"/>
-                                        </p:tgtEl>
-                                      </p:cBhvr>
-                                    </p:animEffect>
-                                    <p:anim calcmode="lin" valueType="num">
-                                      <p:cBhvr>
-                                        <p:cTn id="8" dur="500" fill="hold"/>
-                                        <p:tgtEl>
-                                          <p:spTgt spid="3"/>
-                                        </p:tgtEl>
-                                        <p:attrNameLst>
-                                          <p:attrName>ppt_x</p:attrName>
-                                        </p:attrNameLst>
-                                      </p:cBhvr>
-                                      <p:tavLst>
-                                        <p:tav tm="0">
-                                          <p:val>
-                                            <p:strVal val="#ppt_x"/>
-                                          </p:val>
-                                        </p:tav>
-                                        <p:tav tm="100000">
-                                          <p:val>
-                                            <p:strVal val="#ppt_x"/>
-                                          </p:val>
-                                        </p:tav>
-                                      </p:tavLst>
-                                    </p:anim>
-                                    <p:anim calcmode="lin" valueType="num">
-                                      <p:cBhvr>
-                                        <p:cTn id="9" dur="500" fill="hold"/>
-                                        <p:tgtEl>
-                                          <p:spTgt spid="3"/>
-                                        </p:tgtEl>
-                                        <p:attrNameLst>
-                                          <p:attrName>ppt_y</p:attrName>
-                                        </p:attrNameLst>
-                                      </p:cBhvr>
-                                      <p:tavLst>
-                                        <p:tav tm="0">
-                                          <p:val>
-                                            <p:strVal val="#ppt_y+.1"/>
-                                          </p:val>
-                                        </p:tav>
-                                        <p:tav tm="100000">
-                                          <p:val>
-                                            <p:strVal val="#ppt_y"/>
-                                          </p:val>
-                                        </p:tav>
-                                      </p:tavLst>
-                                    </p:anim>
-                                  </p:childTnLst>
-                                </p:cTn>
-                              </p:par>
-                            </p:childTnLst>
-                          </p:cTn>
-                        </p:par>
-                      </p:childTnLst>
-                    </p:cTn>
-                  </p:par>
-                </p:childTnLst>
-              </p:cTn>
-              <p:prevCondLst>
-                <p:cond evt="onPrev" delay="0">
-                  <p:tgtEl>
-                    <p:sldTgt/>
-                  </p:tgtEl>
-                </p:cond>
-              </p:prevCondLst>
-              <p:nextCondLst>
-                <p:cond evt="onNext" delay="0">
-                  <p:tgtEl>
-                    <p:sldTgt/>
-                  </p:tgtEl>
-                </p:cond>
-              </p:nextCondLst>
-            </p:seq>
-          </p:childTnLst>
-        </p:cTn>
-      </p:par>
-    </p:tnLst>
-    <p:bldLst>
-      <p:bldP spid="3" grpId="0"/>
-    </p:bldLst>
-  </p:timing>
-</p:sld>
-</file>
-
-<file path=ppt/slides/slide13.xml><?xml version="1.0" encoding="utf-8"?>
-<p:sld xmlns:a="http://schemas.openxmlformats.org/drawingml/2006/main" xmlns:r="http://schemas.openxmlformats.org/officeDocument/2006/relationships" xmlns:p="http://schemas.openxmlformats.org/presentationml/2006/main">
-  <p:cSld>
-    <p:spTree>
-      <p:nvGrpSpPr>
-        <p:cNvPr id="1" name=""/>
-        <p:cNvGrpSpPr/>
-        <p:nvPr/>
-      </p:nvGrpSpPr>
-      <p:grpSpPr>
-        <a:xfrm>
-          <a:off x="0" y="0"/>
-          <a:ext cx="0" cy="0"/>
-          <a:chOff x="0" y="0"/>
-          <a:chExt cx="0" cy="0"/>
-        </a:xfrm>
-      </p:grpSpPr>
-      <p:sp>
-        <p:nvSpPr>
-          <p:cNvPr id="148482" name="Rectangle 2"/>
-          <p:cNvSpPr>
-            <a:spLocks noGrp="1" noChangeArrowheads="1"/>
-          </p:cNvSpPr>
-          <p:nvPr>
-            <p:ph type="title" idx="4294967295"/>
-          </p:nvPr>
-        </p:nvSpPr>
-        <p:spPr bwMode="auto">
-          <a:xfrm>
-            <a:off x="3006330" y="217207"/>
-            <a:ext cx="5292085" cy="420439"/>
-          </a:xfrm>
-          <a:prstGeom prst="rect">
-            <a:avLst/>
-          </a:prstGeom>
-          <a:noFill/>
-          <a:ln>
-            <a:miter lim="800000"/>
-            <a:headEnd/>
-            <a:tailEnd/>
-          </a:ln>
-        </p:spPr>
-        <p:txBody>
-          <a:bodyPr vert="horz" wrap="square" lIns="71323" tIns="35662" rIns="71323" bIns="35662" numCol="1" anchor="t" anchorCtr="0" compatLnSpc="1">
-            <a:prstTxWarp prst="textNoShape">
-              <a:avLst/>
-            </a:prstTxWarp>
-          </a:bodyPr>
-          <a:lstStyle/>
-          <a:p>
-            <a:pPr algn="r"/>
-            <a:r>
-              <a:rPr lang="pt-PT" sz="800" b="1" i="1" dirty="0">
-                <a:solidFill>
-                  <a:srgbClr val="FF0000"/>
-                </a:solidFill>
-                <a:latin typeface="Arial" charset="0"/>
-              </a:rPr>
-              <a:t>SOP-T0-INT</a:t>
-            </a:r>
-            <a:br>
-              <a:rPr lang="pt-PT" sz="1600" b="1" i="1" dirty="0">
-                <a:solidFill>
-                  <a:srgbClr val="FF0000"/>
-                </a:solidFill>
-                <a:latin typeface="Arial" charset="0"/>
-              </a:rPr>
-            </a:br>
-            <a:r>
-              <a:rPr lang="pt-PT" sz="1900" b="1" i="1" dirty="0">
-                <a:solidFill>
-                  <a:srgbClr val="FF0000"/>
-                </a:solidFill>
-                <a:latin typeface="Arial" charset="0"/>
-              </a:rPr>
-              <a:t>A</a:t>
-            </a:r>
-            <a:r>
-              <a:rPr lang="pt-PT" sz="1600" b="1" i="1" dirty="0">
-                <a:solidFill>
-                  <a:srgbClr val="FF0000"/>
-                </a:solidFill>
-                <a:latin typeface="Arial" charset="0"/>
-              </a:rPr>
-              <a:t>TENDIMENTO E </a:t>
-            </a:r>
-            <a:r>
-              <a:rPr lang="pt-PT" sz="1900" b="1" i="1" dirty="0">
-                <a:solidFill>
-                  <a:srgbClr val="FF0000"/>
-                </a:solidFill>
-                <a:latin typeface="Arial" charset="0"/>
-              </a:rPr>
-              <a:t>T</a:t>
-            </a:r>
-            <a:r>
-              <a:rPr lang="pt-PT" sz="1600" b="1" i="1" dirty="0">
-                <a:solidFill>
-                  <a:srgbClr val="FF0000"/>
-                </a:solidFill>
-                <a:latin typeface="Arial" charset="0"/>
-              </a:rPr>
-              <a:t>URMAS </a:t>
-            </a:r>
-            <a:r>
-              <a:rPr lang="pt-PT" sz="1900" b="1" i="1" dirty="0">
-                <a:solidFill>
-                  <a:srgbClr val="FF0000"/>
-                </a:solidFill>
-                <a:latin typeface="Arial" charset="0"/>
-              </a:rPr>
-              <a:t>P</a:t>
-            </a:r>
-            <a:r>
-              <a:rPr lang="pt-PT" sz="1600" b="1" i="1" dirty="0">
-                <a:solidFill>
-                  <a:srgbClr val="FF0000"/>
-                </a:solidFill>
-                <a:latin typeface="Arial" charset="0"/>
-              </a:rPr>
-              <a:t>RÁTICAS</a:t>
-            </a:r>
-            <a:endParaRPr lang="pt-PT" sz="1200" b="1" i="1" dirty="0">
-              <a:solidFill>
-                <a:srgbClr val="FF0000"/>
-              </a:solidFill>
-              <a:latin typeface="Arial" charset="0"/>
-            </a:endParaRPr>
-          </a:p>
-        </p:txBody>
-      </p:sp>
-      <p:sp>
-        <p:nvSpPr>
-          <p:cNvPr id="8" name="Rectangle 4"/>
-          <p:cNvSpPr>
-            <a:spLocks noChangeArrowheads="1"/>
-          </p:cNvSpPr>
-          <p:nvPr/>
-        </p:nvSpPr>
-        <p:spPr bwMode="auto">
-          <a:xfrm>
-            <a:off x="540000" y="900000"/>
-            <a:ext cx="8179865" cy="2994014"/>
-          </a:xfrm>
-          <a:prstGeom prst="rect">
-            <a:avLst/>
-          </a:prstGeom>
-          <a:noFill/>
-          <a:ln w="9525">
-            <a:noFill/>
-            <a:miter lim="800000"/>
-            <a:headEnd/>
-            <a:tailEnd/>
-          </a:ln>
-          <a:effectLst/>
-        </p:spPr>
-        <p:txBody>
-          <a:bodyPr wrap="square" lIns="70408" tIns="35205" rIns="70408" bIns="35205">
-            <a:spAutoFit/>
-          </a:bodyPr>
-          <a:lstStyle/>
+              <a:t>Consultar horário no SiDE.</a:t>
+            </a:r>
+          </a:p>
           <a:p>
             <a:pPr marL="238887" indent="-238887" algn="l" defTabSz="704085">
               <a:lnSpc>
@@ -6432,46 +5842,7 @@
             </a:pPr>
             <a:r>
               <a:rPr lang="pt-PT" sz="2000" b="0" i="0" dirty="0"/>
-              <a:t>Teórica (atendimento):</a:t>
-            </a:r>
-          </a:p>
-          <a:p>
-            <a:pPr marL="632838" lvl="1" indent="-236093" algn="l" defTabSz="704085">
-              <a:lnSpc>
-                <a:spcPct val="120000"/>
-              </a:lnSpc>
-              <a:buFont typeface="Wingdings" pitchFamily="2" charset="2"/>
-              <a:buChar char="Ø"/>
-            </a:pPr>
-            <a:r>
-              <a:rPr lang="pt-PT" sz="1600" b="0" i="0" dirty="0"/>
-              <a:t>Gabinete I0.03 [ECT Polo I] + ZOOM (preferencial) – Contactar antes.</a:t>
-            </a:r>
-          </a:p>
-          <a:p>
-            <a:pPr marL="632838" lvl="1" indent="-236093" algn="l" defTabSz="704085">
-              <a:lnSpc>
-                <a:spcPct val="120000"/>
-              </a:lnSpc>
-              <a:buFont typeface="Wingdings" pitchFamily="2" charset="2"/>
-              <a:buChar char="Ø"/>
-            </a:pPr>
-            <a:r>
-              <a:rPr lang="pt-PT" sz="1600" b="0" i="0" dirty="0"/>
-              <a:t>Consultar horário no SiDE.</a:t>
-            </a:r>
-          </a:p>
-          <a:p>
-            <a:pPr marL="238887" indent="-238887" algn="l" defTabSz="704085">
-              <a:lnSpc>
-                <a:spcPct val="120000"/>
-              </a:lnSpc>
-              <a:buFont typeface="Wingdings" pitchFamily="2" charset="2"/>
-              <a:buChar char="Ø"/>
-            </a:pPr>
-            <a:r>
-              <a:rPr lang="pt-PT" sz="2000" b="0" i="0" dirty="0"/>
-              <a:t>Prática:</a:t>
+              <a:t>Prático Laboratorial:</a:t>
             </a:r>
           </a:p>
           <a:p>
@@ -6534,12 +5905,37 @@
             </a:pPr>
             <a:r>
               <a:rPr lang="pt-PT" sz="1600" b="0" i="0" dirty="0"/>
-              <a:t>Repositório GIT em: </a:t>
+              <a:t>Equipamentos na rede da UTAD: </a:t>
+            </a:r>
+            <a:r>
+              <a:rPr lang="pt-PT" sz="1600" i="0" dirty="0"/>
+              <a:t>sco1.utad.priv</a:t>
+            </a:r>
+            <a:r>
+              <a:rPr lang="pt-PT" sz="1600" b="0" i="0" dirty="0"/>
+              <a:t> e </a:t>
+            </a:r>
+            <a:r>
+              <a:rPr lang="pt-PT" sz="1600" i="0" dirty="0"/>
+              <a:t>sco2.utad.priv</a:t>
+            </a:r>
+          </a:p>
+          <a:p>
+            <a:pPr marL="632838" lvl="1" indent="-236093" algn="l" defTabSz="704085">
+              <a:lnSpc>
+                <a:spcPct val="120000"/>
+              </a:lnSpc>
+              <a:buFont typeface="Wingdings" pitchFamily="2" charset="2"/>
+              <a:buChar char="Ø"/>
+            </a:pPr>
+            <a:r>
+              <a:rPr lang="pt-PT" sz="1600" b="0" i="0" dirty="0"/>
+              <a:t>Moodle: </a:t>
             </a:r>
             <a:r>
               <a:rPr lang="pt-PT" sz="1600" b="0" i="0" dirty="0">
                 <a:solidFill>
-                  <a:schemeClr val="accent2"/>
+                  <a:srgbClr val="0070C0"/>
                 </a:solidFill>
                 <a:hlinkClick r:id="rId3">
                   <a:extLst>
@@ -6549,11 +5945,44 @@
                   </a:extLst>
                 </a:hlinkClick>
               </a:rPr>
-              <a:t>https://github.com/fsp864/UTAD-SOP.git</a:t>
+              <a:t>https://moodle.utad.pt/course/view.php?id=1523</a:t>
             </a:r>
             <a:endParaRPr lang="pt-PT" sz="1600" b="0" i="0" dirty="0">
               <a:solidFill>
-                <a:schemeClr val="accent2"/>
+                <a:srgbClr val="0070C0"/>
+              </a:solidFill>
+            </a:endParaRPr>
+          </a:p>
+          <a:p>
+            <a:pPr marL="632838" lvl="1" indent="-236093" algn="l" defTabSz="704085">
+              <a:lnSpc>
+                <a:spcPct val="120000"/>
+              </a:lnSpc>
+              <a:buFont typeface="Wingdings" pitchFamily="2" charset="2"/>
+              <a:buChar char="Ø"/>
+            </a:pPr>
+            <a:r>
+              <a:rPr lang="pt-PT" sz="1600" b="0" i="0" dirty="0"/>
+              <a:t>Repositório GIT em: </a:t>
+            </a:r>
+            <a:r>
+              <a:rPr lang="pt-PT" sz="1600" b="0" i="0" dirty="0">
+                <a:solidFill>
+                  <a:srgbClr val="0070C0"/>
+                </a:solidFill>
+                <a:hlinkClick r:id="rId4">
+                  <a:extLst>
+                    <a:ext uri="{A12FA001-AC4F-418D-AE19-62706E023703}">
+                      <ahyp:hlinkClr xmlns:ahyp="http://schemas.microsoft.com/office/drawing/2018/hyperlinkcolor" val="tx"/>
+                    </a:ext>
+                  </a:extLst>
+                </a:hlinkClick>
+              </a:rPr>
+              <a:t>https://github.com/fsp864/UTAD-SCO</a:t>
+            </a:r>
+            <a:endParaRPr lang="pt-PT" sz="1600" b="0" i="0" dirty="0">
+              <a:solidFill>
+                <a:srgbClr val="0070C0"/>
               </a:solidFill>
             </a:endParaRPr>
           </a:p>
@@ -6562,7 +5991,7 @@
     </p:spTree>
     <p:extLst>
       <p:ext uri="{BB962C8B-B14F-4D97-AF65-F5344CB8AC3E}">
-        <p14:creationId xmlns:p14="http://schemas.microsoft.com/office/powerpoint/2010/main" val="4196485382"/>
+        <p14:creationId xmlns:p14="http://schemas.microsoft.com/office/powerpoint/2010/main" val="2519985482"/>
       </p:ext>
     </p:extLst>
   </p:cSld>
@@ -6707,428 +6136,7 @@
 </p:sld>
 </file>
 
-<file path=ppt/slides/slide14.xml><?xml version="1.0" encoding="utf-8"?>
-<p:sld xmlns:a="http://schemas.openxmlformats.org/drawingml/2006/main" xmlns:r="http://schemas.openxmlformats.org/officeDocument/2006/relationships" xmlns:p="http://schemas.openxmlformats.org/presentationml/2006/main">
-  <p:cSld>
-    <p:spTree>
-      <p:nvGrpSpPr>
-        <p:cNvPr id="1" name=""/>
-        <p:cNvGrpSpPr/>
-        <p:nvPr/>
-      </p:nvGrpSpPr>
-      <p:grpSpPr>
-        <a:xfrm>
-          <a:off x="0" y="0"/>
-          <a:ext cx="0" cy="0"/>
-          <a:chOff x="0" y="0"/>
-          <a:chExt cx="0" cy="0"/>
-        </a:xfrm>
-      </p:grpSpPr>
-      <p:sp>
-        <p:nvSpPr>
-          <p:cNvPr id="148482" name="Rectangle 2"/>
-          <p:cNvSpPr>
-            <a:spLocks noGrp="1" noChangeArrowheads="1"/>
-          </p:cNvSpPr>
-          <p:nvPr>
-            <p:ph type="title" idx="4294967295"/>
-          </p:nvPr>
-        </p:nvSpPr>
-        <p:spPr bwMode="auto">
-          <a:xfrm>
-            <a:off x="3006330" y="217207"/>
-            <a:ext cx="5292085" cy="420439"/>
-          </a:xfrm>
-          <a:prstGeom prst="rect">
-            <a:avLst/>
-          </a:prstGeom>
-          <a:noFill/>
-          <a:ln>
-            <a:miter lim="800000"/>
-            <a:headEnd/>
-            <a:tailEnd/>
-          </a:ln>
-        </p:spPr>
-        <p:txBody>
-          <a:bodyPr vert="horz" wrap="square" lIns="71323" tIns="35662" rIns="71323" bIns="35662" numCol="1" anchor="t" anchorCtr="0" compatLnSpc="1">
-            <a:prstTxWarp prst="textNoShape">
-              <a:avLst/>
-            </a:prstTxWarp>
-          </a:bodyPr>
-          <a:lstStyle/>
-          <a:p>
-            <a:pPr algn="r"/>
-            <a:r>
-              <a:rPr lang="pt-PT" sz="800" b="1" i="1" dirty="0">
-                <a:solidFill>
-                  <a:srgbClr val="FF0000"/>
-                </a:solidFill>
-                <a:latin typeface="Arial" charset="0"/>
-              </a:rPr>
-              <a:t>SOP-T0-INT</a:t>
-            </a:r>
-            <a:br>
-              <a:rPr lang="pt-PT" sz="1600" b="1" i="1" dirty="0">
-                <a:solidFill>
-                  <a:srgbClr val="FF0000"/>
-                </a:solidFill>
-                <a:latin typeface="Arial" charset="0"/>
-              </a:rPr>
-            </a:br>
-            <a:r>
-              <a:rPr lang="pt-PT" sz="1900" b="1" i="1" dirty="0">
-                <a:solidFill>
-                  <a:srgbClr val="FF0000"/>
-                </a:solidFill>
-                <a:latin typeface="Arial" charset="0"/>
-              </a:rPr>
-              <a:t>M</a:t>
-            </a:r>
-            <a:r>
-              <a:rPr lang="pt-PT" sz="1600" b="1" i="1" dirty="0">
-                <a:solidFill>
-                  <a:srgbClr val="FF0000"/>
-                </a:solidFill>
-                <a:latin typeface="Arial" charset="0"/>
-              </a:rPr>
-              <a:t>OODLE E </a:t>
-            </a:r>
-            <a:r>
-              <a:rPr lang="pt-PT" sz="1900" b="1" i="1" dirty="0">
-                <a:solidFill>
-                  <a:srgbClr val="FF0000"/>
-                </a:solidFill>
-                <a:latin typeface="Arial" charset="0"/>
-              </a:rPr>
-              <a:t>P</a:t>
-            </a:r>
-            <a:r>
-              <a:rPr lang="pt-PT" sz="1600" b="1" i="1" dirty="0">
-                <a:solidFill>
-                  <a:srgbClr val="FF0000"/>
-                </a:solidFill>
-                <a:latin typeface="Arial" charset="0"/>
-              </a:rPr>
-              <a:t>RIMEIRO </a:t>
-            </a:r>
-            <a:r>
-              <a:rPr lang="pt-PT" sz="1900" b="1" i="1" dirty="0">
-                <a:solidFill>
-                  <a:srgbClr val="FF0000"/>
-                </a:solidFill>
-                <a:latin typeface="Arial" charset="0"/>
-              </a:rPr>
-              <a:t>Q</a:t>
-            </a:r>
-            <a:r>
-              <a:rPr lang="pt-PT" sz="1600" b="1" i="1" dirty="0">
-                <a:solidFill>
-                  <a:srgbClr val="FF0000"/>
-                </a:solidFill>
-                <a:latin typeface="Arial" charset="0"/>
-              </a:rPr>
-              <a:t>UIZ</a:t>
-            </a:r>
-            <a:endParaRPr lang="pt-PT" sz="1200" b="1" i="1" dirty="0">
-              <a:solidFill>
-                <a:srgbClr val="FF0000"/>
-              </a:solidFill>
-              <a:latin typeface="Arial" charset="0"/>
-            </a:endParaRPr>
-          </a:p>
-        </p:txBody>
-      </p:sp>
-      <p:sp>
-        <p:nvSpPr>
-          <p:cNvPr id="4" name="Rectangle 4"/>
-          <p:cNvSpPr>
-            <a:spLocks noChangeArrowheads="1"/>
-          </p:cNvSpPr>
-          <p:nvPr/>
-        </p:nvSpPr>
-        <p:spPr bwMode="auto">
-          <a:xfrm>
-            <a:off x="540000" y="900000"/>
-            <a:ext cx="8233871" cy="3636433"/>
-          </a:xfrm>
-          <a:prstGeom prst="rect">
-            <a:avLst/>
-          </a:prstGeom>
-          <a:noFill/>
-          <a:ln w="9525">
-            <a:noFill/>
-            <a:miter lim="800000"/>
-            <a:headEnd/>
-            <a:tailEnd/>
-          </a:ln>
-          <a:effectLst/>
-        </p:spPr>
-        <p:txBody>
-          <a:bodyPr wrap="square" lIns="70408" tIns="35205" rIns="70408" bIns="35205">
-            <a:spAutoFit/>
-          </a:bodyPr>
-          <a:lstStyle/>
-          <a:p>
-            <a:pPr marL="238887" indent="-238887" algn="l" defTabSz="704085">
-              <a:lnSpc>
-                <a:spcPct val="120000"/>
-              </a:lnSpc>
-              <a:buFont typeface="Wingdings" pitchFamily="2" charset="2"/>
-              <a:buChar char="Ø"/>
-            </a:pPr>
-            <a:r>
-              <a:rPr lang="pt-PT" sz="2000" b="0" i="0" dirty="0"/>
-              <a:t>Questionários online:</a:t>
-            </a:r>
-          </a:p>
-          <a:p>
-            <a:pPr marL="632838" lvl="1" indent="-236093" algn="l" defTabSz="704085">
-              <a:lnSpc>
-                <a:spcPct val="120000"/>
-              </a:lnSpc>
-              <a:buFont typeface="Wingdings" pitchFamily="2" charset="2"/>
-              <a:buChar char="Ø"/>
-            </a:pPr>
-            <a:r>
-              <a:rPr lang="pt-PT" sz="3900" b="0" i="0" dirty="0"/>
-              <a:t>http://moodle.utad.pt/</a:t>
-            </a:r>
-          </a:p>
-          <a:p>
-            <a:pPr marL="632838" lvl="1" indent="-236093" algn="l" defTabSz="704085">
-              <a:lnSpc>
-                <a:spcPct val="120000"/>
-              </a:lnSpc>
-              <a:buFont typeface="Wingdings" pitchFamily="2" charset="2"/>
-              <a:buChar char="Ø"/>
-            </a:pPr>
-            <a:r>
-              <a:rPr lang="pt-PT" sz="3900" b="0" i="0" dirty="0"/>
-              <a:t>UC: Sistemas Computacionais</a:t>
-            </a:r>
-          </a:p>
-          <a:p>
-            <a:pPr marL="632838" lvl="1" indent="-236093" algn="l" defTabSz="704085">
-              <a:lnSpc>
-                <a:spcPct val="120000"/>
-              </a:lnSpc>
-              <a:buFont typeface="Wingdings" pitchFamily="2" charset="2"/>
-              <a:buChar char="Ø"/>
-            </a:pPr>
-            <a:r>
-              <a:rPr lang="pt-PT" sz="3900" b="0" i="0" dirty="0"/>
-              <a:t>acesso: sc2021 </a:t>
-            </a:r>
-            <a:r>
-              <a:rPr lang="pt-PT" sz="2000" b="0" i="0" dirty="0"/>
-              <a:t>(apenas uma vez)</a:t>
-            </a:r>
-          </a:p>
-          <a:p>
-            <a:pPr marL="238887" indent="-238887" algn="l" defTabSz="704085">
-              <a:lnSpc>
-                <a:spcPct val="120000"/>
-              </a:lnSpc>
-              <a:buFont typeface="Wingdings" pitchFamily="2" charset="2"/>
-              <a:buChar char="Ø"/>
-            </a:pPr>
-            <a:r>
-              <a:rPr lang="pt-PT" sz="2000" b="0" i="0" dirty="0"/>
-              <a:t>Primeiro questionário das </a:t>
-            </a:r>
-            <a:r>
-              <a:rPr lang="pt-PT" sz="2000" i="0" dirty="0"/>
-              <a:t>16h de sexta 9 de outubro </a:t>
-            </a:r>
-            <a:r>
-              <a:rPr lang="pt-PT" sz="2000" b="0" i="0" dirty="0"/>
-              <a:t>até </a:t>
-            </a:r>
-            <a:r>
-              <a:rPr lang="pt-PT" sz="2000" i="0" dirty="0"/>
-              <a:t>às 23h59 de quinta 14 de outubro</a:t>
-            </a:r>
-            <a:r>
-              <a:rPr lang="pt-PT" sz="2000" b="0" i="0" dirty="0"/>
-              <a:t>, sobre a avaliação:</a:t>
-            </a:r>
-          </a:p>
-          <a:p>
-            <a:pPr marL="595503" lvl="1" indent="-238887" algn="l" defTabSz="704085">
-              <a:lnSpc>
-                <a:spcPct val="120000"/>
-              </a:lnSpc>
-              <a:buFont typeface="Wingdings" pitchFamily="2" charset="2"/>
-              <a:buChar char="Ø"/>
-            </a:pPr>
-            <a:r>
-              <a:rPr lang="pt-PT" sz="1800" i="0" dirty="0"/>
-              <a:t>Podem fazer várias tentativas</a:t>
-            </a:r>
-            <a:r>
-              <a:rPr lang="pt-PT" sz="1800" b="0" i="0" dirty="0"/>
-              <a:t> e </a:t>
-            </a:r>
-            <a:r>
-              <a:rPr lang="pt-PT" sz="1800" i="0" dirty="0"/>
-              <a:t>não conta para a nota final</a:t>
-            </a:r>
-            <a:r>
-              <a:rPr lang="pt-PT" sz="1800" b="0" i="0" dirty="0"/>
-              <a:t>.</a:t>
-            </a:r>
-          </a:p>
-        </p:txBody>
-      </p:sp>
-    </p:spTree>
-    <p:extLst>
-      <p:ext uri="{BB962C8B-B14F-4D97-AF65-F5344CB8AC3E}">
-        <p14:creationId xmlns:p14="http://schemas.microsoft.com/office/powerpoint/2010/main" val="349129441"/>
-      </p:ext>
-    </p:extLst>
-  </p:cSld>
-  <p:clrMapOvr>
-    <a:masterClrMapping/>
-  </p:clrMapOvr>
-  <p:timing>
-    <p:tnLst>
-      <p:par>
-        <p:cTn id="1" dur="indefinite" restart="never" nodeType="tmRoot">
-          <p:childTnLst>
-            <p:seq concurrent="1" nextAc="seek">
-              <p:cTn id="2" dur="indefinite" nodeType="mainSeq">
-                <p:childTnLst>
-                  <p:par>
-                    <p:cTn id="3" fill="hold">
-                      <p:stCondLst>
-                        <p:cond delay="indefinite"/>
-                        <p:cond evt="onBegin" delay="0">
-                          <p:tn val="2"/>
-                        </p:cond>
-                      </p:stCondLst>
-                      <p:childTnLst>
-                        <p:par>
-                          <p:cTn id="4" fill="hold">
-                            <p:stCondLst>
-                              <p:cond delay="0"/>
-                            </p:stCondLst>
-                            <p:childTnLst>
-                              <p:par>
-                                <p:cTn id="5" presetID="42" presetClass="entr" presetSubtype="0" fill="hold" grpId="0" nodeType="afterEffect">
-                                  <p:stCondLst>
-                                    <p:cond delay="0"/>
-                                  </p:stCondLst>
-                                  <p:childTnLst>
-                                    <p:set>
-                                      <p:cBhvr>
-                                        <p:cTn id="6" dur="1" fill="hold">
-                                          <p:stCondLst>
-                                            <p:cond delay="0"/>
-                                          </p:stCondLst>
-                                        </p:cTn>
-                                        <p:tgtEl>
-                                          <p:spTgt spid="4"/>
-                                        </p:tgtEl>
-                                        <p:attrNameLst>
-                                          <p:attrName>style.visibility</p:attrName>
-                                        </p:attrNameLst>
-                                      </p:cBhvr>
-                                      <p:to>
-                                        <p:strVal val="visible"/>
-                                      </p:to>
-                                    </p:set>
-                                    <p:animEffect transition="in" filter="fade">
-                                      <p:cBhvr>
-                                        <p:cTn id="7" dur="500"/>
-                                        <p:tgtEl>
-                                          <p:spTgt spid="4"/>
-                                        </p:tgtEl>
-                                      </p:cBhvr>
-                                    </p:animEffect>
-                                    <p:anim calcmode="lin" valueType="num">
-                                      <p:cBhvr>
-                                        <p:cTn id="8" dur="500" fill="hold"/>
-                                        <p:tgtEl>
-                                          <p:spTgt spid="4"/>
-                                        </p:tgtEl>
-                                        <p:attrNameLst>
-                                          <p:attrName>ppt_x</p:attrName>
-                                        </p:attrNameLst>
-                                      </p:cBhvr>
-                                      <p:tavLst>
-                                        <p:tav tm="0">
-                                          <p:val>
-                                            <p:strVal val="#ppt_x"/>
-                                          </p:val>
-                                        </p:tav>
-                                        <p:tav tm="100000">
-                                          <p:val>
-                                            <p:strVal val="#ppt_x"/>
-                                          </p:val>
-                                        </p:tav>
-                                      </p:tavLst>
-                                    </p:anim>
-                                    <p:anim calcmode="lin" valueType="num">
-                                      <p:cBhvr>
-                                        <p:cTn id="9" dur="500" fill="hold"/>
-                                        <p:tgtEl>
-                                          <p:spTgt spid="4"/>
-                                        </p:tgtEl>
-                                        <p:attrNameLst>
-                                          <p:attrName>ppt_y</p:attrName>
-                                        </p:attrNameLst>
-                                      </p:cBhvr>
-                                      <p:tavLst>
-                                        <p:tav tm="0">
-                                          <p:val>
-                                            <p:strVal val="#ppt_y+.1"/>
-                                          </p:val>
-                                        </p:tav>
-                                        <p:tav tm="100000">
-                                          <p:val>
-                                            <p:strVal val="#ppt_y"/>
-                                          </p:val>
-                                        </p:tav>
-                                      </p:tavLst>
-                                    </p:anim>
-                                  </p:childTnLst>
-                                </p:cTn>
-                              </p:par>
-                            </p:childTnLst>
-                          </p:cTn>
-                        </p:par>
-                      </p:childTnLst>
-                    </p:cTn>
-                  </p:par>
-                </p:childTnLst>
-              </p:cTn>
-              <p:prevCondLst>
-                <p:cond evt="onPrev" delay="0">
-                  <p:tgtEl>
-                    <p:sldTgt/>
-                  </p:tgtEl>
-                </p:cond>
-              </p:prevCondLst>
-              <p:nextCondLst>
-                <p:cond evt="onNext" delay="0">
-                  <p:tgtEl>
-                    <p:sldTgt/>
-                  </p:tgtEl>
-                </p:cond>
-              </p:nextCondLst>
-            </p:seq>
-          </p:childTnLst>
-        </p:cTn>
-      </p:par>
-    </p:tnLst>
-    <p:bldLst>
-      <p:bldP spid="4" grpId="0"/>
-    </p:bldLst>
-  </p:timing>
-</p:sld>
-</file>
-
-<file path=ppt/slides/slide15.xml><?xml version="1.0" encoding="utf-8"?>
+<file path=ppt/slides/slide13.xml><?xml version="1.0" encoding="utf-8"?>
 <p:sld xmlns:a="http://schemas.openxmlformats.org/drawingml/2006/main" xmlns:r="http://schemas.openxmlformats.org/officeDocument/2006/relationships" xmlns:p="http://schemas.openxmlformats.org/presentationml/2006/main">
   <p:cSld>
     <p:spTree>
@@ -7158,7 +6166,7 @@
         <p:spPr bwMode="auto">
           <a:xfrm>
             <a:off x="3006330" y="216959"/>
-            <a:ext cx="5292085" cy="420688"/>
+            <a:ext cx="5310086" cy="420688"/>
           </a:xfrm>
           <a:prstGeom prst="rect">
             <a:avLst/>
@@ -7180,7 +6188,7 @@
           <a:p>
             <a:pPr algn="r"/>
             <a:br>
-              <a:rPr lang="pt-PT" sz="800" b="1" i="1" dirty="0">
+              <a:rPr lang="pt-PT" sz="1000" b="1" i="1" cap="small" dirty="0">
                 <a:solidFill>
                   <a:srgbClr val="FF0000"/>
                 </a:solidFill>
@@ -7188,42 +6196,15 @@
               </a:rPr>
             </a:br>
             <a:r>
-              <a:rPr lang="pt-PT" sz="1600" b="1" i="1" dirty="0">
+              <a:rPr lang="pt-PT" sz="2000" b="1" i="1" cap="small" dirty="0">
                 <a:solidFill>
                   <a:srgbClr val="FF0000"/>
                 </a:solidFill>
                 <a:latin typeface="Arial" charset="0"/>
               </a:rPr>
-              <a:t>T</a:t>
-            </a:r>
-            <a:r>
-              <a:rPr lang="pt-PT" sz="1400" b="1" i="1" dirty="0">
-                <a:solidFill>
-                  <a:srgbClr val="FF0000"/>
-                </a:solidFill>
-                <a:latin typeface="Arial" charset="0"/>
-              </a:rPr>
-              <a:t>HE </a:t>
-            </a:r>
-            <a:r>
-              <a:rPr lang="pt-PT" sz="1600" b="1" i="1" dirty="0">
-                <a:solidFill>
-                  <a:srgbClr val="FF0000"/>
-                </a:solidFill>
-                <a:latin typeface="Arial" charset="0"/>
-              </a:rPr>
-              <a:t>E</a:t>
-            </a:r>
-            <a:r>
-              <a:rPr lang="pt-PT" sz="1400" b="1" i="1" dirty="0">
-                <a:solidFill>
-                  <a:srgbClr val="FF0000"/>
-                </a:solidFill>
-                <a:latin typeface="Arial" charset="0"/>
-              </a:rPr>
-              <a:t>ND</a:t>
-            </a:r>
-            <a:endParaRPr lang="en-GB" sz="1400" b="1" i="1" dirty="0">
+              <a:t>Questionário Teórico Online</a:t>
+            </a:r>
+            <a:endParaRPr lang="en-GB" sz="2000" b="1" i="1" dirty="0">
               <a:solidFill>
                 <a:srgbClr val="FF0000"/>
               </a:solidFill>
@@ -7234,7 +6215,7 @@
       </p:sp>
       <p:sp>
         <p:nvSpPr>
-          <p:cNvPr id="311299" name="Rectangle 3"/>
+          <p:cNvPr id="5" name="Rectangle 3"/>
           <p:cNvSpPr>
             <a:spLocks noChangeArrowheads="1"/>
           </p:cNvSpPr>
@@ -7242,8 +6223,8 @@
         </p:nvSpPr>
         <p:spPr bwMode="auto">
           <a:xfrm>
-            <a:off x="540000" y="841276"/>
-            <a:ext cx="8064448" cy="1305473"/>
+            <a:off x="539776" y="841276"/>
+            <a:ext cx="8064448" cy="3938245"/>
           </a:xfrm>
           <a:prstGeom prst="rect">
             <a:avLst/>
@@ -7263,69 +6244,171 @@
           </a:bodyPr>
           <a:lstStyle/>
           <a:p>
-            <a:pPr marL="137446" indent="-137446" algn="l" defTabSz="624078">
+            <a:pPr marL="357188" lvl="1" indent="-177800" algn="l" defTabSz="704085">
               <a:lnSpc>
                 <a:spcPct val="120000"/>
               </a:lnSpc>
+              <a:buFont typeface="Wingdings" pitchFamily="2" charset="2"/>
+              <a:buChar char="Ø"/>
             </a:pPr>
             <a:r>
-              <a:rPr lang="pt-PT" sz="2200" b="0" i="0" dirty="0"/>
-              <a:t>Obrigado...</a:t>
-            </a:r>
-          </a:p>
-          <a:p>
-            <a:pPr marL="137446" indent="-137446" algn="l" defTabSz="624078">
+              <a:rPr lang="pt-PT" sz="2800" i="0" dirty="0"/>
+              <a:t>http://moodle.utad.pt/</a:t>
+            </a:r>
+            <a:endParaRPr lang="pt-PT" sz="2800" b="0" i="0" dirty="0"/>
+          </a:p>
+          <a:p>
+            <a:pPr marL="357188" lvl="1" indent="-177800" algn="l" defTabSz="704085">
               <a:lnSpc>
                 <a:spcPct val="120000"/>
               </a:lnSpc>
-            </a:pPr>
-            <a:endParaRPr lang="pt-PT" sz="1600" b="0" i="0" dirty="0"/>
-          </a:p>
-          <a:p>
-            <a:pPr marL="490347" lvl="1" indent="-212979" algn="just" defTabSz="624078">
-              <a:lnSpc>
-                <a:spcPct val="110000"/>
-              </a:lnSpc>
-              <a:spcAft>
-                <a:spcPct val="10000"/>
-              </a:spcAft>
               <a:buFont typeface="Wingdings" pitchFamily="2" charset="2"/>
               <a:buChar char="Ø"/>
             </a:pPr>
             <a:r>
-              <a:rPr lang="pt-PT" sz="1600" b="0" i="0" dirty="0"/>
-              <a:t>Consultar a FUC da UC no </a:t>
-            </a:r>
-            <a:r>
-              <a:rPr lang="pt-PT" sz="1600" b="0" i="0" dirty="0" err="1"/>
-              <a:t>SiDE</a:t>
-            </a:r>
-            <a:r>
-              <a:rPr lang="pt-PT" sz="1600" b="0" i="0" dirty="0"/>
-              <a:t> para mais pormenores; </a:t>
-            </a:r>
-          </a:p>
-          <a:p>
-            <a:pPr marL="490347" lvl="1" indent="-212979" algn="just" defTabSz="624078">
+              <a:rPr lang="pt-PT" sz="2800" b="0" i="0" dirty="0"/>
+              <a:t>UC: </a:t>
+            </a:r>
+            <a:r>
+              <a:rPr lang="pt-PT" sz="2800" i="0" dirty="0"/>
+              <a:t>Sistemas Computacionais</a:t>
+            </a:r>
+          </a:p>
+          <a:p>
+            <a:pPr marL="357188" lvl="1" indent="-177800" algn="l" defTabSz="704085">
               <a:lnSpc>
-                <a:spcPct val="110000"/>
+                <a:spcPct val="120000"/>
               </a:lnSpc>
-              <a:spcAft>
-                <a:spcPct val="10000"/>
-              </a:spcAft>
               <a:buFont typeface="Wingdings" pitchFamily="2" charset="2"/>
               <a:buChar char="Ø"/>
             </a:pPr>
             <a:r>
-              <a:rPr lang="pt-PT" sz="1600" b="0" i="0" dirty="0"/>
-              <a:t>Esta apresentação está disponível no repositório.</a:t>
+              <a:rPr lang="pt-PT" sz="2800" b="0" i="0" dirty="0"/>
+              <a:t>Password Geral: </a:t>
+            </a:r>
+            <a:r>
+              <a:rPr lang="pt-PT" sz="2800" i="0" dirty="0"/>
+              <a:t>sc2122</a:t>
+            </a:r>
+          </a:p>
+          <a:p>
+            <a:pPr marL="357188" lvl="1" indent="-177800" algn="l" defTabSz="704085">
+              <a:lnSpc>
+                <a:spcPct val="120000"/>
+              </a:lnSpc>
+              <a:buFont typeface="Wingdings" pitchFamily="2" charset="2"/>
+              <a:buChar char="Ø"/>
+            </a:pPr>
+            <a:r>
+              <a:rPr lang="pt-PT" sz="2800" b="0" i="0" dirty="0"/>
+              <a:t>Password do teste de </a:t>
+            </a:r>
+            <a:r>
+              <a:rPr lang="pt-PT" sz="2800" i="0" dirty="0"/>
+              <a:t>T-Q00</a:t>
+            </a:r>
+            <a:r>
+              <a:rPr lang="pt-PT" sz="2800" b="0" i="0" dirty="0"/>
+              <a:t>: </a:t>
+            </a:r>
+            <a:endParaRPr lang="pt-PT" sz="2800" i="0" dirty="0"/>
+          </a:p>
+          <a:p>
+            <a:pPr marL="238887" indent="-238887" algn="l" defTabSz="704085">
+              <a:lnSpc>
+                <a:spcPct val="120000"/>
+              </a:lnSpc>
+              <a:buFont typeface="Wingdings" pitchFamily="2" charset="2"/>
+              <a:buChar char="Ø"/>
+            </a:pPr>
+            <a:r>
+              <a:rPr lang="pt-PT" sz="2000" b="0" i="0" dirty="0"/>
+              <a:t>Das </a:t>
+            </a:r>
+            <a:r>
+              <a:rPr lang="pt-PT" sz="2000" i="0" dirty="0"/>
+              <a:t>18h de quinta 3 de março </a:t>
+            </a:r>
+            <a:r>
+              <a:rPr lang="pt-PT" sz="2000" b="0" i="0" dirty="0"/>
+              <a:t>até </a:t>
+            </a:r>
+            <a:r>
+              <a:rPr lang="pt-PT" sz="2000" i="0" dirty="0"/>
+              <a:t>às 23h59 de quarta 9 de março</a:t>
+            </a:r>
+            <a:r>
+              <a:rPr lang="pt-PT" sz="2000" b="0" i="0" dirty="0"/>
+              <a:t>, sobre a </a:t>
+            </a:r>
+            <a:r>
+              <a:rPr lang="pt-PT" sz="2000" i="0" dirty="0"/>
+              <a:t>Avaliação </a:t>
+            </a:r>
+            <a:r>
+              <a:rPr lang="pt-PT" sz="2000" b="0" i="0" dirty="0"/>
+              <a:t>(3 de um conjunto de 8 questões) e </a:t>
+            </a:r>
+            <a:r>
+              <a:rPr lang="pt-PT" sz="2000" i="0" dirty="0"/>
+              <a:t>Regulamento Pedagógico</a:t>
+            </a:r>
+            <a:r>
+              <a:rPr lang="pt-PT" sz="2000" b="0" i="0" dirty="0"/>
+              <a:t> (2 de um conjunto de 4 questões).</a:t>
+            </a:r>
+          </a:p>
+          <a:p>
+            <a:pPr marL="238887" indent="-238887" algn="l" defTabSz="704085">
+              <a:lnSpc>
+                <a:spcPct val="120000"/>
+              </a:lnSpc>
+              <a:buFont typeface="Wingdings" pitchFamily="2" charset="2"/>
+              <a:buChar char="Ø"/>
+            </a:pPr>
+            <a:r>
+              <a:rPr lang="pt-PT" sz="2000" b="0" i="0" dirty="0"/>
+              <a:t>Duração: </a:t>
+            </a:r>
+            <a:r>
+              <a:rPr lang="pt-PT" sz="2000" i="0" dirty="0"/>
+              <a:t>10 minutos</a:t>
+            </a:r>
+            <a:r>
+              <a:rPr lang="pt-PT" sz="2000" b="0" i="0" dirty="0"/>
+              <a:t>.</a:t>
+            </a:r>
+          </a:p>
+          <a:p>
+            <a:pPr marL="238887" indent="-238887" algn="l" defTabSz="704085">
+              <a:lnSpc>
+                <a:spcPct val="120000"/>
+              </a:lnSpc>
+              <a:buFont typeface="Wingdings" pitchFamily="2" charset="2"/>
+              <a:buChar char="Ø"/>
+            </a:pPr>
+            <a:r>
+              <a:rPr lang="pt-PT" sz="2000" i="0" dirty="0"/>
+              <a:t>Podem fazer várias tentativas</a:t>
+            </a:r>
+            <a:r>
+              <a:rPr lang="pt-PT" sz="2000" b="0" i="0" dirty="0"/>
+              <a:t> e </a:t>
+            </a:r>
+            <a:r>
+              <a:rPr lang="pt-PT" sz="2000" i="0" dirty="0"/>
+              <a:t>não conta para a nota final</a:t>
+            </a:r>
+            <a:r>
+              <a:rPr lang="pt-PT" sz="2000" b="0" i="0" dirty="0"/>
+              <a:t>.</a:t>
             </a:r>
           </a:p>
         </p:txBody>
       </p:sp>
       <p:pic>
         <p:nvPicPr>
-          <p:cNvPr id="311300" name="Picture 4" descr="anim-opt"/>
+          <p:cNvPr id="6" name="Picture 4" descr="anim-opt"/>
           <p:cNvPicPr>
             <a:picLocks noChangeAspect="1" noChangeArrowheads="1" noCrop="1"/>
           </p:cNvPicPr>
@@ -7391,7 +6474,7 @@
                                           </p:stCondLst>
                                         </p:cTn>
                                         <p:tgtEl>
-                                          <p:spTgt spid="311299"/>
+                                          <p:spTgt spid="5"/>
                                         </p:tgtEl>
                                         <p:attrNameLst>
                                           <p:attrName>style.visibility</p:attrName>
@@ -7405,7 +6488,7 @@
                                       <p:cBhvr>
                                         <p:cTn id="7" dur="500"/>
                                         <p:tgtEl>
-                                          <p:spTgt spid="311299"/>
+                                          <p:spTgt spid="5"/>
                                         </p:tgtEl>
                                       </p:cBhvr>
                                     </p:animEffect>
@@ -7413,7 +6496,7 @@
                                       <p:cBhvr>
                                         <p:cTn id="8" dur="500" fill="hold"/>
                                         <p:tgtEl>
-                                          <p:spTgt spid="311299"/>
+                                          <p:spTgt spid="5"/>
                                         </p:tgtEl>
                                         <p:attrNameLst>
                                           <p:attrName>ppt_x</p:attrName>
@@ -7436,7 +6519,7 @@
                                       <p:cBhvr>
                                         <p:cTn id="9" dur="500" fill="hold"/>
                                         <p:tgtEl>
-                                          <p:spTgt spid="311299"/>
+                                          <p:spTgt spid="5"/>
                                         </p:tgtEl>
                                         <p:attrNameLst>
                                           <p:attrName>ppt_y</p:attrName>
@@ -7486,7 +6569,7 @@
       </p:par>
     </p:tnLst>
     <p:bldLst>
-      <p:bldP spid="311299" grpId="0"/>
+      <p:bldP spid="5" grpId="0"/>
     </p:bldLst>
   </p:timing>
 </p:sld>
@@ -7544,13 +6627,13 @@
           <a:p>
             <a:pPr algn="r"/>
             <a:r>
-              <a:rPr lang="pt-PT" sz="900" b="1" i="1" dirty="0">
+              <a:rPr lang="pt-PT" sz="1000" b="1" i="1" dirty="0">
                 <a:solidFill>
                   <a:srgbClr val="FF0000"/>
                 </a:solidFill>
                 <a:latin typeface="Arial" charset="0"/>
               </a:rPr>
-              <a:t>SOP-T0-INT</a:t>
+              <a:t>SCO-T0-INT</a:t>
             </a:r>
             <a:br>
               <a:rPr lang="pt-PT" sz="1600" b="1" i="1" dirty="0">
@@ -7561,22 +6644,13 @@
               </a:rPr>
             </a:br>
             <a:r>
-              <a:rPr lang="pt-PT" sz="1600" b="1" i="1" dirty="0">
+              <a:rPr lang="pt-PT" sz="2000" b="1" i="1" cap="small" dirty="0">
                 <a:solidFill>
                   <a:srgbClr val="FF0000"/>
                 </a:solidFill>
                 <a:latin typeface="Arial" charset="0"/>
               </a:rPr>
-              <a:t>A</a:t>
-            </a:r>
-            <a:r>
-              <a:rPr lang="pt-PT" sz="1400" b="1" i="1" dirty="0">
-                <a:solidFill>
-                  <a:srgbClr val="FF0000"/>
-                </a:solidFill>
-                <a:latin typeface="Arial" charset="0"/>
-              </a:rPr>
-              <a:t>LINHAMENTO</a:t>
+              <a:t>Alinhamento</a:t>
             </a:r>
           </a:p>
         </p:txBody>
@@ -7686,7 +6760,7 @@
             </a:pPr>
             <a:r>
               <a:rPr lang="pt-PT" sz="1600" b="0" i="0" dirty="0"/>
-              <a:t>Recursos disponíveis;</a:t>
+              <a:t>Atendimento e turmas práticas;</a:t>
             </a:r>
           </a:p>
           <a:p>
@@ -7699,7 +6773,7 @@
             </a:pPr>
             <a:r>
               <a:rPr lang="pt-PT" sz="1600" b="0" i="0" dirty="0"/>
-              <a:t>Atendimento e turmas práticas.</a:t>
+              <a:t>Recursos disponíveis.</a:t>
             </a:r>
           </a:p>
         </p:txBody>
@@ -7881,7 +6955,7 @@
         </p:nvSpPr>
         <p:spPr bwMode="auto">
           <a:xfrm>
-            <a:off x="3006330" y="217207"/>
+            <a:off x="2987824" y="189071"/>
             <a:ext cx="5292085" cy="420439"/>
           </a:xfrm>
           <a:prstGeom prst="rect">
@@ -7904,13 +6978,13 @@
           <a:p>
             <a:pPr algn="r"/>
             <a:r>
-              <a:rPr lang="pt-PT" sz="900" b="1" i="1" dirty="0">
+              <a:rPr lang="pt-PT" sz="1000" b="1" i="1" dirty="0">
                 <a:solidFill>
                   <a:srgbClr val="FF0000"/>
                 </a:solidFill>
                 <a:latin typeface="Arial" charset="0"/>
               </a:rPr>
-              <a:t>SOP-T0-INT</a:t>
+              <a:t>SCO-T0-INT</a:t>
             </a:r>
             <a:br>
               <a:rPr lang="pt-PT" sz="1600" b="1" i="1" dirty="0">
@@ -7921,29 +6995,14 @@
               </a:rPr>
             </a:br>
             <a:r>
-              <a:rPr lang="pt-PT" sz="1800" b="1" i="1" dirty="0">
+              <a:rPr lang="pt-PT" sz="2000" b="1" i="1" cap="small" dirty="0">
                 <a:solidFill>
                   <a:srgbClr val="FF0000"/>
                 </a:solidFill>
                 <a:latin typeface="Arial" charset="0"/>
               </a:rPr>
-              <a:t>E</a:t>
-            </a:r>
-            <a:r>
-              <a:rPr lang="pt-PT" sz="1600" b="1" i="1" dirty="0">
-                <a:solidFill>
-                  <a:srgbClr val="FF0000"/>
-                </a:solidFill>
-                <a:latin typeface="Arial" charset="0"/>
-              </a:rPr>
-              <a:t>NQUADRAMENTO</a:t>
-            </a:r>
-            <a:endParaRPr lang="pt-PT" sz="1400" b="1" i="1" dirty="0">
-              <a:solidFill>
-                <a:srgbClr val="FF0000"/>
-              </a:solidFill>
-              <a:latin typeface="Arial" charset="0"/>
-            </a:endParaRPr>
+              <a:t>Enquadramento</a:t>
+            </a:r>
           </a:p>
         </p:txBody>
       </p:sp>
@@ -7958,7 +7017,7 @@
         <p:spPr bwMode="auto">
           <a:xfrm>
             <a:off x="540000" y="841276"/>
-            <a:ext cx="8496496" cy="4545208"/>
+            <a:ext cx="8496496" cy="4249742"/>
           </a:xfrm>
           <a:prstGeom prst="rect">
             <a:avLst/>
@@ -7991,18 +7050,18 @@
             </a:r>
           </a:p>
           <a:p>
-            <a:pPr marL="553498" lvl="2" indent="286036" algn="just" defTabSz="704085">
+            <a:pPr marL="265113" lvl="2" indent="285750" algn="just" defTabSz="704085">
               <a:lnSpc>
                 <a:spcPct val="120000"/>
               </a:lnSpc>
             </a:pPr>
             <a:r>
               <a:rPr lang="pt-PT" sz="1600" b="0" i="0" dirty="0"/>
-              <a:t>Dotar os alunos de uma perceção do funcionamento dos sistemas computacionais em particular na iteração e abstração do hardware e as camadas de mais alto nível do software. No final o aluno deve ser capaz de perceber como um sistema interage com o mundo real, bem como é processada e representada a informação, quer ao nível dos dados primitivos quer de estruturas mais complexas, bem como a funcionamento entre linguagens de baixo nível e linguagens intermédias/alto nível tipo “Linguagem C”.</a:t>
-            </a:r>
-          </a:p>
-          <a:p>
-            <a:pPr marL="553498" lvl="2" indent="286036" algn="just" defTabSz="704085">
+              <a:t>Dotar os alunos de uma perceção do sobre os sistemas computacionais em particular na interação e abstração do hardware e as camadas de mais alto nível do software. No final o aluno deve ser capaz de perceber como um sistema interage com o mundo real, bem como é processada e representada a informação, quer ao nível dos dados primitivos quer de estruturas mais complexas, bem como o funcionamento entre linguagens de baixo nível e linguagens de alto nível tipo em particular a Linguagem C.</a:t>
+            </a:r>
+          </a:p>
+          <a:p>
+            <a:pPr marL="265113" lvl="2" indent="285750" algn="just" defTabSz="704085">
               <a:lnSpc>
                 <a:spcPct val="120000"/>
               </a:lnSpc>
@@ -8013,26 +7072,26 @@
             </a:r>
             <a:r>
               <a:rPr lang="pt-PT" sz="1600" b="0" dirty="0" err="1"/>
-              <a:t>instruction</a:t>
+              <a:t>Instruction</a:t>
             </a:r>
             <a:r>
               <a:rPr lang="pt-PT" sz="1600" b="0" dirty="0"/>
-              <a:t> set</a:t>
+              <a:t> Set</a:t>
             </a:r>
             <a:r>
               <a:rPr lang="pt-PT" sz="1600" b="0" i="0" dirty="0"/>
-              <a:t> e as suas distintas instruções: lógicas/aritméticas; controlo de fluxo, utilização de ponteiros/endereçamento, entradas/saídas. Também deve ser capaz de reconhecer as componentes de uma arquitetura de computadores e de um sistema computacional em geral.</a:t>
-            </a:r>
-          </a:p>
-          <a:p>
-            <a:pPr marL="553498" lvl="2" indent="286036" algn="just" defTabSz="704085">
+              <a:t> e as suas distintas instruções: lógicas / aritméticas; controlo de fluxo, utilização de ponteiros / endereçamento, entradas / saídas. Também deve ser capaz de reconhecer as componentes de uma arquitetura de computadores e de um sistema computacional em geral.</a:t>
+            </a:r>
+          </a:p>
+          <a:p>
+            <a:pPr marL="265113" lvl="2" indent="285750" algn="just" defTabSz="704085">
               <a:lnSpc>
                 <a:spcPct val="120000"/>
               </a:lnSpc>
             </a:pPr>
             <a:r>
               <a:rPr lang="pt-PT" sz="1600" b="0" i="0" dirty="0"/>
-              <a:t>Finalmente dar a conhecer ao aluno novas abordagens quer ao nível da abstração isolamento, virtualização, segurança providenciada em hardware aos níveis mais altos do software.</a:t>
+              <a:t>Finalmente dar a conhecer ao aluno novas abordagens quer ao nível da abstração isolamento, virtualização, segurança providenciada em hardware aos níveis mais altos.</a:t>
             </a:r>
             <a:endParaRPr lang="pt-PT" sz="1600" i="0" dirty="0"/>
           </a:p>
@@ -8238,13 +7297,13 @@
           <a:p>
             <a:pPr algn="r"/>
             <a:r>
-              <a:rPr lang="pt-PT" sz="900" b="1" i="1" dirty="0">
+              <a:rPr lang="pt-PT" sz="1000" b="1" i="1" dirty="0">
                 <a:solidFill>
                   <a:srgbClr val="FF0000"/>
                 </a:solidFill>
                 <a:latin typeface="Arial" charset="0"/>
               </a:rPr>
-              <a:t>SOP-T0-INT</a:t>
+              <a:t>SCO-T0-INT</a:t>
             </a:r>
             <a:br>
               <a:rPr lang="pt-PT" sz="1600" b="1" i="1" dirty="0">
@@ -8255,29 +7314,14 @@
               </a:rPr>
             </a:br>
             <a:r>
-              <a:rPr lang="pt-PT" sz="1800" b="1" i="1" dirty="0">
+              <a:rPr lang="pt-PT" sz="2000" b="1" i="1" cap="small" dirty="0">
                 <a:solidFill>
                   <a:srgbClr val="FF0000"/>
                 </a:solidFill>
                 <a:latin typeface="Arial" charset="0"/>
               </a:rPr>
-              <a:t>E</a:t>
-            </a:r>
-            <a:r>
-              <a:rPr lang="pt-PT" sz="1600" b="1" i="1" dirty="0">
-                <a:solidFill>
-                  <a:srgbClr val="FF0000"/>
-                </a:solidFill>
-                <a:latin typeface="Arial" charset="0"/>
-              </a:rPr>
-              <a:t>STATÍSTICAS</a:t>
-            </a:r>
-            <a:endParaRPr lang="pt-PT" sz="1400" b="1" i="1" dirty="0">
-              <a:solidFill>
-                <a:srgbClr val="FF0000"/>
-              </a:solidFill>
-              <a:latin typeface="Arial" charset="0"/>
-            </a:endParaRPr>
+              <a:t>Estatísticas</a:t>
+            </a:r>
           </a:p>
         </p:txBody>
       </p:sp>
@@ -8292,7 +7336,7 @@
         <p:spPr bwMode="auto">
           <a:xfrm>
             <a:off x="540000" y="841276"/>
-            <a:ext cx="8496496" cy="1122924"/>
+            <a:ext cx="8496496" cy="3671314"/>
           </a:xfrm>
           <a:prstGeom prst="rect">
             <a:avLst/>
@@ -8353,7 +7397,167 @@
               <a:rPr lang="pt-PT" sz="1900" i="0" dirty="0"/>
               <a:t>2020/21</a:t>
             </a:r>
-            <a:endParaRPr lang="en-GB" sz="1600" b="0" i="0" dirty="0"/>
+          </a:p>
+          <a:p>
+            <a:pPr marL="238887" indent="-238887" algn="l" defTabSz="704085">
+              <a:lnSpc>
+                <a:spcPct val="120000"/>
+              </a:lnSpc>
+              <a:buFont typeface="Wingdings" pitchFamily="2" charset="2"/>
+              <a:buChar char="Ø"/>
+            </a:pPr>
+            <a:r>
+              <a:rPr lang="pt-PT" sz="2000" b="0" i="0" dirty="0"/>
+              <a:t>Ano letivo 2021/22 (Transição / falta Época de Recurso):</a:t>
+            </a:r>
+          </a:p>
+          <a:p>
+            <a:pPr marL="396746" lvl="1" algn="l" defTabSz="704085">
+              <a:lnSpc>
+                <a:spcPct val="120000"/>
+              </a:lnSpc>
+            </a:pPr>
+            <a:r>
+              <a:rPr lang="pt-PT" sz="2000" i="0" dirty="0">
+                <a:solidFill>
+                  <a:srgbClr val="0033CC"/>
+                </a:solidFill>
+              </a:rPr>
+              <a:t>Engenharia Informática</a:t>
+            </a:r>
+          </a:p>
+          <a:p>
+            <a:pPr marL="554607" lvl="2" algn="just" defTabSz="704085">
+              <a:lnSpc>
+                <a:spcPct val="120000"/>
+              </a:lnSpc>
+            </a:pPr>
+            <a:r>
+              <a:rPr lang="pt-PT" sz="1600" b="0" i="0" dirty="0"/>
+              <a:t>Inscritos: </a:t>
+            </a:r>
+            <a:r>
+              <a:rPr lang="pt-PT" sz="1900" i="0" dirty="0"/>
+              <a:t>124</a:t>
+            </a:r>
+            <a:r>
+              <a:rPr lang="pt-PT" sz="1900" b="0" i="0" dirty="0"/>
+              <a:t> </a:t>
+            </a:r>
+            <a:r>
+              <a:rPr lang="pt-PT" sz="1600" b="0" i="0" dirty="0"/>
+              <a:t>/ Avaliados: </a:t>
+            </a:r>
+            <a:r>
+              <a:rPr lang="pt-PT" sz="1900" i="0" dirty="0"/>
+              <a:t>86</a:t>
+            </a:r>
+            <a:r>
+              <a:rPr lang="pt-PT" sz="1600" b="0" i="0" dirty="0"/>
+              <a:t> (69%) / Aprovados: </a:t>
+            </a:r>
+            <a:r>
+              <a:rPr lang="pt-PT" sz="1900" i="0" dirty="0"/>
+              <a:t>44</a:t>
+            </a:r>
+            <a:r>
+              <a:rPr lang="pt-PT" sz="1600" b="0" i="0" dirty="0"/>
+              <a:t> (51%) / Notas de </a:t>
+            </a:r>
+            <a:r>
+              <a:rPr lang="pt-PT" sz="1900" i="0" dirty="0"/>
+              <a:t>10</a:t>
+            </a:r>
+            <a:r>
+              <a:rPr lang="pt-PT" sz="1600" b="0" i="0" dirty="0"/>
+              <a:t> a </a:t>
+            </a:r>
+            <a:r>
+              <a:rPr lang="pt-PT" sz="1900" i="0" dirty="0"/>
+              <a:t>17</a:t>
+            </a:r>
+          </a:p>
+          <a:p>
+            <a:pPr marL="238887" indent="-238887" algn="l" defTabSz="704085">
+              <a:lnSpc>
+                <a:spcPct val="120000"/>
+              </a:lnSpc>
+              <a:buFont typeface="Wingdings" pitchFamily="2" charset="2"/>
+              <a:buChar char="Ø"/>
+            </a:pPr>
+            <a:endParaRPr lang="pt-PT" sz="2000" b="0" i="0" dirty="0"/>
+          </a:p>
+          <a:p>
+            <a:pPr marL="238887" indent="-238887" algn="l" defTabSz="704085">
+              <a:lnSpc>
+                <a:spcPct val="120000"/>
+              </a:lnSpc>
+              <a:buFont typeface="Wingdings" pitchFamily="2" charset="2"/>
+              <a:buChar char="Ø"/>
+            </a:pPr>
+            <a:r>
+              <a:rPr lang="pt-PT" sz="2000" b="0" i="0" dirty="0"/>
+              <a:t>Ano letivo 2021/22:</a:t>
+            </a:r>
+          </a:p>
+          <a:p>
+            <a:pPr marL="396746" lvl="1" algn="l" defTabSz="704085">
+              <a:lnSpc>
+                <a:spcPct val="120000"/>
+              </a:lnSpc>
+            </a:pPr>
+            <a:r>
+              <a:rPr lang="pt-PT" sz="2000" i="0" dirty="0">
+                <a:solidFill>
+                  <a:srgbClr val="0033CC"/>
+                </a:solidFill>
+              </a:rPr>
+              <a:t>Engenharia Informática</a:t>
+            </a:r>
+          </a:p>
+          <a:p>
+            <a:pPr marL="554607" lvl="2" algn="just" defTabSz="704085">
+              <a:lnSpc>
+                <a:spcPct val="120000"/>
+              </a:lnSpc>
+            </a:pPr>
+            <a:r>
+              <a:rPr lang="pt-PT" sz="1600" b="0" i="0" dirty="0"/>
+              <a:t>Inscritos: </a:t>
+            </a:r>
+            <a:r>
+              <a:rPr lang="pt-PT" sz="1900" i="0" dirty="0"/>
+              <a:t>168</a:t>
+            </a:r>
+            <a:r>
+              <a:rPr lang="pt-PT" sz="1600" b="0" i="0" dirty="0"/>
+              <a:t> / 1ª: </a:t>
+            </a:r>
+            <a:r>
+              <a:rPr lang="pt-PT" sz="1900" i="0" dirty="0"/>
+              <a:t>168</a:t>
+            </a:r>
+            <a:r>
+              <a:rPr lang="pt-PT" sz="1600" b="0" i="0" dirty="0"/>
+              <a:t> (100%) / 2ª: </a:t>
+            </a:r>
+            <a:r>
+              <a:rPr lang="pt-PT" sz="1900" i="0" dirty="0"/>
+              <a:t>NA</a:t>
+            </a:r>
+            <a:r>
+              <a:rPr lang="pt-PT" sz="1600" b="0" i="0" dirty="0"/>
+              <a:t> (0%) / +2: </a:t>
+            </a:r>
+            <a:r>
+              <a:rPr lang="pt-PT" sz="1900" i="0" dirty="0"/>
+              <a:t>NA</a:t>
+            </a:r>
+            <a:r>
+              <a:rPr lang="pt-PT" sz="1600" b="0" i="0" dirty="0"/>
+              <a:t> (0%)</a:t>
+            </a:r>
+            <a:endParaRPr lang="pt-PT" sz="1900" i="0" dirty="0"/>
           </a:p>
         </p:txBody>
       </p:sp>
@@ -8634,13 +7838,13 @@
           <a:p>
             <a:pPr algn="r"/>
             <a:r>
-              <a:rPr lang="pt-PT" sz="900" b="1" i="1" dirty="0">
+              <a:rPr lang="pt-PT" sz="1000" b="1" i="1" dirty="0">
                 <a:solidFill>
                   <a:srgbClr val="FF0000"/>
                 </a:solidFill>
                 <a:latin typeface="Arial" charset="0"/>
               </a:rPr>
-              <a:t>SOP-T0-INT</a:t>
+              <a:t>SCO-T0-INT</a:t>
             </a:r>
             <a:br>
               <a:rPr lang="pt-PT" sz="1600" b="1" i="1" dirty="0">
@@ -8651,394 +7855,14 @@
               </a:rPr>
             </a:br>
             <a:r>
-              <a:rPr lang="pt-PT" sz="1800" b="1" i="1" dirty="0">
+              <a:rPr lang="pt-PT" sz="2000" b="1" i="1" cap="small" dirty="0">
                 <a:solidFill>
                   <a:srgbClr val="FF0000"/>
                 </a:solidFill>
                 <a:latin typeface="Arial" charset="0"/>
               </a:rPr>
-              <a:t>E</a:t>
-            </a:r>
-            <a:r>
-              <a:rPr lang="pt-PT" sz="1600" b="1" i="1" dirty="0">
-                <a:solidFill>
-                  <a:srgbClr val="FF0000"/>
-                </a:solidFill>
-                <a:latin typeface="Arial" charset="0"/>
-              </a:rPr>
-              <a:t>STATÍSTICAS</a:t>
-            </a:r>
-            <a:endParaRPr lang="pt-PT" sz="1400" b="1" i="1" dirty="0">
-              <a:solidFill>
-                <a:srgbClr val="FF0000"/>
-              </a:solidFill>
-              <a:latin typeface="Arial" charset="0"/>
-            </a:endParaRPr>
-          </a:p>
-        </p:txBody>
-      </p:sp>
-      <p:sp>
-        <p:nvSpPr>
-          <p:cNvPr id="19" name="Rectangle 13"/>
-          <p:cNvSpPr>
-            <a:spLocks noChangeArrowheads="1"/>
-          </p:cNvSpPr>
-          <p:nvPr/>
-        </p:nvSpPr>
-        <p:spPr bwMode="auto">
-          <a:xfrm>
-            <a:off x="540000" y="841276"/>
-            <a:ext cx="8352480" cy="1122924"/>
-          </a:xfrm>
-          <a:prstGeom prst="rect">
-            <a:avLst/>
-          </a:prstGeom>
-          <a:noFill/>
-          <a:ln w="9525">
-            <a:noFill/>
-            <a:miter lim="800000"/>
-            <a:headEnd/>
-            <a:tailEnd/>
-          </a:ln>
-          <a:effectLst/>
-        </p:spPr>
-        <p:txBody>
-          <a:bodyPr wrap="square" lIns="70408" tIns="35205" rIns="70408" bIns="35205">
-            <a:spAutoFit/>
-          </a:bodyPr>
-          <a:lstStyle/>
-          <a:p>
-            <a:pPr marL="238887" indent="-238887" algn="l" defTabSz="704085">
-              <a:lnSpc>
-                <a:spcPct val="120000"/>
-              </a:lnSpc>
-              <a:buFont typeface="Wingdings" pitchFamily="2" charset="2"/>
-              <a:buChar char="Ø"/>
-            </a:pPr>
-            <a:r>
-              <a:rPr lang="pt-PT" sz="2000" b="0" i="0" dirty="0"/>
-              <a:t>Ano letivo 2021/22:</a:t>
-            </a:r>
-          </a:p>
-          <a:p>
-            <a:pPr marL="396746" lvl="1" algn="l" defTabSz="704085">
-              <a:lnSpc>
-                <a:spcPct val="120000"/>
-              </a:lnSpc>
-            </a:pPr>
-            <a:r>
-              <a:rPr lang="pt-PT" sz="2000" i="0" dirty="0">
-                <a:solidFill>
-                  <a:srgbClr val="0033CC"/>
-                </a:solidFill>
-              </a:rPr>
-              <a:t>Engenharia Informática</a:t>
-            </a:r>
-          </a:p>
-          <a:p>
-            <a:pPr marL="554607" lvl="2" algn="just" defTabSz="704085">
-              <a:lnSpc>
-                <a:spcPct val="120000"/>
-              </a:lnSpc>
-            </a:pPr>
-            <a:r>
-              <a:rPr lang="pt-PT" sz="1600" b="0" i="0" dirty="0"/>
-              <a:t>Inscritos: </a:t>
-            </a:r>
-            <a:r>
-              <a:rPr lang="pt-PT" sz="1900" i="0" dirty="0"/>
-              <a:t>123</a:t>
-            </a:r>
-            <a:r>
-              <a:rPr lang="pt-PT" sz="1600" b="0" i="0" dirty="0"/>
-              <a:t> / 1ª: </a:t>
-            </a:r>
-            <a:r>
-              <a:rPr lang="pt-PT" sz="1900" i="0" dirty="0"/>
-              <a:t>123</a:t>
-            </a:r>
-            <a:r>
-              <a:rPr lang="pt-PT" sz="1600" b="0" i="0" dirty="0"/>
-              <a:t> (62%) / 2ª: </a:t>
-            </a:r>
-            <a:r>
-              <a:rPr lang="pt-PT" sz="1900" i="0" dirty="0"/>
-              <a:t>NA</a:t>
-            </a:r>
-            <a:r>
-              <a:rPr lang="pt-PT" sz="1600" b="0" i="0" dirty="0"/>
-              <a:t> (0%) / +2: </a:t>
-            </a:r>
-            <a:r>
-              <a:rPr lang="pt-PT" sz="1900" i="0" dirty="0"/>
-              <a:t>NA</a:t>
-            </a:r>
-            <a:r>
-              <a:rPr lang="pt-PT" sz="1600" b="0" i="0" dirty="0"/>
-              <a:t> (0%)</a:t>
-            </a:r>
-            <a:endParaRPr lang="pt-PT" sz="1900" i="0" dirty="0"/>
-          </a:p>
-        </p:txBody>
-      </p:sp>
-    </p:spTree>
-    <p:extLst>
-      <p:ext uri="{BB962C8B-B14F-4D97-AF65-F5344CB8AC3E}">
-        <p14:creationId xmlns:p14="http://schemas.microsoft.com/office/powerpoint/2010/main" val="806837664"/>
-      </p:ext>
-    </p:extLst>
-  </p:cSld>
-  <p:clrMapOvr>
-    <a:masterClrMapping/>
-  </p:clrMapOvr>
-  <p:timing>
-    <p:tnLst>
-      <p:par>
-        <p:cTn id="1" dur="indefinite" restart="never" nodeType="tmRoot">
-          <p:childTnLst>
-            <p:seq concurrent="1" nextAc="seek">
-              <p:cTn id="2" dur="indefinite" nodeType="mainSeq">
-                <p:childTnLst>
-                  <p:par>
-                    <p:cTn id="3" fill="hold">
-                      <p:stCondLst>
-                        <p:cond delay="indefinite"/>
-                        <p:cond evt="onBegin" delay="0">
-                          <p:tn val="2"/>
-                        </p:cond>
-                      </p:stCondLst>
-                      <p:childTnLst>
-                        <p:par>
-                          <p:cTn id="4" fill="hold">
-                            <p:stCondLst>
-                              <p:cond delay="0"/>
-                            </p:stCondLst>
-                            <p:childTnLst>
-                              <p:par>
-                                <p:cTn id="5" presetID="42" presetClass="entr" presetSubtype="0" fill="hold" grpId="0" nodeType="afterEffect">
-                                  <p:stCondLst>
-                                    <p:cond delay="0"/>
-                                  </p:stCondLst>
-                                  <p:childTnLst>
-                                    <p:set>
-                                      <p:cBhvr>
-                                        <p:cTn id="6" dur="1" fill="hold">
-                                          <p:stCondLst>
-                                            <p:cond delay="0"/>
-                                          </p:stCondLst>
-                                        </p:cTn>
-                                        <p:tgtEl>
-                                          <p:spTgt spid="19"/>
-                                        </p:tgtEl>
-                                        <p:attrNameLst>
-                                          <p:attrName>style.visibility</p:attrName>
-                                        </p:attrNameLst>
-                                      </p:cBhvr>
-                                      <p:to>
-                                        <p:strVal val="visible"/>
-                                      </p:to>
-                                    </p:set>
-                                    <p:animEffect transition="in" filter="fade">
-                                      <p:cBhvr>
-                                        <p:cTn id="7" dur="500"/>
-                                        <p:tgtEl>
-                                          <p:spTgt spid="19"/>
-                                        </p:tgtEl>
-                                      </p:cBhvr>
-                                    </p:animEffect>
-                                    <p:anim calcmode="lin" valueType="num">
-                                      <p:cBhvr>
-                                        <p:cTn id="8" dur="500" fill="hold"/>
-                                        <p:tgtEl>
-                                          <p:spTgt spid="19"/>
-                                        </p:tgtEl>
-                                        <p:attrNameLst>
-                                          <p:attrName>ppt_x</p:attrName>
-                                        </p:attrNameLst>
-                                      </p:cBhvr>
-                                      <p:tavLst>
-                                        <p:tav tm="0">
-                                          <p:val>
-                                            <p:strVal val="#ppt_x"/>
-                                          </p:val>
-                                        </p:tav>
-                                        <p:tav tm="100000">
-                                          <p:val>
-                                            <p:strVal val="#ppt_x"/>
-                                          </p:val>
-                                        </p:tav>
-                                      </p:tavLst>
-                                    </p:anim>
-                                    <p:anim calcmode="lin" valueType="num">
-                                      <p:cBhvr>
-                                        <p:cTn id="9" dur="500" fill="hold"/>
-                                        <p:tgtEl>
-                                          <p:spTgt spid="19"/>
-                                        </p:tgtEl>
-                                        <p:attrNameLst>
-                                          <p:attrName>ppt_y</p:attrName>
-                                        </p:attrNameLst>
-                                      </p:cBhvr>
-                                      <p:tavLst>
-                                        <p:tav tm="0">
-                                          <p:val>
-                                            <p:strVal val="#ppt_y+.1"/>
-                                          </p:val>
-                                        </p:tav>
-                                        <p:tav tm="100000">
-                                          <p:val>
-                                            <p:strVal val="#ppt_y"/>
-                                          </p:val>
-                                        </p:tav>
-                                      </p:tavLst>
-                                    </p:anim>
-                                  </p:childTnLst>
-                                </p:cTn>
-                              </p:par>
-                            </p:childTnLst>
-                          </p:cTn>
-                        </p:par>
-                      </p:childTnLst>
-                    </p:cTn>
-                  </p:par>
-                </p:childTnLst>
-              </p:cTn>
-              <p:prevCondLst>
-                <p:cond evt="onPrev" delay="0">
-                  <p:tgtEl>
-                    <p:sldTgt/>
-                  </p:tgtEl>
-                </p:cond>
-              </p:prevCondLst>
-              <p:nextCondLst>
-                <p:cond evt="onNext" delay="0">
-                  <p:tgtEl>
-                    <p:sldTgt/>
-                  </p:tgtEl>
-                </p:cond>
-              </p:nextCondLst>
-            </p:seq>
-          </p:childTnLst>
-        </p:cTn>
-      </p:par>
-    </p:tnLst>
-    <p:bldLst>
-      <p:bldP spid="19" grpId="0"/>
-    </p:bldLst>
-  </p:timing>
-</p:sld>
-</file>
-
-<file path=ppt/slides/slide6.xml><?xml version="1.0" encoding="utf-8"?>
-<p:sld xmlns:a="http://schemas.openxmlformats.org/drawingml/2006/main" xmlns:r="http://schemas.openxmlformats.org/officeDocument/2006/relationships" xmlns:p="http://schemas.openxmlformats.org/presentationml/2006/main">
-  <p:cSld>
-    <p:spTree>
-      <p:nvGrpSpPr>
-        <p:cNvPr id="1" name=""/>
-        <p:cNvGrpSpPr/>
-        <p:nvPr/>
-      </p:nvGrpSpPr>
-      <p:grpSpPr>
-        <a:xfrm>
-          <a:off x="0" y="0"/>
-          <a:ext cx="0" cy="0"/>
-          <a:chOff x="0" y="0"/>
-          <a:chExt cx="0" cy="0"/>
-        </a:xfrm>
-      </p:grpSpPr>
-      <p:sp>
-        <p:nvSpPr>
-          <p:cNvPr id="148482" name="Rectangle 2"/>
-          <p:cNvSpPr>
-            <a:spLocks noGrp="1" noChangeArrowheads="1"/>
-          </p:cNvSpPr>
-          <p:nvPr>
-            <p:ph type="title" idx="4294967295"/>
-          </p:nvPr>
-        </p:nvSpPr>
-        <p:spPr bwMode="auto">
-          <a:xfrm>
-            <a:off x="3006330" y="217207"/>
-            <a:ext cx="5292085" cy="420439"/>
-          </a:xfrm>
-          <a:prstGeom prst="rect">
-            <a:avLst/>
-          </a:prstGeom>
-          <a:noFill/>
-          <a:ln>
-            <a:miter lim="800000"/>
-            <a:headEnd/>
-            <a:tailEnd/>
-          </a:ln>
-        </p:spPr>
-        <p:txBody>
-          <a:bodyPr vert="horz" wrap="square" lIns="71323" tIns="35662" rIns="71323" bIns="35662" numCol="1" anchor="t" anchorCtr="0" compatLnSpc="1">
-            <a:prstTxWarp prst="textNoShape">
-              <a:avLst/>
-            </a:prstTxWarp>
-          </a:bodyPr>
-          <a:lstStyle/>
-          <a:p>
-            <a:pPr algn="r"/>
-            <a:r>
-              <a:rPr lang="pt-PT" sz="900" b="1" i="1" dirty="0">
-                <a:solidFill>
-                  <a:srgbClr val="FF0000"/>
-                </a:solidFill>
-                <a:latin typeface="Arial" charset="0"/>
-              </a:rPr>
-              <a:t>SOP-T0-INT</a:t>
-            </a:r>
-            <a:br>
-              <a:rPr lang="pt-PT" sz="1600" b="1" i="1" dirty="0">
-                <a:solidFill>
-                  <a:srgbClr val="FF0000"/>
-                </a:solidFill>
-                <a:latin typeface="Arial" charset="0"/>
-              </a:rPr>
-            </a:br>
-            <a:r>
-              <a:rPr lang="pt-PT" sz="1800" b="1" i="1" dirty="0">
-                <a:solidFill>
-                  <a:srgbClr val="FF0000"/>
-                </a:solidFill>
-                <a:latin typeface="Arial" charset="0"/>
-              </a:rPr>
-              <a:t>M</a:t>
-            </a:r>
-            <a:r>
-              <a:rPr lang="pt-PT" sz="1600" b="1" i="1" dirty="0">
-                <a:solidFill>
-                  <a:srgbClr val="FF0000"/>
-                </a:solidFill>
-                <a:latin typeface="Arial" charset="0"/>
-              </a:rPr>
-              <a:t>ÉTODO DE </a:t>
-            </a:r>
-            <a:r>
-              <a:rPr lang="pt-PT" sz="1800" b="1" i="1" dirty="0">
-                <a:solidFill>
-                  <a:srgbClr val="FF0000"/>
-                </a:solidFill>
-                <a:latin typeface="Arial" charset="0"/>
-              </a:rPr>
-              <a:t>A</a:t>
-            </a:r>
-            <a:r>
-              <a:rPr lang="pt-PT" sz="1600" b="1" i="1" dirty="0">
-                <a:solidFill>
-                  <a:srgbClr val="FF0000"/>
-                </a:solidFill>
-                <a:latin typeface="Arial" charset="0"/>
-              </a:rPr>
-              <a:t>VALIAÇÃO</a:t>
-            </a:r>
-            <a:endParaRPr lang="pt-PT" sz="1400" b="1" i="1" dirty="0">
-              <a:solidFill>
-                <a:srgbClr val="FF0000"/>
-              </a:solidFill>
-              <a:latin typeface="Arial" charset="0"/>
-            </a:endParaRPr>
+              <a:t>Método de Avaliação</a:t>
+            </a:r>
           </a:p>
         </p:txBody>
       </p:sp>
@@ -9052,7 +7876,7 @@
         </p:nvSpPr>
         <p:spPr bwMode="auto">
           <a:xfrm>
-            <a:off x="672009" y="1357314"/>
+            <a:off x="672009" y="913284"/>
             <a:ext cx="7710916" cy="480219"/>
           </a:xfrm>
           <a:prstGeom prst="rect">
@@ -9082,7 +7906,7 @@
                   <a:schemeClr val="bg1"/>
                 </a:solidFill>
               </a:rPr>
-              <a:t>Nota final </a:t>
+              <a:t>Nota Final </a:t>
             </a:r>
             <a:r>
               <a:rPr lang="pt-PT" sz="1600" dirty="0">
@@ -9105,7 +7929,7 @@
         </p:nvSpPr>
         <p:spPr bwMode="auto">
           <a:xfrm>
-            <a:off x="672009" y="1837532"/>
+            <a:off x="672009" y="1393502"/>
             <a:ext cx="3861833" cy="480218"/>
           </a:xfrm>
           <a:prstGeom prst="rect">
@@ -9158,7 +7982,7 @@
         </p:nvSpPr>
         <p:spPr bwMode="auto">
           <a:xfrm>
-            <a:off x="4533842" y="1837533"/>
+            <a:off x="4533842" y="1393503"/>
             <a:ext cx="3849083" cy="480218"/>
           </a:xfrm>
           <a:prstGeom prst="rect">
@@ -9213,7 +8037,7 @@
         </p:nvSpPr>
         <p:spPr bwMode="auto">
           <a:xfrm>
-            <a:off x="672009" y="3516976"/>
+            <a:off x="672009" y="2486305"/>
             <a:ext cx="1811759" cy="959114"/>
           </a:xfrm>
           <a:prstGeom prst="rect">
@@ -9254,24 +8078,18 @@
                   <a:schemeClr val="bg1"/>
                 </a:solidFill>
               </a:rPr>
-              <a:t>(20%)</a:t>
-            </a:r>
-          </a:p>
-          <a:p>
-            <a:pPr algn="ctr"/>
-            <a:r>
-              <a:rPr lang="pt-PT" sz="1600" dirty="0" err="1">
+              <a:t>(25%)</a:t>
+            </a:r>
+          </a:p>
+          <a:p>
+            <a:r>
+              <a:rPr lang="pt-PT" sz="1600" dirty="0">
                 <a:solidFill>
                   <a:schemeClr val="bg1"/>
                 </a:solidFill>
               </a:rPr>
-              <a:t>Arquitectura</a:t>
-            </a:r>
-            <a:endParaRPr lang="pt-PT" sz="1600" dirty="0">
-              <a:solidFill>
-                <a:schemeClr val="bg1"/>
-              </a:solidFill>
-            </a:endParaRPr>
+              <a:t>Parte 1</a:t>
+            </a:r>
           </a:p>
         </p:txBody>
       </p:sp>
@@ -9285,7 +8103,7 @@
         </p:nvSpPr>
         <p:spPr bwMode="auto">
           <a:xfrm>
-            <a:off x="4734019" y="3516974"/>
+            <a:off x="4734019" y="2486303"/>
             <a:ext cx="1802520" cy="959114"/>
           </a:xfrm>
           <a:prstGeom prst="rect">
@@ -9326,18 +8144,17 @@
                   <a:schemeClr val="bg1"/>
                 </a:solidFill>
               </a:rPr>
-              <a:t>(20%)</a:t>
-            </a:r>
-          </a:p>
-          <a:p>
-            <a:pPr algn="ctr"/>
-            <a:r>
-              <a:rPr lang="pt-PT" sz="1200" dirty="0">
+              <a:t>(25%)</a:t>
+            </a:r>
+          </a:p>
+          <a:p>
+            <a:r>
+              <a:rPr lang="pt-PT" sz="1600" dirty="0">
                 <a:solidFill>
                   <a:schemeClr val="bg1"/>
                 </a:solidFill>
               </a:rPr>
-              <a:t>Tópicos Avançados</a:t>
+              <a:t>Parte 2</a:t>
             </a:r>
           </a:p>
         </p:txBody>
@@ -9352,7 +8169,7 @@
         </p:nvSpPr>
         <p:spPr bwMode="auto">
           <a:xfrm>
-            <a:off x="6539649" y="3516976"/>
+            <a:off x="6539649" y="2486305"/>
             <a:ext cx="1846386" cy="959114"/>
           </a:xfrm>
           <a:prstGeom prst="rect">
@@ -9395,7 +8212,7 @@
                   <a:schemeClr val="bg1"/>
                 </a:solidFill>
               </a:rPr>
-              <a:t>(20%)</a:t>
+              <a:t>(25%)</a:t>
             </a:r>
           </a:p>
           <a:p>
@@ -9406,21 +8223,8 @@
                   <a:schemeClr val="bg1"/>
                 </a:solidFill>
               </a:rPr>
-              <a:t>IO / C / </a:t>
-            </a:r>
-            <a:r>
-              <a:rPr lang="pt-PT" sz="1600" dirty="0" err="1">
-                <a:solidFill>
-                  <a:schemeClr val="bg1"/>
-                </a:solidFill>
-              </a:rPr>
-              <a:t>Assembly</a:t>
-            </a:r>
-            <a:endParaRPr lang="pt-PT" sz="1600" dirty="0">
-              <a:solidFill>
-                <a:schemeClr val="bg1"/>
-              </a:solidFill>
-            </a:endParaRPr>
+              <a:t>Sistema / C / IO</a:t>
+            </a:r>
           </a:p>
         </p:txBody>
       </p:sp>
@@ -9434,7 +8238,7 @@
         </p:nvSpPr>
         <p:spPr bwMode="auto">
           <a:xfrm>
-            <a:off x="2491294" y="3516975"/>
+            <a:off x="2491294" y="2486304"/>
             <a:ext cx="1846385" cy="959114"/>
           </a:xfrm>
           <a:prstGeom prst="rect">
@@ -9477,7 +8281,7 @@
                   <a:schemeClr val="bg1"/>
                 </a:solidFill>
               </a:rPr>
-              <a:t>(20%)</a:t>
+              <a:t>(25%)</a:t>
             </a:r>
             <a:endParaRPr lang="pt-PT" sz="1200" dirty="0">
               <a:solidFill>
@@ -9513,7 +8317,7 @@
         </p:nvSpPr>
         <p:spPr bwMode="auto">
           <a:xfrm>
-            <a:off x="672009" y="4476090"/>
+            <a:off x="672009" y="3577580"/>
             <a:ext cx="7710916" cy="480219"/>
           </a:xfrm>
           <a:prstGeom prst="rect">
@@ -9543,7 +8347,7 @@
                   <a:schemeClr val="bg1"/>
                 </a:solidFill>
               </a:rPr>
-              <a:t>Exame </a:t>
+              <a:t>Exame / Recurso / Especial </a:t>
             </a:r>
             <a:r>
               <a:rPr lang="pt-PT" sz="1600" dirty="0">
@@ -9552,98 +8356,6 @@
                 </a:solidFill>
               </a:rPr>
               <a:t>(100%)</a:t>
-            </a:r>
-          </a:p>
-        </p:txBody>
-      </p:sp>
-      <p:sp>
-        <p:nvSpPr>
-          <p:cNvPr id="12" name="Rectangle 22"/>
-          <p:cNvSpPr>
-            <a:spLocks noChangeArrowheads="1"/>
-          </p:cNvSpPr>
-          <p:nvPr/>
-        </p:nvSpPr>
-        <p:spPr bwMode="auto">
-          <a:xfrm>
-            <a:off x="5760132" y="2317440"/>
-            <a:ext cx="2622793" cy="479558"/>
-          </a:xfrm>
-          <a:prstGeom prst="rect">
-            <a:avLst/>
-          </a:prstGeom>
-          <a:solidFill>
-            <a:schemeClr val="accent1">
-              <a:lumMod val="50000"/>
-            </a:schemeClr>
-          </a:solidFill>
-          <a:ln w="25400" algn="ctr">
-            <a:solidFill>
-              <a:schemeClr val="tx1"/>
-            </a:solidFill>
-            <a:miter lim="800000"/>
-            <a:headEnd/>
-            <a:tailEnd/>
-          </a:ln>
-          <a:effectLst/>
-        </p:spPr>
-        <p:txBody>
-          <a:bodyPr wrap="none" lIns="80467" tIns="40233" rIns="80467" bIns="40233" anchor="ctr"/>
-          <a:lstStyle/>
-          <a:p>
-            <a:pPr algn="ctr"/>
-            <a:r>
-              <a:rPr lang="pt-PT" sz="1600" dirty="0">
-                <a:solidFill>
-                  <a:schemeClr val="bg1"/>
-                </a:solidFill>
-              </a:rPr>
-              <a:t>Provas escritas (40%)</a:t>
-            </a:r>
-          </a:p>
-        </p:txBody>
-      </p:sp>
-      <p:sp>
-        <p:nvSpPr>
-          <p:cNvPr id="13" name="Rectangle 23"/>
-          <p:cNvSpPr>
-            <a:spLocks noChangeArrowheads="1"/>
-          </p:cNvSpPr>
-          <p:nvPr/>
-        </p:nvSpPr>
-        <p:spPr bwMode="auto">
-          <a:xfrm>
-            <a:off x="672009" y="2317441"/>
-            <a:ext cx="2711860" cy="480219"/>
-          </a:xfrm>
-          <a:prstGeom prst="rect">
-            <a:avLst/>
-          </a:prstGeom>
-          <a:solidFill>
-            <a:srgbClr val="FF6600"/>
-          </a:solidFill>
-          <a:ln w="25400" algn="ctr">
-            <a:solidFill>
-              <a:schemeClr val="tx1"/>
-            </a:solidFill>
-            <a:miter lim="800000"/>
-            <a:headEnd/>
-            <a:tailEnd/>
-          </a:ln>
-          <a:effectLst/>
-        </p:spPr>
-        <p:txBody>
-          <a:bodyPr wrap="none" lIns="80467" tIns="40233" rIns="80467" bIns="40233" anchor="ctr"/>
-          <a:lstStyle/>
-          <a:p>
-            <a:pPr algn="ctr"/>
-            <a:r>
-              <a:rPr lang="pt-PT" sz="1600" dirty="0">
-                <a:solidFill>
-                  <a:schemeClr val="bg1"/>
-                </a:solidFill>
-              </a:rPr>
-              <a:t>Provas escritas (40%)</a:t>
             </a:r>
           </a:p>
         </p:txBody>
@@ -9658,7 +8370,7 @@
         </p:nvSpPr>
         <p:spPr bwMode="auto">
           <a:xfrm>
-            <a:off x="664483" y="3036757"/>
+            <a:off x="664483" y="2006086"/>
             <a:ext cx="3673196" cy="480219"/>
           </a:xfrm>
           <a:prstGeom prst="rect">
@@ -9688,7 +8400,7 @@
                   <a:schemeClr val="bg1"/>
                 </a:solidFill>
               </a:rPr>
-              <a:t>Prova Intermédia de Avaliação (40%)</a:t>
+              <a:t>Prova Intermédia de Avaliação (50%)</a:t>
             </a:r>
             <a:endParaRPr lang="pt-PT" sz="1600" dirty="0">
               <a:solidFill>
@@ -9708,7 +8420,7 @@
         </p:nvSpPr>
         <p:spPr bwMode="auto">
           <a:xfrm>
-            <a:off x="4734019" y="3036757"/>
+            <a:off x="4734019" y="2006086"/>
             <a:ext cx="3652016" cy="480219"/>
           </a:xfrm>
           <a:prstGeom prst="rect">
@@ -9738,7 +8450,7 @@
                   <a:schemeClr val="bg1"/>
                 </a:solidFill>
               </a:rPr>
-              <a:t>Prova Final de Avaliação (40%)</a:t>
+              <a:t>Prova Final de Avaliação (50%)</a:t>
             </a:r>
             <a:endParaRPr lang="pt-PT" sz="1600" dirty="0">
               <a:solidFill>
@@ -9750,7 +8462,13 @@
       </p:sp>
       <p:sp>
         <p:nvSpPr>
-          <p:cNvPr id="16" name="Rectangle 23"/>
+          <p:cNvPr id="19" name="Rectangle 23">
+            <a:extLst>
+              <a:ext uri="{FF2B5EF4-FFF2-40B4-BE49-F238E27FC236}">
+                <a16:creationId xmlns:a16="http://schemas.microsoft.com/office/drawing/2014/main" id="{E3DDA833-CC05-4AE0-8D84-9B8D84D3DF1D}"/>
+              </a:ext>
+            </a:extLst>
+          </p:cNvPr>
           <p:cNvSpPr>
             <a:spLocks noChangeArrowheads="1"/>
           </p:cNvSpPr>
@@ -9758,7 +8476,58 @@
         </p:nvSpPr>
         <p:spPr bwMode="auto">
           <a:xfrm>
-            <a:off x="3383869" y="2317441"/>
+            <a:off x="672009" y="4681537"/>
+            <a:ext cx="5324636" cy="480219"/>
+          </a:xfrm>
+          <a:prstGeom prst="rect">
+            <a:avLst/>
+          </a:prstGeom>
+          <a:solidFill>
+            <a:schemeClr val="accent2"/>
+          </a:solidFill>
+          <a:ln w="25400" algn="ctr">
+            <a:solidFill>
+              <a:schemeClr val="tx1"/>
+            </a:solidFill>
+            <a:miter lim="800000"/>
+            <a:headEnd/>
+            <a:tailEnd/>
+          </a:ln>
+          <a:effectLst/>
+        </p:spPr>
+        <p:txBody>
+          <a:bodyPr wrap="none" lIns="80467" tIns="40233" rIns="80467" bIns="40233" anchor="ctr"/>
+          <a:lstStyle/>
+          <a:p>
+            <a:pPr algn="ctr"/>
+            <a:r>
+              <a:rPr lang="pt-PT" sz="1600" dirty="0">
+                <a:solidFill>
+                  <a:schemeClr val="bg1"/>
+                </a:solidFill>
+              </a:rPr>
+              <a:t>Provas escritas (80%)</a:t>
+            </a:r>
+          </a:p>
+        </p:txBody>
+      </p:sp>
+      <p:sp>
+        <p:nvSpPr>
+          <p:cNvPr id="20" name="Rectangle 23">
+            <a:extLst>
+              <a:ext uri="{FF2B5EF4-FFF2-40B4-BE49-F238E27FC236}">
+                <a16:creationId xmlns:a16="http://schemas.microsoft.com/office/drawing/2014/main" id="{FA869277-7623-48C3-BFC6-282D80CB3A41}"/>
+              </a:ext>
+            </a:extLst>
+          </p:cNvPr>
+          <p:cNvSpPr>
+            <a:spLocks noChangeArrowheads="1"/>
+          </p:cNvSpPr>
+          <p:nvPr/>
+        </p:nvSpPr>
+        <p:spPr bwMode="auto">
+          <a:xfrm>
+            <a:off x="5996645" y="4681537"/>
             <a:ext cx="1149974" cy="480219"/>
           </a:xfrm>
           <a:prstGeom prst="rect">
@@ -9806,7 +8575,13 @@
       </p:sp>
       <p:sp>
         <p:nvSpPr>
-          <p:cNvPr id="17" name="Rectangle 23"/>
+          <p:cNvPr id="21" name="Rectangle 23">
+            <a:extLst>
+              <a:ext uri="{FF2B5EF4-FFF2-40B4-BE49-F238E27FC236}">
+                <a16:creationId xmlns:a16="http://schemas.microsoft.com/office/drawing/2014/main" id="{126754B0-6306-4BD4-A92A-B922B34063BB}"/>
+              </a:ext>
+            </a:extLst>
+          </p:cNvPr>
           <p:cNvSpPr>
             <a:spLocks noChangeArrowheads="1"/>
           </p:cNvSpPr>
@@ -9814,7 +8589,7 @@
         </p:nvSpPr>
         <p:spPr bwMode="auto">
           <a:xfrm>
-            <a:off x="4533841" y="2317441"/>
+            <a:off x="7146617" y="4681537"/>
             <a:ext cx="1226291" cy="480219"/>
           </a:xfrm>
           <a:prstGeom prst="rect">
@@ -9858,6 +8633,64 @@
                 </a:solidFill>
               </a:rPr>
               <a:t>(10%)</a:t>
+            </a:r>
+          </a:p>
+        </p:txBody>
+      </p:sp>
+      <p:sp>
+        <p:nvSpPr>
+          <p:cNvPr id="22" name="Rectangle 9">
+            <a:extLst>
+              <a:ext uri="{FF2B5EF4-FFF2-40B4-BE49-F238E27FC236}">
+                <a16:creationId xmlns:a16="http://schemas.microsoft.com/office/drawing/2014/main" id="{039EAC9C-4B01-4850-B99B-90112C6886D1}"/>
+              </a:ext>
+            </a:extLst>
+          </p:cNvPr>
+          <p:cNvSpPr>
+            <a:spLocks noChangeArrowheads="1"/>
+          </p:cNvSpPr>
+          <p:nvPr/>
+        </p:nvSpPr>
+        <p:spPr bwMode="auto">
+          <a:xfrm>
+            <a:off x="683568" y="4225652"/>
+            <a:ext cx="7710916" cy="480219"/>
+          </a:xfrm>
+          <a:prstGeom prst="rect">
+            <a:avLst/>
+          </a:prstGeom>
+          <a:solidFill>
+            <a:srgbClr val="C00000"/>
+          </a:solidFill>
+          <a:ln w="25400" algn="ctr">
+            <a:solidFill>
+              <a:schemeClr val="tx1"/>
+            </a:solidFill>
+            <a:miter lim="800000"/>
+            <a:headEnd/>
+            <a:tailEnd/>
+          </a:ln>
+          <a:effectLst/>
+        </p:spPr>
+        <p:txBody>
+          <a:bodyPr wrap="none" lIns="80467" tIns="40233" rIns="80467" bIns="40233" anchor="ctr"/>
+          <a:lstStyle/>
+          <a:p>
+            <a:r>
+              <a:rPr lang="pt-PT" sz="2100" dirty="0">
+                <a:solidFill>
+                  <a:schemeClr val="bg1"/>
+                </a:solidFill>
+              </a:rPr>
+              <a:t>Nota Combinada </a:t>
+            </a:r>
+            <a:r>
+              <a:rPr lang="pt-PT" sz="1600" dirty="0">
+                <a:solidFill>
+                  <a:schemeClr val="bg1"/>
+                </a:solidFill>
+              </a:rPr>
+              <a:t>(se Nota Final &gt;= 8 valores)</a:t>
             </a:r>
           </a:p>
         </p:txBody>
@@ -9997,7 +8830,7 @@
                                           </p:stCondLst>
                                         </p:cTn>
                                         <p:tgtEl>
-                                          <p:spTgt spid="13"/>
+                                          <p:spTgt spid="6"/>
                                         </p:tgtEl>
                                         <p:attrNameLst>
                                           <p:attrName>style.visibility</p:attrName>
@@ -10011,183 +8844,7 @@
                                       <p:cBhvr>
                                         <p:cTn id="15" dur="500"/>
                                         <p:tgtEl>
-                                          <p:spTgt spid="13"/>
-                                        </p:tgtEl>
-                                      </p:cBhvr>
-                                    </p:animEffect>
-                                  </p:childTnLst>
-                                </p:cTn>
-                              </p:par>
-                            </p:childTnLst>
-                          </p:cTn>
-                        </p:par>
-                        <p:par>
-                          <p:cTn id="16" fill="hold">
-                            <p:stCondLst>
-                              <p:cond delay="1500"/>
-                            </p:stCondLst>
-                            <p:childTnLst>
-                              <p:par>
-                                <p:cTn id="17" presetID="9" presetClass="entr" presetSubtype="0" fill="hold" grpId="0" nodeType="afterEffect">
-                                  <p:stCondLst>
-                                    <p:cond delay="0"/>
-                                  </p:stCondLst>
-                                  <p:childTnLst>
-                                    <p:set>
-                                      <p:cBhvr>
-                                        <p:cTn id="18" dur="1" fill="hold">
-                                          <p:stCondLst>
-                                            <p:cond delay="0"/>
-                                          </p:stCondLst>
-                                        </p:cTn>
-                                        <p:tgtEl>
-                                          <p:spTgt spid="16"/>
-                                        </p:tgtEl>
-                                        <p:attrNameLst>
-                                          <p:attrName>style.visibility</p:attrName>
-                                        </p:attrNameLst>
-                                      </p:cBhvr>
-                                      <p:to>
-                                        <p:strVal val="visible"/>
-                                      </p:to>
-                                    </p:set>
-                                    <p:animEffect transition="in" filter="dissolve">
-                                      <p:cBhvr>
-                                        <p:cTn id="19" dur="500"/>
-                                        <p:tgtEl>
-                                          <p:spTgt spid="16"/>
-                                        </p:tgtEl>
-                                      </p:cBhvr>
-                                    </p:animEffect>
-                                  </p:childTnLst>
-                                </p:cTn>
-                              </p:par>
-                            </p:childTnLst>
-                          </p:cTn>
-                        </p:par>
-                        <p:par>
-                          <p:cTn id="20" fill="hold">
-                            <p:stCondLst>
-                              <p:cond delay="2000"/>
-                            </p:stCondLst>
-                            <p:childTnLst>
-                              <p:par>
-                                <p:cTn id="21" presetID="9" presetClass="entr" presetSubtype="0" fill="hold" grpId="0" nodeType="afterEffect">
-                                  <p:stCondLst>
-                                    <p:cond delay="2000"/>
-                                  </p:stCondLst>
-                                  <p:childTnLst>
-                                    <p:set>
-                                      <p:cBhvr>
-                                        <p:cTn id="22" dur="1" fill="hold">
-                                          <p:stCondLst>
-                                            <p:cond delay="0"/>
-                                          </p:stCondLst>
-                                        </p:cTn>
-                                        <p:tgtEl>
                                           <p:spTgt spid="6"/>
-                                        </p:tgtEl>
-                                        <p:attrNameLst>
-                                          <p:attrName>style.visibility</p:attrName>
-                                        </p:attrNameLst>
-                                      </p:cBhvr>
-                                      <p:to>
-                                        <p:strVal val="visible"/>
-                                      </p:to>
-                                    </p:set>
-                                    <p:animEffect transition="in" filter="dissolve">
-                                      <p:cBhvr>
-                                        <p:cTn id="23" dur="500"/>
-                                        <p:tgtEl>
-                                          <p:spTgt spid="6"/>
-                                        </p:tgtEl>
-                                      </p:cBhvr>
-                                    </p:animEffect>
-                                  </p:childTnLst>
-                                </p:cTn>
-                              </p:par>
-                            </p:childTnLst>
-                          </p:cTn>
-                        </p:par>
-                        <p:par>
-                          <p:cTn id="24" fill="hold">
-                            <p:stCondLst>
-                              <p:cond delay="4500"/>
-                            </p:stCondLst>
-                            <p:childTnLst>
-                              <p:par>
-                                <p:cTn id="25" presetID="9" presetClass="entr" presetSubtype="0" fill="hold" grpId="0" nodeType="afterEffect">
-                                  <p:stCondLst>
-                                    <p:cond delay="0"/>
-                                  </p:stCondLst>
-                                  <p:childTnLst>
-                                    <p:set>
-                                      <p:cBhvr>
-                                        <p:cTn id="26" dur="1" fill="hold">
-                                          <p:stCondLst>
-                                            <p:cond delay="0"/>
-                                          </p:stCondLst>
-                                        </p:cTn>
-                                        <p:tgtEl>
-                                          <p:spTgt spid="17"/>
-                                        </p:tgtEl>
-                                        <p:attrNameLst>
-                                          <p:attrName>style.visibility</p:attrName>
-                                        </p:attrNameLst>
-                                      </p:cBhvr>
-                                      <p:to>
-                                        <p:strVal val="visible"/>
-                                      </p:to>
-                                    </p:set>
-                                    <p:animEffect transition="in" filter="dissolve">
-                                      <p:cBhvr>
-                                        <p:cTn id="27" dur="500"/>
-                                        <p:tgtEl>
-                                          <p:spTgt spid="17"/>
-                                        </p:tgtEl>
-                                      </p:cBhvr>
-                                    </p:animEffect>
-                                  </p:childTnLst>
-                                </p:cTn>
-                              </p:par>
-                            </p:childTnLst>
-                          </p:cTn>
-                        </p:par>
-                        <p:par>
-                          <p:cTn id="28" fill="hold">
-                            <p:stCondLst>
-                              <p:cond delay="5000"/>
-                            </p:stCondLst>
-                            <p:childTnLst>
-                              <p:par>
-                                <p:cTn id="29" presetID="9" presetClass="entr" presetSubtype="0" fill="hold" grpId="0" nodeType="afterEffect">
-                                  <p:stCondLst>
-                                    <p:cond delay="0"/>
-                                  </p:stCondLst>
-                                  <p:childTnLst>
-                                    <p:set>
-                                      <p:cBhvr>
-                                        <p:cTn id="30" dur="1" fill="hold">
-                                          <p:stCondLst>
-                                            <p:cond delay="0"/>
-                                          </p:stCondLst>
-                                        </p:cTn>
-                                        <p:tgtEl>
-                                          <p:spTgt spid="12"/>
-                                        </p:tgtEl>
-                                        <p:attrNameLst>
-                                          <p:attrName>style.visibility</p:attrName>
-                                        </p:attrNameLst>
-                                      </p:cBhvr>
-                                      <p:to>
-                                        <p:strVal val="visible"/>
-                                      </p:to>
-                                    </p:set>
-                                    <p:animEffect transition="in" filter="dissolve">
-                                      <p:cBhvr>
-                                        <p:cTn id="31" dur="500"/>
-                                        <p:tgtEl>
-                                          <p:spTgt spid="12"/>
                                         </p:tgtEl>
                                       </p:cBhvr>
                                     </p:animEffect>
@@ -10201,26 +8858,70 @@
                     </p:cTn>
                   </p:par>
                   <p:par>
-                    <p:cTn id="32" fill="hold">
+                    <p:cTn id="16" fill="hold">
                       <p:stCondLst>
                         <p:cond delay="indefinite"/>
                       </p:stCondLst>
                       <p:childTnLst>
                         <p:par>
-                          <p:cTn id="33" fill="hold">
+                          <p:cTn id="17" fill="hold">
                             <p:stCondLst>
                               <p:cond delay="0"/>
                             </p:stCondLst>
                             <p:childTnLst>
                               <p:par>
-                                <p:cTn id="34" presetID="9" presetClass="entr" presetSubtype="0" fill="hold" grpId="0" nodeType="clickEffect">
+                                <p:cTn id="18" presetID="9" presetClass="entr" presetSubtype="0" fill="hold" grpId="0" nodeType="clickEffect">
                                   <p:stCondLst>
                                     <p:cond delay="0"/>
                                   </p:stCondLst>
                                   <p:childTnLst>
                                     <p:set>
                                       <p:cBhvr>
-                                        <p:cTn id="35" dur="1" fill="hold">
+                                        <p:cTn id="19" dur="1" fill="hold">
+                                          <p:stCondLst>
+                                            <p:cond delay="0"/>
+                                          </p:stCondLst>
+                                        </p:cTn>
+                                        <p:tgtEl>
+                                          <p:spTgt spid="14"/>
+                                        </p:tgtEl>
+                                        <p:attrNameLst>
+                                          <p:attrName>style.visibility</p:attrName>
+                                        </p:attrNameLst>
+                                      </p:cBhvr>
+                                      <p:to>
+                                        <p:strVal val="visible"/>
+                                      </p:to>
+                                    </p:set>
+                                    <p:animEffect transition="in" filter="dissolve">
+                                      <p:cBhvr>
+                                        <p:cTn id="20" dur="500"/>
+                                        <p:tgtEl>
+                                          <p:spTgt spid="14"/>
+                                        </p:tgtEl>
+                                      </p:cBhvr>
+                                    </p:animEffect>
+                                  </p:childTnLst>
+                                </p:cTn>
+                              </p:par>
+                            </p:childTnLst>
+                          </p:cTn>
+                        </p:par>
+                        <p:par>
+                          <p:cTn id="21" fill="hold">
+                            <p:stCondLst>
+                              <p:cond delay="500"/>
+                            </p:stCondLst>
+                            <p:childTnLst>
+                              <p:par>
+                                <p:cTn id="22" presetID="9" presetClass="entr" presetSubtype="0" fill="hold" grpId="0" nodeType="afterEffect">
+                                  <p:stCondLst>
+                                    <p:cond delay="0"/>
+                                  </p:stCondLst>
+                                  <p:childTnLst>
+                                    <p:set>
+                                      <p:cBhvr>
+                                        <p:cTn id="23" dur="1" fill="hold">
                                           <p:stCondLst>
                                             <p:cond delay="0"/>
                                           </p:stCondLst>
@@ -10238,7 +8939,7 @@
                                     </p:set>
                                     <p:animEffect transition="in" filter="dissolve">
                                       <p:cBhvr>
-                                        <p:cTn id="36" dur="500"/>
+                                        <p:cTn id="24" dur="500"/>
                                         <p:tgtEl>
                                           <p:spTgt spid="7"/>
                                         </p:tgtEl>
@@ -10251,20 +8952,20 @@
                           </p:cTn>
                         </p:par>
                         <p:par>
-                          <p:cTn id="37" fill="hold">
+                          <p:cTn id="25" fill="hold">
                             <p:stCondLst>
-                              <p:cond delay="500"/>
+                              <p:cond delay="1000"/>
                             </p:stCondLst>
                             <p:childTnLst>
                               <p:par>
-                                <p:cTn id="38" presetID="9" presetClass="entr" presetSubtype="0" fill="hold" grpId="0" nodeType="afterEffect">
+                                <p:cTn id="26" presetID="9" presetClass="entr" presetSubtype="0" fill="hold" grpId="0" nodeType="afterEffect">
                                   <p:stCondLst>
                                     <p:cond delay="0"/>
                                   </p:stCondLst>
                                   <p:childTnLst>
                                     <p:set>
                                       <p:cBhvr>
-                                        <p:cTn id="39" dur="1" fill="hold">
+                                        <p:cTn id="27" dur="1" fill="hold">
                                           <p:stCondLst>
                                             <p:cond delay="0"/>
                                           </p:stCondLst>
@@ -10282,53 +8983,9 @@
                                     </p:set>
                                     <p:animEffect transition="in" filter="dissolve">
                                       <p:cBhvr>
-                                        <p:cTn id="40" dur="500"/>
+                                        <p:cTn id="28" dur="500"/>
                                         <p:tgtEl>
                                           <p:spTgt spid="10"/>
-                                        </p:tgtEl>
-                                      </p:cBhvr>
-                                    </p:animEffect>
-                                  </p:childTnLst>
-                                </p:cTn>
-                              </p:par>
-                            </p:childTnLst>
-                          </p:cTn>
-                        </p:par>
-                        <p:par>
-                          <p:cTn id="41" fill="hold">
-                            <p:stCondLst>
-                              <p:cond delay="1000"/>
-                            </p:stCondLst>
-                            <p:childTnLst>
-                              <p:par>
-                                <p:cTn id="42" presetID="9" presetClass="entr" presetSubtype="0" fill="hold" grpId="0" nodeType="afterEffect">
-                                  <p:stCondLst>
-                                    <p:cond delay="0"/>
-                                  </p:stCondLst>
-                                  <p:childTnLst>
-                                    <p:set>
-                                      <p:cBhvr>
-                                        <p:cTn id="43" dur="1" fill="hold">
-                                          <p:stCondLst>
-                                            <p:cond delay="0"/>
-                                          </p:stCondLst>
-                                        </p:cTn>
-                                        <p:tgtEl>
-                                          <p:spTgt spid="14"/>
-                                        </p:tgtEl>
-                                        <p:attrNameLst>
-                                          <p:attrName>style.visibility</p:attrName>
-                                        </p:attrNameLst>
-                                      </p:cBhvr>
-                                      <p:to>
-                                        <p:strVal val="visible"/>
-                                      </p:to>
-                                    </p:set>
-                                    <p:animEffect transition="in" filter="dissolve">
-                                      <p:cBhvr>
-                                        <p:cTn id="44" dur="500"/>
-                                        <p:tgtEl>
-                                          <p:spTgt spid="14"/>
                                         </p:tgtEl>
                                       </p:cBhvr>
                                     </p:animEffect>
@@ -10342,26 +8999,70 @@
                     </p:cTn>
                   </p:par>
                   <p:par>
-                    <p:cTn id="45" fill="hold">
+                    <p:cTn id="29" fill="hold">
                       <p:stCondLst>
                         <p:cond delay="indefinite"/>
                       </p:stCondLst>
                       <p:childTnLst>
                         <p:par>
-                          <p:cTn id="46" fill="hold">
+                          <p:cTn id="30" fill="hold">
                             <p:stCondLst>
                               <p:cond delay="0"/>
                             </p:stCondLst>
                             <p:childTnLst>
                               <p:par>
-                                <p:cTn id="47" presetID="9" presetClass="entr" presetSubtype="0" fill="hold" grpId="0" nodeType="clickEffect">
+                                <p:cTn id="31" presetID="9" presetClass="entr" presetSubtype="0" fill="hold" grpId="0" nodeType="clickEffect">
                                   <p:stCondLst>
                                     <p:cond delay="0"/>
                                   </p:stCondLst>
                                   <p:childTnLst>
                                     <p:set>
                                       <p:cBhvr>
-                                        <p:cTn id="48" dur="1" fill="hold">
+                                        <p:cTn id="32" dur="1" fill="hold">
+                                          <p:stCondLst>
+                                            <p:cond delay="0"/>
+                                          </p:stCondLst>
+                                        </p:cTn>
+                                        <p:tgtEl>
+                                          <p:spTgt spid="15"/>
+                                        </p:tgtEl>
+                                        <p:attrNameLst>
+                                          <p:attrName>style.visibility</p:attrName>
+                                        </p:attrNameLst>
+                                      </p:cBhvr>
+                                      <p:to>
+                                        <p:strVal val="visible"/>
+                                      </p:to>
+                                    </p:set>
+                                    <p:animEffect transition="in" filter="dissolve">
+                                      <p:cBhvr>
+                                        <p:cTn id="33" dur="500"/>
+                                        <p:tgtEl>
+                                          <p:spTgt spid="15"/>
+                                        </p:tgtEl>
+                                      </p:cBhvr>
+                                    </p:animEffect>
+                                  </p:childTnLst>
+                                </p:cTn>
+                              </p:par>
+                            </p:childTnLst>
+                          </p:cTn>
+                        </p:par>
+                        <p:par>
+                          <p:cTn id="34" fill="hold">
+                            <p:stCondLst>
+                              <p:cond delay="500"/>
+                            </p:stCondLst>
+                            <p:childTnLst>
+                              <p:par>
+                                <p:cTn id="35" presetID="9" presetClass="entr" presetSubtype="0" fill="hold" grpId="0" nodeType="afterEffect">
+                                  <p:stCondLst>
+                                    <p:cond delay="0"/>
+                                  </p:stCondLst>
+                                  <p:childTnLst>
+                                    <p:set>
+                                      <p:cBhvr>
+                                        <p:cTn id="36" dur="1" fill="hold">
                                           <p:stCondLst>
                                             <p:cond delay="0"/>
                                           </p:stCondLst>
@@ -10379,7 +9080,7 @@
                                     </p:set>
                                     <p:animEffect transition="in" filter="dissolve">
                                       <p:cBhvr>
-                                        <p:cTn id="49" dur="500"/>
+                                        <p:cTn id="37" dur="500"/>
                                         <p:tgtEl>
                                           <p:spTgt spid="8"/>
                                         </p:tgtEl>
@@ -10392,20 +9093,20 @@
                           </p:cTn>
                         </p:par>
                         <p:par>
-                          <p:cTn id="50" fill="hold">
+                          <p:cTn id="38" fill="hold">
                             <p:stCondLst>
-                              <p:cond delay="500"/>
+                              <p:cond delay="1000"/>
                             </p:stCondLst>
                             <p:childTnLst>
                               <p:par>
-                                <p:cTn id="51" presetID="9" presetClass="entr" presetSubtype="0" fill="hold" grpId="0" nodeType="afterEffect">
+                                <p:cTn id="39" presetID="9" presetClass="entr" presetSubtype="0" fill="hold" grpId="0" nodeType="afterEffect">
                                   <p:stCondLst>
                                     <p:cond delay="0"/>
                                   </p:stCondLst>
                                   <p:childTnLst>
                                     <p:set>
                                       <p:cBhvr>
-                                        <p:cTn id="52" dur="1" fill="hold">
+                                        <p:cTn id="40" dur="1" fill="hold">
                                           <p:stCondLst>
                                             <p:cond delay="0"/>
                                           </p:stCondLst>
@@ -10423,53 +9124,9 @@
                                     </p:set>
                                     <p:animEffect transition="in" filter="dissolve">
                                       <p:cBhvr>
-                                        <p:cTn id="53" dur="500"/>
+                                        <p:cTn id="41" dur="500"/>
                                         <p:tgtEl>
                                           <p:spTgt spid="9"/>
-                                        </p:tgtEl>
-                                      </p:cBhvr>
-                                    </p:animEffect>
-                                  </p:childTnLst>
-                                </p:cTn>
-                              </p:par>
-                            </p:childTnLst>
-                          </p:cTn>
-                        </p:par>
-                        <p:par>
-                          <p:cTn id="54" fill="hold">
-                            <p:stCondLst>
-                              <p:cond delay="1000"/>
-                            </p:stCondLst>
-                            <p:childTnLst>
-                              <p:par>
-                                <p:cTn id="55" presetID="9" presetClass="entr" presetSubtype="0" fill="hold" grpId="0" nodeType="afterEffect">
-                                  <p:stCondLst>
-                                    <p:cond delay="0"/>
-                                  </p:stCondLst>
-                                  <p:childTnLst>
-                                    <p:set>
-                                      <p:cBhvr>
-                                        <p:cTn id="56" dur="1" fill="hold">
-                                          <p:stCondLst>
-                                            <p:cond delay="0"/>
-                                          </p:stCondLst>
-                                        </p:cTn>
-                                        <p:tgtEl>
-                                          <p:spTgt spid="15"/>
-                                        </p:tgtEl>
-                                        <p:attrNameLst>
-                                          <p:attrName>style.visibility</p:attrName>
-                                        </p:attrNameLst>
-                                      </p:cBhvr>
-                                      <p:to>
-                                        <p:strVal val="visible"/>
-                                      </p:to>
-                                    </p:set>
-                                    <p:animEffect transition="in" filter="dissolve">
-                                      <p:cBhvr>
-                                        <p:cTn id="57" dur="500"/>
-                                        <p:tgtEl>
-                                          <p:spTgt spid="15"/>
                                         </p:tgtEl>
                                       </p:cBhvr>
                                     </p:animEffect>
@@ -10483,26 +9140,26 @@
                     </p:cTn>
                   </p:par>
                   <p:par>
-                    <p:cTn id="58" fill="hold">
+                    <p:cTn id="42" fill="hold">
                       <p:stCondLst>
                         <p:cond delay="indefinite"/>
                       </p:stCondLst>
                       <p:childTnLst>
                         <p:par>
-                          <p:cTn id="59" fill="hold">
+                          <p:cTn id="43" fill="hold">
                             <p:stCondLst>
                               <p:cond delay="0"/>
                             </p:stCondLst>
                             <p:childTnLst>
                               <p:par>
-                                <p:cTn id="60" presetID="9" presetClass="entr" presetSubtype="0" fill="hold" grpId="0" nodeType="clickEffect">
+                                <p:cTn id="44" presetID="9" presetClass="entr" presetSubtype="0" fill="hold" grpId="0" nodeType="clickEffect">
                                   <p:stCondLst>
                                     <p:cond delay="0"/>
                                   </p:stCondLst>
                                   <p:childTnLst>
                                     <p:set>
                                       <p:cBhvr>
-                                        <p:cTn id="61" dur="1" fill="hold">
+                                        <p:cTn id="45" dur="1" fill="hold">
                                           <p:stCondLst>
                                             <p:cond delay="0"/>
                                           </p:stCondLst>
@@ -10520,9 +9177,194 @@
                                     </p:set>
                                     <p:animEffect transition="in" filter="dissolve">
                                       <p:cBhvr>
-                                        <p:cTn id="62" dur="500"/>
+                                        <p:cTn id="46" dur="500"/>
                                         <p:tgtEl>
                                           <p:spTgt spid="11"/>
+                                        </p:tgtEl>
+                                      </p:cBhvr>
+                                    </p:animEffect>
+                                  </p:childTnLst>
+                                </p:cTn>
+                              </p:par>
+                            </p:childTnLst>
+                          </p:cTn>
+                        </p:par>
+                      </p:childTnLst>
+                    </p:cTn>
+                  </p:par>
+                  <p:par>
+                    <p:cTn id="47" fill="hold">
+                      <p:stCondLst>
+                        <p:cond delay="indefinite"/>
+                      </p:stCondLst>
+                      <p:childTnLst>
+                        <p:par>
+                          <p:cTn id="48" fill="hold">
+                            <p:stCondLst>
+                              <p:cond delay="0"/>
+                            </p:stCondLst>
+                            <p:childTnLst>
+                              <p:par>
+                                <p:cTn id="49" presetID="9" presetClass="entr" presetSubtype="0" fill="hold" grpId="0" nodeType="clickEffect">
+                                  <p:stCondLst>
+                                    <p:cond delay="0"/>
+                                  </p:stCondLst>
+                                  <p:childTnLst>
+                                    <p:set>
+                                      <p:cBhvr>
+                                        <p:cTn id="50" dur="1" fill="hold">
+                                          <p:stCondLst>
+                                            <p:cond delay="0"/>
+                                          </p:stCondLst>
+                                        </p:cTn>
+                                        <p:tgtEl>
+                                          <p:spTgt spid="22"/>
+                                        </p:tgtEl>
+                                        <p:attrNameLst>
+                                          <p:attrName>style.visibility</p:attrName>
+                                        </p:attrNameLst>
+                                      </p:cBhvr>
+                                      <p:to>
+                                        <p:strVal val="visible"/>
+                                      </p:to>
+                                    </p:set>
+                                    <p:animEffect transition="in" filter="dissolve">
+                                      <p:cBhvr>
+                                        <p:cTn id="51" dur="500"/>
+                                        <p:tgtEl>
+                                          <p:spTgt spid="22"/>
+                                        </p:tgtEl>
+                                      </p:cBhvr>
+                                    </p:animEffect>
+                                  </p:childTnLst>
+                                </p:cTn>
+                              </p:par>
+                            </p:childTnLst>
+                          </p:cTn>
+                        </p:par>
+                        <p:par>
+                          <p:cTn id="52" fill="hold">
+                            <p:stCondLst>
+                              <p:cond delay="500"/>
+                            </p:stCondLst>
+                            <p:childTnLst>
+                              <p:par>
+                                <p:cTn id="53" presetID="9" presetClass="entr" presetSubtype="0" fill="hold" grpId="0" nodeType="afterEffect">
+                                  <p:stCondLst>
+                                    <p:cond delay="0"/>
+                                  </p:stCondLst>
+                                  <p:childTnLst>
+                                    <p:set>
+                                      <p:cBhvr>
+                                        <p:cTn id="54" dur="1" fill="hold">
+                                          <p:stCondLst>
+                                            <p:cond delay="0"/>
+                                          </p:stCondLst>
+                                        </p:cTn>
+                                        <p:tgtEl>
+                                          <p:spTgt spid="19"/>
+                                        </p:tgtEl>
+                                        <p:attrNameLst>
+                                          <p:attrName>style.visibility</p:attrName>
+                                        </p:attrNameLst>
+                                      </p:cBhvr>
+                                      <p:to>
+                                        <p:strVal val="visible"/>
+                                      </p:to>
+                                    </p:set>
+                                    <p:animEffect transition="in" filter="dissolve">
+                                      <p:cBhvr>
+                                        <p:cTn id="55" dur="500"/>
+                                        <p:tgtEl>
+                                          <p:spTgt spid="19"/>
+                                        </p:tgtEl>
+                                      </p:cBhvr>
+                                    </p:animEffect>
+                                  </p:childTnLst>
+                                </p:cTn>
+                              </p:par>
+                            </p:childTnLst>
+                          </p:cTn>
+                        </p:par>
+                        <p:par>
+                          <p:cTn id="56" fill="hold">
+                            <p:stCondLst>
+                              <p:cond delay="1000"/>
+                            </p:stCondLst>
+                            <p:childTnLst>
+                              <p:par>
+                                <p:cTn id="57" presetID="9" presetClass="entr" presetSubtype="0" fill="hold" grpId="0" nodeType="afterEffect">
+                                  <p:stCondLst>
+                                    <p:cond delay="0"/>
+                                  </p:stCondLst>
+                                  <p:childTnLst>
+                                    <p:set>
+                                      <p:cBhvr>
+                                        <p:cTn id="58" dur="1" fill="hold">
+                                          <p:stCondLst>
+                                            <p:cond delay="0"/>
+                                          </p:stCondLst>
+                                        </p:cTn>
+                                        <p:tgtEl>
+                                          <p:spTgt spid="20"/>
+                                        </p:tgtEl>
+                                        <p:attrNameLst>
+                                          <p:attrName>style.visibility</p:attrName>
+                                        </p:attrNameLst>
+                                      </p:cBhvr>
+                                      <p:to>
+                                        <p:strVal val="visible"/>
+                                      </p:to>
+                                    </p:set>
+                                    <p:animEffect transition="in" filter="dissolve">
+                                      <p:cBhvr>
+                                        <p:cTn id="59" dur="500"/>
+                                        <p:tgtEl>
+                                          <p:spTgt spid="20"/>
+                                        </p:tgtEl>
+                                      </p:cBhvr>
+                                    </p:animEffect>
+                                  </p:childTnLst>
+                                </p:cTn>
+                              </p:par>
+                            </p:childTnLst>
+                          </p:cTn>
+                        </p:par>
+                        <p:par>
+                          <p:cTn id="60" fill="hold">
+                            <p:stCondLst>
+                              <p:cond delay="1500"/>
+                            </p:stCondLst>
+                            <p:childTnLst>
+                              <p:par>
+                                <p:cTn id="61" presetID="9" presetClass="entr" presetSubtype="0" fill="hold" grpId="0" nodeType="afterEffect">
+                                  <p:stCondLst>
+                                    <p:cond delay="0"/>
+                                  </p:stCondLst>
+                                  <p:childTnLst>
+                                    <p:set>
+                                      <p:cBhvr>
+                                        <p:cTn id="62" dur="1" fill="hold">
+                                          <p:stCondLst>
+                                            <p:cond delay="0"/>
+                                          </p:stCondLst>
+                                        </p:cTn>
+                                        <p:tgtEl>
+                                          <p:spTgt spid="21"/>
+                                        </p:tgtEl>
+                                        <p:attrNameLst>
+                                          <p:attrName>style.visibility</p:attrName>
+                                        </p:attrNameLst>
+                                      </p:cBhvr>
+                                      <p:to>
+                                        <p:strVal val="visible"/>
+                                      </p:to>
+                                    </p:set>
+                                    <p:animEffect transition="in" filter="dissolve">
+                                      <p:cBhvr>
+                                        <p:cTn id="63" dur="500"/>
+                                        <p:tgtEl>
+                                          <p:spTgt spid="21"/>
                                         </p:tgtEl>
                                       </p:cBhvr>
                                     </p:animEffect>
@@ -10565,12 +9407,394 @@
       <p:bldP spid="9" grpId="0" animBg="1"/>
       <p:bldP spid="10" grpId="0" animBg="1"/>
       <p:bldP spid="11" grpId="0" animBg="1"/>
-      <p:bldP spid="12" grpId="0" animBg="1"/>
-      <p:bldP spid="13" grpId="0" animBg="1"/>
       <p:bldP spid="14" grpId="0" animBg="1"/>
       <p:bldP spid="15" grpId="0" animBg="1"/>
-      <p:bldP spid="16" grpId="0" animBg="1"/>
-      <p:bldP spid="17" grpId="0" animBg="1"/>
+      <p:bldP spid="19" grpId="0" animBg="1"/>
+      <p:bldP spid="20" grpId="0" animBg="1"/>
+      <p:bldP spid="21" grpId="0" animBg="1"/>
+      <p:bldP spid="22" grpId="0" animBg="1"/>
+    </p:bldLst>
+  </p:timing>
+</p:sld>
+</file>
+
+<file path=ppt/slides/slide6.xml><?xml version="1.0" encoding="utf-8"?>
+<p:sld xmlns:a="http://schemas.openxmlformats.org/drawingml/2006/main" xmlns:r="http://schemas.openxmlformats.org/officeDocument/2006/relationships" xmlns:p="http://schemas.openxmlformats.org/presentationml/2006/main">
+  <p:cSld>
+    <p:spTree>
+      <p:nvGrpSpPr>
+        <p:cNvPr id="1" name=""/>
+        <p:cNvGrpSpPr/>
+        <p:nvPr/>
+      </p:nvGrpSpPr>
+      <p:grpSpPr>
+        <a:xfrm>
+          <a:off x="0" y="0"/>
+          <a:ext cx="0" cy="0"/>
+          <a:chOff x="0" y="0"/>
+          <a:chExt cx="0" cy="0"/>
+        </a:xfrm>
+      </p:grpSpPr>
+      <p:sp>
+        <p:nvSpPr>
+          <p:cNvPr id="148482" name="Rectangle 2"/>
+          <p:cNvSpPr>
+            <a:spLocks noGrp="1" noChangeArrowheads="1"/>
+          </p:cNvSpPr>
+          <p:nvPr>
+            <p:ph type="title" idx="4294967295"/>
+          </p:nvPr>
+        </p:nvSpPr>
+        <p:spPr bwMode="auto">
+          <a:xfrm>
+            <a:off x="3006330" y="217207"/>
+            <a:ext cx="5292085" cy="420439"/>
+          </a:xfrm>
+          <a:prstGeom prst="rect">
+            <a:avLst/>
+          </a:prstGeom>
+          <a:noFill/>
+          <a:ln>
+            <a:miter lim="800000"/>
+            <a:headEnd/>
+            <a:tailEnd/>
+          </a:ln>
+        </p:spPr>
+        <p:txBody>
+          <a:bodyPr vert="horz" wrap="square" lIns="71323" tIns="35662" rIns="71323" bIns="35662" numCol="1" anchor="t" anchorCtr="0" compatLnSpc="1">
+            <a:prstTxWarp prst="textNoShape">
+              <a:avLst/>
+            </a:prstTxWarp>
+          </a:bodyPr>
+          <a:lstStyle/>
+          <a:p>
+            <a:pPr algn="r"/>
+            <a:r>
+              <a:rPr lang="pt-PT" sz="1000" b="1" i="1" dirty="0">
+                <a:solidFill>
+                  <a:srgbClr val="FF0000"/>
+                </a:solidFill>
+                <a:latin typeface="Arial" charset="0"/>
+              </a:rPr>
+              <a:t>SCO-T0-INT</a:t>
+            </a:r>
+            <a:br>
+              <a:rPr lang="pt-PT" sz="1600" b="1" i="1" dirty="0">
+                <a:solidFill>
+                  <a:srgbClr val="FF0000"/>
+                </a:solidFill>
+                <a:latin typeface="Arial" charset="0"/>
+              </a:rPr>
+            </a:br>
+            <a:r>
+              <a:rPr lang="pt-PT" sz="2000" b="1" i="1" cap="small" dirty="0">
+                <a:solidFill>
+                  <a:srgbClr val="FF0000"/>
+                </a:solidFill>
+                <a:latin typeface="Arial" charset="0"/>
+              </a:rPr>
+              <a:t>Método de Avaliação</a:t>
+            </a:r>
+            <a:endParaRPr lang="pt-PT" sz="2000" b="1" i="1" dirty="0">
+              <a:solidFill>
+                <a:srgbClr val="FF0000"/>
+              </a:solidFill>
+              <a:latin typeface="Arial" charset="0"/>
+            </a:endParaRPr>
+          </a:p>
+        </p:txBody>
+      </p:sp>
+      <p:sp>
+        <p:nvSpPr>
+          <p:cNvPr id="3" name="Rectangle 13"/>
+          <p:cNvSpPr>
+            <a:spLocks noChangeArrowheads="1"/>
+          </p:cNvSpPr>
+          <p:nvPr/>
+        </p:nvSpPr>
+        <p:spPr bwMode="auto">
+          <a:xfrm>
+            <a:off x="540000" y="841276"/>
+            <a:ext cx="8233871" cy="3806544"/>
+          </a:xfrm>
+          <a:prstGeom prst="rect">
+            <a:avLst/>
+          </a:prstGeom>
+          <a:noFill/>
+          <a:ln w="9525">
+            <a:noFill/>
+            <a:miter lim="800000"/>
+            <a:headEnd/>
+            <a:tailEnd/>
+          </a:ln>
+          <a:effectLst/>
+        </p:spPr>
+        <p:txBody>
+          <a:bodyPr wrap="square" lIns="70408" tIns="35205" rIns="70408" bIns="35205">
+            <a:spAutoFit/>
+          </a:bodyPr>
+          <a:lstStyle/>
+          <a:p>
+            <a:pPr marL="238887" indent="-238887" algn="l" defTabSz="704085">
+              <a:lnSpc>
+                <a:spcPct val="120000"/>
+              </a:lnSpc>
+              <a:buFont typeface="Wingdings" pitchFamily="2" charset="2"/>
+              <a:buChar char="Ø"/>
+            </a:pPr>
+            <a:r>
+              <a:rPr lang="pt-PT" sz="2000" b="0" i="0" dirty="0"/>
+              <a:t>Aulas Teóricas (QT):</a:t>
+            </a:r>
+          </a:p>
+          <a:p>
+            <a:pPr marL="403732" lvl="1" indent="-251459" algn="just" defTabSz="704085">
+              <a:lnSpc>
+                <a:spcPct val="120000"/>
+              </a:lnSpc>
+              <a:buFont typeface="Arial" pitchFamily="34" charset="0"/>
+              <a:buChar char="•"/>
+            </a:pPr>
+            <a:r>
+              <a:rPr lang="pt-PT" sz="1600" b="0" i="0" dirty="0"/>
+              <a:t>10 questionários de 5 questões (2+2+1) em 10 aulas, de resposta individual via sistema online, com a duração de 10 minutos. Apenas contam as </a:t>
+            </a:r>
+            <a:r>
+              <a:rPr lang="pt-PT" sz="1600" i="0" dirty="0"/>
+              <a:t>7 melhores</a:t>
+            </a:r>
+            <a:r>
+              <a:rPr lang="pt-PT" sz="1600" b="0" i="0" dirty="0"/>
+              <a:t> notas. As questões não serão anunciados antes da aula onde se realizarão.</a:t>
+            </a:r>
+          </a:p>
+          <a:p>
+            <a:pPr marL="238887" indent="-238887" algn="l" defTabSz="704085">
+              <a:lnSpc>
+                <a:spcPct val="120000"/>
+              </a:lnSpc>
+              <a:buFont typeface="Wingdings" pitchFamily="2" charset="2"/>
+              <a:buChar char="Ø"/>
+            </a:pPr>
+            <a:r>
+              <a:rPr lang="pt-PT" sz="2000" b="0" i="0" dirty="0"/>
+              <a:t>Aulas Prático Laboratoriais (QP):</a:t>
+            </a:r>
+          </a:p>
+          <a:p>
+            <a:pPr marL="403732" lvl="1" indent="-251459" algn="just" defTabSz="704085">
+              <a:lnSpc>
+                <a:spcPct val="120000"/>
+              </a:lnSpc>
+              <a:buFont typeface="Arial" pitchFamily="34" charset="0"/>
+              <a:buChar char="•"/>
+            </a:pPr>
+            <a:r>
+              <a:rPr lang="pt-PT" sz="1600" b="0" i="0" dirty="0"/>
+              <a:t>10 questionários de 5 perguntas (2+2+1) em 10 aulas prático laboratoriais, de resposta individual com a duração de 10 minutos. Contam às </a:t>
+            </a:r>
+            <a:r>
+              <a:rPr lang="pt-PT" sz="1600" i="0" dirty="0"/>
+              <a:t>7 melhores</a:t>
+            </a:r>
+            <a:r>
+              <a:rPr lang="pt-PT" sz="1600" b="0" i="0" dirty="0"/>
+              <a:t> notas.</a:t>
+            </a:r>
+          </a:p>
+          <a:p>
+            <a:pPr marL="238887" indent="-238887" algn="l" defTabSz="704085">
+              <a:lnSpc>
+                <a:spcPct val="120000"/>
+              </a:lnSpc>
+              <a:buFont typeface="Wingdings" pitchFamily="2" charset="2"/>
+              <a:buChar char="Ø"/>
+            </a:pPr>
+            <a:r>
+              <a:rPr lang="pt-PT" sz="2000" b="0" i="0" dirty="0"/>
+              <a:t>Comum:</a:t>
+            </a:r>
+            <a:endParaRPr lang="pt-PT" sz="1400" b="0" i="0" dirty="0"/>
+          </a:p>
+          <a:p>
+            <a:pPr marL="403732" lvl="1" indent="-251459" algn="just" defTabSz="704085">
+              <a:lnSpc>
+                <a:spcPct val="120000"/>
+              </a:lnSpc>
+              <a:buFont typeface="Arial" pitchFamily="34" charset="0"/>
+              <a:buChar char="•"/>
+            </a:pPr>
+            <a:r>
+              <a:rPr lang="pt-PT" sz="1600" b="0" i="0" dirty="0"/>
+              <a:t>Os tópicos podem ser da própria aula ou da aula imediatamente anterior. Os questionários pode ser apresentado no início ou fim da aula;</a:t>
+            </a:r>
+          </a:p>
+          <a:p>
+            <a:pPr marL="403732" lvl="1" indent="-251459" algn="just" defTabSz="704085">
+              <a:lnSpc>
+                <a:spcPct val="120000"/>
+              </a:lnSpc>
+              <a:buFont typeface="Arial" pitchFamily="34" charset="0"/>
+              <a:buChar char="•"/>
+            </a:pPr>
+            <a:r>
+              <a:rPr lang="pt-PT" sz="1600" b="0" i="0" dirty="0"/>
+              <a:t>A não realização de um questionários implica a atribuição da nota </a:t>
+            </a:r>
+            <a:r>
+              <a:rPr lang="pt-PT" sz="1600" i="0" dirty="0"/>
+              <a:t>0</a:t>
+            </a:r>
+            <a:r>
+              <a:rPr lang="pt-PT" sz="1600" b="0" i="0" dirty="0"/>
+              <a:t> nesse trabalho/questão ou questionário.</a:t>
+            </a:r>
+          </a:p>
+        </p:txBody>
+      </p:sp>
+    </p:spTree>
+    <p:extLst>
+      <p:ext uri="{BB962C8B-B14F-4D97-AF65-F5344CB8AC3E}">
+        <p14:creationId xmlns:p14="http://schemas.microsoft.com/office/powerpoint/2010/main" val="939585152"/>
+      </p:ext>
+    </p:extLst>
+  </p:cSld>
+  <p:clrMapOvr>
+    <a:masterClrMapping/>
+  </p:clrMapOvr>
+  <p:timing>
+    <p:tnLst>
+      <p:par>
+        <p:cTn id="1" dur="indefinite" restart="never" nodeType="tmRoot">
+          <p:childTnLst>
+            <p:seq concurrent="1" nextAc="seek">
+              <p:cTn id="2" dur="indefinite" nodeType="mainSeq">
+                <p:childTnLst>
+                  <p:par>
+                    <p:cTn id="3" fill="hold">
+                      <p:stCondLst>
+                        <p:cond delay="indefinite"/>
+                        <p:cond evt="onBegin" delay="0">
+                          <p:tn val="2"/>
+                        </p:cond>
+                      </p:stCondLst>
+                      <p:childTnLst>
+                        <p:par>
+                          <p:cTn id="4" fill="hold">
+                            <p:stCondLst>
+                              <p:cond delay="0"/>
+                            </p:stCondLst>
+                            <p:childTnLst>
+                              <p:par>
+                                <p:cTn id="5" presetID="42" presetClass="entr" presetSubtype="0" fill="hold" grpId="0" nodeType="afterEffect">
+                                  <p:stCondLst>
+                                    <p:cond delay="0"/>
+                                  </p:stCondLst>
+                                  <p:childTnLst>
+                                    <p:set>
+                                      <p:cBhvr>
+                                        <p:cTn id="6" dur="1" fill="hold">
+                                          <p:stCondLst>
+                                            <p:cond delay="0"/>
+                                          </p:stCondLst>
+                                        </p:cTn>
+                                        <p:tgtEl>
+                                          <p:spTgt spid="3"/>
+                                        </p:tgtEl>
+                                        <p:attrNameLst>
+                                          <p:attrName>style.visibility</p:attrName>
+                                        </p:attrNameLst>
+                                      </p:cBhvr>
+                                      <p:to>
+                                        <p:strVal val="visible"/>
+                                      </p:to>
+                                    </p:set>
+                                    <p:animEffect transition="in" filter="fade">
+                                      <p:cBhvr>
+                                        <p:cTn id="7" dur="500"/>
+                                        <p:tgtEl>
+                                          <p:spTgt spid="3"/>
+                                        </p:tgtEl>
+                                      </p:cBhvr>
+                                    </p:animEffect>
+                                    <p:anim calcmode="lin" valueType="num">
+                                      <p:cBhvr>
+                                        <p:cTn id="8" dur="500" fill="hold"/>
+                                        <p:tgtEl>
+                                          <p:spTgt spid="3"/>
+                                        </p:tgtEl>
+                                        <p:attrNameLst>
+                                          <p:attrName>ppt_x</p:attrName>
+                                        </p:attrNameLst>
+                                      </p:cBhvr>
+                                      <p:tavLst>
+                                        <p:tav tm="0">
+                                          <p:val>
+                                            <p:strVal val="#ppt_x"/>
+                                          </p:val>
+                                        </p:tav>
+                                        <p:tav tm="100000">
+                                          <p:val>
+                                            <p:strVal val="#ppt_x"/>
+                                          </p:val>
+                                        </p:tav>
+                                      </p:tavLst>
+                                    </p:anim>
+                                    <p:anim calcmode="lin" valueType="num">
+                                      <p:cBhvr>
+                                        <p:cTn id="9" dur="500" fill="hold"/>
+                                        <p:tgtEl>
+                                          <p:spTgt spid="3"/>
+                                        </p:tgtEl>
+                                        <p:attrNameLst>
+                                          <p:attrName>ppt_y</p:attrName>
+                                        </p:attrNameLst>
+                                      </p:cBhvr>
+                                      <p:tavLst>
+                                        <p:tav tm="0">
+                                          <p:val>
+                                            <p:strVal val="#ppt_y+.1"/>
+                                          </p:val>
+                                        </p:tav>
+                                        <p:tav tm="100000">
+                                          <p:val>
+                                            <p:strVal val="#ppt_y"/>
+                                          </p:val>
+                                        </p:tav>
+                                      </p:tavLst>
+                                    </p:anim>
+                                  </p:childTnLst>
+                                </p:cTn>
+                              </p:par>
+                            </p:childTnLst>
+                          </p:cTn>
+                        </p:par>
+                      </p:childTnLst>
+                    </p:cTn>
+                  </p:par>
+                </p:childTnLst>
+              </p:cTn>
+              <p:prevCondLst>
+                <p:cond evt="onPrev" delay="0">
+                  <p:tgtEl>
+                    <p:sldTgt/>
+                  </p:tgtEl>
+                </p:cond>
+              </p:prevCondLst>
+              <p:nextCondLst>
+                <p:cond evt="onNext" delay="0">
+                  <p:tgtEl>
+                    <p:sldTgt/>
+                  </p:tgtEl>
+                </p:cond>
+              </p:nextCondLst>
+            </p:seq>
+          </p:childTnLst>
+        </p:cTn>
+      </p:par>
+    </p:tnLst>
+    <p:bldLst>
+      <p:bldP spid="3" grpId="0"/>
     </p:bldLst>
   </p:timing>
 </p:sld>
@@ -10628,13 +9852,13 @@
           <a:p>
             <a:pPr algn="r"/>
             <a:r>
-              <a:rPr lang="pt-PT" sz="900" b="1" i="1" dirty="0">
+              <a:rPr lang="pt-PT" sz="1000" b="1" i="1" dirty="0">
                 <a:solidFill>
                   <a:srgbClr val="FF0000"/>
                 </a:solidFill>
                 <a:latin typeface="Arial" charset="0"/>
               </a:rPr>
-              <a:t>SOP-T0-INT</a:t>
+              <a:t>SCO-T0-INT</a:t>
             </a:r>
             <a:br>
               <a:rPr lang="pt-PT" sz="1600" b="1" i="1" dirty="0">
@@ -10645,47 +9869,14 @@
               </a:rPr>
             </a:br>
             <a:r>
-              <a:rPr lang="pt-PT" sz="1800" b="1" i="1" dirty="0">
+              <a:rPr lang="pt-PT" sz="2000" b="1" i="1" cap="small" dirty="0">
                 <a:solidFill>
                   <a:srgbClr val="FF0000"/>
                 </a:solidFill>
                 <a:latin typeface="Arial" charset="0"/>
               </a:rPr>
-              <a:t>M</a:t>
-            </a:r>
-            <a:r>
-              <a:rPr lang="pt-PT" sz="1600" b="1" i="1" dirty="0">
-                <a:solidFill>
-                  <a:srgbClr val="FF0000"/>
-                </a:solidFill>
-                <a:latin typeface="Arial" charset="0"/>
-              </a:rPr>
-              <a:t>ÉTODO DE </a:t>
-            </a:r>
-            <a:r>
-              <a:rPr lang="pt-PT" sz="1800" b="1" i="1" dirty="0">
-                <a:solidFill>
-                  <a:srgbClr val="FF0000"/>
-                </a:solidFill>
-                <a:latin typeface="Arial" charset="0"/>
-              </a:rPr>
-              <a:t>A</a:t>
-            </a:r>
-            <a:r>
-              <a:rPr lang="pt-PT" sz="1600" b="1" i="1" dirty="0">
-                <a:solidFill>
-                  <a:srgbClr val="FF0000"/>
-                </a:solidFill>
-                <a:latin typeface="Arial" charset="0"/>
-              </a:rPr>
-              <a:t>VALIAÇÃO</a:t>
-            </a:r>
-            <a:endParaRPr lang="pt-PT" sz="1400" b="1" i="1" dirty="0">
-              <a:solidFill>
-                <a:srgbClr val="FF0000"/>
-              </a:solidFill>
-              <a:latin typeface="Arial" charset="0"/>
-            </a:endParaRPr>
+              <a:t>Programa Previsto</a:t>
+            </a:r>
           </a:p>
         </p:txBody>
       </p:sp>
@@ -10700,7 +9891,7 @@
         <p:spPr bwMode="auto">
           <a:xfrm>
             <a:off x="540000" y="841276"/>
-            <a:ext cx="8233871" cy="3806544"/>
+            <a:ext cx="8233871" cy="4249742"/>
           </a:xfrm>
           <a:prstGeom prst="rect">
             <a:avLst/>
@@ -10729,110 +9920,184 @@
             </a:pPr>
             <a:r>
               <a:rPr lang="pt-PT" sz="2000" b="0" i="0" dirty="0"/>
-              <a:t>Aulas Teóricas (QT):</a:t>
-            </a:r>
-          </a:p>
-          <a:p>
-            <a:pPr marL="403732" lvl="1" indent="-251459" algn="just" defTabSz="704085">
+              <a:t>Teórica:</a:t>
+            </a:r>
+          </a:p>
+          <a:p>
+            <a:pPr marL="396746" lvl="1" algn="l" defTabSz="704085">
               <a:lnSpc>
                 <a:spcPct val="120000"/>
               </a:lnSpc>
-              <a:buFont typeface="Arial" pitchFamily="34" charset="0"/>
-              <a:buChar char="•"/>
             </a:pPr>
             <a:r>
-              <a:rPr lang="pt-PT" sz="1600" b="0" i="0" dirty="0"/>
-              <a:t>10 questionários de 2 a 5 questões em 10 aulas, de resposta individual via sistema online, com a duração de 5 a 15 minutos. Apenas contam as </a:t>
-            </a:r>
-            <a:r>
-              <a:rPr lang="pt-PT" sz="1600" i="0" dirty="0"/>
-              <a:t>7 melhores</a:t>
-            </a:r>
-            <a:r>
-              <a:rPr lang="pt-PT" sz="1600" b="0" i="0" dirty="0"/>
-              <a:t> notas. As questões não serão anunciados antes da aula onde se realizarão.</a:t>
-            </a:r>
-          </a:p>
-          <a:p>
-            <a:pPr marL="238887" indent="-238887" algn="l" defTabSz="704085">
+              <a:rPr lang="pt-PT" sz="2000" i="0" dirty="0">
+                <a:solidFill>
+                  <a:srgbClr val="0033CC"/>
+                </a:solidFill>
+              </a:rPr>
+              <a:t>SCO-T0-INT</a:t>
+            </a:r>
+            <a:endParaRPr lang="pt-PT" sz="1400" i="0" dirty="0">
+              <a:solidFill>
+                <a:srgbClr val="0033CC"/>
+              </a:solidFill>
+            </a:endParaRPr>
+          </a:p>
+          <a:p>
+            <a:pPr marL="554607" lvl="2" algn="just" defTabSz="704085">
               <a:lnSpc>
                 <a:spcPct val="120000"/>
               </a:lnSpc>
-              <a:buFont typeface="Wingdings" pitchFamily="2" charset="2"/>
-              <a:buChar char="Ø"/>
             </a:pPr>
             <a:r>
-              <a:rPr lang="pt-PT" sz="2000" b="0" i="0" dirty="0"/>
-              <a:t>Aulas Prático Laboratoriais (QP):</a:t>
-            </a:r>
-          </a:p>
-          <a:p>
-            <a:pPr marL="403732" lvl="1" indent="-251459" algn="just" defTabSz="704085">
+              <a:rPr lang="pt-PT" sz="1600" b="0" i="0" dirty="0"/>
+              <a:t>Apresentação do método de avaliação, formato e programa da unidade curricular.</a:t>
+            </a:r>
+          </a:p>
+          <a:p>
+            <a:pPr marL="396746" lvl="1" algn="l" defTabSz="704085">
               <a:lnSpc>
                 <a:spcPct val="120000"/>
               </a:lnSpc>
-              <a:buFont typeface="Arial" pitchFamily="34" charset="0"/>
-              <a:buChar char="•"/>
             </a:pPr>
             <a:r>
-              <a:rPr lang="pt-PT" sz="1600" b="0" i="0" dirty="0"/>
-              <a:t>10 questionários de 3 perguntas em 10 aulas prático laboratoriais, de resposta individual com a duração de máxima de 10 minutos. Contam às </a:t>
-            </a:r>
-            <a:r>
-              <a:rPr lang="pt-PT" sz="1600" i="0" dirty="0"/>
-              <a:t>7 melhores</a:t>
-            </a:r>
-            <a:r>
-              <a:rPr lang="pt-PT" sz="1600" b="0" i="0" dirty="0"/>
-              <a:t> notas.</a:t>
-            </a:r>
-          </a:p>
-          <a:p>
-            <a:pPr marL="238887" indent="-238887" algn="l" defTabSz="704085">
+              <a:rPr lang="pt-PT" sz="2000" i="0" dirty="0">
+                <a:solidFill>
+                  <a:srgbClr val="0033CC"/>
+                </a:solidFill>
+              </a:rPr>
+              <a:t>SCO-T1-A01, SCO-T1-A02, SCO-T1-A03, SCO-T1-A04, SCO-T1-A05, SCO-T1-A06, SCO-T1-A07, SCO-T1-A08 , SCO-T1-A09 , SCO-T1-A10 , SCO-T1-A11, SCO-T1-A12 e SCO-T1-A13</a:t>
+            </a:r>
+          </a:p>
+          <a:p>
+            <a:pPr marL="554607" lvl="2" algn="just" defTabSz="704085">
               <a:lnSpc>
                 <a:spcPct val="120000"/>
               </a:lnSpc>
-              <a:buFont typeface="Wingdings" pitchFamily="2" charset="2"/>
-              <a:buChar char="Ø"/>
             </a:pPr>
             <a:r>
-              <a:rPr lang="pt-PT" sz="2000" b="0" i="0" dirty="0"/>
-              <a:t>Comum:</a:t>
-            </a:r>
-            <a:endParaRPr lang="pt-PT" sz="1400" b="0" i="0" dirty="0"/>
-          </a:p>
-          <a:p>
-            <a:pPr marL="403732" lvl="1" indent="-251459" algn="just" defTabSz="704085">
-              <a:lnSpc>
-                <a:spcPct val="120000"/>
-              </a:lnSpc>
-              <a:buFont typeface="Arial" pitchFamily="34" charset="0"/>
-              <a:buChar char="•"/>
-            </a:pPr>
-            <a:r>
               <a:rPr lang="pt-PT" sz="1600" b="0" i="0" dirty="0"/>
-              <a:t>Os tópicos pode ser da própria aula ou da aula imediatamente anterior. Os questionários pode ser apresentado no início ou fim da aula;</a:t>
-            </a:r>
-          </a:p>
-          <a:p>
-            <a:pPr marL="403732" lvl="1" indent="-251459" algn="just" defTabSz="704085">
-              <a:lnSpc>
-                <a:spcPct val="120000"/>
-              </a:lnSpc>
-              <a:buFont typeface="Arial" pitchFamily="34" charset="0"/>
-              <a:buChar char="•"/>
-            </a:pPr>
+              <a:t>Noções de base sobre uma arquitetura de computadores, </a:t>
+            </a:r>
+            <a:r>
+              <a:rPr lang="pt-PT" sz="1600" b="0" dirty="0" err="1"/>
+              <a:t>instruction</a:t>
+            </a:r>
+            <a:r>
+              <a:rPr lang="pt-PT" sz="1600" b="0" dirty="0"/>
+              <a:t> set</a:t>
+            </a:r>
             <a:r>
               <a:rPr lang="pt-PT" sz="1600" b="0" i="0" dirty="0"/>
-              <a:t>A não realização de um questionários implica a atribuição da nota </a:t>
-            </a:r>
-            <a:r>
-              <a:rPr lang="pt-PT" sz="1600" i="0" dirty="0"/>
-              <a:t>0</a:t>
+              <a:t>, registos e </a:t>
+            </a:r>
+            <a:r>
+              <a:rPr lang="pt-PT" sz="1600" b="0" dirty="0" err="1"/>
+              <a:t>flags</a:t>
             </a:r>
             <a:r>
               <a:rPr lang="pt-PT" sz="1600" b="0" i="0" dirty="0"/>
-              <a:t> nesse trabalho/questão ou questionário.</a:t>
+              <a:t>, RISC e CISC, </a:t>
+            </a:r>
+            <a:r>
+              <a:rPr lang="pt-PT" sz="1600" b="0" dirty="0" err="1"/>
+              <a:t>assembly</a:t>
+            </a:r>
+            <a:r>
+              <a:rPr lang="pt-PT" sz="1600" b="0" i="0" dirty="0"/>
+              <a:t>, endereçamento, </a:t>
+            </a:r>
+            <a:r>
+              <a:rPr lang="pt-PT" sz="1600" b="0" dirty="0"/>
+              <a:t>buses</a:t>
+            </a:r>
+            <a:r>
+              <a:rPr lang="pt-PT" sz="1600" b="0" i="0" dirty="0"/>
+              <a:t>, </a:t>
+            </a:r>
+            <a:r>
+              <a:rPr lang="pt-PT" sz="1600" b="0" dirty="0" err="1"/>
+              <a:t>polling</a:t>
+            </a:r>
+            <a:r>
+              <a:rPr lang="pt-PT" sz="1600" b="0" i="0" dirty="0"/>
+              <a:t>, interrupções, DMA. Passagem de parâmetros por registo, memória associada e </a:t>
+            </a:r>
+            <a:r>
+              <a:rPr lang="pt-PT" sz="1600" b="0" dirty="0" err="1"/>
+              <a:t>Frame</a:t>
+            </a:r>
+            <a:r>
+              <a:rPr lang="pt-PT" sz="1600" b="0" dirty="0"/>
+              <a:t> </a:t>
+            </a:r>
+            <a:r>
+              <a:rPr lang="pt-PT" sz="1600" b="0" dirty="0" err="1"/>
+              <a:t>pointer</a:t>
+            </a:r>
+            <a:r>
+              <a:rPr lang="pt-PT" sz="1600" b="0" dirty="0"/>
+              <a:t>. </a:t>
+            </a:r>
+            <a:r>
+              <a:rPr lang="pt-PT" sz="1600" b="0" i="0" dirty="0"/>
+              <a:t>comunicação paralela e série, organização de memória Arquiteturas micro programadas/microcódigo e </a:t>
+            </a:r>
+            <a:r>
+              <a:rPr lang="pt-PT" sz="1600" b="0" dirty="0" err="1"/>
+              <a:t>hardwire</a:t>
+            </a:r>
+            <a:r>
+              <a:rPr lang="pt-PT" sz="1600" b="0" i="0" dirty="0"/>
+              <a:t>,</a:t>
+            </a:r>
+            <a:r>
+              <a:rPr lang="pt-PT" sz="1600" b="0" dirty="0"/>
+              <a:t> cache</a:t>
+            </a:r>
+            <a:r>
+              <a:rPr lang="pt-PT" sz="1600" b="0" i="0" dirty="0"/>
+              <a:t> e níveis de cache. Representação de dados, </a:t>
+            </a:r>
+            <a:r>
+              <a:rPr lang="pt-PT" sz="1600" b="0" dirty="0"/>
+              <a:t>byte</a:t>
+            </a:r>
+            <a:r>
+              <a:rPr lang="pt-PT" sz="1600" b="0" i="0" dirty="0"/>
+              <a:t>, </a:t>
+            </a:r>
+            <a:r>
+              <a:rPr lang="pt-PT" sz="1600" b="0" dirty="0" err="1"/>
+              <a:t>word</a:t>
+            </a:r>
+            <a:r>
+              <a:rPr lang="pt-PT" sz="1600" b="0" i="0" dirty="0"/>
+              <a:t>, </a:t>
+            </a:r>
+            <a:r>
+              <a:rPr lang="pt-PT" sz="1600" b="0" dirty="0" err="1"/>
+              <a:t>nibble</a:t>
+            </a:r>
+            <a:r>
+              <a:rPr lang="pt-PT" sz="1600" b="0" i="0" dirty="0"/>
+              <a:t>, com e sem sinal, virgula flutuante, operações aritmética, logicas e de </a:t>
+            </a:r>
+            <a:r>
+              <a:rPr lang="pt-PT" sz="1600" b="0" dirty="0" err="1"/>
+              <a:t>shift</a:t>
+            </a:r>
+            <a:r>
+              <a:rPr lang="pt-PT" sz="1600" b="0" i="0" dirty="0"/>
+              <a:t>/rotação. Arquiteturas ARM, x86/x64, PIC, </a:t>
+            </a:r>
+            <a:r>
+              <a:rPr lang="pt-PT" sz="1600" b="0" i="0" dirty="0" err="1"/>
+              <a:t>Zilog</a:t>
+            </a:r>
+            <a:r>
+              <a:rPr lang="pt-PT" sz="1600" b="0" i="0" dirty="0"/>
+              <a:t> Z80/Intel 8085.</a:t>
             </a:r>
           </a:p>
         </p:txBody>
@@ -10840,7 +10105,7 @@
     </p:spTree>
     <p:extLst>
       <p:ext uri="{BB962C8B-B14F-4D97-AF65-F5344CB8AC3E}">
-        <p14:creationId xmlns:p14="http://schemas.microsoft.com/office/powerpoint/2010/main" val="939585152"/>
+        <p14:creationId xmlns:p14="http://schemas.microsoft.com/office/powerpoint/2010/main" val="1449977999"/>
       </p:ext>
     </p:extLst>
   </p:cSld>
@@ -11037,13 +10302,13 @@
           <a:p>
             <a:pPr algn="r"/>
             <a:r>
-              <a:rPr lang="pt-PT" sz="900" b="1" i="1" dirty="0">
+              <a:rPr lang="pt-PT" sz="1000" b="1" i="1" dirty="0">
                 <a:solidFill>
                   <a:srgbClr val="FF0000"/>
                 </a:solidFill>
                 <a:latin typeface="Arial" charset="0"/>
               </a:rPr>
-              <a:t>SOP-T0-INT</a:t>
+              <a:t>SCO-T0-INT</a:t>
             </a:r>
             <a:br>
               <a:rPr lang="pt-PT" sz="1600" b="1" i="1" dirty="0">
@@ -11054,42 +10319,15 @@
               </a:rPr>
             </a:br>
             <a:r>
-              <a:rPr lang="pt-PT" sz="1900" b="1" i="1" dirty="0">
+              <a:rPr lang="pt-PT" sz="2000" b="1" i="1" cap="small" dirty="0">
                 <a:solidFill>
                   <a:srgbClr val="FF0000"/>
                 </a:solidFill>
                 <a:latin typeface="Arial" charset="0"/>
               </a:rPr>
-              <a:t>P</a:t>
-            </a:r>
-            <a:r>
-              <a:rPr lang="pt-PT" sz="1600" b="1" i="1" dirty="0">
-                <a:solidFill>
-                  <a:srgbClr val="FF0000"/>
-                </a:solidFill>
-                <a:latin typeface="Arial" charset="0"/>
-              </a:rPr>
-              <a:t>ROGRAMA </a:t>
-            </a:r>
-            <a:r>
-              <a:rPr lang="pt-PT" sz="1900" b="1" i="1" dirty="0">
-                <a:solidFill>
-                  <a:srgbClr val="FF0000"/>
-                </a:solidFill>
-                <a:latin typeface="Arial" charset="0"/>
-              </a:rPr>
-              <a:t>P</a:t>
-            </a:r>
-            <a:r>
-              <a:rPr lang="pt-PT" sz="1600" b="1" i="1" dirty="0">
-                <a:solidFill>
-                  <a:srgbClr val="FF0000"/>
-                </a:solidFill>
-                <a:latin typeface="Arial" charset="0"/>
-              </a:rPr>
-              <a:t>REVISTO</a:t>
-            </a:r>
-            <a:endParaRPr lang="pt-PT" sz="1200" b="1" i="1" dirty="0">
+              <a:t>Programa Previsto</a:t>
+            </a:r>
+            <a:endParaRPr lang="pt-PT" sz="2000" b="1" i="1" dirty="0">
               <a:solidFill>
                 <a:srgbClr val="FF0000"/>
               </a:solidFill>
@@ -11109,7 +10347,7 @@
         <p:spPr bwMode="auto">
           <a:xfrm>
             <a:off x="540000" y="841276"/>
-            <a:ext cx="8233871" cy="4249742"/>
+            <a:ext cx="8233871" cy="4175876"/>
           </a:xfrm>
           <a:prstGeom prst="rect">
             <a:avLst/>
@@ -11138,7 +10376,7 @@
             </a:pPr>
             <a:r>
               <a:rPr lang="pt-PT" sz="2000" b="0" i="0" dirty="0"/>
-              <a:t>Teórica:</a:t>
+              <a:t>Teórica (continuação):</a:t>
             </a:r>
           </a:p>
           <a:p>
@@ -11153,13 +10391,8 @@
                   <a:srgbClr val="0033CC"/>
                 </a:solidFill>
               </a:rPr>
-              <a:t>SCO-T0-INT</a:t>
-            </a:r>
-            <a:endParaRPr lang="pt-PT" sz="1400" i="0" dirty="0">
-              <a:solidFill>
-                <a:srgbClr val="0033CC"/>
-              </a:solidFill>
-            </a:endParaRPr>
+              <a:t>SCO-T1-AVL</a:t>
+            </a:r>
           </a:p>
           <a:p>
             <a:pPr marL="554607" lvl="2" algn="just" defTabSz="704085">
@@ -11169,7 +10402,57 @@
             </a:pPr>
             <a:r>
               <a:rPr lang="pt-PT" sz="1600" b="0" i="0" dirty="0"/>
-              <a:t>Apresentação do método de avaliação, formato e programa da unidade curricular.</a:t>
+              <a:t>Realização da </a:t>
+            </a:r>
+            <a:r>
+              <a:rPr lang="pt-PT" sz="1600" i="0" dirty="0"/>
+              <a:t>Prova Intermédia de Avaliação</a:t>
+            </a:r>
+            <a:r>
+              <a:rPr lang="pt-PT" sz="1600" b="0" i="0" dirty="0"/>
+              <a:t>:</a:t>
+            </a:r>
+          </a:p>
+          <a:p>
+            <a:pPr marL="806066" lvl="2" indent="-251459" algn="just" defTabSz="704085">
+              <a:lnSpc>
+                <a:spcPct val="120000"/>
+              </a:lnSpc>
+              <a:buFont typeface="Wingdings" panose="05000000000000000000" pitchFamily="2" charset="2"/>
+              <a:buChar char="Ø"/>
+            </a:pPr>
+            <a:r>
+              <a:rPr lang="pt-PT" sz="1600" b="0" i="0" dirty="0"/>
+              <a:t>Teórica + Prática com 50 minutos de duração;</a:t>
+            </a:r>
+          </a:p>
+          <a:p>
+            <a:pPr marL="806066" lvl="2" indent="-251459" algn="just" defTabSz="704085">
+              <a:lnSpc>
+                <a:spcPct val="120000"/>
+              </a:lnSpc>
+              <a:buFont typeface="Wingdings" panose="05000000000000000000" pitchFamily="2" charset="2"/>
+              <a:buChar char="Ø"/>
+            </a:pPr>
+            <a:r>
+              <a:rPr lang="pt-PT" sz="1600" b="0" i="0" dirty="0"/>
+              <a:t>Aula(s) teórica(s) de </a:t>
+            </a:r>
+            <a:r>
+              <a:rPr lang="pt-PT" sz="1600" i="0" dirty="0"/>
+              <a:t>quinta</a:t>
+            </a:r>
+            <a:r>
+              <a:rPr lang="pt-PT" sz="1600" b="0" i="0" dirty="0"/>
+              <a:t>,</a:t>
+            </a:r>
+            <a:r>
+              <a:rPr lang="pt-PT" sz="1600" i="0" dirty="0"/>
+              <a:t> 12 de maio </a:t>
+            </a:r>
+            <a:r>
+              <a:rPr lang="pt-PT" sz="1600" b="0" i="0" dirty="0"/>
+              <a:t>- Prova escrita versão A+B.</a:t>
             </a:r>
           </a:p>
           <a:p>
@@ -11184,7 +10467,7 @@
                   <a:srgbClr val="0033CC"/>
                 </a:solidFill>
               </a:rPr>
-              <a:t>SCO-T1-A01, SCO-T1-A02, SCO-T1-A03, SCO-T1-A04, SCO-T1-A05, SCO-T1-A06, SCO-T1-A07, SCO-T1-A08 , SCO-T1-A09 , SCO-T1-A10 , SCO-T1-A11, SCO-T1-A12 e SCO-T1-A13</a:t>
+              <a:t>SCO-T2-S01, SCO-T2-S02, SCO-T2-S03, SCO-T2-S04, SCO-T2-S05, SCO-T2-S06, SCO-T2-S07 e SCO-T2-S08</a:t>
             </a:r>
           </a:p>
           <a:p>
@@ -11195,27 +10478,31 @@
             </a:pPr>
             <a:r>
               <a:rPr lang="pt-PT" sz="1600" b="0" i="0" dirty="0"/>
-              <a:t>Noções de base sobre uma arquitetura de computadores, </a:t>
+              <a:t>Assemblagem e ligação de módulos de C, desassemblagem, </a:t>
             </a:r>
             <a:r>
               <a:rPr lang="pt-PT" sz="1600" b="0" dirty="0" err="1"/>
-              <a:t>instruction</a:t>
+              <a:t>traps</a:t>
             </a:r>
             <a:r>
               <a:rPr lang="pt-PT" sz="1600" b="0" dirty="0"/>
-              <a:t> set</a:t>
+              <a:t>, </a:t>
+            </a:r>
+            <a:r>
+              <a:rPr lang="pt-PT" sz="1600" b="0" dirty="0" err="1"/>
+              <a:t>breakpoints</a:t>
             </a:r>
             <a:r>
               <a:rPr lang="pt-PT" sz="1600" b="0" i="0" dirty="0"/>
-              <a:t>, registos e </a:t>
+              <a:t> e </a:t>
             </a:r>
             <a:r>
               <a:rPr lang="pt-PT" sz="1600" b="0" dirty="0" err="1"/>
-              <a:t>flags</a:t>
+              <a:t>debug</a:t>
             </a:r>
             <a:r>
               <a:rPr lang="pt-PT" sz="1600" b="0" i="0" dirty="0"/>
-              <a:t>, RISC e CISC, </a:t>
+              <a:t>, inclusão de código </a:t>
             </a:r>
             <a:r>
               <a:rPr lang="pt-PT" sz="1600" b="0" dirty="0" err="1"/>
@@ -11223,7 +10510,7 @@
             </a:r>
             <a:r>
               <a:rPr lang="pt-PT" sz="1600" b="0" i="0" dirty="0"/>
-              <a:t>, endereçamento, </a:t>
+              <a:t> em ficheiros de C. Interligação com sistemas operativos modernos, operações de I/O avançadas e protocolos de comunicação, I2C e SPI, </a:t>
             </a:r>
             <a:r>
               <a:rPr lang="pt-PT" sz="1600" b="0" dirty="0"/>
@@ -11231,91 +10518,23 @@
             </a:r>
             <a:r>
               <a:rPr lang="pt-PT" sz="1600" b="0" i="0" dirty="0"/>
-              <a:t>, </a:t>
+              <a:t> e standards PCI, </a:t>
+            </a:r>
+            <a:r>
+              <a:rPr lang="pt-PT" sz="1600" b="0" i="0" dirty="0" err="1"/>
+              <a:t>PCIe</a:t>
+            </a:r>
+            <a:r>
+              <a:rPr lang="pt-PT" sz="1600" b="0" i="0" dirty="0"/>
+              <a:t>, USB. SATA, IDE, ISA, NVME, comunicação em sistema multiprocessador, NUMA e SMP, coprocessadores, SOC e SIC, cores e </a:t>
             </a:r>
             <a:r>
               <a:rPr lang="pt-PT" sz="1600" b="0" dirty="0" err="1"/>
-              <a:t>polling</a:t>
+              <a:t>threads</a:t>
             </a:r>
             <a:r>
               <a:rPr lang="pt-PT" sz="1600" b="0" i="0" dirty="0"/>
-              <a:t>, interrupções, DMA. Passagem de parâmetros por registo, memória associada e </a:t>
-            </a:r>
-            <a:r>
-              <a:rPr lang="pt-PT" sz="1600" b="0" dirty="0" err="1"/>
-              <a:t>Frame</a:t>
-            </a:r>
-            <a:r>
-              <a:rPr lang="pt-PT" sz="1600" b="0" dirty="0"/>
-              <a:t> </a:t>
-            </a:r>
-            <a:r>
-              <a:rPr lang="pt-PT" sz="1600" b="0" dirty="0" err="1"/>
-              <a:t>pointer</a:t>
-            </a:r>
-            <a:r>
-              <a:rPr lang="pt-PT" sz="1600" b="0" dirty="0"/>
-              <a:t>. </a:t>
-            </a:r>
-            <a:r>
-              <a:rPr lang="pt-PT" sz="1600" b="0" i="0" dirty="0"/>
-              <a:t>comunicação paralela e série, organização de memória Arquiteturas micro programadas/microcódigo e </a:t>
-            </a:r>
-            <a:r>
-              <a:rPr lang="pt-PT" sz="1600" b="0" dirty="0" err="1"/>
-              <a:t>hardwire</a:t>
-            </a:r>
-            <a:r>
-              <a:rPr lang="pt-PT" sz="1600" b="0" i="0" dirty="0"/>
-              <a:t>,</a:t>
-            </a:r>
-            <a:r>
-              <a:rPr lang="pt-PT" sz="1600" b="0" dirty="0"/>
-              <a:t> cache</a:t>
-            </a:r>
-            <a:r>
-              <a:rPr lang="pt-PT" sz="1600" b="0" i="0" dirty="0"/>
-              <a:t> e níveis de cache. Representação de dados, </a:t>
-            </a:r>
-            <a:r>
-              <a:rPr lang="pt-PT" sz="1600" b="0" dirty="0"/>
-              <a:t>byte</a:t>
-            </a:r>
-            <a:r>
-              <a:rPr lang="pt-PT" sz="1600" b="0" i="0" dirty="0"/>
-              <a:t>, </a:t>
-            </a:r>
-            <a:r>
-              <a:rPr lang="pt-PT" sz="1600" b="0" dirty="0" err="1"/>
-              <a:t>word</a:t>
-            </a:r>
-            <a:r>
-              <a:rPr lang="pt-PT" sz="1600" b="0" i="0" dirty="0"/>
-              <a:t>, </a:t>
-            </a:r>
-            <a:r>
-              <a:rPr lang="pt-PT" sz="1600" b="0" dirty="0" err="1"/>
-              <a:t>nibble</a:t>
-            </a:r>
-            <a:r>
-              <a:rPr lang="pt-PT" sz="1600" b="0" i="0" dirty="0"/>
-              <a:t>, com e sem sinal, virgula flutuante, operações aritmética, logicas e de </a:t>
-            </a:r>
-            <a:r>
-              <a:rPr lang="pt-PT" sz="1600" b="0" dirty="0" err="1"/>
-              <a:t>shift</a:t>
-            </a:r>
-            <a:r>
-              <a:rPr lang="pt-PT" sz="1600" b="0" i="0" dirty="0"/>
-              <a:t>/rotação. Arquiteturas ARM, x86/x64, PIC, </a:t>
-            </a:r>
-            <a:r>
-              <a:rPr lang="pt-PT" sz="1600" b="0" i="0" dirty="0" err="1"/>
-              <a:t>Zilog</a:t>
-            </a:r>
-            <a:r>
-              <a:rPr lang="pt-PT" sz="1600" b="0" i="0" dirty="0"/>
-              <a:t> Z80/Intel 8085.</a:t>
+              <a:t>.</a:t>
             </a:r>
           </a:p>
         </p:txBody>
@@ -11323,7 +10542,7 @@
     </p:spTree>
     <p:extLst>
       <p:ext uri="{BB962C8B-B14F-4D97-AF65-F5344CB8AC3E}">
-        <p14:creationId xmlns:p14="http://schemas.microsoft.com/office/powerpoint/2010/main" val="1449977999"/>
+        <p14:creationId xmlns:p14="http://schemas.microsoft.com/office/powerpoint/2010/main" val="3524921540"/>
       </p:ext>
     </p:extLst>
   </p:cSld>
@@ -11520,13 +10739,13 @@
           <a:p>
             <a:pPr algn="r"/>
             <a:r>
-              <a:rPr lang="pt-PT" sz="900" b="1" i="1" dirty="0">
+              <a:rPr lang="pt-PT" sz="1000" b="1" i="1" dirty="0">
                 <a:solidFill>
                   <a:srgbClr val="FF0000"/>
                 </a:solidFill>
                 <a:latin typeface="Arial" charset="0"/>
               </a:rPr>
-              <a:t>SOP-T0-INT</a:t>
+              <a:t>SCO-T0-INT</a:t>
             </a:r>
             <a:br>
               <a:rPr lang="pt-PT" sz="1600" b="1" i="1" dirty="0">
@@ -11537,53 +10756,20 @@
               </a:rPr>
             </a:br>
             <a:r>
-              <a:rPr lang="pt-PT" sz="1900" b="1" i="1" dirty="0">
+              <a:rPr lang="pt-PT" sz="2000" b="1" i="1" cap="small" dirty="0">
                 <a:solidFill>
                   <a:srgbClr val="FF0000"/>
                 </a:solidFill>
                 <a:latin typeface="Arial" charset="0"/>
               </a:rPr>
-              <a:t>P</a:t>
-            </a:r>
-            <a:r>
-              <a:rPr lang="pt-PT" sz="1600" b="1" i="1" dirty="0">
-                <a:solidFill>
-                  <a:srgbClr val="FF0000"/>
-                </a:solidFill>
-                <a:latin typeface="Arial" charset="0"/>
-              </a:rPr>
-              <a:t>ROGRAMA </a:t>
-            </a:r>
-            <a:r>
-              <a:rPr lang="pt-PT" sz="1900" b="1" i="1" dirty="0">
-                <a:solidFill>
-                  <a:srgbClr val="FF0000"/>
-                </a:solidFill>
-                <a:latin typeface="Arial" charset="0"/>
-              </a:rPr>
-              <a:t>P</a:t>
-            </a:r>
-            <a:r>
-              <a:rPr lang="pt-PT" sz="1600" b="1" i="1" dirty="0">
-                <a:solidFill>
-                  <a:srgbClr val="FF0000"/>
-                </a:solidFill>
-                <a:latin typeface="Arial" charset="0"/>
-              </a:rPr>
-              <a:t>REVISTO</a:t>
-            </a:r>
-            <a:endParaRPr lang="pt-PT" sz="1200" b="1" i="1" dirty="0">
-              <a:solidFill>
-                <a:srgbClr val="FF0000"/>
-              </a:solidFill>
-              <a:latin typeface="Arial" charset="0"/>
-            </a:endParaRPr>
+              <a:t>Programa Previsto</a:t>
+            </a:r>
           </a:p>
         </p:txBody>
       </p:sp>
       <p:sp>
         <p:nvSpPr>
-          <p:cNvPr id="3" name="Rectangle 13"/>
+          <p:cNvPr id="5" name="Rectangle 3"/>
           <p:cNvSpPr>
             <a:spLocks noChangeArrowheads="1"/>
           </p:cNvSpPr>
@@ -11592,7 +10778,7 @@
         <p:spPr bwMode="auto">
           <a:xfrm>
             <a:off x="540000" y="841276"/>
-            <a:ext cx="8233871" cy="4175876"/>
+            <a:ext cx="8164059" cy="2579668"/>
           </a:xfrm>
           <a:prstGeom prst="rect">
             <a:avLst/>
@@ -11607,12 +10793,12 @@
           <a:effectLst/>
         </p:spPr>
         <p:txBody>
-          <a:bodyPr wrap="square" lIns="70408" tIns="35205" rIns="70408" bIns="35205">
+          <a:bodyPr wrap="square" lIns="62408" tIns="31204" rIns="62408" bIns="31204">
             <a:spAutoFit/>
           </a:bodyPr>
           <a:lstStyle/>
           <a:p>
-            <a:pPr marL="238887" indent="-238887" algn="l" defTabSz="704085">
+            <a:pPr marL="211741" indent="-211741" algn="l" defTabSz="624078">
               <a:lnSpc>
                 <a:spcPct val="120000"/>
               </a:lnSpc>
@@ -11625,33 +10811,60 @@
             </a:r>
           </a:p>
           <a:p>
-            <a:pPr marL="396746" lvl="1" algn="l" defTabSz="704085">
+            <a:pPr marL="351663" lvl="1" algn="just" defTabSz="624078">
               <a:lnSpc>
                 <a:spcPct val="120000"/>
               </a:lnSpc>
             </a:pPr>
             <a:r>
-              <a:rPr lang="pt-PT" sz="2000" i="0" dirty="0">
+              <a:rPr lang="pt-PT" sz="1900" i="0" dirty="0">
                 <a:solidFill>
                   <a:srgbClr val="0033CC"/>
                 </a:solidFill>
               </a:rPr>
-              <a:t>SCO-T1-AVL</a:t>
-            </a:r>
-          </a:p>
-          <a:p>
-            <a:pPr marL="554607" lvl="2" algn="just" defTabSz="704085">
+              <a:t>SCO-T3-AV1 e SCO-T3-AV2</a:t>
+            </a:r>
+          </a:p>
+          <a:p>
+            <a:pPr marL="491586" lvl="2" algn="just" defTabSz="624078">
               <a:lnSpc>
                 <a:spcPct val="120000"/>
               </a:lnSpc>
             </a:pPr>
             <a:r>
               <a:rPr lang="pt-PT" sz="1600" b="0" i="0" dirty="0"/>
+              <a:t>Tópicos avançados de hardware como segurança e encriptação, suporte para virtualização e instruções multimédia, APU e integração de equipamentos, SOC.</a:t>
+            </a:r>
+            <a:endParaRPr lang="pt-PT" sz="1600" b="0" dirty="0"/>
+          </a:p>
+          <a:p>
+            <a:pPr marL="351663" lvl="1" algn="just" defTabSz="624078">
+              <a:lnSpc>
+                <a:spcPct val="120000"/>
+              </a:lnSpc>
+            </a:pPr>
+            <a:r>
+              <a:rPr lang="pt-PT" sz="1900" i="0" dirty="0">
+                <a:solidFill>
+                  <a:srgbClr val="0033CC"/>
+                </a:solidFill>
+              </a:rPr>
+              <a:t>SCO-T2-AVL</a:t>
+            </a:r>
+          </a:p>
+          <a:p>
+            <a:pPr marL="491586" lvl="2" algn="just" defTabSz="624078">
+              <a:lnSpc>
+                <a:spcPct val="120000"/>
+              </a:lnSpc>
+            </a:pPr>
+            <a:r>
+              <a:rPr lang="pt-PT" sz="1600" b="0" i="0" dirty="0"/>
               <a:t>Realização da </a:t>
             </a:r>
             <a:r>
               <a:rPr lang="pt-PT" sz="1600" i="0" dirty="0"/>
-              <a:t>Prova Intermédia de Avaliação</a:t>
+              <a:t>Prova Final de Avaliação</a:t>
             </a:r>
             <a:r>
               <a:rPr lang="pt-PT" sz="1600" b="0" i="0" dirty="0"/>
@@ -11659,7 +10872,7 @@
             </a:r>
           </a:p>
           <a:p>
-            <a:pPr marL="806066" lvl="2" indent="-251459" algn="just" defTabSz="704085">
+            <a:pPr marL="714471" lvl="2" indent="-222885" algn="just" defTabSz="624078">
               <a:lnSpc>
                 <a:spcPct val="120000"/>
               </a:lnSpc>
@@ -11668,11 +10881,11 @@
             </a:pPr>
             <a:r>
               <a:rPr lang="pt-PT" sz="1600" b="0" i="0" dirty="0"/>
-              <a:t>Teórica 50 minutos de duração;</a:t>
-            </a:r>
-          </a:p>
-          <a:p>
-            <a:pPr marL="806066" lvl="2" indent="-251459" algn="just" defTabSz="704085">
+              <a:t>Teórica + Prática com 50 minutos de duração;</a:t>
+            </a:r>
+          </a:p>
+          <a:p>
+            <a:pPr marL="714471" lvl="2" indent="-222885" algn="just" defTabSz="624078">
               <a:lnSpc>
                 <a:spcPct val="120000"/>
               </a:lnSpc>
@@ -11681,105 +10894,23 @@
             </a:pPr>
             <a:r>
               <a:rPr lang="pt-PT" sz="1600" b="0" i="0" dirty="0"/>
-              <a:t>Aula teórica de </a:t>
+              <a:t>Aula(s) teórica(s) de </a:t>
             </a:r>
             <a:r>
               <a:rPr lang="pt-PT" sz="1600" i="0" dirty="0"/>
-              <a:t>sexta</a:t>
+              <a:t>quinta</a:t>
+            </a:r>
+            <a:r>
+              <a:rPr lang="pt-PT" sz="1600" i="0"/>
+              <a:t>, 9 </a:t>
+            </a:r>
+            <a:r>
+              <a:rPr lang="pt-PT" sz="1600" i="0" dirty="0"/>
+              <a:t>de junho</a:t>
             </a:r>
             <a:r>
               <a:rPr lang="pt-PT" sz="1600" b="0" i="0" dirty="0"/>
-              <a:t>,</a:t>
-            </a:r>
-            <a:r>
-              <a:rPr lang="pt-PT" sz="1600" i="0" dirty="0"/>
-              <a:t> 3 de dezembro</a:t>
-            </a:r>
-            <a:r>
-              <a:rPr lang="pt-PT" sz="1600" b="0" i="0" dirty="0"/>
-              <a:t> - Prova Escrita versão A+B.</a:t>
-            </a:r>
-          </a:p>
-          <a:p>
-            <a:pPr marL="396746" lvl="1" algn="l" defTabSz="704085">
-              <a:lnSpc>
-                <a:spcPct val="120000"/>
-              </a:lnSpc>
-            </a:pPr>
-            <a:r>
-              <a:rPr lang="pt-PT" sz="2000" i="0" dirty="0">
-                <a:solidFill>
-                  <a:srgbClr val="0033CC"/>
-                </a:solidFill>
-              </a:rPr>
-              <a:t>SCO-T2-S01, SCO-T2-S02, SCO-T2-S03, SCO-T2-S04, SCO-T2-S05, SCO-T2-S06, SCO-T2-S07 e SCO-T2-S08</a:t>
-            </a:r>
-          </a:p>
-          <a:p>
-            <a:pPr marL="554607" lvl="2" algn="just" defTabSz="704085">
-              <a:lnSpc>
-                <a:spcPct val="120000"/>
-              </a:lnSpc>
-            </a:pPr>
-            <a:r>
-              <a:rPr lang="pt-PT" sz="1600" b="0" i="0" dirty="0"/>
-              <a:t>Assemblagem e ligação de módulos de C, desassemblagem, </a:t>
-            </a:r>
-            <a:r>
-              <a:rPr lang="pt-PT" sz="1600" b="0" dirty="0" err="1"/>
-              <a:t>traps</a:t>
-            </a:r>
-            <a:r>
-              <a:rPr lang="pt-PT" sz="1600" b="0" dirty="0"/>
-              <a:t>, </a:t>
-            </a:r>
-            <a:r>
-              <a:rPr lang="pt-PT" sz="1600" b="0" dirty="0" err="1"/>
-              <a:t>breakpoints</a:t>
-            </a:r>
-            <a:r>
-              <a:rPr lang="pt-PT" sz="1600" b="0" i="0" dirty="0"/>
-              <a:t> e </a:t>
-            </a:r>
-            <a:r>
-              <a:rPr lang="pt-PT" sz="1600" b="0" dirty="0" err="1"/>
-              <a:t>debug</a:t>
-            </a:r>
-            <a:r>
-              <a:rPr lang="pt-PT" sz="1600" b="0" i="0" dirty="0"/>
-              <a:t>, inclusão de código </a:t>
-            </a:r>
-            <a:r>
-              <a:rPr lang="pt-PT" sz="1600" b="0" dirty="0" err="1"/>
-              <a:t>assembly</a:t>
-            </a:r>
-            <a:r>
-              <a:rPr lang="pt-PT" sz="1600" b="0" i="0" dirty="0"/>
-              <a:t> em ficheiros de C. Interligação com sistemas operativos modernos, operações de IO avançadas e protocolos de comunicação, I2C e SPI, </a:t>
-            </a:r>
-            <a:r>
-              <a:rPr lang="pt-PT" sz="1600" b="0" dirty="0"/>
-              <a:t>buses</a:t>
-            </a:r>
-            <a:r>
-              <a:rPr lang="pt-PT" sz="1600" b="0" i="0" dirty="0"/>
-              <a:t> e standards PCI, </a:t>
-            </a:r>
-            <a:r>
-              <a:rPr lang="pt-PT" sz="1600" b="0" i="0" dirty="0" err="1"/>
-              <a:t>PCIe</a:t>
-            </a:r>
-            <a:r>
-              <a:rPr lang="pt-PT" sz="1600" b="0" i="0" dirty="0"/>
-              <a:t>, USB. SATA, IDE, ISA, NVME, comunicação em sistema multiprocessador, NUMA e SMP, coprocessadores, SOC e SIC, cores e </a:t>
-            </a:r>
-            <a:r>
-              <a:rPr lang="pt-PT" sz="1600" b="0" dirty="0" err="1"/>
-              <a:t>threads</a:t>
-            </a:r>
-            <a:r>
-              <a:rPr lang="pt-PT" sz="1600" b="0" i="0" dirty="0"/>
-              <a:t>.</a:t>
+              <a:t> - Prova escrita versão A+B.</a:t>
             </a:r>
           </a:p>
         </p:txBody>
@@ -11787,7 +10918,7 @@
     </p:spTree>
     <p:extLst>
       <p:ext uri="{BB962C8B-B14F-4D97-AF65-F5344CB8AC3E}">
-        <p14:creationId xmlns:p14="http://schemas.microsoft.com/office/powerpoint/2010/main" val="3524921540"/>
+        <p14:creationId xmlns:p14="http://schemas.microsoft.com/office/powerpoint/2010/main" val="3199275345"/>
       </p:ext>
     </p:extLst>
   </p:cSld>
@@ -11831,7 +10962,7 @@
                                           </p:stCondLst>
                                         </p:cTn>
                                         <p:tgtEl>
-                                          <p:spTgt spid="3"/>
+                                          <p:spTgt spid="5"/>
                                         </p:tgtEl>
                                         <p:attrNameLst>
                                           <p:attrName>style.visibility</p:attrName>
@@ -11845,7 +10976,7 @@
                                       <p:cBhvr>
                                         <p:cTn id="7" dur="500"/>
                                         <p:tgtEl>
-                                          <p:spTgt spid="3"/>
+                                          <p:spTgt spid="5"/>
                                         </p:tgtEl>
                                       </p:cBhvr>
                                     </p:animEffect>
@@ -11853,7 +10984,7 @@
                                       <p:cBhvr>
                                         <p:cTn id="8" dur="500" fill="hold"/>
                                         <p:tgtEl>
-                                          <p:spTgt spid="3"/>
+                                          <p:spTgt spid="5"/>
                                         </p:tgtEl>
                                         <p:attrNameLst>
                                           <p:attrName>ppt_x</p:attrName>
@@ -11876,7 +11007,7 @@
                                       <p:cBhvr>
                                         <p:cTn id="9" dur="500" fill="hold"/>
                                         <p:tgtEl>
-                                          <p:spTgt spid="3"/>
+                                          <p:spTgt spid="5"/>
                                         </p:tgtEl>
                                         <p:attrNameLst>
                                           <p:attrName>ppt_y</p:attrName>
@@ -11926,7 +11057,7 @@
       </p:par>
     </p:tnLst>
     <p:bldLst>
-      <p:bldP spid="3" grpId="0"/>
+      <p:bldP spid="5" grpId="0"/>
     </p:bldLst>
   </p:timing>
 </p:sld>

--- a/aulas/t/SCO-T0-INT.pptx
+++ b/aulas/t/SCO-T0-INT.pptx
@@ -5,10 +5,10 @@
     <p:sldMasterId id="2147483648" r:id="rId1"/>
   </p:sldMasterIdLst>
   <p:notesMasterIdLst>
-    <p:notesMasterId r:id="rId15"/>
+    <p:notesMasterId r:id="rId16"/>
   </p:notesMasterIdLst>
   <p:handoutMasterIdLst>
-    <p:handoutMasterId r:id="rId16"/>
+    <p:handoutMasterId r:id="rId17"/>
   </p:handoutMasterIdLst>
   <p:sldIdLst>
     <p:sldId id="256" r:id="rId2"/>
@@ -17,13 +17,14 @@
     <p:sldId id="395" r:id="rId5"/>
     <p:sldId id="380" r:id="rId6"/>
     <p:sldId id="382" r:id="rId7"/>
-    <p:sldId id="383" r:id="rId8"/>
-    <p:sldId id="386" r:id="rId9"/>
-    <p:sldId id="394" r:id="rId10"/>
-    <p:sldId id="385" r:id="rId11"/>
-    <p:sldId id="397" r:id="rId12"/>
-    <p:sldId id="399" r:id="rId13"/>
-    <p:sldId id="398" r:id="rId14"/>
+    <p:sldId id="400" r:id="rId8"/>
+    <p:sldId id="383" r:id="rId9"/>
+    <p:sldId id="386" r:id="rId10"/>
+    <p:sldId id="394" r:id="rId11"/>
+    <p:sldId id="385" r:id="rId12"/>
+    <p:sldId id="397" r:id="rId13"/>
+    <p:sldId id="399" r:id="rId14"/>
+    <p:sldId id="398" r:id="rId15"/>
   </p:sldIdLst>
   <p:sldSz cx="9144000" cy="5715000" type="screen16x10"/>
   <p:notesSz cx="7102475" cy="10233025"/>
@@ -1120,11 +1121,6 @@
         </p:txBody>
       </p:sp>
     </p:spTree>
-    <p:extLst>
-      <p:ext uri="{BB962C8B-B14F-4D97-AF65-F5344CB8AC3E}">
-        <p14:creationId xmlns:p14="http://schemas.microsoft.com/office/powerpoint/2010/main" val="1530444909"/>
-      </p:ext>
-    </p:extLst>
   </p:cSld>
   <p:clrMapOvr>
     <a:masterClrMapping/>
@@ -1215,7 +1211,7 @@
     </p:spTree>
     <p:extLst>
       <p:ext uri="{BB962C8B-B14F-4D97-AF65-F5344CB8AC3E}">
-        <p14:creationId xmlns:p14="http://schemas.microsoft.com/office/powerpoint/2010/main" val="2838076990"/>
+        <p14:creationId xmlns:p14="http://schemas.microsoft.com/office/powerpoint/2010/main" val="1530444909"/>
       </p:ext>
     </p:extLst>
   </p:cSld>
@@ -1259,10 +1255,103 @@
           <a:bodyPr/>
           <a:lstStyle/>
           <a:p>
+            <a:fld id="{8E79CF69-099A-4323-ABAD-2A1E82F62D20}" type="slidenum">
+              <a:rPr lang="en-GB"/>
+              <a:pPr/>
+              <a:t>13</a:t>
+            </a:fld>
+            <a:endParaRPr lang="en-GB" dirty="0"/>
+          </a:p>
+        </p:txBody>
+      </p:sp>
+      <p:sp>
+        <p:nvSpPr>
+          <p:cNvPr id="149506" name="Rectangle 2"/>
+          <p:cNvSpPr>
+            <a:spLocks noGrp="1" noRot="1" noChangeAspect="1" noChangeArrowheads="1" noTextEdit="1"/>
+          </p:cNvSpPr>
+          <p:nvPr>
+            <p:ph type="sldImg"/>
+          </p:nvPr>
+        </p:nvSpPr>
+        <p:spPr>
+          <a:xfrm>
+            <a:off x="479425" y="765175"/>
+            <a:ext cx="6145213" cy="3841750"/>
+          </a:xfrm>
+          <a:ln/>
+        </p:spPr>
+      </p:sp>
+      <p:sp>
+        <p:nvSpPr>
+          <p:cNvPr id="149507" name="Rectangle 3"/>
+          <p:cNvSpPr>
+            <a:spLocks noGrp="1" noChangeArrowheads="1"/>
+          </p:cNvSpPr>
+          <p:nvPr>
+            <p:ph type="body" idx="1"/>
+          </p:nvPr>
+        </p:nvSpPr>
+        <p:spPr/>
+        <p:txBody>
+          <a:bodyPr/>
+          <a:lstStyle/>
+          <a:p>
+            <a:endParaRPr lang="en-GB" dirty="0"/>
+          </a:p>
+        </p:txBody>
+      </p:sp>
+    </p:spTree>
+    <p:extLst>
+      <p:ext uri="{BB962C8B-B14F-4D97-AF65-F5344CB8AC3E}">
+        <p14:creationId xmlns:p14="http://schemas.microsoft.com/office/powerpoint/2010/main" val="2838076990"/>
+      </p:ext>
+    </p:extLst>
+  </p:cSld>
+  <p:clrMapOvr>
+    <a:masterClrMapping/>
+  </p:clrMapOvr>
+</p:notes>
+</file>
+
+<file path=ppt/notesSlides/notesSlide14.xml><?xml version="1.0" encoding="utf-8"?>
+<p:notes xmlns:a="http://schemas.openxmlformats.org/drawingml/2006/main" xmlns:r="http://schemas.openxmlformats.org/officeDocument/2006/relationships" xmlns:p="http://schemas.openxmlformats.org/presentationml/2006/main">
+  <p:cSld>
+    <p:spTree>
+      <p:nvGrpSpPr>
+        <p:cNvPr id="1" name=""/>
+        <p:cNvGrpSpPr/>
+        <p:nvPr/>
+      </p:nvGrpSpPr>
+      <p:grpSpPr>
+        <a:xfrm>
+          <a:off x="0" y="0"/>
+          <a:ext cx="0" cy="0"/>
+          <a:chOff x="0" y="0"/>
+          <a:chExt cx="0" cy="0"/>
+        </a:xfrm>
+      </p:grpSpPr>
+      <p:sp>
+        <p:nvSpPr>
+          <p:cNvPr id="7" name="Rectangle 7"/>
+          <p:cNvSpPr>
+            <a:spLocks noGrp="1" noChangeArrowheads="1"/>
+          </p:cNvSpPr>
+          <p:nvPr>
+            <p:ph type="sldNum" sz="quarter" idx="5"/>
+          </p:nvPr>
+        </p:nvSpPr>
+        <p:spPr>
+          <a:ln/>
+        </p:spPr>
+        <p:txBody>
+          <a:bodyPr/>
+          <a:lstStyle/>
+          <a:p>
             <a:fld id="{FD2305D1-531D-4CEF-BD3D-05CF1AF8F416}" type="slidenum">
               <a:rPr lang="en-GB"/>
               <a:pPr/>
-              <a:t>13</a:t>
+              <a:t>14</a:t>
             </a:fld>
             <a:endParaRPr lang="en-GB" dirty="0"/>
           </a:p>
@@ -1837,6 +1926,11 @@
         </p:txBody>
       </p:sp>
     </p:spTree>
+    <p:extLst>
+      <p:ext uri="{BB962C8B-B14F-4D97-AF65-F5344CB8AC3E}">
+        <p14:creationId xmlns:p14="http://schemas.microsoft.com/office/powerpoint/2010/main" val="1159505825"/>
+      </p:ext>
+    </p:extLst>
   </p:cSld>
   <p:clrMapOvr>
     <a:masterClrMapping/>
@@ -4993,18 +5087,12 @@
               </a:rPr>
               <a:t>Programa Previsto</a:t>
             </a:r>
-            <a:endParaRPr lang="pt-PT" sz="2000" b="1" i="1" dirty="0">
-              <a:solidFill>
-                <a:srgbClr val="FF0000"/>
-              </a:solidFill>
-              <a:latin typeface="Arial" charset="0"/>
-            </a:endParaRPr>
           </a:p>
         </p:txBody>
       </p:sp>
       <p:sp>
         <p:nvSpPr>
-          <p:cNvPr id="3" name="Rectangle 13"/>
+          <p:cNvPr id="5" name="Rectangle 3"/>
           <p:cNvSpPr>
             <a:spLocks noChangeArrowheads="1"/>
           </p:cNvSpPr>
@@ -5013,7 +5101,7 @@
         <p:spPr bwMode="auto">
           <a:xfrm>
             <a:off x="540000" y="841276"/>
-            <a:ext cx="8233871" cy="3049413"/>
+            <a:ext cx="8164059" cy="2579668"/>
           </a:xfrm>
           <a:prstGeom prst="rect">
             <a:avLst/>
@@ -5028,12 +5116,12 @@
           <a:effectLst/>
         </p:spPr>
         <p:txBody>
-          <a:bodyPr wrap="square" lIns="70408" tIns="35205" rIns="70408" bIns="35205">
+          <a:bodyPr wrap="square" lIns="62408" tIns="31204" rIns="62408" bIns="31204">
             <a:spAutoFit/>
           </a:bodyPr>
           <a:lstStyle/>
           <a:p>
-            <a:pPr marL="238887" indent="-238887" algn="l" defTabSz="704085">
+            <a:pPr marL="211741" indent="-211741" algn="l" defTabSz="624078">
               <a:lnSpc>
                 <a:spcPct val="120000"/>
               </a:lnSpc>
@@ -5042,109 +5130,118 @@
             </a:pPr>
             <a:r>
               <a:rPr lang="pt-PT" sz="2000" b="0" i="0" dirty="0"/>
-              <a:t>Prática (13 ou 15 aulas de 2h):</a:t>
-            </a:r>
-          </a:p>
-          <a:p>
-            <a:pPr marL="396746" lvl="1" algn="l" defTabSz="704085">
+              <a:t>Teórica (continuação):</a:t>
+            </a:r>
+          </a:p>
+          <a:p>
+            <a:pPr marL="351663" lvl="1" algn="just" defTabSz="624078">
               <a:lnSpc>
                 <a:spcPct val="120000"/>
               </a:lnSpc>
             </a:pPr>
             <a:r>
-              <a:rPr lang="pt-PT" sz="2100" i="0" dirty="0">
+              <a:rPr lang="pt-PT" sz="1900" i="0" dirty="0">
                 <a:solidFill>
                   <a:srgbClr val="0033CC"/>
                 </a:solidFill>
               </a:rPr>
-              <a:t>SCO-P01S1 e SCO-P02-S2</a:t>
-            </a:r>
-            <a:endParaRPr lang="pt-PT" sz="1600" i="0" dirty="0">
-              <a:solidFill>
-                <a:srgbClr val="0033CC"/>
-              </a:solidFill>
-            </a:endParaRPr>
-          </a:p>
-          <a:p>
-            <a:pPr marL="789302" lvl="2" indent="-234695" algn="just" defTabSz="704085">
+              <a:t>SCO-T3-AV1 e SCO-T3-AV2</a:t>
+            </a:r>
+          </a:p>
+          <a:p>
+            <a:pPr marL="491586" lvl="2" algn="just" defTabSz="624078">
               <a:lnSpc>
                 <a:spcPct val="120000"/>
               </a:lnSpc>
             </a:pPr>
             <a:r>
               <a:rPr lang="pt-PT" sz="1600" b="0" i="0" dirty="0"/>
-              <a:t>Sistemas digitais, lógica booleana e representação de dados, circuitos digitais.</a:t>
-            </a:r>
-          </a:p>
-          <a:p>
-            <a:pPr marL="396746" lvl="1" algn="l" defTabSz="704085">
+              <a:t>Tópicos avançados de hardware como segurança e encriptação, suporte para virtualização e instruções multimédia, APU e integração de equipamentos, SOC.</a:t>
+            </a:r>
+            <a:endParaRPr lang="pt-PT" sz="1600" b="0" dirty="0"/>
+          </a:p>
+          <a:p>
+            <a:pPr marL="351663" lvl="1" algn="just" defTabSz="624078">
               <a:lnSpc>
                 <a:spcPct val="120000"/>
               </a:lnSpc>
             </a:pPr>
             <a:r>
-              <a:rPr lang="pt-PT" sz="2100" i="0" dirty="0">
+              <a:rPr lang="pt-PT" sz="1900" i="0" dirty="0">
                 <a:solidFill>
                   <a:srgbClr val="0033CC"/>
                 </a:solidFill>
               </a:rPr>
-              <a:t>SCO-P03-A1, SCO-P04-A2, SCO-P05-A3, SCO-P06-A4 e SCO-P07-A5</a:t>
-            </a:r>
-          </a:p>
-          <a:p>
-            <a:pPr marL="539750" lvl="2" algn="just" defTabSz="624078">
+              <a:t>SCO-T2-AVL</a:t>
+            </a:r>
+          </a:p>
+          <a:p>
+            <a:pPr marL="491586" lvl="2" algn="just" defTabSz="624078">
               <a:lnSpc>
                 <a:spcPct val="120000"/>
               </a:lnSpc>
             </a:pPr>
             <a:r>
-              <a:rPr lang="pt-PT" sz="1600" b="0" dirty="0" err="1"/>
-              <a:t>Assembly</a:t>
-            </a:r>
-            <a:r>
               <a:rPr lang="pt-PT" sz="1600" b="0" i="0" dirty="0"/>
-              <a:t>, </a:t>
-            </a:r>
-            <a:r>
-              <a:rPr lang="pt-PT" sz="1600" b="0" dirty="0" err="1"/>
-              <a:t>labels</a:t>
+              <a:t>Realização da </a:t>
+            </a:r>
+            <a:r>
+              <a:rPr lang="pt-PT" sz="1600" i="0" dirty="0"/>
+              <a:t>Prova Final de Avaliação</a:t>
             </a:r>
             <a:r>
               <a:rPr lang="pt-PT" sz="1600" b="0" i="0" dirty="0"/>
-              <a:t> e comentários, assemblagem e código máquina, aritmética, saltos condicionais e implementação de estruturas condicionais. Endereçamento e operações de blocos, macros e </a:t>
-            </a:r>
-            <a:r>
-              <a:rPr lang="pt-PT" sz="1600" b="0" i="0" dirty="0" err="1"/>
-              <a:t>subrotinas</a:t>
-            </a:r>
+              <a:t>:</a:t>
+            </a:r>
+          </a:p>
+          <a:p>
+            <a:pPr marL="714471" lvl="2" indent="-222885" algn="just" defTabSz="624078">
+              <a:lnSpc>
+                <a:spcPct val="120000"/>
+              </a:lnSpc>
+              <a:buFont typeface="Wingdings" panose="05000000000000000000" pitchFamily="2" charset="2"/>
+              <a:buChar char="Ø"/>
+            </a:pPr>
             <a:r>
               <a:rPr lang="pt-PT" sz="1600" b="0" i="0" dirty="0"/>
-              <a:t>, passagem de parâmetros por registo e </a:t>
-            </a:r>
-            <a:r>
-              <a:rPr lang="pt-PT" sz="1600" b="0" dirty="0" err="1"/>
-              <a:t>frame</a:t>
-            </a:r>
-            <a:r>
-              <a:rPr lang="pt-PT" sz="1600" b="0" dirty="0"/>
-              <a:t> </a:t>
-            </a:r>
-            <a:r>
-              <a:rPr lang="pt-PT" sz="1600" b="0" dirty="0" err="1"/>
-              <a:t>pointer</a:t>
-            </a:r>
-            <a:r>
-              <a:rPr lang="pt-PT" sz="1600" b="0" dirty="0"/>
-              <a:t>.</a:t>
-            </a:r>
-            <a:endParaRPr lang="pt-PT" sz="1600" b="0" i="0" dirty="0"/>
+              <a:t>Teórica + Prática com 50 minutos de duração;</a:t>
+            </a:r>
+          </a:p>
+          <a:p>
+            <a:pPr marL="714471" lvl="2" indent="-222885" algn="just" defTabSz="624078">
+              <a:lnSpc>
+                <a:spcPct val="120000"/>
+              </a:lnSpc>
+              <a:buFont typeface="Wingdings" panose="05000000000000000000" pitchFamily="2" charset="2"/>
+              <a:buChar char="Ø"/>
+            </a:pPr>
+            <a:r>
+              <a:rPr lang="pt-PT" sz="1600" b="0" i="0" dirty="0"/>
+              <a:t>Aula(s) teórica(s) de </a:t>
+            </a:r>
+            <a:r>
+              <a:rPr lang="pt-PT" sz="1600" i="0" dirty="0"/>
+              <a:t>quinta</a:t>
+            </a:r>
+            <a:r>
+              <a:rPr lang="pt-PT" sz="1600" i="0"/>
+              <a:t>, 9 </a:t>
+            </a:r>
+            <a:r>
+              <a:rPr lang="pt-PT" sz="1600" i="0" dirty="0"/>
+              <a:t>de junho</a:t>
+            </a:r>
+            <a:r>
+              <a:rPr lang="pt-PT" sz="1600" b="0" i="0" dirty="0"/>
+              <a:t> - Prova escrita versão A+B.</a:t>
+            </a:r>
           </a:p>
         </p:txBody>
       </p:sp>
     </p:spTree>
     <p:extLst>
       <p:ext uri="{BB962C8B-B14F-4D97-AF65-F5344CB8AC3E}">
-        <p14:creationId xmlns:p14="http://schemas.microsoft.com/office/powerpoint/2010/main" val="2590887067"/>
+        <p14:creationId xmlns:p14="http://schemas.microsoft.com/office/powerpoint/2010/main" val="3199275345"/>
       </p:ext>
     </p:extLst>
   </p:cSld>
@@ -5188,7 +5285,7 @@
                                           </p:stCondLst>
                                         </p:cTn>
                                         <p:tgtEl>
-                                          <p:spTgt spid="3"/>
+                                          <p:spTgt spid="5"/>
                                         </p:tgtEl>
                                         <p:attrNameLst>
                                           <p:attrName>style.visibility</p:attrName>
@@ -5202,7 +5299,7 @@
                                       <p:cBhvr>
                                         <p:cTn id="7" dur="500"/>
                                         <p:tgtEl>
-                                          <p:spTgt spid="3"/>
+                                          <p:spTgt spid="5"/>
                                         </p:tgtEl>
                                       </p:cBhvr>
                                     </p:animEffect>
@@ -5210,7 +5307,7 @@
                                       <p:cBhvr>
                                         <p:cTn id="8" dur="500" fill="hold"/>
                                         <p:tgtEl>
-                                          <p:spTgt spid="3"/>
+                                          <p:spTgt spid="5"/>
                                         </p:tgtEl>
                                         <p:attrNameLst>
                                           <p:attrName>ppt_x</p:attrName>
@@ -5233,7 +5330,7 @@
                                       <p:cBhvr>
                                         <p:cTn id="9" dur="500" fill="hold"/>
                                         <p:tgtEl>
-                                          <p:spTgt spid="3"/>
+                                          <p:spTgt spid="5"/>
                                         </p:tgtEl>
                                         <p:attrNameLst>
                                           <p:attrName>ppt_y</p:attrName>
@@ -5283,7 +5380,7 @@
       </p:par>
     </p:tnLst>
     <p:bldLst>
-      <p:bldP spid="3" grpId="0"/>
+      <p:bldP spid="5" grpId="0"/>
     </p:bldLst>
   </p:timing>
 </p:sld>
@@ -5386,7 +5483,7 @@
         <p:spPr bwMode="auto">
           <a:xfrm>
             <a:off x="540000" y="841276"/>
-            <a:ext cx="8233871" cy="3437212"/>
+            <a:ext cx="8233871" cy="3049413"/>
           </a:xfrm>
           <a:prstGeom prst="rect">
             <a:avLst/>
@@ -5415,9 +5512,8 @@
             </a:pPr>
             <a:r>
               <a:rPr lang="pt-PT" sz="2000" b="0" i="0" dirty="0"/>
-              <a:t>Prática (continuação):</a:t>
-            </a:r>
-            <a:endParaRPr lang="pt-PT" sz="1600" b="0" dirty="0"/>
+              <a:t>Prática (13 ou 15 aulas de 2h):</a:t>
+            </a:r>
           </a:p>
           <a:p>
             <a:pPr marL="396746" lvl="1" algn="l" defTabSz="704085">
@@ -5431,46 +5527,23 @@
                   <a:srgbClr val="0033CC"/>
                 </a:solidFill>
               </a:rPr>
-              <a:t>SCO-P08-L1, SCO-P09-L2, SCO-P10-L3, SCO-P11-L4 e SCO-P12-L5</a:t>
-            </a:r>
-          </a:p>
-          <a:p>
-            <a:pPr marL="539750" lvl="2" algn="just" defTabSz="704085">
+              <a:t>SCO-P01S1 e SCO-P02-S2</a:t>
+            </a:r>
+            <a:endParaRPr lang="pt-PT" sz="1600" i="0" dirty="0">
+              <a:solidFill>
+                <a:srgbClr val="0033CC"/>
+              </a:solidFill>
+            </a:endParaRPr>
+          </a:p>
+          <a:p>
+            <a:pPr marL="789302" lvl="2" indent="-234695" algn="just" defTabSz="704085">
               <a:lnSpc>
                 <a:spcPct val="120000"/>
               </a:lnSpc>
             </a:pPr>
             <a:r>
-              <a:rPr lang="pt-PT" sz="1600" b="0" dirty="0" err="1"/>
-              <a:t>Assembly</a:t>
-            </a:r>
-            <a:r>
               <a:rPr lang="pt-PT" sz="1600" b="0" i="0" dirty="0"/>
-              <a:t> e linguagem C, integração com sistema físicos e sistemas operativos modernos, passagem de parâmetros por memoria associada e </a:t>
-            </a:r>
-            <a:r>
-              <a:rPr lang="pt-PT" sz="1600" b="0" dirty="0" err="1"/>
-              <a:t>frame</a:t>
-            </a:r>
-            <a:r>
-              <a:rPr lang="pt-PT" sz="1600" b="0" dirty="0"/>
-              <a:t> </a:t>
-            </a:r>
-            <a:r>
-              <a:rPr lang="pt-PT" sz="1600" b="0" dirty="0" err="1"/>
-              <a:t>pointer</a:t>
-            </a:r>
-            <a:r>
-              <a:rPr lang="pt-PT" sz="1600" b="0" i="0" dirty="0"/>
-              <a:t> (</a:t>
-            </a:r>
-            <a:r>
-              <a:rPr lang="pt-PT" sz="1600" b="0" dirty="0" err="1"/>
-              <a:t>stack</a:t>
-            </a:r>
-            <a:r>
-              <a:rPr lang="pt-PT" sz="1600" b="0" i="0" dirty="0"/>
-              <a:t>).</a:t>
+              <a:t>Sistemas digitais, lógica booleana e representação de dados, circuitos digitais.</a:t>
             </a:r>
           </a:p>
           <a:p>
@@ -5485,60 +5558,63 @@
                   <a:srgbClr val="0033CC"/>
                 </a:solidFill>
               </a:rPr>
-              <a:t>SCO-P13-I1</a:t>
-            </a:r>
-          </a:p>
-          <a:p>
-            <a:pPr marL="539750" lvl="2" algn="just" defTabSz="704085">
+              <a:t>SCO-P03-A1, SCO-P04-A2, SCO-P05-A3, SCO-P06-A4 e SCO-P07-A5</a:t>
+            </a:r>
+          </a:p>
+          <a:p>
+            <a:pPr marL="539750" lvl="2" algn="just" defTabSz="624078">
               <a:lnSpc>
                 <a:spcPct val="120000"/>
               </a:lnSpc>
             </a:pPr>
             <a:r>
+              <a:rPr lang="pt-PT" sz="1600" b="0" dirty="0" err="1"/>
+              <a:t>Assembly</a:t>
+            </a:r>
+            <a:r>
               <a:rPr lang="pt-PT" sz="1600" b="0" i="0" dirty="0"/>
-              <a:t>I/O e controlo de sistemas. Comunicação entre dispositivos.</a:t>
-            </a:r>
-          </a:p>
-          <a:p>
-            <a:pPr marL="396746" lvl="1" algn="l" defTabSz="704085">
-              <a:lnSpc>
-                <a:spcPct val="120000"/>
-              </a:lnSpc>
-            </a:pPr>
-            <a:r>
-              <a:rPr lang="pt-PT" sz="2100" i="0" dirty="0">
-                <a:solidFill>
-                  <a:srgbClr val="0033CC"/>
-                </a:solidFill>
-              </a:rPr>
-              <a:t>SCO-P14-P1 e SCO-P15-P2</a:t>
-            </a:r>
-          </a:p>
-          <a:p>
-            <a:pPr marL="539750" lvl="2" algn="just" defTabSz="704085">
-              <a:lnSpc>
-                <a:spcPct val="120000"/>
-              </a:lnSpc>
-            </a:pPr>
+              <a:t>, </a:t>
+            </a:r>
+            <a:r>
+              <a:rPr lang="pt-PT" sz="1600" b="0" dirty="0" err="1"/>
+              <a:t>labels</a:t>
+            </a:r>
             <a:r>
               <a:rPr lang="pt-PT" sz="1600" b="0" i="0" dirty="0"/>
-              <a:t>Desenvolvimento de trabalhos em outras arquiteturas, com PC e </a:t>
+              <a:t> e comentários, assemblagem e código máquina, aritmética, saltos condicionais e implementação de estruturas condicionais. Endereçamento e operações de blocos, macros e </a:t>
             </a:r>
             <a:r>
               <a:rPr lang="pt-PT" sz="1600" b="0" i="0" dirty="0" err="1"/>
-              <a:t>PICs</a:t>
+              <a:t>subrotinas</a:t>
             </a:r>
             <a:r>
               <a:rPr lang="pt-PT" sz="1600" b="0" i="0" dirty="0"/>
+              <a:t>, passagem de parâmetros por registo e </a:t>
+            </a:r>
+            <a:r>
+              <a:rPr lang="pt-PT" sz="1600" b="0" dirty="0" err="1"/>
+              <a:t>frame</a:t>
+            </a:r>
+            <a:r>
+              <a:rPr lang="pt-PT" sz="1600" b="0" dirty="0"/>
+              <a:t> </a:t>
+            </a:r>
+            <a:r>
+              <a:rPr lang="pt-PT" sz="1600" b="0" dirty="0" err="1"/>
+              <a:t>pointer</a:t>
+            </a:r>
+            <a:r>
+              <a:rPr lang="pt-PT" sz="1600" b="0" dirty="0"/>
               <a:t>.</a:t>
             </a:r>
+            <a:endParaRPr lang="pt-PT" sz="1600" b="0" i="0" dirty="0"/>
           </a:p>
         </p:txBody>
       </p:sp>
     </p:spTree>
     <p:extLst>
       <p:ext uri="{BB962C8B-B14F-4D97-AF65-F5344CB8AC3E}">
-        <p14:creationId xmlns:p14="http://schemas.microsoft.com/office/powerpoint/2010/main" val="3539033521"/>
+        <p14:creationId xmlns:p14="http://schemas.microsoft.com/office/powerpoint/2010/main" val="2590887067"/>
       </p:ext>
     </p:extLst>
   </p:cSld>
@@ -5758,6 +5834,400 @@
                 </a:solidFill>
                 <a:latin typeface="Arial" charset="0"/>
               </a:rPr>
+              <a:t>Programa Previsto</a:t>
+            </a:r>
+            <a:endParaRPr lang="pt-PT" sz="2000" b="1" i="1" dirty="0">
+              <a:solidFill>
+                <a:srgbClr val="FF0000"/>
+              </a:solidFill>
+              <a:latin typeface="Arial" charset="0"/>
+            </a:endParaRPr>
+          </a:p>
+        </p:txBody>
+      </p:sp>
+      <p:sp>
+        <p:nvSpPr>
+          <p:cNvPr id="3" name="Rectangle 13"/>
+          <p:cNvSpPr>
+            <a:spLocks noChangeArrowheads="1"/>
+          </p:cNvSpPr>
+          <p:nvPr/>
+        </p:nvSpPr>
+        <p:spPr bwMode="auto">
+          <a:xfrm>
+            <a:off x="540000" y="841276"/>
+            <a:ext cx="8233871" cy="3437212"/>
+          </a:xfrm>
+          <a:prstGeom prst="rect">
+            <a:avLst/>
+          </a:prstGeom>
+          <a:noFill/>
+          <a:ln w="9525">
+            <a:noFill/>
+            <a:miter lim="800000"/>
+            <a:headEnd/>
+            <a:tailEnd/>
+          </a:ln>
+          <a:effectLst/>
+        </p:spPr>
+        <p:txBody>
+          <a:bodyPr wrap="square" lIns="70408" tIns="35205" rIns="70408" bIns="35205">
+            <a:spAutoFit/>
+          </a:bodyPr>
+          <a:lstStyle/>
+          <a:p>
+            <a:pPr marL="238887" indent="-238887" algn="l" defTabSz="704085">
+              <a:lnSpc>
+                <a:spcPct val="120000"/>
+              </a:lnSpc>
+              <a:buFont typeface="Wingdings" pitchFamily="2" charset="2"/>
+              <a:buChar char="Ø"/>
+            </a:pPr>
+            <a:r>
+              <a:rPr lang="pt-PT" sz="2000" b="0" i="0" dirty="0"/>
+              <a:t>Prática (continuação):</a:t>
+            </a:r>
+            <a:endParaRPr lang="pt-PT" sz="1600" b="0" dirty="0"/>
+          </a:p>
+          <a:p>
+            <a:pPr marL="396746" lvl="1" algn="l" defTabSz="704085">
+              <a:lnSpc>
+                <a:spcPct val="120000"/>
+              </a:lnSpc>
+            </a:pPr>
+            <a:r>
+              <a:rPr lang="pt-PT" sz="2100" i="0" dirty="0">
+                <a:solidFill>
+                  <a:srgbClr val="0033CC"/>
+                </a:solidFill>
+              </a:rPr>
+              <a:t>SCO-P08-L1, SCO-P09-L2, SCO-P10-L3, SCO-P11-L4 e SCO-P12-L5</a:t>
+            </a:r>
+          </a:p>
+          <a:p>
+            <a:pPr marL="539750" lvl="2" algn="just" defTabSz="704085">
+              <a:lnSpc>
+                <a:spcPct val="120000"/>
+              </a:lnSpc>
+            </a:pPr>
+            <a:r>
+              <a:rPr lang="pt-PT" sz="1600" b="0" dirty="0" err="1"/>
+              <a:t>Assembly</a:t>
+            </a:r>
+            <a:r>
+              <a:rPr lang="pt-PT" sz="1600" b="0" i="0" dirty="0"/>
+              <a:t> e linguagem C, integração com sistema físicos e sistemas operativos modernos, passagem de parâmetros por memoria associada e </a:t>
+            </a:r>
+            <a:r>
+              <a:rPr lang="pt-PT" sz="1600" b="0" dirty="0" err="1"/>
+              <a:t>frame</a:t>
+            </a:r>
+            <a:r>
+              <a:rPr lang="pt-PT" sz="1600" b="0" dirty="0"/>
+              <a:t> </a:t>
+            </a:r>
+            <a:r>
+              <a:rPr lang="pt-PT" sz="1600" b="0" dirty="0" err="1"/>
+              <a:t>pointer</a:t>
+            </a:r>
+            <a:r>
+              <a:rPr lang="pt-PT" sz="1600" b="0" i="0" dirty="0"/>
+              <a:t> (</a:t>
+            </a:r>
+            <a:r>
+              <a:rPr lang="pt-PT" sz="1600" b="0" dirty="0" err="1"/>
+              <a:t>stack</a:t>
+            </a:r>
+            <a:r>
+              <a:rPr lang="pt-PT" sz="1600" b="0" i="0" dirty="0"/>
+              <a:t>).</a:t>
+            </a:r>
+          </a:p>
+          <a:p>
+            <a:pPr marL="396746" lvl="1" algn="l" defTabSz="704085">
+              <a:lnSpc>
+                <a:spcPct val="120000"/>
+              </a:lnSpc>
+            </a:pPr>
+            <a:r>
+              <a:rPr lang="pt-PT" sz="2100" i="0" dirty="0">
+                <a:solidFill>
+                  <a:srgbClr val="0033CC"/>
+                </a:solidFill>
+              </a:rPr>
+              <a:t>SCO-P13-I1</a:t>
+            </a:r>
+          </a:p>
+          <a:p>
+            <a:pPr marL="539750" lvl="2" algn="just" defTabSz="704085">
+              <a:lnSpc>
+                <a:spcPct val="120000"/>
+              </a:lnSpc>
+            </a:pPr>
+            <a:r>
+              <a:rPr lang="pt-PT" sz="1600" b="0" i="0" dirty="0"/>
+              <a:t>I/O e controlo de sistemas. Comunicação entre dispositivos.</a:t>
+            </a:r>
+          </a:p>
+          <a:p>
+            <a:pPr marL="396746" lvl="1" algn="l" defTabSz="704085">
+              <a:lnSpc>
+                <a:spcPct val="120000"/>
+              </a:lnSpc>
+            </a:pPr>
+            <a:r>
+              <a:rPr lang="pt-PT" sz="2100" i="0" dirty="0">
+                <a:solidFill>
+                  <a:srgbClr val="0033CC"/>
+                </a:solidFill>
+              </a:rPr>
+              <a:t>SCO-P14-P1 e SCO-P15-P2</a:t>
+            </a:r>
+          </a:p>
+          <a:p>
+            <a:pPr marL="539750" lvl="2" algn="just" defTabSz="704085">
+              <a:lnSpc>
+                <a:spcPct val="120000"/>
+              </a:lnSpc>
+            </a:pPr>
+            <a:r>
+              <a:rPr lang="pt-PT" sz="1600" b="0" i="0" dirty="0"/>
+              <a:t>Desenvolvimento de trabalhos em outras arquiteturas, com PC e </a:t>
+            </a:r>
+            <a:r>
+              <a:rPr lang="pt-PT" sz="1600" b="0" i="0" dirty="0" err="1"/>
+              <a:t>PICs</a:t>
+            </a:r>
+            <a:r>
+              <a:rPr lang="pt-PT" sz="1600" b="0" i="0" dirty="0"/>
+              <a:t>.</a:t>
+            </a:r>
+          </a:p>
+        </p:txBody>
+      </p:sp>
+    </p:spTree>
+    <p:extLst>
+      <p:ext uri="{BB962C8B-B14F-4D97-AF65-F5344CB8AC3E}">
+        <p14:creationId xmlns:p14="http://schemas.microsoft.com/office/powerpoint/2010/main" val="3539033521"/>
+      </p:ext>
+    </p:extLst>
+  </p:cSld>
+  <p:clrMapOvr>
+    <a:masterClrMapping/>
+  </p:clrMapOvr>
+  <p:timing>
+    <p:tnLst>
+      <p:par>
+        <p:cTn id="1" dur="indefinite" restart="never" nodeType="tmRoot">
+          <p:childTnLst>
+            <p:seq concurrent="1" nextAc="seek">
+              <p:cTn id="2" dur="indefinite" nodeType="mainSeq">
+                <p:childTnLst>
+                  <p:par>
+                    <p:cTn id="3" fill="hold">
+                      <p:stCondLst>
+                        <p:cond delay="indefinite"/>
+                        <p:cond evt="onBegin" delay="0">
+                          <p:tn val="2"/>
+                        </p:cond>
+                      </p:stCondLst>
+                      <p:childTnLst>
+                        <p:par>
+                          <p:cTn id="4" fill="hold">
+                            <p:stCondLst>
+                              <p:cond delay="0"/>
+                            </p:stCondLst>
+                            <p:childTnLst>
+                              <p:par>
+                                <p:cTn id="5" presetID="42" presetClass="entr" presetSubtype="0" fill="hold" grpId="0" nodeType="afterEffect">
+                                  <p:stCondLst>
+                                    <p:cond delay="0"/>
+                                  </p:stCondLst>
+                                  <p:childTnLst>
+                                    <p:set>
+                                      <p:cBhvr>
+                                        <p:cTn id="6" dur="1" fill="hold">
+                                          <p:stCondLst>
+                                            <p:cond delay="0"/>
+                                          </p:stCondLst>
+                                        </p:cTn>
+                                        <p:tgtEl>
+                                          <p:spTgt spid="3"/>
+                                        </p:tgtEl>
+                                        <p:attrNameLst>
+                                          <p:attrName>style.visibility</p:attrName>
+                                        </p:attrNameLst>
+                                      </p:cBhvr>
+                                      <p:to>
+                                        <p:strVal val="visible"/>
+                                      </p:to>
+                                    </p:set>
+                                    <p:animEffect transition="in" filter="fade">
+                                      <p:cBhvr>
+                                        <p:cTn id="7" dur="500"/>
+                                        <p:tgtEl>
+                                          <p:spTgt spid="3"/>
+                                        </p:tgtEl>
+                                      </p:cBhvr>
+                                    </p:animEffect>
+                                    <p:anim calcmode="lin" valueType="num">
+                                      <p:cBhvr>
+                                        <p:cTn id="8" dur="500" fill="hold"/>
+                                        <p:tgtEl>
+                                          <p:spTgt spid="3"/>
+                                        </p:tgtEl>
+                                        <p:attrNameLst>
+                                          <p:attrName>ppt_x</p:attrName>
+                                        </p:attrNameLst>
+                                      </p:cBhvr>
+                                      <p:tavLst>
+                                        <p:tav tm="0">
+                                          <p:val>
+                                            <p:strVal val="#ppt_x"/>
+                                          </p:val>
+                                        </p:tav>
+                                        <p:tav tm="100000">
+                                          <p:val>
+                                            <p:strVal val="#ppt_x"/>
+                                          </p:val>
+                                        </p:tav>
+                                      </p:tavLst>
+                                    </p:anim>
+                                    <p:anim calcmode="lin" valueType="num">
+                                      <p:cBhvr>
+                                        <p:cTn id="9" dur="500" fill="hold"/>
+                                        <p:tgtEl>
+                                          <p:spTgt spid="3"/>
+                                        </p:tgtEl>
+                                        <p:attrNameLst>
+                                          <p:attrName>ppt_y</p:attrName>
+                                        </p:attrNameLst>
+                                      </p:cBhvr>
+                                      <p:tavLst>
+                                        <p:tav tm="0">
+                                          <p:val>
+                                            <p:strVal val="#ppt_y+.1"/>
+                                          </p:val>
+                                        </p:tav>
+                                        <p:tav tm="100000">
+                                          <p:val>
+                                            <p:strVal val="#ppt_y"/>
+                                          </p:val>
+                                        </p:tav>
+                                      </p:tavLst>
+                                    </p:anim>
+                                  </p:childTnLst>
+                                </p:cTn>
+                              </p:par>
+                            </p:childTnLst>
+                          </p:cTn>
+                        </p:par>
+                      </p:childTnLst>
+                    </p:cTn>
+                  </p:par>
+                </p:childTnLst>
+              </p:cTn>
+              <p:prevCondLst>
+                <p:cond evt="onPrev" delay="0">
+                  <p:tgtEl>
+                    <p:sldTgt/>
+                  </p:tgtEl>
+                </p:cond>
+              </p:prevCondLst>
+              <p:nextCondLst>
+                <p:cond evt="onNext" delay="0">
+                  <p:tgtEl>
+                    <p:sldTgt/>
+                  </p:tgtEl>
+                </p:cond>
+              </p:nextCondLst>
+            </p:seq>
+          </p:childTnLst>
+        </p:cTn>
+      </p:par>
+    </p:tnLst>
+    <p:bldLst>
+      <p:bldP spid="3" grpId="0"/>
+    </p:bldLst>
+  </p:timing>
+</p:sld>
+</file>
+
+<file path=ppt/slides/slide13.xml><?xml version="1.0" encoding="utf-8"?>
+<p:sld xmlns:a="http://schemas.openxmlformats.org/drawingml/2006/main" xmlns:r="http://schemas.openxmlformats.org/officeDocument/2006/relationships" xmlns:p="http://schemas.openxmlformats.org/presentationml/2006/main">
+  <p:cSld>
+    <p:spTree>
+      <p:nvGrpSpPr>
+        <p:cNvPr id="1" name=""/>
+        <p:cNvGrpSpPr/>
+        <p:nvPr/>
+      </p:nvGrpSpPr>
+      <p:grpSpPr>
+        <a:xfrm>
+          <a:off x="0" y="0"/>
+          <a:ext cx="0" cy="0"/>
+          <a:chOff x="0" y="0"/>
+          <a:chExt cx="0" cy="0"/>
+        </a:xfrm>
+      </p:grpSpPr>
+      <p:sp>
+        <p:nvSpPr>
+          <p:cNvPr id="148482" name="Rectangle 2"/>
+          <p:cNvSpPr>
+            <a:spLocks noGrp="1" noChangeArrowheads="1"/>
+          </p:cNvSpPr>
+          <p:nvPr>
+            <p:ph type="title" idx="4294967295"/>
+          </p:nvPr>
+        </p:nvSpPr>
+        <p:spPr bwMode="auto">
+          <a:xfrm>
+            <a:off x="3006330" y="217207"/>
+            <a:ext cx="5292085" cy="420439"/>
+          </a:xfrm>
+          <a:prstGeom prst="rect">
+            <a:avLst/>
+          </a:prstGeom>
+          <a:noFill/>
+          <a:ln>
+            <a:miter lim="800000"/>
+            <a:headEnd/>
+            <a:tailEnd/>
+          </a:ln>
+        </p:spPr>
+        <p:txBody>
+          <a:bodyPr vert="horz" wrap="square" lIns="71323" tIns="35662" rIns="71323" bIns="35662" numCol="1" anchor="t" anchorCtr="0" compatLnSpc="1">
+            <a:prstTxWarp prst="textNoShape">
+              <a:avLst/>
+            </a:prstTxWarp>
+          </a:bodyPr>
+          <a:lstStyle/>
+          <a:p>
+            <a:pPr algn="r"/>
+            <a:r>
+              <a:rPr lang="pt-PT" sz="1000" b="1" i="1" dirty="0">
+                <a:solidFill>
+                  <a:srgbClr val="FF0000"/>
+                </a:solidFill>
+                <a:latin typeface="Arial" charset="0"/>
+              </a:rPr>
+              <a:t>SCO-T0-INT</a:t>
+            </a:r>
+            <a:br>
+              <a:rPr lang="pt-PT" sz="1600" b="1" i="1" dirty="0">
+                <a:solidFill>
+                  <a:srgbClr val="FF0000"/>
+                </a:solidFill>
+                <a:latin typeface="Arial" charset="0"/>
+              </a:rPr>
+            </a:br>
+            <a:r>
+              <a:rPr lang="pt-PT" sz="2000" b="1" i="1" cap="small" dirty="0">
+                <a:solidFill>
+                  <a:srgbClr val="FF0000"/>
+                </a:solidFill>
+                <a:latin typeface="Arial" charset="0"/>
+              </a:rPr>
               <a:t>Atendimento e Turmas Práticas</a:t>
             </a:r>
           </a:p>
@@ -6136,7 +6606,7 @@
 </p:sld>
 </file>
 
-<file path=ppt/slides/slide13.xml><?xml version="1.0" encoding="utf-8"?>
+<file path=ppt/slides/slide14.xml><?xml version="1.0" encoding="utf-8"?>
 <p:sld xmlns:a="http://schemas.openxmlformats.org/drawingml/2006/main" xmlns:r="http://schemas.openxmlformats.org/officeDocument/2006/relationships" xmlns:p="http://schemas.openxmlformats.org/presentationml/2006/main">
   <p:cSld>
     <p:spTree>
@@ -9487,13 +9957,22 @@
               </a:rPr>
             </a:br>
             <a:r>
+              <a:rPr lang="pt-PT" sz="2000" b="1" i="1" cap="small" dirty="0" err="1">
+                <a:solidFill>
+                  <a:srgbClr val="FF0000"/>
+                </a:solidFill>
+                <a:latin typeface="Arial" charset="0"/>
+              </a:rPr>
+              <a:t>MÉtodo</a:t>
+            </a:r>
+            <a:r>
               <a:rPr lang="pt-PT" sz="2000" b="1" i="1" cap="small" dirty="0">
                 <a:solidFill>
                   <a:srgbClr val="FF0000"/>
                 </a:solidFill>
                 <a:latin typeface="Arial" charset="0"/>
               </a:rPr>
-              <a:t>Método de Avaliação</a:t>
+              <a:t> Avaliação</a:t>
             </a:r>
             <a:endParaRPr lang="pt-PT" sz="2000" b="1" i="1" dirty="0">
               <a:solidFill>
@@ -9869,14 +10348,29 @@
               </a:rPr>
             </a:br>
             <a:r>
+              <a:rPr lang="pt-PT" sz="2000" b="1" i="1" cap="small" dirty="0" err="1">
+                <a:solidFill>
+                  <a:srgbClr val="FF0000"/>
+                </a:solidFill>
+                <a:latin typeface="Arial" charset="0"/>
+              </a:rPr>
+              <a:t>MÉtodo</a:t>
+            </a:r>
+            <a:r>
               <a:rPr lang="pt-PT" sz="2000" b="1" i="1" cap="small" dirty="0">
                 <a:solidFill>
                   <a:srgbClr val="FF0000"/>
                 </a:solidFill>
                 <a:latin typeface="Arial" charset="0"/>
               </a:rPr>
-              <a:t>Programa Previsto</a:t>
-            </a:r>
+              <a:t> Avaliação</a:t>
+            </a:r>
+            <a:endParaRPr lang="pt-PT" sz="2000" b="1" i="1" dirty="0">
+              <a:solidFill>
+                <a:srgbClr val="FF0000"/>
+              </a:solidFill>
+              <a:latin typeface="Arial" charset="0"/>
+            </a:endParaRPr>
           </a:p>
         </p:txBody>
       </p:sp>
@@ -9891,7 +10385,7 @@
         <p:spPr bwMode="auto">
           <a:xfrm>
             <a:off x="540000" y="841276"/>
-            <a:ext cx="8233871" cy="4249742"/>
+            <a:ext cx="8233871" cy="1295087"/>
           </a:xfrm>
           <a:prstGeom prst="rect">
             <a:avLst/>
@@ -9920,184 +10414,33 @@
             </a:pPr>
             <a:r>
               <a:rPr lang="pt-PT" sz="2000" b="0" i="0" dirty="0"/>
-              <a:t>Teórica:</a:t>
-            </a:r>
-          </a:p>
-          <a:p>
-            <a:pPr marL="396746" lvl="1" algn="l" defTabSz="704085">
+              <a:t>Acesso a Exame / Recurso </a:t>
+            </a:r>
+          </a:p>
+          <a:p>
+            <a:pPr marL="403732" lvl="1" indent="-251459" algn="just" defTabSz="704085">
               <a:lnSpc>
                 <a:spcPct val="120000"/>
               </a:lnSpc>
+              <a:buFont typeface="Arial" pitchFamily="34" charset="0"/>
+              <a:buChar char="•"/>
             </a:pPr>
             <a:r>
-              <a:rPr lang="pt-PT" sz="2000" i="0" dirty="0">
-                <a:solidFill>
-                  <a:srgbClr val="0033CC"/>
-                </a:solidFill>
-              </a:rPr>
-              <a:t>SCO-T0-INT</a:t>
-            </a:r>
-            <a:endParaRPr lang="pt-PT" sz="1400" i="0" dirty="0">
-              <a:solidFill>
-                <a:srgbClr val="0033CC"/>
-              </a:solidFill>
-            </a:endParaRPr>
-          </a:p>
-          <a:p>
-            <a:pPr marL="554607" lvl="2" algn="just" defTabSz="704085">
+              <a:rPr lang="pt-PT" sz="1600" b="0" i="0" dirty="0"/>
+              <a:t>Mínimo de 5 valores numa das PIA (Prova Intermédia de Avaliação) ou PFA (Prova Final de Avaliação);</a:t>
+            </a:r>
+          </a:p>
+          <a:p>
+            <a:pPr marL="403732" lvl="1" indent="-251459" algn="just" defTabSz="704085">
               <a:lnSpc>
                 <a:spcPct val="120000"/>
               </a:lnSpc>
+              <a:buFont typeface="Arial" pitchFamily="34" charset="0"/>
+              <a:buChar char="•"/>
             </a:pPr>
             <a:r>
               <a:rPr lang="pt-PT" sz="1600" b="0" i="0" dirty="0"/>
-              <a:t>Apresentação do método de avaliação, formato e programa da unidade curricular.</a:t>
-            </a:r>
-          </a:p>
-          <a:p>
-            <a:pPr marL="396746" lvl="1" algn="l" defTabSz="704085">
-              <a:lnSpc>
-                <a:spcPct val="120000"/>
-              </a:lnSpc>
-            </a:pPr>
-            <a:r>
-              <a:rPr lang="pt-PT" sz="2000" i="0" dirty="0">
-                <a:solidFill>
-                  <a:srgbClr val="0033CC"/>
-                </a:solidFill>
-              </a:rPr>
-              <a:t>SCO-T1-A01, SCO-T1-A02, SCO-T1-A03, SCO-T1-A04, SCO-T1-A05, SCO-T1-A06, SCO-T1-A07, SCO-T1-A08 , SCO-T1-A09 , SCO-T1-A10 , SCO-T1-A11, SCO-T1-A12 e SCO-T1-A13</a:t>
-            </a:r>
-          </a:p>
-          <a:p>
-            <a:pPr marL="554607" lvl="2" algn="just" defTabSz="704085">
-              <a:lnSpc>
-                <a:spcPct val="120000"/>
-              </a:lnSpc>
-            </a:pPr>
-            <a:r>
-              <a:rPr lang="pt-PT" sz="1600" b="0" i="0" dirty="0"/>
-              <a:t>Noções de base sobre uma arquitetura de computadores, </a:t>
-            </a:r>
-            <a:r>
-              <a:rPr lang="pt-PT" sz="1600" b="0" dirty="0" err="1"/>
-              <a:t>instruction</a:t>
-            </a:r>
-            <a:r>
-              <a:rPr lang="pt-PT" sz="1600" b="0" dirty="0"/>
-              <a:t> set</a:t>
-            </a:r>
-            <a:r>
-              <a:rPr lang="pt-PT" sz="1600" b="0" i="0" dirty="0"/>
-              <a:t>, registos e </a:t>
-            </a:r>
-            <a:r>
-              <a:rPr lang="pt-PT" sz="1600" b="0" dirty="0" err="1"/>
-              <a:t>flags</a:t>
-            </a:r>
-            <a:r>
-              <a:rPr lang="pt-PT" sz="1600" b="0" i="0" dirty="0"/>
-              <a:t>, RISC e CISC, </a:t>
-            </a:r>
-            <a:r>
-              <a:rPr lang="pt-PT" sz="1600" b="0" dirty="0" err="1"/>
-              <a:t>assembly</a:t>
-            </a:r>
-            <a:r>
-              <a:rPr lang="pt-PT" sz="1600" b="0" i="0" dirty="0"/>
-              <a:t>, endereçamento, </a:t>
-            </a:r>
-            <a:r>
-              <a:rPr lang="pt-PT" sz="1600" b="0" dirty="0"/>
-              <a:t>buses</a:t>
-            </a:r>
-            <a:r>
-              <a:rPr lang="pt-PT" sz="1600" b="0" i="0" dirty="0"/>
-              <a:t>, </a:t>
-            </a:r>
-            <a:r>
-              <a:rPr lang="pt-PT" sz="1600" b="0" dirty="0" err="1"/>
-              <a:t>polling</a:t>
-            </a:r>
-            <a:r>
-              <a:rPr lang="pt-PT" sz="1600" b="0" i="0" dirty="0"/>
-              <a:t>, interrupções, DMA. Passagem de parâmetros por registo, memória associada e </a:t>
-            </a:r>
-            <a:r>
-              <a:rPr lang="pt-PT" sz="1600" b="0" dirty="0" err="1"/>
-              <a:t>Frame</a:t>
-            </a:r>
-            <a:r>
-              <a:rPr lang="pt-PT" sz="1600" b="0" dirty="0"/>
-              <a:t> </a:t>
-            </a:r>
-            <a:r>
-              <a:rPr lang="pt-PT" sz="1600" b="0" dirty="0" err="1"/>
-              <a:t>pointer</a:t>
-            </a:r>
-            <a:r>
-              <a:rPr lang="pt-PT" sz="1600" b="0" dirty="0"/>
-              <a:t>. </a:t>
-            </a:r>
-            <a:r>
-              <a:rPr lang="pt-PT" sz="1600" b="0" i="0" dirty="0"/>
-              <a:t>comunicação paralela e série, organização de memória Arquiteturas micro programadas/microcódigo e </a:t>
-            </a:r>
-            <a:r>
-              <a:rPr lang="pt-PT" sz="1600" b="0" dirty="0" err="1"/>
-              <a:t>hardwire</a:t>
-            </a:r>
-            <a:r>
-              <a:rPr lang="pt-PT" sz="1600" b="0" i="0" dirty="0"/>
-              <a:t>,</a:t>
-            </a:r>
-            <a:r>
-              <a:rPr lang="pt-PT" sz="1600" b="0" dirty="0"/>
-              <a:t> cache</a:t>
-            </a:r>
-            <a:r>
-              <a:rPr lang="pt-PT" sz="1600" b="0" i="0" dirty="0"/>
-              <a:t> e níveis de cache. Representação de dados, </a:t>
-            </a:r>
-            <a:r>
-              <a:rPr lang="pt-PT" sz="1600" b="0" dirty="0"/>
-              <a:t>byte</a:t>
-            </a:r>
-            <a:r>
-              <a:rPr lang="pt-PT" sz="1600" b="0" i="0" dirty="0"/>
-              <a:t>, </a:t>
-            </a:r>
-            <a:r>
-              <a:rPr lang="pt-PT" sz="1600" b="0" dirty="0" err="1"/>
-              <a:t>word</a:t>
-            </a:r>
-            <a:r>
-              <a:rPr lang="pt-PT" sz="1600" b="0" i="0" dirty="0"/>
-              <a:t>, </a:t>
-            </a:r>
-            <a:r>
-              <a:rPr lang="pt-PT" sz="1600" b="0" dirty="0" err="1"/>
-              <a:t>nibble</a:t>
-            </a:r>
-            <a:r>
-              <a:rPr lang="pt-PT" sz="1600" b="0" i="0" dirty="0"/>
-              <a:t>, com e sem sinal, virgula flutuante, operações aritmética, logicas e de </a:t>
-            </a:r>
-            <a:r>
-              <a:rPr lang="pt-PT" sz="1600" b="0" dirty="0" err="1"/>
-              <a:t>shift</a:t>
-            </a:r>
-            <a:r>
-              <a:rPr lang="pt-PT" sz="1600" b="0" i="0" dirty="0"/>
-              <a:t>/rotação. Arquiteturas ARM, x86/x64, PIC, </a:t>
-            </a:r>
-            <a:r>
-              <a:rPr lang="pt-PT" sz="1600" b="0" i="0" dirty="0" err="1"/>
-              <a:t>Zilog</a:t>
-            </a:r>
-            <a:r>
-              <a:rPr lang="pt-PT" sz="1600" b="0" i="0" dirty="0"/>
-              <a:t> Z80/Intel 8085.</a:t>
+              <a:t>Faltar à uma da PIA ou PFA, ou desistir invalida mínimos de acesso.</a:t>
             </a:r>
           </a:p>
         </p:txBody>
@@ -10105,7 +10448,7 @@
     </p:spTree>
     <p:extLst>
       <p:ext uri="{BB962C8B-B14F-4D97-AF65-F5344CB8AC3E}">
-        <p14:creationId xmlns:p14="http://schemas.microsoft.com/office/powerpoint/2010/main" val="1449977999"/>
+        <p14:creationId xmlns:p14="http://schemas.microsoft.com/office/powerpoint/2010/main" val="2805261157"/>
       </p:ext>
     </p:extLst>
   </p:cSld>
@@ -10327,12 +10670,6 @@
               </a:rPr>
               <a:t>Programa Previsto</a:t>
             </a:r>
-            <a:endParaRPr lang="pt-PT" sz="2000" b="1" i="1" dirty="0">
-              <a:solidFill>
-                <a:srgbClr val="FF0000"/>
-              </a:solidFill>
-              <a:latin typeface="Arial" charset="0"/>
-            </a:endParaRPr>
           </a:p>
         </p:txBody>
       </p:sp>
@@ -10347,7 +10684,7 @@
         <p:spPr bwMode="auto">
           <a:xfrm>
             <a:off x="540000" y="841276"/>
-            <a:ext cx="8233871" cy="4175876"/>
+            <a:ext cx="8233871" cy="4249742"/>
           </a:xfrm>
           <a:prstGeom prst="rect">
             <a:avLst/>
@@ -10376,7 +10713,7 @@
             </a:pPr>
             <a:r>
               <a:rPr lang="pt-PT" sz="2000" b="0" i="0" dirty="0"/>
-              <a:t>Teórica (continuação):</a:t>
+              <a:t>Teórica:</a:t>
             </a:r>
           </a:p>
           <a:p>
@@ -10391,8 +10728,13 @@
                   <a:srgbClr val="0033CC"/>
                 </a:solidFill>
               </a:rPr>
-              <a:t>SCO-T1-AVL</a:t>
-            </a:r>
+              <a:t>SCO-T0-INT</a:t>
+            </a:r>
+            <a:endParaRPr lang="pt-PT" sz="1400" i="0" dirty="0">
+              <a:solidFill>
+                <a:srgbClr val="0033CC"/>
+              </a:solidFill>
+            </a:endParaRPr>
           </a:p>
           <a:p>
             <a:pPr marL="554607" lvl="2" algn="just" defTabSz="704085">
@@ -10402,57 +10744,7 @@
             </a:pPr>
             <a:r>
               <a:rPr lang="pt-PT" sz="1600" b="0" i="0" dirty="0"/>
-              <a:t>Realização da </a:t>
-            </a:r>
-            <a:r>
-              <a:rPr lang="pt-PT" sz="1600" i="0" dirty="0"/>
-              <a:t>Prova Intermédia de Avaliação</a:t>
-            </a:r>
-            <a:r>
-              <a:rPr lang="pt-PT" sz="1600" b="0" i="0" dirty="0"/>
-              <a:t>:</a:t>
-            </a:r>
-          </a:p>
-          <a:p>
-            <a:pPr marL="806066" lvl="2" indent="-251459" algn="just" defTabSz="704085">
-              <a:lnSpc>
-                <a:spcPct val="120000"/>
-              </a:lnSpc>
-              <a:buFont typeface="Wingdings" panose="05000000000000000000" pitchFamily="2" charset="2"/>
-              <a:buChar char="Ø"/>
-            </a:pPr>
-            <a:r>
-              <a:rPr lang="pt-PT" sz="1600" b="0" i="0" dirty="0"/>
-              <a:t>Teórica + Prática com 50 minutos de duração;</a:t>
-            </a:r>
-          </a:p>
-          <a:p>
-            <a:pPr marL="806066" lvl="2" indent="-251459" algn="just" defTabSz="704085">
-              <a:lnSpc>
-                <a:spcPct val="120000"/>
-              </a:lnSpc>
-              <a:buFont typeface="Wingdings" panose="05000000000000000000" pitchFamily="2" charset="2"/>
-              <a:buChar char="Ø"/>
-            </a:pPr>
-            <a:r>
-              <a:rPr lang="pt-PT" sz="1600" b="0" i="0" dirty="0"/>
-              <a:t>Aula(s) teórica(s) de </a:t>
-            </a:r>
-            <a:r>
-              <a:rPr lang="pt-PT" sz="1600" i="0" dirty="0"/>
-              <a:t>quinta</a:t>
-            </a:r>
-            <a:r>
-              <a:rPr lang="pt-PT" sz="1600" b="0" i="0" dirty="0"/>
-              <a:t>,</a:t>
-            </a:r>
-            <a:r>
-              <a:rPr lang="pt-PT" sz="1600" i="0" dirty="0"/>
-              <a:t> 12 de maio </a:t>
-            </a:r>
-            <a:r>
-              <a:rPr lang="pt-PT" sz="1600" b="0" i="0" dirty="0"/>
-              <a:t>- Prova escrita versão A+B.</a:t>
+              <a:t>Apresentação do método de avaliação, formato e programa da unidade curricular.</a:t>
             </a:r>
           </a:p>
           <a:p>
@@ -10467,7 +10759,7 @@
                   <a:srgbClr val="0033CC"/>
                 </a:solidFill>
               </a:rPr>
-              <a:t>SCO-T2-S01, SCO-T2-S02, SCO-T2-S03, SCO-T2-S04, SCO-T2-S05, SCO-T2-S06, SCO-T2-S07 e SCO-T2-S08</a:t>
+              <a:t>SCO-T1-A01, SCO-T1-A02, SCO-T1-A03, SCO-T1-A04, SCO-T1-A05, SCO-T1-A06, SCO-T1-A07, SCO-T1-A08 , SCO-T1-A09 , SCO-T1-A10 , SCO-T1-A11, SCO-T1-A12 e SCO-T1-A13</a:t>
             </a:r>
           </a:p>
           <a:p>
@@ -10478,31 +10770,27 @@
             </a:pPr>
             <a:r>
               <a:rPr lang="pt-PT" sz="1600" b="0" i="0" dirty="0"/>
-              <a:t>Assemblagem e ligação de módulos de C, desassemblagem, </a:t>
+              <a:t>Noções de base sobre uma arquitetura de computadores, </a:t>
             </a:r>
             <a:r>
               <a:rPr lang="pt-PT" sz="1600" b="0" dirty="0" err="1"/>
-              <a:t>traps</a:t>
+              <a:t>instruction</a:t>
             </a:r>
             <a:r>
               <a:rPr lang="pt-PT" sz="1600" b="0" dirty="0"/>
-              <a:t>, </a:t>
+              <a:t> set</a:t>
+            </a:r>
+            <a:r>
+              <a:rPr lang="pt-PT" sz="1600" b="0" i="0" dirty="0"/>
+              <a:t>, registos e </a:t>
             </a:r>
             <a:r>
               <a:rPr lang="pt-PT" sz="1600" b="0" dirty="0" err="1"/>
-              <a:t>breakpoints</a:t>
+              <a:t>flags</a:t>
             </a:r>
             <a:r>
               <a:rPr lang="pt-PT" sz="1600" b="0" i="0" dirty="0"/>
-              <a:t> e </a:t>
-            </a:r>
-            <a:r>
-              <a:rPr lang="pt-PT" sz="1600" b="0" dirty="0" err="1"/>
-              <a:t>debug</a:t>
-            </a:r>
-            <a:r>
-              <a:rPr lang="pt-PT" sz="1600" b="0" i="0" dirty="0"/>
-              <a:t>, inclusão de código </a:t>
+              <a:t>, RISC e CISC, </a:t>
             </a:r>
             <a:r>
               <a:rPr lang="pt-PT" sz="1600" b="0" dirty="0" err="1"/>
@@ -10510,7 +10798,7 @@
             </a:r>
             <a:r>
               <a:rPr lang="pt-PT" sz="1600" b="0" i="0" dirty="0"/>
-              <a:t> em ficheiros de C. Interligação com sistemas operativos modernos, operações de I/O avançadas e protocolos de comunicação, I2C e SPI, </a:t>
+              <a:t>, endereçamento, </a:t>
             </a:r>
             <a:r>
               <a:rPr lang="pt-PT" sz="1600" b="0" dirty="0"/>
@@ -10518,23 +10806,91 @@
             </a:r>
             <a:r>
               <a:rPr lang="pt-PT" sz="1600" b="0" i="0" dirty="0"/>
-              <a:t> e standards PCI, </a:t>
+              <a:t>, </a:t>
+            </a:r>
+            <a:r>
+              <a:rPr lang="pt-PT" sz="1600" b="0" dirty="0" err="1"/>
+              <a:t>polling</a:t>
+            </a:r>
+            <a:r>
+              <a:rPr lang="pt-PT" sz="1600" b="0" i="0" dirty="0"/>
+              <a:t>, interrupções, DMA. Passagem de parâmetros por registo, memória associada e </a:t>
+            </a:r>
+            <a:r>
+              <a:rPr lang="pt-PT" sz="1600" b="0" dirty="0" err="1"/>
+              <a:t>Frame</a:t>
+            </a:r>
+            <a:r>
+              <a:rPr lang="pt-PT" sz="1600" b="0" dirty="0"/>
+              <a:t> </a:t>
+            </a:r>
+            <a:r>
+              <a:rPr lang="pt-PT" sz="1600" b="0" dirty="0" err="1"/>
+              <a:t>pointer</a:t>
+            </a:r>
+            <a:r>
+              <a:rPr lang="pt-PT" sz="1600" b="0" dirty="0"/>
+              <a:t>. </a:t>
+            </a:r>
+            <a:r>
+              <a:rPr lang="pt-PT" sz="1600" b="0" i="0" dirty="0"/>
+              <a:t>comunicação paralela e série, organização de memória Arquiteturas micro programadas/microcódigo e </a:t>
+            </a:r>
+            <a:r>
+              <a:rPr lang="pt-PT" sz="1600" b="0" dirty="0" err="1"/>
+              <a:t>hardwire</a:t>
+            </a:r>
+            <a:r>
+              <a:rPr lang="pt-PT" sz="1600" b="0" i="0" dirty="0"/>
+              <a:t>,</a:t>
+            </a:r>
+            <a:r>
+              <a:rPr lang="pt-PT" sz="1600" b="0" dirty="0"/>
+              <a:t> cache</a:t>
+            </a:r>
+            <a:r>
+              <a:rPr lang="pt-PT" sz="1600" b="0" i="0" dirty="0"/>
+              <a:t> e níveis de cache. Representação de dados, </a:t>
+            </a:r>
+            <a:r>
+              <a:rPr lang="pt-PT" sz="1600" b="0" dirty="0"/>
+              <a:t>byte</a:t>
+            </a:r>
+            <a:r>
+              <a:rPr lang="pt-PT" sz="1600" b="0" i="0" dirty="0"/>
+              <a:t>, </a:t>
+            </a:r>
+            <a:r>
+              <a:rPr lang="pt-PT" sz="1600" b="0" dirty="0" err="1"/>
+              <a:t>word</a:t>
+            </a:r>
+            <a:r>
+              <a:rPr lang="pt-PT" sz="1600" b="0" i="0" dirty="0"/>
+              <a:t>, </a:t>
+            </a:r>
+            <a:r>
+              <a:rPr lang="pt-PT" sz="1600" b="0" dirty="0" err="1"/>
+              <a:t>nibble</a:t>
+            </a:r>
+            <a:r>
+              <a:rPr lang="pt-PT" sz="1600" b="0" i="0" dirty="0"/>
+              <a:t>, com e sem sinal, virgula flutuante, operações aritmética, logicas e de </a:t>
+            </a:r>
+            <a:r>
+              <a:rPr lang="pt-PT" sz="1600" b="0" dirty="0" err="1"/>
+              <a:t>shift</a:t>
+            </a:r>
+            <a:r>
+              <a:rPr lang="pt-PT" sz="1600" b="0" i="0" dirty="0"/>
+              <a:t>/rotação. Arquiteturas ARM, x86/x64, PIC, </a:t>
             </a:r>
             <a:r>
               <a:rPr lang="pt-PT" sz="1600" b="0" i="0" dirty="0" err="1"/>
-              <a:t>PCIe</a:t>
+              <a:t>Zilog</a:t>
             </a:r>
             <a:r>
               <a:rPr lang="pt-PT" sz="1600" b="0" i="0" dirty="0"/>
-              <a:t>, USB. SATA, IDE, ISA, NVME, comunicação em sistema multiprocessador, NUMA e SMP, coprocessadores, SOC e SIC, cores e </a:t>
-            </a:r>
-            <a:r>
-              <a:rPr lang="pt-PT" sz="1600" b="0" dirty="0" err="1"/>
-              <a:t>threads</a:t>
-            </a:r>
-            <a:r>
-              <a:rPr lang="pt-PT" sz="1600" b="0" i="0" dirty="0"/>
-              <a:t>.</a:t>
+              <a:t> Z80/Intel 8085.</a:t>
             </a:r>
           </a:p>
         </p:txBody>
@@ -10542,7 +10898,7 @@
     </p:spTree>
     <p:extLst>
       <p:ext uri="{BB962C8B-B14F-4D97-AF65-F5344CB8AC3E}">
-        <p14:creationId xmlns:p14="http://schemas.microsoft.com/office/powerpoint/2010/main" val="3524921540"/>
+        <p14:creationId xmlns:p14="http://schemas.microsoft.com/office/powerpoint/2010/main" val="1449977999"/>
       </p:ext>
     </p:extLst>
   </p:cSld>
@@ -10764,12 +11120,18 @@
               </a:rPr>
               <a:t>Programa Previsto</a:t>
             </a:r>
+            <a:endParaRPr lang="pt-PT" sz="2000" b="1" i="1" dirty="0">
+              <a:solidFill>
+                <a:srgbClr val="FF0000"/>
+              </a:solidFill>
+              <a:latin typeface="Arial" charset="0"/>
+            </a:endParaRPr>
           </a:p>
         </p:txBody>
       </p:sp>
       <p:sp>
         <p:nvSpPr>
-          <p:cNvPr id="5" name="Rectangle 3"/>
+          <p:cNvPr id="3" name="Rectangle 13"/>
           <p:cNvSpPr>
             <a:spLocks noChangeArrowheads="1"/>
           </p:cNvSpPr>
@@ -10778,7 +11140,7 @@
         <p:spPr bwMode="auto">
           <a:xfrm>
             <a:off x="540000" y="841276"/>
-            <a:ext cx="8164059" cy="2579668"/>
+            <a:ext cx="8233871" cy="4175876"/>
           </a:xfrm>
           <a:prstGeom prst="rect">
             <a:avLst/>
@@ -10793,12 +11155,12 @@
           <a:effectLst/>
         </p:spPr>
         <p:txBody>
-          <a:bodyPr wrap="square" lIns="62408" tIns="31204" rIns="62408" bIns="31204">
+          <a:bodyPr wrap="square" lIns="70408" tIns="35205" rIns="70408" bIns="35205">
             <a:spAutoFit/>
           </a:bodyPr>
           <a:lstStyle/>
           <a:p>
-            <a:pPr marL="211741" indent="-211741" algn="l" defTabSz="624078">
+            <a:pPr marL="238887" indent="-238887" algn="l" defTabSz="704085">
               <a:lnSpc>
                 <a:spcPct val="120000"/>
               </a:lnSpc>
@@ -10811,60 +11173,33 @@
             </a:r>
           </a:p>
           <a:p>
-            <a:pPr marL="351663" lvl="1" algn="just" defTabSz="624078">
+            <a:pPr marL="396746" lvl="1" algn="l" defTabSz="704085">
               <a:lnSpc>
                 <a:spcPct val="120000"/>
               </a:lnSpc>
             </a:pPr>
             <a:r>
-              <a:rPr lang="pt-PT" sz="1900" i="0" dirty="0">
+              <a:rPr lang="pt-PT" sz="2000" i="0" dirty="0">
                 <a:solidFill>
                   <a:srgbClr val="0033CC"/>
                 </a:solidFill>
               </a:rPr>
-              <a:t>SCO-T3-AV1 e SCO-T3-AV2</a:t>
-            </a:r>
-          </a:p>
-          <a:p>
-            <a:pPr marL="491586" lvl="2" algn="just" defTabSz="624078">
+              <a:t>SCO-T1-AVL</a:t>
+            </a:r>
+          </a:p>
+          <a:p>
+            <a:pPr marL="554607" lvl="2" algn="just" defTabSz="704085">
               <a:lnSpc>
                 <a:spcPct val="120000"/>
               </a:lnSpc>
             </a:pPr>
             <a:r>
               <a:rPr lang="pt-PT" sz="1600" b="0" i="0" dirty="0"/>
-              <a:t>Tópicos avançados de hardware como segurança e encriptação, suporte para virtualização e instruções multimédia, APU e integração de equipamentos, SOC.</a:t>
-            </a:r>
-            <a:endParaRPr lang="pt-PT" sz="1600" b="0" dirty="0"/>
-          </a:p>
-          <a:p>
-            <a:pPr marL="351663" lvl="1" algn="just" defTabSz="624078">
-              <a:lnSpc>
-                <a:spcPct val="120000"/>
-              </a:lnSpc>
-            </a:pPr>
-            <a:r>
-              <a:rPr lang="pt-PT" sz="1900" i="0" dirty="0">
-                <a:solidFill>
-                  <a:srgbClr val="0033CC"/>
-                </a:solidFill>
-              </a:rPr>
-              <a:t>SCO-T2-AVL</a:t>
-            </a:r>
-          </a:p>
-          <a:p>
-            <a:pPr marL="491586" lvl="2" algn="just" defTabSz="624078">
-              <a:lnSpc>
-                <a:spcPct val="120000"/>
-              </a:lnSpc>
-            </a:pPr>
-            <a:r>
-              <a:rPr lang="pt-PT" sz="1600" b="0" i="0" dirty="0"/>
               <a:t>Realização da </a:t>
             </a:r>
             <a:r>
               <a:rPr lang="pt-PT" sz="1600" i="0" dirty="0"/>
-              <a:t>Prova Final de Avaliação</a:t>
+              <a:t>Prova Intermédia de Avaliação</a:t>
             </a:r>
             <a:r>
               <a:rPr lang="pt-PT" sz="1600" b="0" i="0" dirty="0"/>
@@ -10872,7 +11207,7 @@
             </a:r>
           </a:p>
           <a:p>
-            <a:pPr marL="714471" lvl="2" indent="-222885" algn="just" defTabSz="624078">
+            <a:pPr marL="806066" lvl="2" indent="-251459" algn="just" defTabSz="704085">
               <a:lnSpc>
                 <a:spcPct val="120000"/>
               </a:lnSpc>
@@ -10885,7 +11220,7 @@
             </a:r>
           </a:p>
           <a:p>
-            <a:pPr marL="714471" lvl="2" indent="-222885" algn="just" defTabSz="624078">
+            <a:pPr marL="806066" lvl="2" indent="-251459" algn="just" defTabSz="704085">
               <a:lnSpc>
                 <a:spcPct val="120000"/>
               </a:lnSpc>
@@ -10901,16 +11236,98 @@
               <a:t>quinta</a:t>
             </a:r>
             <a:r>
-              <a:rPr lang="pt-PT" sz="1600" i="0"/>
-              <a:t>, 9 </a:t>
+              <a:rPr lang="pt-PT" sz="1600" b="0" i="0" dirty="0"/>
+              <a:t>,</a:t>
             </a:r>
             <a:r>
               <a:rPr lang="pt-PT" sz="1600" i="0" dirty="0"/>
-              <a:t>de junho</a:t>
+              <a:t> 12 de maio </a:t>
             </a:r>
             <a:r>
               <a:rPr lang="pt-PT" sz="1600" b="0" i="0" dirty="0"/>
-              <a:t> - Prova escrita versão A+B.</a:t>
+              <a:t>- Prova escrita versão A+B.</a:t>
+            </a:r>
+          </a:p>
+          <a:p>
+            <a:pPr marL="396746" lvl="1" algn="l" defTabSz="704085">
+              <a:lnSpc>
+                <a:spcPct val="120000"/>
+              </a:lnSpc>
+            </a:pPr>
+            <a:r>
+              <a:rPr lang="pt-PT" sz="2000" i="0" dirty="0">
+                <a:solidFill>
+                  <a:srgbClr val="0033CC"/>
+                </a:solidFill>
+              </a:rPr>
+              <a:t>SCO-T2-S01, SCO-T2-S02, SCO-T2-S03, SCO-T2-S04, SCO-T2-S05, SCO-T2-S06, SCO-T2-S07 e SCO-T2-S08</a:t>
+            </a:r>
+          </a:p>
+          <a:p>
+            <a:pPr marL="554607" lvl="2" algn="just" defTabSz="704085">
+              <a:lnSpc>
+                <a:spcPct val="120000"/>
+              </a:lnSpc>
+            </a:pPr>
+            <a:r>
+              <a:rPr lang="pt-PT" sz="1600" b="0" i="0" dirty="0"/>
+              <a:t>Assemblagem e ligação de módulos de C, desassemblagem, </a:t>
+            </a:r>
+            <a:r>
+              <a:rPr lang="pt-PT" sz="1600" b="0" dirty="0" err="1"/>
+              <a:t>traps</a:t>
+            </a:r>
+            <a:r>
+              <a:rPr lang="pt-PT" sz="1600" b="0" dirty="0"/>
+              <a:t>, </a:t>
+            </a:r>
+            <a:r>
+              <a:rPr lang="pt-PT" sz="1600" b="0" dirty="0" err="1"/>
+              <a:t>breakpoints</a:t>
+            </a:r>
+            <a:r>
+              <a:rPr lang="pt-PT" sz="1600" b="0" i="0" dirty="0"/>
+              <a:t> e </a:t>
+            </a:r>
+            <a:r>
+              <a:rPr lang="pt-PT" sz="1600" b="0" dirty="0" err="1"/>
+              <a:t>debug</a:t>
+            </a:r>
+            <a:r>
+              <a:rPr lang="pt-PT" sz="1600" b="0" i="0" dirty="0"/>
+              <a:t>, inclusão de código </a:t>
+            </a:r>
+            <a:r>
+              <a:rPr lang="pt-PT" sz="1600" b="0" dirty="0" err="1"/>
+              <a:t>assembly</a:t>
+            </a:r>
+            <a:r>
+              <a:rPr lang="pt-PT" sz="1600" b="0" i="0" dirty="0"/>
+              <a:t> em ficheiros de C. Interligação com sistemas operativos modernos, operações de I/O avançadas e protocolos de comunicação, I2C e SPI, </a:t>
+            </a:r>
+            <a:r>
+              <a:rPr lang="pt-PT" sz="1600" b="0" dirty="0"/>
+              <a:t>buses</a:t>
+            </a:r>
+            <a:r>
+              <a:rPr lang="pt-PT" sz="1600" b="0" i="0" dirty="0"/>
+              <a:t> e standards PCI, </a:t>
+            </a:r>
+            <a:r>
+              <a:rPr lang="pt-PT" sz="1600" b="0" i="0" dirty="0" err="1"/>
+              <a:t>PCIe</a:t>
+            </a:r>
+            <a:r>
+              <a:rPr lang="pt-PT" sz="1600" b="0" i="0" dirty="0"/>
+              <a:t>, USB. SATA, IDE, ISA, NVME, comunicação em sistema multiprocessador, NUMA e SMP, coprocessadores, SOC e SIC, cores e </a:t>
+            </a:r>
+            <a:r>
+              <a:rPr lang="pt-PT" sz="1600" b="0" dirty="0" err="1"/>
+              <a:t>threads</a:t>
+            </a:r>
+            <a:r>
+              <a:rPr lang="pt-PT" sz="1600" b="0" i="0" dirty="0"/>
+              <a:t>.</a:t>
             </a:r>
           </a:p>
         </p:txBody>
@@ -10918,7 +11335,7 @@
     </p:spTree>
     <p:extLst>
       <p:ext uri="{BB962C8B-B14F-4D97-AF65-F5344CB8AC3E}">
-        <p14:creationId xmlns:p14="http://schemas.microsoft.com/office/powerpoint/2010/main" val="3199275345"/>
+        <p14:creationId xmlns:p14="http://schemas.microsoft.com/office/powerpoint/2010/main" val="3524921540"/>
       </p:ext>
     </p:extLst>
   </p:cSld>
@@ -10962,7 +11379,7 @@
                                           </p:stCondLst>
                                         </p:cTn>
                                         <p:tgtEl>
-                                          <p:spTgt spid="5"/>
+                                          <p:spTgt spid="3"/>
                                         </p:tgtEl>
                                         <p:attrNameLst>
                                           <p:attrName>style.visibility</p:attrName>
@@ -10976,7 +11393,7 @@
                                       <p:cBhvr>
                                         <p:cTn id="7" dur="500"/>
                                         <p:tgtEl>
-                                          <p:spTgt spid="5"/>
+                                          <p:spTgt spid="3"/>
                                         </p:tgtEl>
                                       </p:cBhvr>
                                     </p:animEffect>
@@ -10984,7 +11401,7 @@
                                       <p:cBhvr>
                                         <p:cTn id="8" dur="500" fill="hold"/>
                                         <p:tgtEl>
-                                          <p:spTgt spid="5"/>
+                                          <p:spTgt spid="3"/>
                                         </p:tgtEl>
                                         <p:attrNameLst>
                                           <p:attrName>ppt_x</p:attrName>
@@ -11007,7 +11424,7 @@
                                       <p:cBhvr>
                                         <p:cTn id="9" dur="500" fill="hold"/>
                                         <p:tgtEl>
-                                          <p:spTgt spid="5"/>
+                                          <p:spTgt spid="3"/>
                                         </p:tgtEl>
                                         <p:attrNameLst>
                                           <p:attrName>ppt_y</p:attrName>
@@ -11057,7 +11474,7 @@
       </p:par>
     </p:tnLst>
     <p:bldLst>
-      <p:bldP spid="5" grpId="0"/>
+      <p:bldP spid="3" grpId="0"/>
     </p:bldLst>
   </p:timing>
 </p:sld>

--- a/aulas/t/SCO-T0-INT.pptx
+++ b/aulas/t/SCO-T0-INT.pptx
@@ -6182,8 +6182,8 @@
         </p:nvSpPr>
         <p:spPr bwMode="auto">
           <a:xfrm>
-            <a:off x="3006330" y="217207"/>
-            <a:ext cx="5292085" cy="420439"/>
+            <a:off x="2843808" y="217207"/>
+            <a:ext cx="5454607" cy="420439"/>
           </a:xfrm>
           <a:prstGeom prst="rect">
             <a:avLst/>
@@ -6228,7 +6228,7 @@
                 </a:solidFill>
                 <a:latin typeface="Arial" charset="0"/>
               </a:rPr>
-              <a:t>Atendimento e Turmas Práticas</a:t>
+              <a:t>Atendimento, Turmas Práticas e Recursos</a:t>
             </a:r>
           </a:p>
         </p:txBody>
@@ -9957,22 +9957,13 @@
               </a:rPr>
             </a:br>
             <a:r>
-              <a:rPr lang="pt-PT" sz="2000" b="1" i="1" cap="small" dirty="0" err="1">
-                <a:solidFill>
-                  <a:srgbClr val="FF0000"/>
-                </a:solidFill>
-                <a:latin typeface="Arial" charset="0"/>
-              </a:rPr>
-              <a:t>MÉtodo</a:t>
-            </a:r>
-            <a:r>
               <a:rPr lang="pt-PT" sz="2000" b="1" i="1" cap="small" dirty="0">
                 <a:solidFill>
                   <a:srgbClr val="FF0000"/>
                 </a:solidFill>
                 <a:latin typeface="Arial" charset="0"/>
               </a:rPr>
-              <a:t> Avaliação</a:t>
+              <a:t>Método Avaliação</a:t>
             </a:r>
             <a:endParaRPr lang="pt-PT" sz="2000" b="1" i="1" dirty="0">
               <a:solidFill>
@@ -10348,22 +10339,13 @@
               </a:rPr>
             </a:br>
             <a:r>
-              <a:rPr lang="pt-PT" sz="2000" b="1" i="1" cap="small" dirty="0" err="1">
-                <a:solidFill>
-                  <a:srgbClr val="FF0000"/>
-                </a:solidFill>
-                <a:latin typeface="Arial" charset="0"/>
-              </a:rPr>
-              <a:t>MÉtodo</a:t>
-            </a:r>
-            <a:r>
               <a:rPr lang="pt-PT" sz="2000" b="1" i="1" cap="small" dirty="0">
                 <a:solidFill>
                   <a:srgbClr val="FF0000"/>
                 </a:solidFill>
                 <a:latin typeface="Arial" charset="0"/>
               </a:rPr>
-              <a:t> Avaliação</a:t>
+              <a:t>Método Avaliação</a:t>
             </a:r>
             <a:endParaRPr lang="pt-PT" sz="2000" b="1" i="1" dirty="0">
               <a:solidFill>
@@ -10385,7 +10367,7 @@
         <p:spPr bwMode="auto">
           <a:xfrm>
             <a:off x="540000" y="841276"/>
-            <a:ext cx="8233871" cy="1295087"/>
+            <a:ext cx="8233871" cy="4028143"/>
           </a:xfrm>
           <a:prstGeom prst="rect">
             <a:avLst/>
@@ -10414,7 +10396,7 @@
             </a:pPr>
             <a:r>
               <a:rPr lang="pt-PT" sz="2000" b="0" i="0" dirty="0"/>
-              <a:t>Acesso a Exame / Recurso </a:t>
+              <a:t>Complementar</a:t>
             </a:r>
           </a:p>
           <a:p>
@@ -10427,7 +10409,7 @@
             </a:pPr>
             <a:r>
               <a:rPr lang="pt-PT" sz="1600" b="0" i="0" dirty="0"/>
-              <a:t>Mínimo de 5 valores numa das PIA (Prova Intermédia de Avaliação) ou PFA (Prova Final de Avaliação);</a:t>
+              <a:t>Mínimo de 9,5 valores em 50% das componentes;</a:t>
             </a:r>
           </a:p>
           <a:p>
@@ -10440,7 +10422,124 @@
             </a:pPr>
             <a:r>
               <a:rPr lang="pt-PT" sz="1600" b="0" i="0" dirty="0"/>
-              <a:t>Faltar à uma da PIA ou PFA, ou desistir invalida mínimos de acesso.</a:t>
+              <a:t>Componentes:</a:t>
+            </a:r>
+          </a:p>
+          <a:p>
+            <a:pPr marL="760348" lvl="2" indent="-251459" algn="just" defTabSz="704085">
+              <a:lnSpc>
+                <a:spcPct val="120000"/>
+              </a:lnSpc>
+              <a:buFont typeface="Arial" pitchFamily="34" charset="0"/>
+              <a:buChar char="•"/>
+            </a:pPr>
+            <a:r>
+              <a:rPr lang="pt-PT" sz="1600" b="0" i="0" dirty="0"/>
+              <a:t>25% Teórica / Parte 1;</a:t>
+            </a:r>
+          </a:p>
+          <a:p>
+            <a:pPr marL="760348" lvl="2" indent="-251459" algn="just" defTabSz="704085">
+              <a:lnSpc>
+                <a:spcPct val="120000"/>
+              </a:lnSpc>
+              <a:buFont typeface="Arial" pitchFamily="34" charset="0"/>
+              <a:buChar char="•"/>
+            </a:pPr>
+            <a:r>
+              <a:rPr lang="pt-PT" sz="1600" b="0" i="0" dirty="0"/>
+              <a:t>25% Prática / Parte 1;</a:t>
+            </a:r>
+          </a:p>
+          <a:p>
+            <a:pPr marL="760348" lvl="2" indent="-251459" algn="just" defTabSz="704085">
+              <a:lnSpc>
+                <a:spcPct val="120000"/>
+              </a:lnSpc>
+              <a:buFont typeface="Arial" pitchFamily="34" charset="0"/>
+              <a:buChar char="•"/>
+            </a:pPr>
+            <a:r>
+              <a:rPr lang="pt-PT" sz="1600" b="0" i="0" dirty="0"/>
+              <a:t>25% Teórica / Parte 2;</a:t>
+            </a:r>
+          </a:p>
+          <a:p>
+            <a:pPr marL="760348" lvl="2" indent="-251459" algn="just" defTabSz="704085">
+              <a:lnSpc>
+                <a:spcPct val="120000"/>
+              </a:lnSpc>
+              <a:buFont typeface="Arial" pitchFamily="34" charset="0"/>
+              <a:buChar char="•"/>
+            </a:pPr>
+            <a:r>
+              <a:rPr lang="pt-PT" sz="1600" b="0" i="0" dirty="0"/>
+              <a:t>25% Prática / Parte 2;</a:t>
+            </a:r>
+          </a:p>
+          <a:p>
+            <a:pPr marL="403732" lvl="1" indent="-251459" algn="just" defTabSz="704085">
+              <a:lnSpc>
+                <a:spcPct val="120000"/>
+              </a:lnSpc>
+              <a:buFont typeface="Arial" pitchFamily="34" charset="0"/>
+              <a:buChar char="•"/>
+            </a:pPr>
+            <a:r>
+              <a:rPr lang="pt-PT" sz="1600" b="0" i="0" dirty="0"/>
+              <a:t>Mínimo 2 componentes (5’%), máximo 3 componentes (75%);</a:t>
+            </a:r>
+          </a:p>
+          <a:p>
+            <a:pPr marL="403732" lvl="1" indent="-251459" algn="just" defTabSz="704085">
+              <a:lnSpc>
+                <a:spcPct val="120000"/>
+              </a:lnSpc>
+              <a:buFont typeface="Arial" pitchFamily="34" charset="0"/>
+              <a:buChar char="•"/>
+            </a:pPr>
+            <a:r>
+              <a:rPr lang="pt-PT" sz="1600" b="0" i="0" dirty="0"/>
+              <a:t>Pode ser qualquer combinação de componentes.</a:t>
+            </a:r>
+          </a:p>
+          <a:p>
+            <a:pPr marL="238887" indent="-238887" algn="l" defTabSz="704085">
+              <a:lnSpc>
+                <a:spcPct val="120000"/>
+              </a:lnSpc>
+              <a:buFont typeface="Wingdings" pitchFamily="2" charset="2"/>
+              <a:buChar char="Ø"/>
+            </a:pPr>
+            <a:r>
+              <a:rPr lang="pt-PT" sz="2000" b="0" i="0" dirty="0"/>
+              <a:t>Acesso a Exame / Recurso </a:t>
+            </a:r>
+          </a:p>
+          <a:p>
+            <a:pPr marL="403732" lvl="1" indent="-251459" algn="just" defTabSz="704085">
+              <a:lnSpc>
+                <a:spcPct val="120000"/>
+              </a:lnSpc>
+              <a:buFont typeface="Arial" pitchFamily="34" charset="0"/>
+              <a:buChar char="•"/>
+            </a:pPr>
+            <a:r>
+              <a:rPr lang="pt-PT" sz="1600" b="0" i="0" dirty="0"/>
+              <a:t>Mínimo de 5 valores numa das PIA (Prova Intermédia de Avaliação) ou PFA (Prova Final de Avaliação);</a:t>
+            </a:r>
+          </a:p>
+          <a:p>
+            <a:pPr marL="403732" lvl="1" indent="-251459" algn="just" defTabSz="704085">
+              <a:lnSpc>
+                <a:spcPct val="120000"/>
+              </a:lnSpc>
+              <a:buFont typeface="Arial" pitchFamily="34" charset="0"/>
+              <a:buChar char="•"/>
+            </a:pPr>
+            <a:r>
+              <a:rPr lang="pt-PT" sz="1600" b="0" i="0" dirty="0"/>
+              <a:t>Faltar à uma da PIA ou PFA, ou desistir numa, elemina mínimos de acesso.</a:t>
             </a:r>
           </a:p>
         </p:txBody>

--- a/aulas/t/SCO-T0-INT.pptx
+++ b/aulas/t/SCO-T0-INT.pptx
@@ -5935,6 +5935,14 @@
               <a:t> (</a:t>
             </a:r>
             <a:r>
+              <a:rPr lang="pt-PT" sz="1600" b="0" i="0" dirty="0" err="1"/>
+              <a:t>call</a:t>
+            </a:r>
+            <a:r>
+              <a:rPr lang="pt-PT" sz="1600" b="0" i="0" dirty="0"/>
+              <a:t> </a:t>
+            </a:r>
+            <a:r>
               <a:rPr lang="pt-PT" sz="1600" b="0" dirty="0" err="1"/>
               <a:t>stack</a:t>
             </a:r>
@@ -9160,7 +9168,23 @@
                   <a:schemeClr val="bg1"/>
                 </a:solidFill>
               </a:rPr>
-              <a:t>(se Nota Final &gt;= 8 valores)</a:t>
+              <a:t>(se Nota Final </a:t>
+            </a:r>
+            <a:r>
+              <a:rPr lang="pt-PT" sz="1600">
+                <a:solidFill>
+                  <a:schemeClr val="bg1"/>
+                </a:solidFill>
+              </a:rPr>
+              <a:t>&gt;= 8 </a:t>
+            </a:r>
+            <a:r>
+              <a:rPr lang="pt-PT" sz="1600" dirty="0">
+                <a:solidFill>
+                  <a:schemeClr val="bg1"/>
+                </a:solidFill>
+              </a:rPr>
+              <a:t>valores)</a:t>
             </a:r>
           </a:p>
         </p:txBody>
